--- a/eg_data/NHANES/Laboratory_data/Ordination/Ordination summary.pptx
+++ b/eg_data/NHANES/Laboratory_data/Ordination/Ordination summary.pptx
@@ -25,14 +25,15 @@
     <p:sldId id="291" r:id="rId19"/>
     <p:sldId id="289" r:id="rId20"/>
     <p:sldId id="290" r:id="rId21"/>
-    <p:sldId id="292" r:id="rId22"/>
-    <p:sldId id="296" r:id="rId23"/>
-    <p:sldId id="298" r:id="rId24"/>
-    <p:sldId id="297" r:id="rId25"/>
-    <p:sldId id="299" r:id="rId26"/>
-    <p:sldId id="266" r:id="rId27"/>
-    <p:sldId id="269" r:id="rId28"/>
-    <p:sldId id="270" r:id="rId29"/>
+    <p:sldId id="298" r:id="rId22"/>
+    <p:sldId id="300" r:id="rId23"/>
+    <p:sldId id="297" r:id="rId24"/>
+    <p:sldId id="292" r:id="rId25"/>
+    <p:sldId id="296" r:id="rId26"/>
+    <p:sldId id="299" r:id="rId27"/>
+    <p:sldId id="266" r:id="rId28"/>
+    <p:sldId id="269" r:id="rId29"/>
+    <p:sldId id="270" r:id="rId30"/>
   </p:sldIdLst>
   <p:sldSz cx="12192000" cy="6858000"/>
   <p:notesSz cx="6858000" cy="9144000"/>
@@ -2916,7 +2917,7 @@
             <a:fld id="{D37C2CC6-8D09-460E-A36A-8BF1F4A55F79}" type="datetimeFigureOut">
               <a:rPr lang="en-US" smtClean="0"/>
               <a:pPr/>
-              <a:t>10/14/2022</a:t>
+              <a:t>10/19/2022</a:t>
             </a:fld>
             <a:endParaRPr lang="en-US" dirty="0"/>
           </a:p>
@@ -3127,7 +3128,7 @@
           <a:p>
             <a:fld id="{D37C2CC6-8D09-460E-A36A-8BF1F4A55F79}" type="datetimeFigureOut">
               <a:rPr lang="en-US" smtClean="0"/>
-              <a:t>10/14/2022</a:t>
+              <a:t>10/19/2022</a:t>
             </a:fld>
             <a:endParaRPr lang="en-US" dirty="0"/>
           </a:p>
@@ -3335,7 +3336,7 @@
           <a:p>
             <a:fld id="{D37C2CC6-8D09-460E-A36A-8BF1F4A55F79}" type="datetimeFigureOut">
               <a:rPr lang="en-US" smtClean="0"/>
-              <a:t>10/14/2022</a:t>
+              <a:t>10/19/2022</a:t>
             </a:fld>
             <a:endParaRPr lang="en-US" dirty="0"/>
           </a:p>
@@ -3578,7 +3579,7 @@
             <a:fld id="{D37C2CC6-8D09-460E-A36A-8BF1F4A55F79}" type="datetimeFigureOut">
               <a:rPr lang="en-US" smtClean="0"/>
               <a:pPr/>
-              <a:t>10/14/2022</a:t>
+              <a:t>10/19/2022</a:t>
             </a:fld>
             <a:endParaRPr lang="en-US" dirty="0"/>
           </a:p>
@@ -3860,7 +3861,7 @@
           <a:p>
             <a:fld id="{D37C2CC6-8D09-460E-A36A-8BF1F4A55F79}" type="datetimeFigureOut">
               <a:rPr lang="en-US" smtClean="0"/>
-              <a:t>10/14/2022</a:t>
+              <a:t>10/19/2022</a:t>
             </a:fld>
             <a:endParaRPr lang="en-US" dirty="0"/>
           </a:p>
@@ -4125,7 +4126,7 @@
           <a:p>
             <a:fld id="{D37C2CC6-8D09-460E-A36A-8BF1F4A55F79}" type="datetimeFigureOut">
               <a:rPr lang="en-US" smtClean="0"/>
-              <a:t>10/14/2022</a:t>
+              <a:t>10/19/2022</a:t>
             </a:fld>
             <a:endParaRPr lang="en-US" dirty="0"/>
           </a:p>
@@ -4537,7 +4538,7 @@
           <a:p>
             <a:fld id="{D37C2CC6-8D09-460E-A36A-8BF1F4A55F79}" type="datetimeFigureOut">
               <a:rPr lang="en-US" smtClean="0"/>
-              <a:t>10/14/2022</a:t>
+              <a:t>10/19/2022</a:t>
             </a:fld>
             <a:endParaRPr lang="en-US" dirty="0"/>
           </a:p>
@@ -4678,7 +4679,7 @@
           <a:p>
             <a:fld id="{D37C2CC6-8D09-460E-A36A-8BF1F4A55F79}" type="datetimeFigureOut">
               <a:rPr lang="en-US" smtClean="0"/>
-              <a:t>10/14/2022</a:t>
+              <a:t>10/19/2022</a:t>
             </a:fld>
             <a:endParaRPr lang="en-US" dirty="0"/>
           </a:p>
@@ -4791,7 +4792,7 @@
           <a:p>
             <a:fld id="{D37C2CC6-8D09-460E-A36A-8BF1F4A55F79}" type="datetimeFigureOut">
               <a:rPr lang="en-US" smtClean="0"/>
-              <a:t>10/14/2022</a:t>
+              <a:t>10/19/2022</a:t>
             </a:fld>
             <a:endParaRPr lang="en-US" dirty="0"/>
           </a:p>
@@ -5102,7 +5103,7 @@
           <a:p>
             <a:fld id="{D37C2CC6-8D09-460E-A36A-8BF1F4A55F79}" type="datetimeFigureOut">
               <a:rPr lang="en-US" smtClean="0"/>
-              <a:t>10/14/2022</a:t>
+              <a:t>10/19/2022</a:t>
             </a:fld>
             <a:endParaRPr lang="en-US" dirty="0"/>
           </a:p>
@@ -5390,7 +5391,7 @@
           <a:p>
             <a:fld id="{D37C2CC6-8D09-460E-A36A-8BF1F4A55F79}" type="datetimeFigureOut">
               <a:rPr lang="en-US" smtClean="0"/>
-              <a:t>10/14/2022</a:t>
+              <a:t>10/19/2022</a:t>
             </a:fld>
             <a:endParaRPr lang="en-US" dirty="0"/>
           </a:p>
@@ -5467,9 +5468,14 @@
 <p:sldMaster xmlns:a="http://schemas.openxmlformats.org/drawingml/2006/main" xmlns:r="http://schemas.openxmlformats.org/officeDocument/2006/relationships" xmlns:p="http://schemas.openxmlformats.org/presentationml/2006/main">
   <p:cSld>
     <p:bg>
-      <p:bgRef idx="1001">
-        <a:schemeClr val="bg1"/>
-      </p:bgRef>
+      <p:bgPr>
+        <a:solidFill>
+          <a:schemeClr val="bg1">
+            <a:lumMod val="95000"/>
+          </a:schemeClr>
+        </a:solidFill>
+        <a:effectLst/>
+      </p:bgPr>
     </p:bg>
     <p:spTree>
       <p:nvGrpSpPr>
@@ -5631,7 +5637,7 @@
           <a:p>
             <a:fld id="{D37C2CC6-8D09-460E-A36A-8BF1F4A55F79}" type="datetimeFigureOut">
               <a:rPr lang="en-US" smtClean="0"/>
-              <a:t>10/14/2022</a:t>
+              <a:t>10/19/2022</a:t>
             </a:fld>
             <a:endParaRPr lang="en-US" dirty="0"/>
           </a:p>
@@ -6034,17 +6040,6 @@
 <file path=ppt/slides/slide1.xml><?xml version="1.0" encoding="utf-8"?>
 <p:sld xmlns:a="http://schemas.openxmlformats.org/drawingml/2006/main" xmlns:r="http://schemas.openxmlformats.org/officeDocument/2006/relationships" xmlns:p="http://schemas.openxmlformats.org/presentationml/2006/main">
   <p:cSld>
-    <p:bg>
-      <p:bgPr>
-        <a:solidFill>
-          <a:schemeClr val="bg2">
-            <a:lumMod val="20000"/>
-            <a:lumOff val="80000"/>
-          </a:schemeClr>
-        </a:solidFill>
-        <a:effectLst/>
-      </p:bgPr>
-    </p:bg>
     <p:spTree>
       <p:nvGrpSpPr>
         <p:cNvPr id="1" name=""/>
@@ -7521,17 +7516,6 @@
 <file path=ppt/slides/slide16.xml><?xml version="1.0" encoding="utf-8"?>
 <p:sld xmlns:a="http://schemas.openxmlformats.org/drawingml/2006/main" xmlns:r="http://schemas.openxmlformats.org/officeDocument/2006/relationships" xmlns:p="http://schemas.openxmlformats.org/presentationml/2006/main">
   <p:cSld>
-    <p:bg>
-      <p:bgPr>
-        <a:solidFill>
-          <a:schemeClr val="bg2">
-            <a:lumMod val="20000"/>
-            <a:lumOff val="80000"/>
-          </a:schemeClr>
-        </a:solidFill>
-        <a:effectLst/>
-      </p:bgPr>
-    </p:bg>
     <p:spTree>
       <p:nvGrpSpPr>
         <p:cNvPr id="1" name=""/>
@@ -8214,13 +8198,13 @@
           <p:nvPr>
             <p:extLst>
               <p:ext uri="{D42A27DB-BD31-4B8C-83A1-F6EECF244321}">
-                <p14:modId xmlns:p14="http://schemas.microsoft.com/office/powerpoint/2010/main" val="490486658"/>
+                <p14:modId xmlns:p14="http://schemas.microsoft.com/office/powerpoint/2010/main" val="3414263220"/>
               </p:ext>
             </p:extLst>
           </p:nvPr>
         </p:nvGraphicFramePr>
         <p:xfrm>
-          <a:off x="758367" y="3183257"/>
+          <a:off x="631065" y="2963142"/>
           <a:ext cx="7714446" cy="3411900"/>
         </p:xfrm>
         <a:graphic>
@@ -8466,7 +8450,7 @@
           <a:p>
             <a:r>
               <a:rPr lang="en-AU" sz="2800"/>
-              <a:t>Males in 60 plus BMI</a:t>
+              <a:t>Males in 60 plus, BMI</a:t>
             </a:r>
             <a:endParaRPr lang="en-US" sz="2800" dirty="0"/>
           </a:p>
@@ -9118,6 +9102,82 @@
               <a:t> group</a:t>
             </a:r>
             <a:endParaRPr lang="en-US" sz="1600" dirty="0">
+              <a:latin typeface="Arial" panose="020B0604020202020204" pitchFamily="34" charset="0"/>
+              <a:cs typeface="Arial" panose="020B0604020202020204" pitchFamily="34" charset="0"/>
+            </a:endParaRPr>
+          </a:p>
+        </p:txBody>
+      </p:sp>
+      <p:sp>
+        <p:nvSpPr>
+          <p:cNvPr id="4" name="Multiplication Sign 3">
+            <a:extLst>
+              <a:ext uri="{FF2B5EF4-FFF2-40B4-BE49-F238E27FC236}">
+                <a16:creationId xmlns:a16="http://schemas.microsoft.com/office/drawing/2014/main" id="{1B0C0C93-410D-30D4-8787-AA0DBA4D37E9}"/>
+              </a:ext>
+            </a:extLst>
+          </p:cNvPr>
+          <p:cNvSpPr/>
+          <p:nvPr/>
+        </p:nvSpPr>
+        <p:spPr>
+          <a:xfrm>
+            <a:off x="2907563" y="624756"/>
+            <a:ext cx="7339680" cy="5970401"/>
+          </a:xfrm>
+          <a:prstGeom prst="mathMultiply">
+            <a:avLst>
+              <a:gd name="adj1" fmla="val 16528"/>
+            </a:avLst>
+          </a:prstGeom>
+          <a:solidFill>
+            <a:schemeClr val="accent3">
+              <a:lumMod val="60000"/>
+              <a:lumOff val="40000"/>
+            </a:schemeClr>
+          </a:solidFill>
+          <a:ln w="28575">
+            <a:solidFill>
+              <a:schemeClr val="bg1">
+                <a:lumMod val="65000"/>
+              </a:schemeClr>
+            </a:solidFill>
+          </a:ln>
+        </p:spPr>
+        <p:style>
+          <a:lnRef idx="2">
+            <a:schemeClr val="dk1"/>
+          </a:lnRef>
+          <a:fillRef idx="1">
+            <a:schemeClr val="lt1"/>
+          </a:fillRef>
+          <a:effectRef idx="0">
+            <a:schemeClr val="dk1"/>
+          </a:effectRef>
+          <a:fontRef idx="minor">
+            <a:schemeClr val="dk1"/>
+          </a:fontRef>
+        </p:style>
+        <p:txBody>
+          <a:bodyPr rtlCol="0" anchor="ctr"/>
+          <a:lstStyle/>
+          <a:p>
+            <a:pPr algn="l"/>
+            <a:r>
+              <a:rPr lang="en-US" sz="1600">
+                <a:solidFill>
+                  <a:srgbClr val="000000"/>
+                </a:solidFill>
+                <a:latin typeface="Arial" panose="020B0604020202020204" pitchFamily="34" charset="0"/>
+                <a:cs typeface="Arial" panose="020B0604020202020204" pitchFamily="34" charset="0"/>
+              </a:rPr>
+              <a:t>Order of levels of GLU_index is incorrect!!</a:t>
+            </a:r>
+            <a:endParaRPr lang="en-US" sz="1600" i="0" u="none" strike="noStrike">
+              <a:solidFill>
+                <a:srgbClr val="000000"/>
+              </a:solidFill>
+              <a:effectLst/>
               <a:latin typeface="Arial" panose="020B0604020202020204" pitchFamily="34" charset="0"/>
               <a:cs typeface="Arial" panose="020B0604020202020204" pitchFamily="34" charset="0"/>
             </a:endParaRPr>
@@ -9184,7 +9244,7 @@
           <a:p>
             <a:r>
               <a:rPr lang="en-AU" sz="2800"/>
-              <a:t>Males in 60 plus KCAL</a:t>
+              <a:t>Males in 60 plus, KCAL</a:t>
             </a:r>
             <a:endParaRPr lang="en-US" sz="2800" dirty="0"/>
           </a:p>
@@ -9245,7 +9305,7 @@
                 <a:latin typeface="Arial" panose="020B0604020202020204" pitchFamily="34" charset="0"/>
                 <a:cs typeface="Arial" panose="020B0604020202020204" pitchFamily="34" charset="0"/>
               </a:rPr>
-              <a:t>Calorie intake of Normal, Prediabetic, and Diabetic groups are not different... </a:t>
+              <a:t>Calorie intake of Normal, Prediabetic, and Diabetic groups are not different. </a:t>
             </a:r>
             <a:endParaRPr lang="en-US" sz="1600" dirty="0">
               <a:latin typeface="Arial" panose="020B0604020202020204" pitchFamily="34" charset="0"/>
@@ -9384,7 +9444,7 @@
         <p:spPr>
           <a:xfrm>
             <a:off x="375138" y="262843"/>
-            <a:ext cx="4818185" cy="1073588"/>
+            <a:ext cx="9184498" cy="1073588"/>
           </a:xfrm>
         </p:spPr>
         <p:txBody>
@@ -9395,82 +9455,9 @@
           <a:p>
             <a:r>
               <a:rPr lang="en-AU" sz="2800"/>
-              <a:t>Male in 60plus Lv2 </a:t>
-            </a:r>
-            <a:r>
-              <a:rPr lang="en-AU" sz="2400"/>
-              <a:t>WEIGHTED</a:t>
+              <a:t>Mistake in 40_ordination_NHANES_xxxx found!!</a:t>
             </a:r>
             <a:endParaRPr lang="en-US" sz="2800" dirty="0"/>
-          </a:p>
-        </p:txBody>
-      </p:sp>
-      <p:sp>
-        <p:nvSpPr>
-          <p:cNvPr id="3" name="TextBox 2">
-            <a:extLst>
-              <a:ext uri="{FF2B5EF4-FFF2-40B4-BE49-F238E27FC236}">
-                <a16:creationId xmlns:a16="http://schemas.microsoft.com/office/drawing/2014/main" id="{E29CD46D-6078-AC2F-CB5A-35C8DE794A2E}"/>
-              </a:ext>
-            </a:extLst>
-          </p:cNvPr>
-          <p:cNvSpPr txBox="1"/>
-          <p:nvPr/>
-        </p:nvSpPr>
-        <p:spPr>
-          <a:xfrm>
-            <a:off x="80171" y="5521568"/>
-            <a:ext cx="4818185" cy="584775"/>
-          </a:xfrm>
-          <a:prstGeom prst="rect">
-            <a:avLst/>
-          </a:prstGeom>
-          <a:noFill/>
-        </p:spPr>
-        <p:txBody>
-          <a:bodyPr wrap="square" rtlCol="0">
-            <a:spAutoFit/>
-          </a:bodyPr>
-          <a:lstStyle/>
-          <a:p>
-            <a:r>
-              <a:rPr lang="en-US" sz="1600">
-                <a:solidFill>
-                  <a:schemeClr val="tx1">
-                    <a:lumMod val="85000"/>
-                    <a:lumOff val="15000"/>
-                  </a:schemeClr>
-                </a:solidFill>
-                <a:latin typeface="Arial" panose="020B0604020202020204" pitchFamily="34" charset="0"/>
-                <a:cs typeface="Arial" panose="020B0604020202020204" pitchFamily="34" charset="0"/>
-              </a:rPr>
-              <a:t>vegan::permutest: p-value ~. Assumption OK.</a:t>
-            </a:r>
-          </a:p>
-          <a:p>
-            <a:r>
-              <a:rPr lang="en-US" sz="1600">
-                <a:solidFill>
-                  <a:schemeClr val="tx1">
-                    <a:lumMod val="85000"/>
-                    <a:lumOff val="15000"/>
-                  </a:schemeClr>
-                </a:solidFill>
-                <a:latin typeface="Arial" panose="020B0604020202020204" pitchFamily="34" charset="0"/>
-                <a:cs typeface="Arial" panose="020B0604020202020204" pitchFamily="34" charset="0"/>
-              </a:rPr>
-              <a:t>vegan::adonis: p-value. Groups are.  </a:t>
-            </a:r>
-            <a:endParaRPr lang="en-US" sz="1600" dirty="0">
-              <a:solidFill>
-                <a:schemeClr val="tx1">
-                  <a:lumMod val="85000"/>
-                  <a:lumOff val="15000"/>
-                </a:schemeClr>
-              </a:solidFill>
-              <a:latin typeface="Arial" panose="020B0604020202020204" pitchFamily="34" charset="0"/>
-              <a:cs typeface="Arial" panose="020B0604020202020204" pitchFamily="34" charset="0"/>
-            </a:endParaRPr>
           </a:p>
         </p:txBody>
       </p:sp>
@@ -9488,11 +9475,13 @@
         </p:nvSpPr>
         <p:spPr>
           <a:xfrm>
-            <a:off x="9253305" y="3729296"/>
-            <a:ext cx="2642995" cy="1592561"/>
+            <a:off x="6641648" y="2278316"/>
+            <a:ext cx="2642995" cy="1150684"/>
           </a:xfrm>
           <a:prstGeom prst="roundRect">
-            <a:avLst/>
+            <a:avLst>
+              <a:gd name="adj" fmla="val 13722"/>
+            </a:avLst>
           </a:prstGeom>
           <a:solidFill>
             <a:schemeClr val="bg1"/>
@@ -9529,19 +9518,158 @@
                 <a:latin typeface="Arial" panose="020B0604020202020204" pitchFamily="34" charset="0"/>
                 <a:cs typeface="Arial" panose="020B0604020202020204" pitchFamily="34" charset="0"/>
               </a:rPr>
-              <a:t>Axes 1&amp;2</a:t>
+              <a:t>This must be </a:t>
+            </a:r>
+            <a:r>
+              <a:rPr lang="en-US" sz="1600" b="1">
+                <a:solidFill>
+                  <a:srgbClr val="0070C0"/>
+                </a:solidFill>
+                <a:latin typeface="Arial" panose="020B0604020202020204" pitchFamily="34" charset="0"/>
+                <a:cs typeface="Arial" panose="020B0604020202020204" pitchFamily="34" charset="0"/>
+              </a:rPr>
+              <a:t>levels</a:t>
+            </a:r>
+            <a:r>
+              <a:rPr lang="en-US" sz="1600">
+                <a:latin typeface="Arial" panose="020B0604020202020204" pitchFamily="34" charset="0"/>
+                <a:cs typeface="Arial" panose="020B0604020202020204" pitchFamily="34" charset="0"/>
+              </a:rPr>
+              <a:t>, not </a:t>
+            </a:r>
+            <a:r>
+              <a:rPr lang="en-US" sz="1600" b="1">
+                <a:solidFill>
+                  <a:srgbClr val="FF0000"/>
+                </a:solidFill>
+                <a:latin typeface="Arial" panose="020B0604020202020204" pitchFamily="34" charset="0"/>
+                <a:cs typeface="Arial" panose="020B0604020202020204" pitchFamily="34" charset="0"/>
+              </a:rPr>
+              <a:t>labels</a:t>
+            </a:r>
+            <a:r>
+              <a:rPr lang="en-US" sz="1600">
+                <a:latin typeface="Arial" panose="020B0604020202020204" pitchFamily="34" charset="0"/>
+                <a:cs typeface="Arial" panose="020B0604020202020204" pitchFamily="34" charset="0"/>
+              </a:rPr>
+              <a:t>!!!!</a:t>
             </a:r>
             <a:endParaRPr lang="en-US" sz="1600" dirty="0">
               <a:latin typeface="Arial" panose="020B0604020202020204" pitchFamily="34" charset="0"/>
               <a:cs typeface="Arial" panose="020B0604020202020204" pitchFamily="34" charset="0"/>
             </a:endParaRPr>
+          </a:p>
+        </p:txBody>
+      </p:sp>
+      <p:sp>
+        <p:nvSpPr>
+          <p:cNvPr id="5" name="TextBox 4">
+            <a:extLst>
+              <a:ext uri="{FF2B5EF4-FFF2-40B4-BE49-F238E27FC236}">
+                <a16:creationId xmlns:a16="http://schemas.microsoft.com/office/drawing/2014/main" id="{691DD2D1-AF85-2D9F-7941-D99DA8F027E7}"/>
+              </a:ext>
+            </a:extLst>
+          </p:cNvPr>
+          <p:cNvSpPr txBox="1"/>
+          <p:nvPr/>
+        </p:nvSpPr>
+        <p:spPr>
+          <a:xfrm>
+            <a:off x="694250" y="1564549"/>
+            <a:ext cx="10492154" cy="830997"/>
+          </a:xfrm>
+          <a:prstGeom prst="rect">
+            <a:avLst/>
+          </a:prstGeom>
+          <a:noFill/>
+        </p:spPr>
+        <p:txBody>
+          <a:bodyPr wrap="square">
+            <a:spAutoFit/>
+          </a:bodyPr>
+          <a:lstStyle/>
+          <a:p>
+            <a:r>
+              <a:rPr lang="en-US" sz="1600">
+                <a:latin typeface="Consolas" panose="020B0609020204030204" pitchFamily="49" charset="0"/>
+              </a:rPr>
+              <a:t># Convert the GLU_index as a factor to plot it in order.</a:t>
+            </a:r>
+          </a:p>
+          <a:p>
+            <a:r>
+              <a:rPr lang="en-US" sz="1600">
+                <a:latin typeface="Consolas" panose="020B0609020204030204" pitchFamily="49" charset="0"/>
+              </a:rPr>
+              <a:t>  loaded_glu_u$GLU_index &lt;- factor(loaded_glu_u$GLU_index, </a:t>
+            </a:r>
+            <a:r>
+              <a:rPr lang="en-US" sz="1600" b="1" strike="sngStrike">
+                <a:solidFill>
+                  <a:srgbClr val="FF0000"/>
+                </a:solidFill>
+                <a:latin typeface="Consolas" panose="020B0609020204030204" pitchFamily="49" charset="0"/>
+              </a:rPr>
+              <a:t>labels</a:t>
+            </a:r>
+            <a:r>
+              <a:rPr lang="en-US" sz="1600">
+                <a:latin typeface="Consolas" panose="020B0609020204030204" pitchFamily="49" charset="0"/>
+              </a:rPr>
+              <a:t>= c("Normal", "Prediabetic", "Diabetic"))</a:t>
+            </a:r>
+          </a:p>
+        </p:txBody>
+      </p:sp>
+      <p:sp>
+        <p:nvSpPr>
+          <p:cNvPr id="6" name="TextBox 5">
+            <a:extLst>
+              <a:ext uri="{FF2B5EF4-FFF2-40B4-BE49-F238E27FC236}">
+                <a16:creationId xmlns:a16="http://schemas.microsoft.com/office/drawing/2014/main" id="{C356DC44-FABD-7449-4C65-3D68BBA30449}"/>
+              </a:ext>
+            </a:extLst>
+          </p:cNvPr>
+          <p:cNvSpPr txBox="1"/>
+          <p:nvPr/>
+        </p:nvSpPr>
+        <p:spPr>
+          <a:xfrm>
+            <a:off x="694250" y="4046956"/>
+            <a:ext cx="10492154" cy="1077218"/>
+          </a:xfrm>
+          <a:prstGeom prst="rect">
+            <a:avLst/>
+          </a:prstGeom>
+          <a:noFill/>
+        </p:spPr>
+        <p:txBody>
+          <a:bodyPr wrap="square">
+            <a:spAutoFit/>
+          </a:bodyPr>
+          <a:lstStyle/>
+          <a:p>
+            <a:r>
+              <a:rPr lang="en-US" sz="1600">
+                <a:latin typeface="Consolas" panose="020B0609020204030204" pitchFamily="49" charset="0"/>
+              </a:rPr>
+              <a:t># Change the plot colors so that new figures with correct levels can be distinguished from the incorrect ones…</a:t>
+            </a:r>
+          </a:p>
+          <a:p>
+            <a:r>
+              <a:rPr lang="en-US" sz="1600">
+                <a:latin typeface="Consolas" panose="020B0609020204030204" pitchFamily="49" charset="0"/>
+              </a:rPr>
+              <a:t>colors c("turquoise2", "goldenrod3", "mediumvioletred“) --&gt; replaced with c("steelblue3", "gold3", "hotpink“)</a:t>
+            </a:r>
           </a:p>
         </p:txBody>
       </p:sp>
     </p:spTree>
     <p:extLst>
       <p:ext uri="{BB962C8B-B14F-4D97-AF65-F5344CB8AC3E}">
-        <p14:creationId xmlns:p14="http://schemas.microsoft.com/office/powerpoint/2010/main" val="3261935382"/>
+        <p14:creationId xmlns:p14="http://schemas.microsoft.com/office/powerpoint/2010/main" val="676462966"/>
       </p:ext>
     </p:extLst>
   </p:cSld>
@@ -9598,11 +9726,11 @@
           <a:p>
             <a:r>
               <a:rPr lang="en-AU" sz="2800"/>
-              <a:t>Male in 60plus Lv2 </a:t>
+              <a:t>Male in 60plus Lv3 </a:t>
             </a:r>
             <a:r>
               <a:rPr lang="en-AU" sz="2400"/>
-              <a:t>UNweighted</a:t>
+              <a:t>WEIGHTED</a:t>
             </a:r>
             <a:endParaRPr lang="en-US" sz="2800" dirty="0"/>
           </a:p>
@@ -9610,10 +9738,10 @@
       </p:sp>
       <p:sp>
         <p:nvSpPr>
-          <p:cNvPr id="3" name="TextBox 2">
-            <a:extLst>
-              <a:ext uri="{FF2B5EF4-FFF2-40B4-BE49-F238E27FC236}">
-                <a16:creationId xmlns:a16="http://schemas.microsoft.com/office/drawing/2014/main" id="{E29CD46D-6078-AC2F-CB5A-35C8DE794A2E}"/>
+          <p:cNvPr id="4" name="TextBox 3">
+            <a:extLst>
+              <a:ext uri="{FF2B5EF4-FFF2-40B4-BE49-F238E27FC236}">
+                <a16:creationId xmlns:a16="http://schemas.microsoft.com/office/drawing/2014/main" id="{C7F634AC-AD7A-0B59-4163-7BDF4E651ED8}"/>
               </a:ext>
             </a:extLst>
           </p:cNvPr>
@@ -9622,8 +9750,8 @@
         </p:nvSpPr>
         <p:spPr>
           <a:xfrm>
-            <a:off x="80171" y="5521568"/>
-            <a:ext cx="4818185" cy="584775"/>
+            <a:off x="232571" y="5673968"/>
+            <a:ext cx="4818185" cy="830997"/>
           </a:xfrm>
           <a:prstGeom prst="rect">
             <a:avLst/>
@@ -9647,7 +9775,7 @@
                 <a:latin typeface="Arial" panose="020B0604020202020204" pitchFamily="34" charset="0"/>
                 <a:cs typeface="Arial" panose="020B0604020202020204" pitchFamily="34" charset="0"/>
               </a:rPr>
-              <a:t>vegan::permutest: p-value ~. Assumption OK.</a:t>
+              <a:t>vegan::permutest: p-value ~0.18. Assumption OK.</a:t>
             </a:r>
           </a:p>
           <a:p>
@@ -9662,7 +9790,7 @@
                 <a:latin typeface="Arial" panose="020B0604020202020204" pitchFamily="34" charset="0"/>
                 <a:cs typeface="Arial" panose="020B0604020202020204" pitchFamily="34" charset="0"/>
               </a:rPr>
-              <a:t>vegan::adonis: p-value. Groups are.  </a:t>
+              <a:t>vegan::adonis: p-value 0.06. Groups are borderline but not different.  </a:t>
             </a:r>
             <a:endParaRPr lang="en-US" sz="1600" dirty="0">
               <a:solidFill>
@@ -9677,64 +9805,198 @@
           </a:p>
         </p:txBody>
       </p:sp>
+      <p:pic>
+        <p:nvPicPr>
+          <p:cNvPr id="7" name="Picture 6" descr="Chart, scatter chart, bubble chart&#10;&#10;Description automatically generated">
+            <a:extLst>
+              <a:ext uri="{FF2B5EF4-FFF2-40B4-BE49-F238E27FC236}">
+                <a16:creationId xmlns:a16="http://schemas.microsoft.com/office/drawing/2014/main" id="{BB573E2C-A836-2EFC-5B19-67CBCBA9B0D6}"/>
+              </a:ext>
+            </a:extLst>
+          </p:cNvPr>
+          <p:cNvPicPr>
+            <a:picLocks noChangeAspect="1"/>
+          </p:cNvPicPr>
+          <p:nvPr/>
+        </p:nvPicPr>
+        <p:blipFill>
+          <a:blip r:embed="rId2">
+            <a:extLst>
+              <a:ext uri="{28A0092B-C50C-407E-A947-70E740481C1C}">
+                <a14:useLocalDpi xmlns:a14="http://schemas.microsoft.com/office/drawing/2010/main" val="0"/>
+              </a:ext>
+            </a:extLst>
+          </a:blip>
+          <a:stretch>
+            <a:fillRect/>
+          </a:stretch>
+        </p:blipFill>
+        <p:spPr>
+          <a:xfrm>
+            <a:off x="5193323" y="3526746"/>
+            <a:ext cx="3914827" cy="3075936"/>
+          </a:xfrm>
+          <a:prstGeom prst="rect">
+            <a:avLst/>
+          </a:prstGeom>
+        </p:spPr>
+      </p:pic>
+      <p:pic>
+        <p:nvPicPr>
+          <p:cNvPr id="11" name="Picture 10" descr="Chart, scatter chart&#10;&#10;Description automatically generated">
+            <a:extLst>
+              <a:ext uri="{FF2B5EF4-FFF2-40B4-BE49-F238E27FC236}">
+                <a16:creationId xmlns:a16="http://schemas.microsoft.com/office/drawing/2014/main" id="{30DB13DC-3339-D7D8-F827-19B6F52DF182}"/>
+              </a:ext>
+            </a:extLst>
+          </p:cNvPr>
+          <p:cNvPicPr>
+            <a:picLocks noChangeAspect="1"/>
+          </p:cNvPicPr>
+          <p:nvPr/>
+        </p:nvPicPr>
+        <p:blipFill>
+          <a:blip r:embed="rId3">
+            <a:extLst>
+              <a:ext uri="{28A0092B-C50C-407E-A947-70E740481C1C}">
+                <a14:useLocalDpi xmlns:a14="http://schemas.microsoft.com/office/drawing/2010/main" val="0"/>
+              </a:ext>
+            </a:extLst>
+          </a:blip>
+          <a:stretch>
+            <a:fillRect/>
+          </a:stretch>
+        </p:blipFill>
+        <p:spPr>
+          <a:xfrm>
+            <a:off x="5193322" y="175593"/>
+            <a:ext cx="3914827" cy="3075936"/>
+          </a:xfrm>
+          <a:prstGeom prst="rect">
+            <a:avLst/>
+          </a:prstGeom>
+        </p:spPr>
+      </p:pic>
+      <p:pic>
+        <p:nvPicPr>
+          <p:cNvPr id="13" name="Picture 12" descr="Chart, diagram&#10;&#10;Description automatically generated with medium confidence">
+            <a:extLst>
+              <a:ext uri="{FF2B5EF4-FFF2-40B4-BE49-F238E27FC236}">
+                <a16:creationId xmlns:a16="http://schemas.microsoft.com/office/drawing/2014/main" id="{6636BECB-56D5-B5BB-C1FF-1D4C32F0D958}"/>
+              </a:ext>
+            </a:extLst>
+          </p:cNvPr>
+          <p:cNvPicPr>
+            <a:picLocks noChangeAspect="1"/>
+          </p:cNvPicPr>
+          <p:nvPr/>
+        </p:nvPicPr>
+        <p:blipFill>
+          <a:blip r:embed="rId4">
+            <a:extLst>
+              <a:ext uri="{28A0092B-C50C-407E-A947-70E740481C1C}">
+                <a14:useLocalDpi xmlns:a14="http://schemas.microsoft.com/office/drawing/2010/main" val="0"/>
+              </a:ext>
+            </a:extLst>
+          </a:blip>
+          <a:stretch>
+            <a:fillRect/>
+          </a:stretch>
+        </p:blipFill>
+        <p:spPr>
+          <a:xfrm>
+            <a:off x="148364" y="1790750"/>
+            <a:ext cx="4419600" cy="3472543"/>
+          </a:xfrm>
+          <a:prstGeom prst="rect">
+            <a:avLst/>
+          </a:prstGeom>
+        </p:spPr>
+      </p:pic>
+      <p:pic>
+        <p:nvPicPr>
+          <p:cNvPr id="9" name="Picture 8" descr="Chart, scatter chart&#10;&#10;Description automatically generated">
+            <a:extLst>
+              <a:ext uri="{FF2B5EF4-FFF2-40B4-BE49-F238E27FC236}">
+                <a16:creationId xmlns:a16="http://schemas.microsoft.com/office/drawing/2014/main" id="{A71A90A1-6D2B-3A2F-9130-BDBE6ECDC927}"/>
+              </a:ext>
+            </a:extLst>
+          </p:cNvPr>
+          <p:cNvPicPr>
+            <a:picLocks noChangeAspect="1"/>
+          </p:cNvPicPr>
+          <p:nvPr/>
+        </p:nvPicPr>
+        <p:blipFill>
+          <a:blip r:embed="rId5">
+            <a:extLst>
+              <a:ext uri="{28A0092B-C50C-407E-A947-70E740481C1C}">
+                <a14:useLocalDpi xmlns:a14="http://schemas.microsoft.com/office/drawing/2010/main" val="0"/>
+              </a:ext>
+            </a:extLst>
+          </a:blip>
+          <a:stretch>
+            <a:fillRect/>
+          </a:stretch>
+        </p:blipFill>
+        <p:spPr>
+          <a:xfrm>
+            <a:off x="8277173" y="174211"/>
+            <a:ext cx="3914827" cy="3075936"/>
+          </a:xfrm>
+          <a:prstGeom prst="rect">
+            <a:avLst/>
+          </a:prstGeom>
+        </p:spPr>
+      </p:pic>
       <p:sp>
         <p:nvSpPr>
-          <p:cNvPr id="20" name="Rectangle: Rounded Corners 19">
-            <a:extLst>
-              <a:ext uri="{FF2B5EF4-FFF2-40B4-BE49-F238E27FC236}">
-                <a16:creationId xmlns:a16="http://schemas.microsoft.com/office/drawing/2014/main" id="{7DD8CF00-AC29-B310-CDBF-074C3A73FCA4}"/>
-              </a:ext>
-            </a:extLst>
-          </p:cNvPr>
-          <p:cNvSpPr/>
+          <p:cNvPr id="14" name="TextBox 13">
+            <a:extLst>
+              <a:ext uri="{FF2B5EF4-FFF2-40B4-BE49-F238E27FC236}">
+                <a16:creationId xmlns:a16="http://schemas.microsoft.com/office/drawing/2014/main" id="{5556DDF9-31AA-F488-63FF-CCDD0EC9984B}"/>
+              </a:ext>
+            </a:extLst>
+          </p:cNvPr>
+          <p:cNvSpPr txBox="1"/>
           <p:nvPr/>
         </p:nvSpPr>
         <p:spPr>
           <a:xfrm>
-            <a:off x="9253305" y="3729296"/>
-            <a:ext cx="2642995" cy="1592561"/>
-          </a:xfrm>
-          <a:prstGeom prst="roundRect">
+            <a:off x="2045612" y="4466200"/>
+            <a:ext cx="1706991" cy="276999"/>
+          </a:xfrm>
+          <a:prstGeom prst="rect">
             <a:avLst/>
           </a:prstGeom>
-          <a:solidFill>
-            <a:schemeClr val="bg1"/>
-          </a:solidFill>
-          <a:ln w="28575">
-            <a:solidFill>
-              <a:schemeClr val="bg1">
-                <a:lumMod val="65000"/>
-              </a:schemeClr>
-            </a:solidFill>
-          </a:ln>
-        </p:spPr>
-        <p:style>
-          <a:lnRef idx="2">
-            <a:schemeClr val="dk1"/>
-          </a:lnRef>
-          <a:fillRef idx="1">
-            <a:schemeClr val="lt1"/>
-          </a:fillRef>
-          <a:effectRef idx="0">
-            <a:schemeClr val="dk1"/>
-          </a:effectRef>
-          <a:fontRef idx="minor">
-            <a:schemeClr val="dk1"/>
-          </a:fontRef>
-        </p:style>
+          <a:noFill/>
+        </p:spPr>
         <p:txBody>
-          <a:bodyPr rtlCol="0" anchor="ctr"/>
+          <a:bodyPr wrap="square" rtlCol="0">
+            <a:spAutoFit/>
+          </a:bodyPr>
           <a:lstStyle/>
           <a:p>
-            <a:pPr algn="ctr"/>
-            <a:r>
-              <a:rPr lang="en-US" sz="1600">
+            <a:r>
+              <a:rPr lang="en-US" sz="1200">
+                <a:solidFill>
+                  <a:schemeClr val="tx1">
+                    <a:lumMod val="85000"/>
+                    <a:lumOff val="15000"/>
+                  </a:schemeClr>
+                </a:solidFill>
                 <a:latin typeface="Arial" panose="020B0604020202020204" pitchFamily="34" charset="0"/>
                 <a:cs typeface="Arial" panose="020B0604020202020204" pitchFamily="34" charset="0"/>
               </a:rPr>
-              <a:t>Axes 1&amp;2</a:t>
+              <a:t>Conversion failed</a:t>
             </a:r>
             <a:endParaRPr lang="en-US" sz="1600" dirty="0">
+              <a:solidFill>
+                <a:schemeClr val="tx1">
+                  <a:lumMod val="85000"/>
+                  <a:lumOff val="15000"/>
+                </a:schemeClr>
+              </a:solidFill>
               <a:latin typeface="Arial" panose="020B0604020202020204" pitchFamily="34" charset="0"/>
               <a:cs typeface="Arial" panose="020B0604020202020204" pitchFamily="34" charset="0"/>
             </a:endParaRPr>
@@ -9744,7 +10006,7 @@
     </p:spTree>
     <p:extLst>
       <p:ext uri="{BB962C8B-B14F-4D97-AF65-F5344CB8AC3E}">
-        <p14:creationId xmlns:p14="http://schemas.microsoft.com/office/powerpoint/2010/main" val="2756569458"/>
+        <p14:creationId xmlns:p14="http://schemas.microsoft.com/office/powerpoint/2010/main" val="2879977788"/>
       </p:ext>
     </p:extLst>
   </p:cSld>
@@ -9805,78 +10067,9 @@
             </a:r>
             <a:r>
               <a:rPr lang="en-AU" sz="2400"/>
-              <a:t>WEIGHTED</a:t>
+              <a:t>UNweighted</a:t>
             </a:r>
             <a:endParaRPr lang="en-US" sz="2800" dirty="0"/>
-          </a:p>
-        </p:txBody>
-      </p:sp>
-      <p:sp>
-        <p:nvSpPr>
-          <p:cNvPr id="3" name="TextBox 2">
-            <a:extLst>
-              <a:ext uri="{FF2B5EF4-FFF2-40B4-BE49-F238E27FC236}">
-                <a16:creationId xmlns:a16="http://schemas.microsoft.com/office/drawing/2014/main" id="{E29CD46D-6078-AC2F-CB5A-35C8DE794A2E}"/>
-              </a:ext>
-            </a:extLst>
-          </p:cNvPr>
-          <p:cNvSpPr txBox="1"/>
-          <p:nvPr/>
-        </p:nvSpPr>
-        <p:spPr>
-          <a:xfrm>
-            <a:off x="80171" y="5521568"/>
-            <a:ext cx="4818185" cy="584775"/>
-          </a:xfrm>
-          <a:prstGeom prst="rect">
-            <a:avLst/>
-          </a:prstGeom>
-          <a:noFill/>
-        </p:spPr>
-        <p:txBody>
-          <a:bodyPr wrap="square" rtlCol="0">
-            <a:spAutoFit/>
-          </a:bodyPr>
-          <a:lstStyle/>
-          <a:p>
-            <a:r>
-              <a:rPr lang="en-US" sz="1600">
-                <a:solidFill>
-                  <a:schemeClr val="tx1">
-                    <a:lumMod val="85000"/>
-                    <a:lumOff val="15000"/>
-                  </a:schemeClr>
-                </a:solidFill>
-                <a:latin typeface="Arial" panose="020B0604020202020204" pitchFamily="34" charset="0"/>
-                <a:cs typeface="Arial" panose="020B0604020202020204" pitchFamily="34" charset="0"/>
-              </a:rPr>
-              <a:t>vegan::permutest: p-value ~. Assumption OK.</a:t>
-            </a:r>
-          </a:p>
-          <a:p>
-            <a:r>
-              <a:rPr lang="en-US" sz="1600">
-                <a:solidFill>
-                  <a:schemeClr val="tx1">
-                    <a:lumMod val="85000"/>
-                    <a:lumOff val="15000"/>
-                  </a:schemeClr>
-                </a:solidFill>
-                <a:latin typeface="Arial" panose="020B0604020202020204" pitchFamily="34" charset="0"/>
-                <a:cs typeface="Arial" panose="020B0604020202020204" pitchFamily="34" charset="0"/>
-              </a:rPr>
-              <a:t>vegan::adonis: p-value. Groups are.  </a:t>
-            </a:r>
-            <a:endParaRPr lang="en-US" sz="1600" dirty="0">
-              <a:solidFill>
-                <a:schemeClr val="tx1">
-                  <a:lumMod val="85000"/>
-                  <a:lumOff val="15000"/>
-                </a:schemeClr>
-              </a:solidFill>
-              <a:latin typeface="Arial" panose="020B0604020202020204" pitchFamily="34" charset="0"/>
-              <a:cs typeface="Arial" panose="020B0604020202020204" pitchFamily="34" charset="0"/>
-            </a:endParaRPr>
           </a:p>
         </p:txBody>
       </p:sp>
@@ -9944,10 +10137,223 @@
           </a:p>
         </p:txBody>
       </p:sp>
+      <p:sp>
+        <p:nvSpPr>
+          <p:cNvPr id="4" name="TextBox 3">
+            <a:extLst>
+              <a:ext uri="{FF2B5EF4-FFF2-40B4-BE49-F238E27FC236}">
+                <a16:creationId xmlns:a16="http://schemas.microsoft.com/office/drawing/2014/main" id="{2544FCFA-5CCB-01B5-5038-CA102F0E8DDE}"/>
+              </a:ext>
+            </a:extLst>
+          </p:cNvPr>
+          <p:cNvSpPr txBox="1"/>
+          <p:nvPr/>
+        </p:nvSpPr>
+        <p:spPr>
+          <a:xfrm>
+            <a:off x="232571" y="5673968"/>
+            <a:ext cx="4818185" cy="584775"/>
+          </a:xfrm>
+          <a:prstGeom prst="rect">
+            <a:avLst/>
+          </a:prstGeom>
+          <a:noFill/>
+        </p:spPr>
+        <p:txBody>
+          <a:bodyPr wrap="square" rtlCol="0">
+            <a:spAutoFit/>
+          </a:bodyPr>
+          <a:lstStyle/>
+          <a:p>
+            <a:r>
+              <a:rPr lang="en-US" sz="1600">
+                <a:solidFill>
+                  <a:schemeClr val="tx1">
+                    <a:lumMod val="85000"/>
+                    <a:lumOff val="15000"/>
+                  </a:schemeClr>
+                </a:solidFill>
+                <a:latin typeface="Arial" panose="020B0604020202020204" pitchFamily="34" charset="0"/>
+                <a:cs typeface="Arial" panose="020B0604020202020204" pitchFamily="34" charset="0"/>
+              </a:rPr>
+              <a:t>vegan::permutest: p-value ~0.839. Assumption OK.</a:t>
+            </a:r>
+          </a:p>
+          <a:p>
+            <a:r>
+              <a:rPr lang="en-US" sz="1600">
+                <a:solidFill>
+                  <a:schemeClr val="tx1">
+                    <a:lumMod val="85000"/>
+                    <a:lumOff val="15000"/>
+                  </a:schemeClr>
+                </a:solidFill>
+                <a:latin typeface="Arial" panose="020B0604020202020204" pitchFamily="34" charset="0"/>
+                <a:cs typeface="Arial" panose="020B0604020202020204" pitchFamily="34" charset="0"/>
+              </a:rPr>
+              <a:t>vegan::adonis: p-value:0.009. Groups are different.  </a:t>
+            </a:r>
+            <a:endParaRPr lang="en-US" sz="1600" dirty="0">
+              <a:solidFill>
+                <a:schemeClr val="tx1">
+                  <a:lumMod val="85000"/>
+                  <a:lumOff val="15000"/>
+                </a:schemeClr>
+              </a:solidFill>
+              <a:latin typeface="Arial" panose="020B0604020202020204" pitchFamily="34" charset="0"/>
+              <a:cs typeface="Arial" panose="020B0604020202020204" pitchFamily="34" charset="0"/>
+            </a:endParaRPr>
+          </a:p>
+        </p:txBody>
+      </p:sp>
+      <p:pic>
+        <p:nvPicPr>
+          <p:cNvPr id="6" name="Picture 5" descr="Chart, scatter chart&#10;&#10;Description automatically generated">
+            <a:extLst>
+              <a:ext uri="{FF2B5EF4-FFF2-40B4-BE49-F238E27FC236}">
+                <a16:creationId xmlns:a16="http://schemas.microsoft.com/office/drawing/2014/main" id="{610B52CC-1E54-4BBF-810A-0A96D9621401}"/>
+              </a:ext>
+            </a:extLst>
+          </p:cNvPr>
+          <p:cNvPicPr>
+            <a:picLocks noChangeAspect="1"/>
+          </p:cNvPicPr>
+          <p:nvPr/>
+        </p:nvPicPr>
+        <p:blipFill>
+          <a:blip r:embed="rId2">
+            <a:extLst>
+              <a:ext uri="{28A0092B-C50C-407E-A947-70E740481C1C}">
+                <a14:useLocalDpi xmlns:a14="http://schemas.microsoft.com/office/drawing/2010/main" val="0"/>
+              </a:ext>
+            </a:extLst>
+          </a:blip>
+          <a:stretch>
+            <a:fillRect/>
+          </a:stretch>
+        </p:blipFill>
+        <p:spPr>
+          <a:xfrm>
+            <a:off x="5153352" y="3578514"/>
+            <a:ext cx="3910423" cy="3072475"/>
+          </a:xfrm>
+          <a:prstGeom prst="rect">
+            <a:avLst/>
+          </a:prstGeom>
+        </p:spPr>
+      </p:pic>
+      <p:pic>
+        <p:nvPicPr>
+          <p:cNvPr id="10" name="Picture 9" descr="Chart, scatter chart&#10;&#10;Description automatically generated">
+            <a:extLst>
+              <a:ext uri="{FF2B5EF4-FFF2-40B4-BE49-F238E27FC236}">
+                <a16:creationId xmlns:a16="http://schemas.microsoft.com/office/drawing/2014/main" id="{0C96C3DC-3DAC-E290-FA85-AC2AA716505F}"/>
+              </a:ext>
+            </a:extLst>
+          </p:cNvPr>
+          <p:cNvPicPr>
+            <a:picLocks noChangeAspect="1"/>
+          </p:cNvPicPr>
+          <p:nvPr/>
+        </p:nvPicPr>
+        <p:blipFill>
+          <a:blip r:embed="rId3">
+            <a:extLst>
+              <a:ext uri="{28A0092B-C50C-407E-A947-70E740481C1C}">
+                <a14:useLocalDpi xmlns:a14="http://schemas.microsoft.com/office/drawing/2010/main" val="0"/>
+              </a:ext>
+            </a:extLst>
+          </a:blip>
+          <a:stretch>
+            <a:fillRect/>
+          </a:stretch>
+        </p:blipFill>
+        <p:spPr>
+          <a:xfrm>
+            <a:off x="5153352" y="359412"/>
+            <a:ext cx="3910423" cy="3072475"/>
+          </a:xfrm>
+          <a:prstGeom prst="rect">
+            <a:avLst/>
+          </a:prstGeom>
+        </p:spPr>
+      </p:pic>
+      <p:pic>
+        <p:nvPicPr>
+          <p:cNvPr id="8" name="Picture 7" descr="Chart, scatter chart&#10;&#10;Description automatically generated">
+            <a:extLst>
+              <a:ext uri="{FF2B5EF4-FFF2-40B4-BE49-F238E27FC236}">
+                <a16:creationId xmlns:a16="http://schemas.microsoft.com/office/drawing/2014/main" id="{171EA81E-71DA-B463-168C-D131E524C292}"/>
+              </a:ext>
+            </a:extLst>
+          </p:cNvPr>
+          <p:cNvPicPr>
+            <a:picLocks noChangeAspect="1"/>
+          </p:cNvPicPr>
+          <p:nvPr/>
+        </p:nvPicPr>
+        <p:blipFill>
+          <a:blip r:embed="rId4">
+            <a:extLst>
+              <a:ext uri="{28A0092B-C50C-407E-A947-70E740481C1C}">
+                <a14:useLocalDpi xmlns:a14="http://schemas.microsoft.com/office/drawing/2010/main" val="0"/>
+              </a:ext>
+            </a:extLst>
+          </a:blip>
+          <a:stretch>
+            <a:fillRect/>
+          </a:stretch>
+        </p:blipFill>
+        <p:spPr>
+          <a:xfrm>
+            <a:off x="8281577" y="359411"/>
+            <a:ext cx="3910423" cy="3072475"/>
+          </a:xfrm>
+          <a:prstGeom prst="rect">
+            <a:avLst/>
+          </a:prstGeom>
+        </p:spPr>
+      </p:pic>
+      <p:pic>
+        <p:nvPicPr>
+          <p:cNvPr id="12" name="Picture 11" descr="Chart, scatter chart&#10;&#10;Description automatically generated">
+            <a:extLst>
+              <a:ext uri="{FF2B5EF4-FFF2-40B4-BE49-F238E27FC236}">
+                <a16:creationId xmlns:a16="http://schemas.microsoft.com/office/drawing/2014/main" id="{BD6BA42B-1B50-8E8A-E119-D37C6D89D51F}"/>
+              </a:ext>
+            </a:extLst>
+          </p:cNvPr>
+          <p:cNvPicPr>
+            <a:picLocks noChangeAspect="1"/>
+          </p:cNvPicPr>
+          <p:nvPr/>
+        </p:nvPicPr>
+        <p:blipFill>
+          <a:blip r:embed="rId5">
+            <a:extLst>
+              <a:ext uri="{28A0092B-C50C-407E-A947-70E740481C1C}">
+                <a14:useLocalDpi xmlns:a14="http://schemas.microsoft.com/office/drawing/2010/main" val="0"/>
+              </a:ext>
+            </a:extLst>
+          </a:blip>
+          <a:stretch>
+            <a:fillRect/>
+          </a:stretch>
+        </p:blipFill>
+        <p:spPr>
+          <a:xfrm>
+            <a:off x="232571" y="1724139"/>
+            <a:ext cx="4125034" cy="3241098"/>
+          </a:xfrm>
+          <a:prstGeom prst="rect">
+            <a:avLst/>
+          </a:prstGeom>
+        </p:spPr>
+      </p:pic>
     </p:spTree>
     <p:extLst>
       <p:ext uri="{BB962C8B-B14F-4D97-AF65-F5344CB8AC3E}">
-        <p14:creationId xmlns:p14="http://schemas.microsoft.com/office/powerpoint/2010/main" val="676462966"/>
+        <p14:creationId xmlns:p14="http://schemas.microsoft.com/office/powerpoint/2010/main" val="3323109437"/>
       </p:ext>
     </p:extLst>
   </p:cSld>
@@ -10004,11 +10410,11 @@
           <a:p>
             <a:r>
               <a:rPr lang="en-AU" sz="2800"/>
-              <a:t>Male in 60plus Lv3 </a:t>
+              <a:t>Male in 60plus Lv2 </a:t>
             </a:r>
             <a:r>
               <a:rPr lang="en-AU" sz="2400"/>
-              <a:t>UNweighted</a:t>
+              <a:t>WEIGHTED</a:t>
             </a:r>
             <a:endParaRPr lang="en-US" sz="2800" dirty="0"/>
           </a:p>
@@ -10053,7 +10459,7 @@
                 <a:latin typeface="Arial" panose="020B0604020202020204" pitchFamily="34" charset="0"/>
                 <a:cs typeface="Arial" panose="020B0604020202020204" pitchFamily="34" charset="0"/>
               </a:rPr>
-              <a:t>vegan::permutest: p-value ~. Assumption OK.</a:t>
+              <a:t>vegan::permutest: p-value ~0.15. Assumption OK.</a:t>
             </a:r>
           </a:p>
           <a:p>
@@ -10068,7 +10474,7 @@
                 <a:latin typeface="Arial" panose="020B0604020202020204" pitchFamily="34" charset="0"/>
                 <a:cs typeface="Arial" panose="020B0604020202020204" pitchFamily="34" charset="0"/>
               </a:rPr>
-              <a:t>vegan::adonis: p-value. Groups are.  </a:t>
+              <a:t>vegan::adonis: p-value 0.04. Groups are different.  </a:t>
             </a:r>
             <a:endParaRPr lang="en-US" sz="1600" dirty="0">
               <a:solidFill>
@@ -10097,8 +10503,8 @@
         </p:nvSpPr>
         <p:spPr>
           <a:xfrm>
-            <a:off x="9253305" y="3729296"/>
-            <a:ext cx="2642995" cy="1592561"/>
+            <a:off x="9054549" y="3565153"/>
+            <a:ext cx="2801996" cy="1011114"/>
           </a:xfrm>
           <a:prstGeom prst="roundRect">
             <a:avLst/>
@@ -10138,9 +10544,207 @@
                 <a:latin typeface="Arial" panose="020B0604020202020204" pitchFamily="34" charset="0"/>
                 <a:cs typeface="Arial" panose="020B0604020202020204" pitchFamily="34" charset="0"/>
               </a:rPr>
-              <a:t>Axes 1&amp;2</a:t>
+              <a:t>In Axes 2&amp;3 and Axes2&amp;4, Normal subpopulations look distinct.</a:t>
             </a:r>
             <a:endParaRPr lang="en-US" sz="1600" dirty="0">
+              <a:latin typeface="Arial" panose="020B0604020202020204" pitchFamily="34" charset="0"/>
+              <a:cs typeface="Arial" panose="020B0604020202020204" pitchFamily="34" charset="0"/>
+            </a:endParaRPr>
+          </a:p>
+        </p:txBody>
+      </p:sp>
+      <p:pic>
+        <p:nvPicPr>
+          <p:cNvPr id="15" name="Picture 14" descr="Chart, diagram, scatter chart&#10;&#10;Description automatically generated">
+            <a:extLst>
+              <a:ext uri="{FF2B5EF4-FFF2-40B4-BE49-F238E27FC236}">
+                <a16:creationId xmlns:a16="http://schemas.microsoft.com/office/drawing/2014/main" id="{DC529580-223E-7D53-85A1-FFD418D910A9}"/>
+              </a:ext>
+            </a:extLst>
+          </p:cNvPr>
+          <p:cNvPicPr>
+            <a:picLocks noChangeAspect="1"/>
+          </p:cNvPicPr>
+          <p:nvPr/>
+        </p:nvPicPr>
+        <p:blipFill>
+          <a:blip r:embed="rId2">
+            <a:extLst>
+              <a:ext uri="{28A0092B-C50C-407E-A947-70E740481C1C}">
+                <a14:useLocalDpi xmlns:a14="http://schemas.microsoft.com/office/drawing/2010/main" val="0"/>
+              </a:ext>
+            </a:extLst>
+          </a:blip>
+          <a:stretch>
+            <a:fillRect/>
+          </a:stretch>
+        </p:blipFill>
+        <p:spPr>
+          <a:xfrm>
+            <a:off x="4850192" y="153512"/>
+            <a:ext cx="4038306" cy="3172955"/>
+          </a:xfrm>
+          <a:prstGeom prst="rect">
+            <a:avLst/>
+          </a:prstGeom>
+        </p:spPr>
+      </p:pic>
+      <p:pic>
+        <p:nvPicPr>
+          <p:cNvPr id="17" name="Picture 16" descr="Chart, diagram, scatter chart&#10;&#10;Description automatically generated">
+            <a:extLst>
+              <a:ext uri="{FF2B5EF4-FFF2-40B4-BE49-F238E27FC236}">
+                <a16:creationId xmlns:a16="http://schemas.microsoft.com/office/drawing/2014/main" id="{5BFB78DF-E595-E192-C1C0-1F7E2D733BF3}"/>
+              </a:ext>
+            </a:extLst>
+          </p:cNvPr>
+          <p:cNvPicPr>
+            <a:picLocks noChangeAspect="1"/>
+          </p:cNvPicPr>
+          <p:nvPr/>
+        </p:nvPicPr>
+        <p:blipFill>
+          <a:blip r:embed="rId3">
+            <a:extLst>
+              <a:ext uri="{28A0092B-C50C-407E-A947-70E740481C1C}">
+                <a14:useLocalDpi xmlns:a14="http://schemas.microsoft.com/office/drawing/2010/main" val="0"/>
+              </a:ext>
+            </a:extLst>
+          </a:blip>
+          <a:stretch>
+            <a:fillRect/>
+          </a:stretch>
+        </p:blipFill>
+        <p:spPr>
+          <a:xfrm>
+            <a:off x="80171" y="1848521"/>
+            <a:ext cx="4326238" cy="3399187"/>
+          </a:xfrm>
+          <a:prstGeom prst="rect">
+            <a:avLst/>
+          </a:prstGeom>
+        </p:spPr>
+      </p:pic>
+      <p:pic>
+        <p:nvPicPr>
+          <p:cNvPr id="19" name="Picture 18" descr="Chart, scatter chart&#10;&#10;Description automatically generated">
+            <a:extLst>
+              <a:ext uri="{FF2B5EF4-FFF2-40B4-BE49-F238E27FC236}">
+                <a16:creationId xmlns:a16="http://schemas.microsoft.com/office/drawing/2014/main" id="{1ADC8666-B1B1-3C9E-2E22-DBAA4A65A86F}"/>
+              </a:ext>
+            </a:extLst>
+          </p:cNvPr>
+          <p:cNvPicPr>
+            <a:picLocks noChangeAspect="1"/>
+          </p:cNvPicPr>
+          <p:nvPr/>
+        </p:nvPicPr>
+        <p:blipFill>
+          <a:blip r:embed="rId4">
+            <a:extLst>
+              <a:ext uri="{28A0092B-C50C-407E-A947-70E740481C1C}">
+                <a14:useLocalDpi xmlns:a14="http://schemas.microsoft.com/office/drawing/2010/main" val="0"/>
+              </a:ext>
+            </a:extLst>
+          </a:blip>
+          <a:stretch>
+            <a:fillRect/>
+          </a:stretch>
+        </p:blipFill>
+        <p:spPr>
+          <a:xfrm>
+            <a:off x="4850192" y="3531533"/>
+            <a:ext cx="4038306" cy="3172955"/>
+          </a:xfrm>
+          <a:prstGeom prst="rect">
+            <a:avLst/>
+          </a:prstGeom>
+        </p:spPr>
+      </p:pic>
+      <p:pic>
+        <p:nvPicPr>
+          <p:cNvPr id="22" name="Picture 21" descr="Chart, scatter chart&#10;&#10;Description automatically generated">
+            <a:extLst>
+              <a:ext uri="{FF2B5EF4-FFF2-40B4-BE49-F238E27FC236}">
+                <a16:creationId xmlns:a16="http://schemas.microsoft.com/office/drawing/2014/main" id="{1943136F-B0CD-3266-CC39-EF92CE7366DF}"/>
+              </a:ext>
+            </a:extLst>
+          </p:cNvPr>
+          <p:cNvPicPr>
+            <a:picLocks noChangeAspect="1"/>
+          </p:cNvPicPr>
+          <p:nvPr/>
+        </p:nvPicPr>
+        <p:blipFill>
+          <a:blip r:embed="rId5">
+            <a:extLst>
+              <a:ext uri="{28A0092B-C50C-407E-A947-70E740481C1C}">
+                <a14:useLocalDpi xmlns:a14="http://schemas.microsoft.com/office/drawing/2010/main" val="0"/>
+              </a:ext>
+            </a:extLst>
+          </a:blip>
+          <a:stretch>
+            <a:fillRect/>
+          </a:stretch>
+        </p:blipFill>
+        <p:spPr>
+          <a:xfrm>
+            <a:off x="8101051" y="153511"/>
+            <a:ext cx="4038306" cy="3172955"/>
+          </a:xfrm>
+          <a:prstGeom prst="rect">
+            <a:avLst/>
+          </a:prstGeom>
+        </p:spPr>
+      </p:pic>
+      <p:sp>
+        <p:nvSpPr>
+          <p:cNvPr id="13" name="TextBox 12">
+            <a:extLst>
+              <a:ext uri="{FF2B5EF4-FFF2-40B4-BE49-F238E27FC236}">
+                <a16:creationId xmlns:a16="http://schemas.microsoft.com/office/drawing/2014/main" id="{929D313D-EE40-F043-A52A-FA3CA683AF07}"/>
+              </a:ext>
+            </a:extLst>
+          </p:cNvPr>
+          <p:cNvSpPr txBox="1"/>
+          <p:nvPr/>
+        </p:nvSpPr>
+        <p:spPr>
+          <a:xfrm>
+            <a:off x="604518" y="4539301"/>
+            <a:ext cx="2522352" cy="276999"/>
+          </a:xfrm>
+          <a:prstGeom prst="rect">
+            <a:avLst/>
+          </a:prstGeom>
+          <a:noFill/>
+        </p:spPr>
+        <p:txBody>
+          <a:bodyPr wrap="square" rtlCol="0">
+            <a:spAutoFit/>
+          </a:bodyPr>
+          <a:lstStyle/>
+          <a:p>
+            <a:r>
+              <a:rPr lang="en-US" sz="1200">
+                <a:solidFill>
+                  <a:schemeClr val="tx1">
+                    <a:lumMod val="85000"/>
+                    <a:lumOff val="15000"/>
+                  </a:schemeClr>
+                </a:solidFill>
+                <a:latin typeface="Arial" panose="020B0604020202020204" pitchFamily="34" charset="0"/>
+                <a:cs typeface="Arial" panose="020B0604020202020204" pitchFamily="34" charset="0"/>
+              </a:rPr>
+              <a:t>Conversion failed</a:t>
+            </a:r>
+            <a:endParaRPr lang="en-US" sz="1600" dirty="0">
+              <a:solidFill>
+                <a:schemeClr val="tx1">
+                  <a:lumMod val="85000"/>
+                  <a:lumOff val="15000"/>
+                </a:schemeClr>
+              </a:solidFill>
               <a:latin typeface="Arial" panose="020B0604020202020204" pitchFamily="34" charset="0"/>
               <a:cs typeface="Arial" panose="020B0604020202020204" pitchFamily="34" charset="0"/>
             </a:endParaRPr>
@@ -10150,7 +10754,7 @@
     </p:spTree>
     <p:extLst>
       <p:ext uri="{BB962C8B-B14F-4D97-AF65-F5344CB8AC3E}">
-        <p14:creationId xmlns:p14="http://schemas.microsoft.com/office/powerpoint/2010/main" val="3323109437"/>
+        <p14:creationId xmlns:p14="http://schemas.microsoft.com/office/powerpoint/2010/main" val="3261935382"/>
       </p:ext>
     </p:extLst>
   </p:cSld>
@@ -10196,7 +10800,7 @@
         <p:spPr>
           <a:xfrm>
             <a:off x="375138" y="262843"/>
-            <a:ext cx="8717347" cy="1073588"/>
+            <a:ext cx="4818185" cy="1073588"/>
           </a:xfrm>
         </p:spPr>
         <p:txBody>
@@ -10207,7 +10811,11 @@
           <a:p>
             <a:r>
               <a:rPr lang="en-AU" sz="2800"/>
-              <a:t>Male in 60plus PCA test separation using adonis by feeding Euclidean distance matrix to the model.</a:t>
+              <a:t>Male in 60plus Lv2 </a:t>
+            </a:r>
+            <a:r>
+              <a:rPr lang="en-AU" sz="2400"/>
+              <a:t>UNweighted</a:t>
             </a:r>
             <a:endParaRPr lang="en-US" sz="2800" dirty="0"/>
           </a:p>
@@ -10252,7 +10860,7 @@
                 <a:latin typeface="Arial" panose="020B0604020202020204" pitchFamily="34" charset="0"/>
                 <a:cs typeface="Arial" panose="020B0604020202020204" pitchFamily="34" charset="0"/>
               </a:rPr>
-              <a:t>vegan::permutest: p-value ~. Assumption OK.</a:t>
+              <a:t>vegan::permutest: p-value ~0.8. Assumption OK.</a:t>
             </a:r>
           </a:p>
           <a:p>
@@ -10267,7 +10875,7 @@
                 <a:latin typeface="Arial" panose="020B0604020202020204" pitchFamily="34" charset="0"/>
                 <a:cs typeface="Arial" panose="020B0604020202020204" pitchFamily="34" charset="0"/>
               </a:rPr>
-              <a:t>vegan::adonis: p-value. Groups are.  </a:t>
+              <a:t>vegan::adonis: p-value:0.013. Groups are different.  </a:t>
             </a:r>
             <a:endParaRPr lang="en-US" sz="1600" dirty="0">
               <a:solidFill>
@@ -10346,6 +10954,349 @@
           </a:p>
         </p:txBody>
       </p:sp>
+      <p:pic>
+        <p:nvPicPr>
+          <p:cNvPr id="14" name="Picture 13" descr="Chart, scatter chart&#10;&#10;Description automatically generated">
+            <a:extLst>
+              <a:ext uri="{FF2B5EF4-FFF2-40B4-BE49-F238E27FC236}">
+                <a16:creationId xmlns:a16="http://schemas.microsoft.com/office/drawing/2014/main" id="{1815F759-CB31-F673-9442-B4CC2EBB4A2E}"/>
+              </a:ext>
+            </a:extLst>
+          </p:cNvPr>
+          <p:cNvPicPr>
+            <a:picLocks noChangeAspect="1"/>
+          </p:cNvPicPr>
+          <p:nvPr/>
+        </p:nvPicPr>
+        <p:blipFill>
+          <a:blip r:embed="rId2">
+            <a:extLst>
+              <a:ext uri="{28A0092B-C50C-407E-A947-70E740481C1C}">
+                <a14:useLocalDpi xmlns:a14="http://schemas.microsoft.com/office/drawing/2010/main" val="0"/>
+              </a:ext>
+            </a:extLst>
+          </a:blip>
+          <a:stretch>
+            <a:fillRect/>
+          </a:stretch>
+        </p:blipFill>
+        <p:spPr>
+          <a:xfrm>
+            <a:off x="80171" y="1550500"/>
+            <a:ext cx="4419607" cy="3472548"/>
+          </a:xfrm>
+          <a:prstGeom prst="rect">
+            <a:avLst/>
+          </a:prstGeom>
+        </p:spPr>
+      </p:pic>
+      <p:pic>
+        <p:nvPicPr>
+          <p:cNvPr id="16" name="Picture 15" descr="Chart, scatter chart&#10;&#10;Description automatically generated">
+            <a:extLst>
+              <a:ext uri="{FF2B5EF4-FFF2-40B4-BE49-F238E27FC236}">
+                <a16:creationId xmlns:a16="http://schemas.microsoft.com/office/drawing/2014/main" id="{ADD8C889-A7B1-AE58-36D1-C3157FC5472A}"/>
+              </a:ext>
+            </a:extLst>
+          </p:cNvPr>
+          <p:cNvPicPr>
+            <a:picLocks noChangeAspect="1"/>
+          </p:cNvPicPr>
+          <p:nvPr/>
+        </p:nvPicPr>
+        <p:blipFill>
+          <a:blip r:embed="rId3">
+            <a:extLst>
+              <a:ext uri="{28A0092B-C50C-407E-A947-70E740481C1C}">
+                <a14:useLocalDpi xmlns:a14="http://schemas.microsoft.com/office/drawing/2010/main" val="0"/>
+              </a:ext>
+            </a:extLst>
+          </a:blip>
+          <a:stretch>
+            <a:fillRect/>
+          </a:stretch>
+        </p:blipFill>
+        <p:spPr>
+          <a:xfrm>
+            <a:off x="4911669" y="3503731"/>
+            <a:ext cx="4007255" cy="3148557"/>
+          </a:xfrm>
+          <a:prstGeom prst="rect">
+            <a:avLst/>
+          </a:prstGeom>
+        </p:spPr>
+      </p:pic>
+      <p:pic>
+        <p:nvPicPr>
+          <p:cNvPr id="21" name="Picture 20" descr="Chart, scatter chart&#10;&#10;Description automatically generated">
+            <a:extLst>
+              <a:ext uri="{FF2B5EF4-FFF2-40B4-BE49-F238E27FC236}">
+                <a16:creationId xmlns:a16="http://schemas.microsoft.com/office/drawing/2014/main" id="{345A5168-8131-70CC-522C-282E8DA2F44C}"/>
+              </a:ext>
+            </a:extLst>
+          </p:cNvPr>
+          <p:cNvPicPr>
+            <a:picLocks noChangeAspect="1"/>
+          </p:cNvPicPr>
+          <p:nvPr/>
+        </p:nvPicPr>
+        <p:blipFill>
+          <a:blip r:embed="rId4">
+            <a:extLst>
+              <a:ext uri="{28A0092B-C50C-407E-A947-70E740481C1C}">
+                <a14:useLocalDpi xmlns:a14="http://schemas.microsoft.com/office/drawing/2010/main" val="0"/>
+              </a:ext>
+            </a:extLst>
+          </a:blip>
+          <a:stretch>
+            <a:fillRect/>
+          </a:stretch>
+        </p:blipFill>
+        <p:spPr>
+          <a:xfrm>
+            <a:off x="4911669" y="280443"/>
+            <a:ext cx="4007255" cy="3148557"/>
+          </a:xfrm>
+          <a:prstGeom prst="rect">
+            <a:avLst/>
+          </a:prstGeom>
+        </p:spPr>
+      </p:pic>
+      <p:pic>
+        <p:nvPicPr>
+          <p:cNvPr id="18" name="Picture 17" descr="Chart, scatter chart&#10;&#10;Description automatically generated">
+            <a:extLst>
+              <a:ext uri="{FF2B5EF4-FFF2-40B4-BE49-F238E27FC236}">
+                <a16:creationId xmlns:a16="http://schemas.microsoft.com/office/drawing/2014/main" id="{839C166D-78A4-8FB1-0297-ECC15A5439F2}"/>
+              </a:ext>
+            </a:extLst>
+          </p:cNvPr>
+          <p:cNvPicPr>
+            <a:picLocks noChangeAspect="1"/>
+          </p:cNvPicPr>
+          <p:nvPr/>
+        </p:nvPicPr>
+        <p:blipFill>
+          <a:blip r:embed="rId5">
+            <a:extLst>
+              <a:ext uri="{28A0092B-C50C-407E-A947-70E740481C1C}">
+                <a14:useLocalDpi xmlns:a14="http://schemas.microsoft.com/office/drawing/2010/main" val="0"/>
+              </a:ext>
+            </a:extLst>
+          </a:blip>
+          <a:stretch>
+            <a:fillRect/>
+          </a:stretch>
+        </p:blipFill>
+        <p:spPr>
+          <a:xfrm>
+            <a:off x="8174147" y="280443"/>
+            <a:ext cx="4007255" cy="3148557"/>
+          </a:xfrm>
+          <a:prstGeom prst="rect">
+            <a:avLst/>
+          </a:prstGeom>
+        </p:spPr>
+      </p:pic>
+    </p:spTree>
+    <p:extLst>
+      <p:ext uri="{BB962C8B-B14F-4D97-AF65-F5344CB8AC3E}">
+        <p14:creationId xmlns:p14="http://schemas.microsoft.com/office/powerpoint/2010/main" val="2756569458"/>
+      </p:ext>
+    </p:extLst>
+  </p:cSld>
+  <p:clrMapOvr>
+    <a:masterClrMapping/>
+  </p:clrMapOvr>
+</p:sld>
+</file>
+
+<file path=ppt/slides/slide26.xml><?xml version="1.0" encoding="utf-8"?>
+<p:sld xmlns:a="http://schemas.openxmlformats.org/drawingml/2006/main" xmlns:r="http://schemas.openxmlformats.org/officeDocument/2006/relationships" xmlns:p="http://schemas.openxmlformats.org/presentationml/2006/main">
+  <p:cSld>
+    <p:spTree>
+      <p:nvGrpSpPr>
+        <p:cNvPr id="1" name=""/>
+        <p:cNvGrpSpPr/>
+        <p:nvPr/>
+      </p:nvGrpSpPr>
+      <p:grpSpPr>
+        <a:xfrm>
+          <a:off x="0" y="0"/>
+          <a:ext cx="0" cy="0"/>
+          <a:chOff x="0" y="0"/>
+          <a:chExt cx="0" cy="0"/>
+        </a:xfrm>
+      </p:grpSpPr>
+      <p:sp>
+        <p:nvSpPr>
+          <p:cNvPr id="2" name="Title 1">
+            <a:extLst>
+              <a:ext uri="{FF2B5EF4-FFF2-40B4-BE49-F238E27FC236}">
+                <a16:creationId xmlns:a16="http://schemas.microsoft.com/office/drawing/2014/main" id="{BC5DFE2C-EC3C-618F-59D2-D97D34FA651B}"/>
+              </a:ext>
+            </a:extLst>
+          </p:cNvPr>
+          <p:cNvSpPr>
+            <a:spLocks noGrp="1"/>
+          </p:cNvSpPr>
+          <p:nvPr>
+            <p:ph type="title"/>
+          </p:nvPr>
+        </p:nvSpPr>
+        <p:spPr>
+          <a:xfrm>
+            <a:off x="375138" y="262843"/>
+            <a:ext cx="8717347" cy="1073588"/>
+          </a:xfrm>
+        </p:spPr>
+        <p:txBody>
+          <a:bodyPr>
+            <a:noAutofit/>
+          </a:bodyPr>
+          <a:lstStyle/>
+          <a:p>
+            <a:r>
+              <a:rPr lang="en-AU" sz="2800"/>
+              <a:t>Male in 60plus PCA test separation using adonis by feeding Euclidean distance matrix to the model.</a:t>
+            </a:r>
+            <a:endParaRPr lang="en-US" sz="2800" dirty="0"/>
+          </a:p>
+        </p:txBody>
+      </p:sp>
+      <p:sp>
+        <p:nvSpPr>
+          <p:cNvPr id="3" name="TextBox 2">
+            <a:extLst>
+              <a:ext uri="{FF2B5EF4-FFF2-40B4-BE49-F238E27FC236}">
+                <a16:creationId xmlns:a16="http://schemas.microsoft.com/office/drawing/2014/main" id="{E29CD46D-6078-AC2F-CB5A-35C8DE794A2E}"/>
+              </a:ext>
+            </a:extLst>
+          </p:cNvPr>
+          <p:cNvSpPr txBox="1"/>
+          <p:nvPr/>
+        </p:nvSpPr>
+        <p:spPr>
+          <a:xfrm>
+            <a:off x="80171" y="5521568"/>
+            <a:ext cx="4818185" cy="584775"/>
+          </a:xfrm>
+          <a:prstGeom prst="rect">
+            <a:avLst/>
+          </a:prstGeom>
+          <a:noFill/>
+        </p:spPr>
+        <p:txBody>
+          <a:bodyPr wrap="square" rtlCol="0">
+            <a:spAutoFit/>
+          </a:bodyPr>
+          <a:lstStyle/>
+          <a:p>
+            <a:r>
+              <a:rPr lang="en-US" sz="1600">
+                <a:solidFill>
+                  <a:schemeClr val="tx1">
+                    <a:lumMod val="85000"/>
+                    <a:lumOff val="15000"/>
+                  </a:schemeClr>
+                </a:solidFill>
+                <a:latin typeface="Arial" panose="020B0604020202020204" pitchFamily="34" charset="0"/>
+                <a:cs typeface="Arial" panose="020B0604020202020204" pitchFamily="34" charset="0"/>
+              </a:rPr>
+              <a:t>vegan::permutest: p-value ~. Assumption OK.</a:t>
+            </a:r>
+          </a:p>
+          <a:p>
+            <a:r>
+              <a:rPr lang="en-US" sz="1600">
+                <a:solidFill>
+                  <a:schemeClr val="tx1">
+                    <a:lumMod val="85000"/>
+                    <a:lumOff val="15000"/>
+                  </a:schemeClr>
+                </a:solidFill>
+                <a:latin typeface="Arial" panose="020B0604020202020204" pitchFamily="34" charset="0"/>
+                <a:cs typeface="Arial" panose="020B0604020202020204" pitchFamily="34" charset="0"/>
+              </a:rPr>
+              <a:t>vegan::adonis: p-value. Groups are.  </a:t>
+            </a:r>
+            <a:endParaRPr lang="en-US" sz="1600" dirty="0">
+              <a:solidFill>
+                <a:schemeClr val="tx1">
+                  <a:lumMod val="85000"/>
+                  <a:lumOff val="15000"/>
+                </a:schemeClr>
+              </a:solidFill>
+              <a:latin typeface="Arial" panose="020B0604020202020204" pitchFamily="34" charset="0"/>
+              <a:cs typeface="Arial" panose="020B0604020202020204" pitchFamily="34" charset="0"/>
+            </a:endParaRPr>
+          </a:p>
+        </p:txBody>
+      </p:sp>
+      <p:sp>
+        <p:nvSpPr>
+          <p:cNvPr id="20" name="Rectangle: Rounded Corners 19">
+            <a:extLst>
+              <a:ext uri="{FF2B5EF4-FFF2-40B4-BE49-F238E27FC236}">
+                <a16:creationId xmlns:a16="http://schemas.microsoft.com/office/drawing/2014/main" id="{7DD8CF00-AC29-B310-CDBF-074C3A73FCA4}"/>
+              </a:ext>
+            </a:extLst>
+          </p:cNvPr>
+          <p:cNvSpPr/>
+          <p:nvPr/>
+        </p:nvSpPr>
+        <p:spPr>
+          <a:xfrm>
+            <a:off x="9253305" y="3729296"/>
+            <a:ext cx="2642995" cy="1592561"/>
+          </a:xfrm>
+          <a:prstGeom prst="roundRect">
+            <a:avLst/>
+          </a:prstGeom>
+          <a:solidFill>
+            <a:schemeClr val="bg1"/>
+          </a:solidFill>
+          <a:ln w="28575">
+            <a:solidFill>
+              <a:schemeClr val="bg1">
+                <a:lumMod val="65000"/>
+              </a:schemeClr>
+            </a:solidFill>
+          </a:ln>
+        </p:spPr>
+        <p:style>
+          <a:lnRef idx="2">
+            <a:schemeClr val="dk1"/>
+          </a:lnRef>
+          <a:fillRef idx="1">
+            <a:schemeClr val="lt1"/>
+          </a:fillRef>
+          <a:effectRef idx="0">
+            <a:schemeClr val="dk1"/>
+          </a:effectRef>
+          <a:fontRef idx="minor">
+            <a:schemeClr val="dk1"/>
+          </a:fontRef>
+        </p:style>
+        <p:txBody>
+          <a:bodyPr rtlCol="0" anchor="ctr"/>
+          <a:lstStyle/>
+          <a:p>
+            <a:pPr algn="ctr"/>
+            <a:r>
+              <a:rPr lang="en-US" sz="1600">
+                <a:latin typeface="Arial" panose="020B0604020202020204" pitchFamily="34" charset="0"/>
+                <a:cs typeface="Arial" panose="020B0604020202020204" pitchFamily="34" charset="0"/>
+              </a:rPr>
+              <a:t>Axes 1&amp;2</a:t>
+            </a:r>
+            <a:endParaRPr lang="en-US" sz="1600" dirty="0">
+              <a:latin typeface="Arial" panose="020B0604020202020204" pitchFamily="34" charset="0"/>
+              <a:cs typeface="Arial" panose="020B0604020202020204" pitchFamily="34" charset="0"/>
+            </a:endParaRPr>
+          </a:p>
+        </p:txBody>
+      </p:sp>
     </p:spTree>
     <p:extLst>
       <p:ext uri="{BB962C8B-B14F-4D97-AF65-F5344CB8AC3E}">
@@ -10359,7 +11310,7 @@
 </p:sld>
 </file>
 
-<file path=ppt/slides/slide26.xml><?xml version="1.0" encoding="utf-8"?>
+<file path=ppt/slides/slide27.xml><?xml version="1.0" encoding="utf-8"?>
 <p:sld xmlns:a="http://schemas.openxmlformats.org/drawingml/2006/main" xmlns:r="http://schemas.openxmlformats.org/officeDocument/2006/relationships" xmlns:p="http://schemas.openxmlformats.org/presentationml/2006/main">
   <p:cSld>
     <p:spTree>
@@ -10791,20 +11742,9 @@
 </p:sld>
 </file>
 
-<file path=ppt/slides/slide27.xml><?xml version="1.0" encoding="utf-8"?>
+<file path=ppt/slides/slide28.xml><?xml version="1.0" encoding="utf-8"?>
 <p:sld xmlns:a="http://schemas.openxmlformats.org/drawingml/2006/main" xmlns:r="http://schemas.openxmlformats.org/officeDocument/2006/relationships" xmlns:p="http://schemas.openxmlformats.org/presentationml/2006/main">
   <p:cSld>
-    <p:bg>
-      <p:bgPr>
-        <a:solidFill>
-          <a:schemeClr val="bg2">
-            <a:lumMod val="20000"/>
-            <a:lumOff val="80000"/>
-          </a:schemeClr>
-        </a:solidFill>
-        <a:effectLst/>
-      </p:bgPr>
-    </p:bg>
     <p:spTree>
       <p:nvGrpSpPr>
         <p:cNvPr id="1" name=""/>
@@ -11010,20 +11950,9 @@
 </p:sld>
 </file>
 
-<file path=ppt/slides/slide28.xml><?xml version="1.0" encoding="utf-8"?>
+<file path=ppt/slides/slide29.xml><?xml version="1.0" encoding="utf-8"?>
 <p:sld xmlns:a="http://schemas.openxmlformats.org/drawingml/2006/main" xmlns:r="http://schemas.openxmlformats.org/officeDocument/2006/relationships" xmlns:p="http://schemas.openxmlformats.org/presentationml/2006/main">
   <p:cSld>
-    <p:bg>
-      <p:bgPr>
-        <a:solidFill>
-          <a:schemeClr val="bg2">
-            <a:lumMod val="20000"/>
-            <a:lumOff val="80000"/>
-          </a:schemeClr>
-        </a:solidFill>
-        <a:effectLst/>
-      </p:bgPr>
-    </p:bg>
     <p:spTree>
       <p:nvGrpSpPr>
         <p:cNvPr id="1" name=""/>
@@ -11532,6 +12461,82 @@
           </a:prstGeom>
         </p:spPr>
       </p:pic>
+      <p:sp>
+        <p:nvSpPr>
+          <p:cNvPr id="3" name="Multiplication Sign 2">
+            <a:extLst>
+              <a:ext uri="{FF2B5EF4-FFF2-40B4-BE49-F238E27FC236}">
+                <a16:creationId xmlns:a16="http://schemas.microsoft.com/office/drawing/2014/main" id="{54004E50-C47A-5218-A889-6C92CA2C860D}"/>
+              </a:ext>
+            </a:extLst>
+          </p:cNvPr>
+          <p:cNvSpPr/>
+          <p:nvPr/>
+        </p:nvSpPr>
+        <p:spPr>
+          <a:xfrm>
+            <a:off x="2907563" y="624756"/>
+            <a:ext cx="7339680" cy="5970401"/>
+          </a:xfrm>
+          <a:prstGeom prst="mathMultiply">
+            <a:avLst>
+              <a:gd name="adj1" fmla="val 16528"/>
+            </a:avLst>
+          </a:prstGeom>
+          <a:solidFill>
+            <a:schemeClr val="accent3">
+              <a:lumMod val="60000"/>
+              <a:lumOff val="40000"/>
+            </a:schemeClr>
+          </a:solidFill>
+          <a:ln w="28575">
+            <a:solidFill>
+              <a:schemeClr val="bg1">
+                <a:lumMod val="65000"/>
+              </a:schemeClr>
+            </a:solidFill>
+          </a:ln>
+        </p:spPr>
+        <p:style>
+          <a:lnRef idx="2">
+            <a:schemeClr val="dk1"/>
+          </a:lnRef>
+          <a:fillRef idx="1">
+            <a:schemeClr val="lt1"/>
+          </a:fillRef>
+          <a:effectRef idx="0">
+            <a:schemeClr val="dk1"/>
+          </a:effectRef>
+          <a:fontRef idx="minor">
+            <a:schemeClr val="dk1"/>
+          </a:fontRef>
+        </p:style>
+        <p:txBody>
+          <a:bodyPr rtlCol="0" anchor="ctr"/>
+          <a:lstStyle/>
+          <a:p>
+            <a:pPr algn="l"/>
+            <a:r>
+              <a:rPr lang="en-US" sz="1600">
+                <a:solidFill>
+                  <a:srgbClr val="000000"/>
+                </a:solidFill>
+                <a:latin typeface="Arial" panose="020B0604020202020204" pitchFamily="34" charset="0"/>
+                <a:cs typeface="Arial" panose="020B0604020202020204" pitchFamily="34" charset="0"/>
+              </a:rPr>
+              <a:t>Order of levels of GLU_index is incorrect!!</a:t>
+            </a:r>
+            <a:endParaRPr lang="en-US" sz="1600" i="0" u="none" strike="noStrike">
+              <a:solidFill>
+                <a:srgbClr val="000000"/>
+              </a:solidFill>
+              <a:effectLst/>
+              <a:latin typeface="Arial" panose="020B0604020202020204" pitchFamily="34" charset="0"/>
+              <a:cs typeface="Arial" panose="020B0604020202020204" pitchFamily="34" charset="0"/>
+            </a:endParaRPr>
+          </a:p>
+        </p:txBody>
+      </p:sp>
     </p:spTree>
     <p:extLst>
       <p:ext uri="{BB962C8B-B14F-4D97-AF65-F5344CB8AC3E}">
@@ -11899,6 +12904,82 @@
           </a:prstGeom>
         </p:spPr>
       </p:pic>
+      <p:sp>
+        <p:nvSpPr>
+          <p:cNvPr id="3" name="Multiplication Sign 2">
+            <a:extLst>
+              <a:ext uri="{FF2B5EF4-FFF2-40B4-BE49-F238E27FC236}">
+                <a16:creationId xmlns:a16="http://schemas.microsoft.com/office/drawing/2014/main" id="{AD46F965-6884-C2D2-B78A-1AEAF34D1BCA}"/>
+              </a:ext>
+            </a:extLst>
+          </p:cNvPr>
+          <p:cNvSpPr/>
+          <p:nvPr/>
+        </p:nvSpPr>
+        <p:spPr>
+          <a:xfrm>
+            <a:off x="2907563" y="624756"/>
+            <a:ext cx="7339680" cy="5970401"/>
+          </a:xfrm>
+          <a:prstGeom prst="mathMultiply">
+            <a:avLst>
+              <a:gd name="adj1" fmla="val 16528"/>
+            </a:avLst>
+          </a:prstGeom>
+          <a:solidFill>
+            <a:schemeClr val="accent3">
+              <a:lumMod val="60000"/>
+              <a:lumOff val="40000"/>
+            </a:schemeClr>
+          </a:solidFill>
+          <a:ln w="28575">
+            <a:solidFill>
+              <a:schemeClr val="bg1">
+                <a:lumMod val="65000"/>
+              </a:schemeClr>
+            </a:solidFill>
+          </a:ln>
+        </p:spPr>
+        <p:style>
+          <a:lnRef idx="2">
+            <a:schemeClr val="dk1"/>
+          </a:lnRef>
+          <a:fillRef idx="1">
+            <a:schemeClr val="lt1"/>
+          </a:fillRef>
+          <a:effectRef idx="0">
+            <a:schemeClr val="dk1"/>
+          </a:effectRef>
+          <a:fontRef idx="minor">
+            <a:schemeClr val="dk1"/>
+          </a:fontRef>
+        </p:style>
+        <p:txBody>
+          <a:bodyPr rtlCol="0" anchor="ctr"/>
+          <a:lstStyle/>
+          <a:p>
+            <a:pPr algn="l"/>
+            <a:r>
+              <a:rPr lang="en-US" sz="1600">
+                <a:solidFill>
+                  <a:srgbClr val="000000"/>
+                </a:solidFill>
+                <a:latin typeface="Arial" panose="020B0604020202020204" pitchFamily="34" charset="0"/>
+                <a:cs typeface="Arial" panose="020B0604020202020204" pitchFamily="34" charset="0"/>
+              </a:rPr>
+              <a:t>Order of levels of GLU_index is incorrect!!</a:t>
+            </a:r>
+            <a:endParaRPr lang="en-US" sz="1600" i="0" u="none" strike="noStrike">
+              <a:solidFill>
+                <a:srgbClr val="000000"/>
+              </a:solidFill>
+              <a:effectLst/>
+              <a:latin typeface="Arial" panose="020B0604020202020204" pitchFamily="34" charset="0"/>
+              <a:cs typeface="Arial" panose="020B0604020202020204" pitchFamily="34" charset="0"/>
+            </a:endParaRPr>
+          </a:p>
+        </p:txBody>
+      </p:sp>
     </p:spTree>
     <p:extLst>
       <p:ext uri="{BB962C8B-B14F-4D97-AF65-F5344CB8AC3E}">
@@ -12211,6 +13292,82 @@
           </a:prstGeom>
         </p:spPr>
       </p:pic>
+      <p:sp>
+        <p:nvSpPr>
+          <p:cNvPr id="3" name="Multiplication Sign 2">
+            <a:extLst>
+              <a:ext uri="{FF2B5EF4-FFF2-40B4-BE49-F238E27FC236}">
+                <a16:creationId xmlns:a16="http://schemas.microsoft.com/office/drawing/2014/main" id="{6E0FDDD7-0740-2F5B-136B-5507594997C7}"/>
+              </a:ext>
+            </a:extLst>
+          </p:cNvPr>
+          <p:cNvSpPr/>
+          <p:nvPr/>
+        </p:nvSpPr>
+        <p:spPr>
+          <a:xfrm>
+            <a:off x="2907563" y="624756"/>
+            <a:ext cx="7339680" cy="5970401"/>
+          </a:xfrm>
+          <a:prstGeom prst="mathMultiply">
+            <a:avLst>
+              <a:gd name="adj1" fmla="val 16528"/>
+            </a:avLst>
+          </a:prstGeom>
+          <a:solidFill>
+            <a:schemeClr val="accent3">
+              <a:lumMod val="60000"/>
+              <a:lumOff val="40000"/>
+            </a:schemeClr>
+          </a:solidFill>
+          <a:ln w="28575">
+            <a:solidFill>
+              <a:schemeClr val="bg1">
+                <a:lumMod val="65000"/>
+              </a:schemeClr>
+            </a:solidFill>
+          </a:ln>
+        </p:spPr>
+        <p:style>
+          <a:lnRef idx="2">
+            <a:schemeClr val="dk1"/>
+          </a:lnRef>
+          <a:fillRef idx="1">
+            <a:schemeClr val="lt1"/>
+          </a:fillRef>
+          <a:effectRef idx="0">
+            <a:schemeClr val="dk1"/>
+          </a:effectRef>
+          <a:fontRef idx="minor">
+            <a:schemeClr val="dk1"/>
+          </a:fontRef>
+        </p:style>
+        <p:txBody>
+          <a:bodyPr rtlCol="0" anchor="ctr"/>
+          <a:lstStyle/>
+          <a:p>
+            <a:pPr algn="l"/>
+            <a:r>
+              <a:rPr lang="en-US" sz="1600">
+                <a:solidFill>
+                  <a:srgbClr val="000000"/>
+                </a:solidFill>
+                <a:latin typeface="Arial" panose="020B0604020202020204" pitchFamily="34" charset="0"/>
+                <a:cs typeface="Arial" panose="020B0604020202020204" pitchFamily="34" charset="0"/>
+              </a:rPr>
+              <a:t>Order of levels of GLU_index is incorrect!!</a:t>
+            </a:r>
+            <a:endParaRPr lang="en-US" sz="1600" i="0" u="none" strike="noStrike">
+              <a:solidFill>
+                <a:srgbClr val="000000"/>
+              </a:solidFill>
+              <a:effectLst/>
+              <a:latin typeface="Arial" panose="020B0604020202020204" pitchFamily="34" charset="0"/>
+              <a:cs typeface="Arial" panose="020B0604020202020204" pitchFamily="34" charset="0"/>
+            </a:endParaRPr>
+          </a:p>
+        </p:txBody>
+      </p:sp>
     </p:spTree>
     <p:extLst>
       <p:ext uri="{BB962C8B-B14F-4D97-AF65-F5344CB8AC3E}">
@@ -12633,6 +13790,82 @@
               <a:t>Maybe 3D will work…?</a:t>
             </a:r>
             <a:endParaRPr lang="en-US" sz="1600" dirty="0">
+              <a:latin typeface="Arial" panose="020B0604020202020204" pitchFamily="34" charset="0"/>
+              <a:cs typeface="Arial" panose="020B0604020202020204" pitchFamily="34" charset="0"/>
+            </a:endParaRPr>
+          </a:p>
+        </p:txBody>
+      </p:sp>
+      <p:sp>
+        <p:nvSpPr>
+          <p:cNvPr id="5" name="Multiplication Sign 4">
+            <a:extLst>
+              <a:ext uri="{FF2B5EF4-FFF2-40B4-BE49-F238E27FC236}">
+                <a16:creationId xmlns:a16="http://schemas.microsoft.com/office/drawing/2014/main" id="{D80DBE2A-D4B4-76B2-A5AE-231A5D4470AD}"/>
+              </a:ext>
+            </a:extLst>
+          </p:cNvPr>
+          <p:cNvSpPr/>
+          <p:nvPr/>
+        </p:nvSpPr>
+        <p:spPr>
+          <a:xfrm>
+            <a:off x="2907563" y="624756"/>
+            <a:ext cx="7339680" cy="5970401"/>
+          </a:xfrm>
+          <a:prstGeom prst="mathMultiply">
+            <a:avLst>
+              <a:gd name="adj1" fmla="val 16528"/>
+            </a:avLst>
+          </a:prstGeom>
+          <a:solidFill>
+            <a:schemeClr val="accent3">
+              <a:lumMod val="60000"/>
+              <a:lumOff val="40000"/>
+            </a:schemeClr>
+          </a:solidFill>
+          <a:ln w="28575">
+            <a:solidFill>
+              <a:schemeClr val="bg1">
+                <a:lumMod val="65000"/>
+              </a:schemeClr>
+            </a:solidFill>
+          </a:ln>
+        </p:spPr>
+        <p:style>
+          <a:lnRef idx="2">
+            <a:schemeClr val="dk1"/>
+          </a:lnRef>
+          <a:fillRef idx="1">
+            <a:schemeClr val="lt1"/>
+          </a:fillRef>
+          <a:effectRef idx="0">
+            <a:schemeClr val="dk1"/>
+          </a:effectRef>
+          <a:fontRef idx="minor">
+            <a:schemeClr val="dk1"/>
+          </a:fontRef>
+        </p:style>
+        <p:txBody>
+          <a:bodyPr rtlCol="0" anchor="ctr"/>
+          <a:lstStyle/>
+          <a:p>
+            <a:pPr algn="l"/>
+            <a:r>
+              <a:rPr lang="en-US" sz="1600">
+                <a:solidFill>
+                  <a:srgbClr val="000000"/>
+                </a:solidFill>
+                <a:latin typeface="Arial" panose="020B0604020202020204" pitchFamily="34" charset="0"/>
+                <a:cs typeface="Arial" panose="020B0604020202020204" pitchFamily="34" charset="0"/>
+              </a:rPr>
+              <a:t>Order of levels of GLU_index is incorrect!!</a:t>
+            </a:r>
+            <a:endParaRPr lang="en-US" sz="1600" i="0" u="none" strike="noStrike">
+              <a:solidFill>
+                <a:srgbClr val="000000"/>
+              </a:solidFill>
+              <a:effectLst/>
               <a:latin typeface="Arial" panose="020B0604020202020204" pitchFamily="34" charset="0"/>
               <a:cs typeface="Arial" panose="020B0604020202020204" pitchFamily="34" charset="0"/>
             </a:endParaRPr>
@@ -13134,6 +14367,82 @@
           </a:prstGeom>
         </p:spPr>
       </p:pic>
+      <p:sp>
+        <p:nvSpPr>
+          <p:cNvPr id="3" name="Multiplication Sign 2">
+            <a:extLst>
+              <a:ext uri="{FF2B5EF4-FFF2-40B4-BE49-F238E27FC236}">
+                <a16:creationId xmlns:a16="http://schemas.microsoft.com/office/drawing/2014/main" id="{AEFC09B9-E52F-7F3C-3AC7-5D86C6561136}"/>
+              </a:ext>
+            </a:extLst>
+          </p:cNvPr>
+          <p:cNvSpPr/>
+          <p:nvPr/>
+        </p:nvSpPr>
+        <p:spPr>
+          <a:xfrm>
+            <a:off x="2907563" y="624756"/>
+            <a:ext cx="7339680" cy="5970401"/>
+          </a:xfrm>
+          <a:prstGeom prst="mathMultiply">
+            <a:avLst>
+              <a:gd name="adj1" fmla="val 16528"/>
+            </a:avLst>
+          </a:prstGeom>
+          <a:solidFill>
+            <a:schemeClr val="accent3">
+              <a:lumMod val="60000"/>
+              <a:lumOff val="40000"/>
+            </a:schemeClr>
+          </a:solidFill>
+          <a:ln w="28575">
+            <a:solidFill>
+              <a:schemeClr val="bg1">
+                <a:lumMod val="65000"/>
+              </a:schemeClr>
+            </a:solidFill>
+          </a:ln>
+        </p:spPr>
+        <p:style>
+          <a:lnRef idx="2">
+            <a:schemeClr val="dk1"/>
+          </a:lnRef>
+          <a:fillRef idx="1">
+            <a:schemeClr val="lt1"/>
+          </a:fillRef>
+          <a:effectRef idx="0">
+            <a:schemeClr val="dk1"/>
+          </a:effectRef>
+          <a:fontRef idx="minor">
+            <a:schemeClr val="dk1"/>
+          </a:fontRef>
+        </p:style>
+        <p:txBody>
+          <a:bodyPr rtlCol="0" anchor="ctr"/>
+          <a:lstStyle/>
+          <a:p>
+            <a:pPr algn="l"/>
+            <a:r>
+              <a:rPr lang="en-US" sz="1600">
+                <a:solidFill>
+                  <a:srgbClr val="000000"/>
+                </a:solidFill>
+                <a:latin typeface="Arial" panose="020B0604020202020204" pitchFamily="34" charset="0"/>
+                <a:cs typeface="Arial" panose="020B0604020202020204" pitchFamily="34" charset="0"/>
+              </a:rPr>
+              <a:t>Order of levels of GLU_index is incorrect!!</a:t>
+            </a:r>
+            <a:endParaRPr lang="en-US" sz="1600" i="0" u="none" strike="noStrike">
+              <a:solidFill>
+                <a:srgbClr val="000000"/>
+              </a:solidFill>
+              <a:effectLst/>
+              <a:latin typeface="Arial" panose="020B0604020202020204" pitchFamily="34" charset="0"/>
+              <a:cs typeface="Arial" panose="020B0604020202020204" pitchFamily="34" charset="0"/>
+            </a:endParaRPr>
+          </a:p>
+        </p:txBody>
+      </p:sp>
     </p:spTree>
     <p:extLst>
       <p:ext uri="{BB962C8B-B14F-4D97-AF65-F5344CB8AC3E}">
@@ -13548,6 +14857,82 @@
           </a:p>
         </p:txBody>
       </p:sp>
+      <p:sp>
+        <p:nvSpPr>
+          <p:cNvPr id="3" name="Multiplication Sign 2">
+            <a:extLst>
+              <a:ext uri="{FF2B5EF4-FFF2-40B4-BE49-F238E27FC236}">
+                <a16:creationId xmlns:a16="http://schemas.microsoft.com/office/drawing/2014/main" id="{92474935-3233-80FC-722C-160BE1B3D7D3}"/>
+              </a:ext>
+            </a:extLst>
+          </p:cNvPr>
+          <p:cNvSpPr/>
+          <p:nvPr/>
+        </p:nvSpPr>
+        <p:spPr>
+          <a:xfrm>
+            <a:off x="2907563" y="624756"/>
+            <a:ext cx="7339680" cy="5970401"/>
+          </a:xfrm>
+          <a:prstGeom prst="mathMultiply">
+            <a:avLst>
+              <a:gd name="adj1" fmla="val 16528"/>
+            </a:avLst>
+          </a:prstGeom>
+          <a:solidFill>
+            <a:schemeClr val="accent3">
+              <a:lumMod val="60000"/>
+              <a:lumOff val="40000"/>
+            </a:schemeClr>
+          </a:solidFill>
+          <a:ln w="28575">
+            <a:solidFill>
+              <a:schemeClr val="bg1">
+                <a:lumMod val="65000"/>
+              </a:schemeClr>
+            </a:solidFill>
+          </a:ln>
+        </p:spPr>
+        <p:style>
+          <a:lnRef idx="2">
+            <a:schemeClr val="dk1"/>
+          </a:lnRef>
+          <a:fillRef idx="1">
+            <a:schemeClr val="lt1"/>
+          </a:fillRef>
+          <a:effectRef idx="0">
+            <a:schemeClr val="dk1"/>
+          </a:effectRef>
+          <a:fontRef idx="minor">
+            <a:schemeClr val="dk1"/>
+          </a:fontRef>
+        </p:style>
+        <p:txBody>
+          <a:bodyPr rtlCol="0" anchor="ctr"/>
+          <a:lstStyle/>
+          <a:p>
+            <a:pPr algn="l"/>
+            <a:r>
+              <a:rPr lang="en-US" sz="1600">
+                <a:solidFill>
+                  <a:srgbClr val="000000"/>
+                </a:solidFill>
+                <a:latin typeface="Arial" panose="020B0604020202020204" pitchFamily="34" charset="0"/>
+                <a:cs typeface="Arial" panose="020B0604020202020204" pitchFamily="34" charset="0"/>
+              </a:rPr>
+              <a:t>Order of levels of GLU_index is incorrect!!</a:t>
+            </a:r>
+            <a:endParaRPr lang="en-US" sz="1600" i="0" u="none" strike="noStrike">
+              <a:solidFill>
+                <a:srgbClr val="000000"/>
+              </a:solidFill>
+              <a:effectLst/>
+              <a:latin typeface="Arial" panose="020B0604020202020204" pitchFamily="34" charset="0"/>
+              <a:cs typeface="Arial" panose="020B0604020202020204" pitchFamily="34" charset="0"/>
+            </a:endParaRPr>
+          </a:p>
+        </p:txBody>
+      </p:sp>
     </p:spTree>
     <p:extLst>
       <p:ext uri="{BB962C8B-B14F-4D97-AF65-F5344CB8AC3E}">
@@ -13732,6 +15117,83 @@
           </a:graphicData>
         </a:graphic>
       </p:graphicFrame>
+      <p:sp>
+        <p:nvSpPr>
+          <p:cNvPr id="3" name="Multiplication Sign 2">
+            <a:extLst>
+              <a:ext uri="{FF2B5EF4-FFF2-40B4-BE49-F238E27FC236}">
+                <a16:creationId xmlns:a16="http://schemas.microsoft.com/office/drawing/2014/main" id="{28602F27-9316-DA12-7258-4B2046001393}"/>
+              </a:ext>
+            </a:extLst>
+          </p:cNvPr>
+          <p:cNvSpPr/>
+          <p:nvPr/>
+        </p:nvSpPr>
+        <p:spPr>
+          <a:xfrm>
+            <a:off x="3059963" y="777156"/>
+            <a:ext cx="7339680" cy="5970401"/>
+          </a:xfrm>
+          <a:prstGeom prst="mathMultiply">
+            <a:avLst>
+              <a:gd name="adj1" fmla="val 16528"/>
+            </a:avLst>
+          </a:prstGeom>
+          <a:solidFill>
+            <a:schemeClr val="accent4">
+              <a:lumMod val="60000"/>
+              <a:lumOff val="40000"/>
+            </a:schemeClr>
+          </a:solidFill>
+          <a:ln w="28575">
+            <a:solidFill>
+              <a:schemeClr val="accent4">
+                <a:lumMod val="60000"/>
+                <a:lumOff val="40000"/>
+              </a:schemeClr>
+            </a:solidFill>
+          </a:ln>
+        </p:spPr>
+        <p:style>
+          <a:lnRef idx="2">
+            <a:schemeClr val="dk1"/>
+          </a:lnRef>
+          <a:fillRef idx="1">
+            <a:schemeClr val="lt1"/>
+          </a:fillRef>
+          <a:effectRef idx="0">
+            <a:schemeClr val="dk1"/>
+          </a:effectRef>
+          <a:fontRef idx="minor">
+            <a:schemeClr val="dk1"/>
+          </a:fontRef>
+        </p:style>
+        <p:txBody>
+          <a:bodyPr rtlCol="0" anchor="ctr"/>
+          <a:lstStyle/>
+          <a:p>
+            <a:pPr algn="l"/>
+            <a:r>
+              <a:rPr lang="en-US" sz="1600">
+                <a:solidFill>
+                  <a:srgbClr val="000000"/>
+                </a:solidFill>
+                <a:latin typeface="Arial" panose="020B0604020202020204" pitchFamily="34" charset="0"/>
+                <a:cs typeface="Arial" panose="020B0604020202020204" pitchFamily="34" charset="0"/>
+              </a:rPr>
+              <a:t>Order of levels of GLU_index is incorrect, but the results (var explained) itself is not wrong.</a:t>
+            </a:r>
+            <a:endParaRPr lang="en-US" sz="1600" i="0" u="none" strike="noStrike">
+              <a:solidFill>
+                <a:srgbClr val="000000"/>
+              </a:solidFill>
+              <a:effectLst/>
+              <a:latin typeface="Arial" panose="020B0604020202020204" pitchFamily="34" charset="0"/>
+              <a:cs typeface="Arial" panose="020B0604020202020204" pitchFamily="34" charset="0"/>
+            </a:endParaRPr>
+          </a:p>
+        </p:txBody>
+      </p:sp>
     </p:spTree>
     <p:extLst>
       <p:ext uri="{BB962C8B-B14F-4D97-AF65-F5344CB8AC3E}">

--- a/eg_data/NHANES/Laboratory_data/Ordination/Ordination summary.pptx
+++ b/eg_data/NHANES/Laboratory_data/Ordination/Ordination summary.pptx
@@ -16,25 +16,27 @@
     <p:sldId id="296" r:id="rId10"/>
     <p:sldId id="300" r:id="rId11"/>
     <p:sldId id="297" r:id="rId12"/>
-    <p:sldId id="299" r:id="rId13"/>
-    <p:sldId id="301" r:id="rId14"/>
-    <p:sldId id="266" r:id="rId15"/>
-    <p:sldId id="269" r:id="rId16"/>
-    <p:sldId id="270" r:id="rId17"/>
-    <p:sldId id="298" r:id="rId18"/>
-    <p:sldId id="282" r:id="rId19"/>
-    <p:sldId id="283" r:id="rId20"/>
-    <p:sldId id="284" r:id="rId21"/>
-    <p:sldId id="285" r:id="rId22"/>
-    <p:sldId id="273" r:id="rId23"/>
-    <p:sldId id="280" r:id="rId24"/>
-    <p:sldId id="271" r:id="rId25"/>
-    <p:sldId id="274" r:id="rId26"/>
-    <p:sldId id="272" r:id="rId27"/>
-    <p:sldId id="275" r:id="rId28"/>
-    <p:sldId id="286" r:id="rId29"/>
-    <p:sldId id="287" r:id="rId30"/>
-    <p:sldId id="276" r:id="rId31"/>
+    <p:sldId id="302" r:id="rId13"/>
+    <p:sldId id="303" r:id="rId14"/>
+    <p:sldId id="299" r:id="rId15"/>
+    <p:sldId id="301" r:id="rId16"/>
+    <p:sldId id="266" r:id="rId17"/>
+    <p:sldId id="269" r:id="rId18"/>
+    <p:sldId id="270" r:id="rId19"/>
+    <p:sldId id="298" r:id="rId20"/>
+    <p:sldId id="282" r:id="rId21"/>
+    <p:sldId id="283" r:id="rId22"/>
+    <p:sldId id="284" r:id="rId23"/>
+    <p:sldId id="285" r:id="rId24"/>
+    <p:sldId id="273" r:id="rId25"/>
+    <p:sldId id="280" r:id="rId26"/>
+    <p:sldId id="271" r:id="rId27"/>
+    <p:sldId id="274" r:id="rId28"/>
+    <p:sldId id="272" r:id="rId29"/>
+    <p:sldId id="275" r:id="rId30"/>
+    <p:sldId id="286" r:id="rId31"/>
+    <p:sldId id="287" r:id="rId32"/>
+    <p:sldId id="276" r:id="rId33"/>
   </p:sldIdLst>
   <p:sldSz cx="12192000" cy="6858000"/>
   <p:notesSz cx="6858000" cy="9144000"/>
@@ -2918,7 +2920,7 @@
             <a:fld id="{D37C2CC6-8D09-460E-A36A-8BF1F4A55F79}" type="datetimeFigureOut">
               <a:rPr lang="en-US" smtClean="0"/>
               <a:pPr/>
-              <a:t>10/20/2022</a:t>
+              <a:t>10/21/2022</a:t>
             </a:fld>
             <a:endParaRPr lang="en-US" dirty="0"/>
           </a:p>
@@ -3129,7 +3131,7 @@
           <a:p>
             <a:fld id="{D37C2CC6-8D09-460E-A36A-8BF1F4A55F79}" type="datetimeFigureOut">
               <a:rPr lang="en-US" smtClean="0"/>
-              <a:t>10/20/2022</a:t>
+              <a:t>10/21/2022</a:t>
             </a:fld>
             <a:endParaRPr lang="en-US" dirty="0"/>
           </a:p>
@@ -3337,7 +3339,7 @@
           <a:p>
             <a:fld id="{D37C2CC6-8D09-460E-A36A-8BF1F4A55F79}" type="datetimeFigureOut">
               <a:rPr lang="en-US" smtClean="0"/>
-              <a:t>10/20/2022</a:t>
+              <a:t>10/21/2022</a:t>
             </a:fld>
             <a:endParaRPr lang="en-US" dirty="0"/>
           </a:p>
@@ -3580,7 +3582,7 @@
             <a:fld id="{D37C2CC6-8D09-460E-A36A-8BF1F4A55F79}" type="datetimeFigureOut">
               <a:rPr lang="en-US" smtClean="0"/>
               <a:pPr/>
-              <a:t>10/20/2022</a:t>
+              <a:t>10/21/2022</a:t>
             </a:fld>
             <a:endParaRPr lang="en-US" dirty="0"/>
           </a:p>
@@ -3862,7 +3864,7 @@
           <a:p>
             <a:fld id="{D37C2CC6-8D09-460E-A36A-8BF1F4A55F79}" type="datetimeFigureOut">
               <a:rPr lang="en-US" smtClean="0"/>
-              <a:t>10/20/2022</a:t>
+              <a:t>10/21/2022</a:t>
             </a:fld>
             <a:endParaRPr lang="en-US" dirty="0"/>
           </a:p>
@@ -4127,7 +4129,7 @@
           <a:p>
             <a:fld id="{D37C2CC6-8D09-460E-A36A-8BF1F4A55F79}" type="datetimeFigureOut">
               <a:rPr lang="en-US" smtClean="0"/>
-              <a:t>10/20/2022</a:t>
+              <a:t>10/21/2022</a:t>
             </a:fld>
             <a:endParaRPr lang="en-US" dirty="0"/>
           </a:p>
@@ -4539,7 +4541,7 @@
           <a:p>
             <a:fld id="{D37C2CC6-8D09-460E-A36A-8BF1F4A55F79}" type="datetimeFigureOut">
               <a:rPr lang="en-US" smtClean="0"/>
-              <a:t>10/20/2022</a:t>
+              <a:t>10/21/2022</a:t>
             </a:fld>
             <a:endParaRPr lang="en-US" dirty="0"/>
           </a:p>
@@ -4680,7 +4682,7 @@
           <a:p>
             <a:fld id="{D37C2CC6-8D09-460E-A36A-8BF1F4A55F79}" type="datetimeFigureOut">
               <a:rPr lang="en-US" smtClean="0"/>
-              <a:t>10/20/2022</a:t>
+              <a:t>10/21/2022</a:t>
             </a:fld>
             <a:endParaRPr lang="en-US" dirty="0"/>
           </a:p>
@@ -4793,7 +4795,7 @@
           <a:p>
             <a:fld id="{D37C2CC6-8D09-460E-A36A-8BF1F4A55F79}" type="datetimeFigureOut">
               <a:rPr lang="en-US" smtClean="0"/>
-              <a:t>10/20/2022</a:t>
+              <a:t>10/21/2022</a:t>
             </a:fld>
             <a:endParaRPr lang="en-US" dirty="0"/>
           </a:p>
@@ -5104,7 +5106,7 @@
           <a:p>
             <a:fld id="{D37C2CC6-8D09-460E-A36A-8BF1F4A55F79}" type="datetimeFigureOut">
               <a:rPr lang="en-US" smtClean="0"/>
-              <a:t>10/20/2022</a:t>
+              <a:t>10/21/2022</a:t>
             </a:fld>
             <a:endParaRPr lang="en-US" dirty="0"/>
           </a:p>
@@ -5392,7 +5394,7 @@
           <a:p>
             <a:fld id="{D37C2CC6-8D09-460E-A36A-8BF1F4A55F79}" type="datetimeFigureOut">
               <a:rPr lang="en-US" smtClean="0"/>
-              <a:t>10/20/2022</a:t>
+              <a:t>10/21/2022</a:t>
             </a:fld>
             <a:endParaRPr lang="en-US" dirty="0"/>
           </a:p>
@@ -5638,7 +5640,7 @@
           <a:p>
             <a:fld id="{D37C2CC6-8D09-460E-A36A-8BF1F4A55F79}" type="datetimeFigureOut">
               <a:rPr lang="en-US" smtClean="0"/>
-              <a:t>10/20/2022</a:t>
+              <a:t>10/21/2022</a:t>
             </a:fld>
             <a:endParaRPr lang="en-US" dirty="0"/>
           </a:p>
@@ -6320,8 +6322,8 @@
         </p:nvSpPr>
         <p:spPr>
           <a:xfrm>
-            <a:off x="232571" y="5673968"/>
-            <a:ext cx="4818185" cy="830997"/>
+            <a:off x="148364" y="5288340"/>
+            <a:ext cx="4818185" cy="1569660"/>
           </a:xfrm>
           <a:prstGeom prst="rect">
             <a:avLst/>
@@ -6360,7 +6362,48 @@
                 <a:latin typeface="Arial" panose="020B0604020202020204" pitchFamily="34" charset="0"/>
                 <a:cs typeface="Arial" panose="020B0604020202020204" pitchFamily="34" charset="0"/>
               </a:rPr>
-              <a:t>vegan::adonis: p-value 0.06. Groups are borderline but not different.  </a:t>
+              <a:t>vegan::adonis: p-value 0.06. Groups are borderline but not different.</a:t>
+            </a:r>
+          </a:p>
+          <a:p>
+            <a:r>
+              <a:rPr lang="en-US" sz="1600">
+                <a:solidFill>
+                  <a:schemeClr val="tx1">
+                    <a:lumMod val="85000"/>
+                    <a:lumOff val="15000"/>
+                  </a:schemeClr>
+                </a:solidFill>
+                <a:latin typeface="Arial" panose="020B0604020202020204" pitchFamily="34" charset="0"/>
+                <a:cs typeface="Arial" panose="020B0604020202020204" pitchFamily="34" charset="0"/>
+              </a:rPr>
+              <a:t>Not supposed to do this, but run pairwise adonis </a:t>
+            </a:r>
+            <a:r>
+              <a:rPr lang="en-US" sz="1200">
+                <a:solidFill>
+                  <a:schemeClr val="tx1">
+                    <a:lumMod val="85000"/>
+                    <a:lumOff val="15000"/>
+                  </a:schemeClr>
+                </a:solidFill>
+                <a:latin typeface="Arial" panose="020B0604020202020204" pitchFamily="34" charset="0"/>
+                <a:cs typeface="Arial" panose="020B0604020202020204" pitchFamily="34" charset="0"/>
+              </a:rPr>
+              <a:t>(with correct the sample order!)</a:t>
+            </a:r>
+            <a:r>
+              <a:rPr lang="en-US" sz="1600">
+                <a:solidFill>
+                  <a:schemeClr val="tx1">
+                    <a:lumMod val="85000"/>
+                    <a:lumOff val="15000"/>
+                  </a:schemeClr>
+                </a:solidFill>
+                <a:latin typeface="Arial" panose="020B0604020202020204" pitchFamily="34" charset="0"/>
+                <a:cs typeface="Arial" panose="020B0604020202020204" pitchFamily="34" charset="0"/>
+              </a:rPr>
+              <a:t>. Prediabetic vs Normal are different (p=0.034) but other pairs are not.</a:t>
             </a:r>
             <a:endParaRPr lang="en-US" sz="1600" dirty="0">
               <a:solidFill>
@@ -6475,7 +6518,7 @@
         </p:blipFill>
         <p:spPr>
           <a:xfrm>
-            <a:off x="148364" y="1790750"/>
+            <a:off x="148364" y="1641928"/>
             <a:ext cx="4419600" cy="3472543"/>
           </a:xfrm>
           <a:prstGeom prst="rect">
@@ -6657,8 +6700,8 @@
         </p:nvSpPr>
         <p:spPr>
           <a:xfrm>
-            <a:off x="9253305" y="4532243"/>
-            <a:ext cx="2642995" cy="789614"/>
+            <a:off x="9253305" y="4621695"/>
+            <a:ext cx="2642995" cy="700161"/>
           </a:xfrm>
           <a:prstGeom prst="roundRect">
             <a:avLst/>
@@ -6721,8 +6764,8 @@
         </p:nvSpPr>
         <p:spPr>
           <a:xfrm>
-            <a:off x="232571" y="5673968"/>
-            <a:ext cx="4818185" cy="584775"/>
+            <a:off x="232571" y="5321856"/>
+            <a:ext cx="4818185" cy="1569660"/>
           </a:xfrm>
           <a:prstGeom prst="rect">
             <a:avLst/>
@@ -6746,7 +6789,7 @@
                 <a:latin typeface="Arial" panose="020B0604020202020204" pitchFamily="34" charset="0"/>
                 <a:cs typeface="Arial" panose="020B0604020202020204" pitchFamily="34" charset="0"/>
               </a:rPr>
-              <a:t>vegan::permutest: p-value ~0.839. Assumption OK.</a:t>
+              <a:t>vegan::permutest: p-value ~0.86. Assumption OK.</a:t>
             </a:r>
           </a:p>
           <a:p>
@@ -6761,7 +6804,60 @@
                 <a:latin typeface="Arial" panose="020B0604020202020204" pitchFamily="34" charset="0"/>
                 <a:cs typeface="Arial" panose="020B0604020202020204" pitchFamily="34" charset="0"/>
               </a:rPr>
-              <a:t>vegan::adonis: p-value:0.009. Groups are different.  </a:t>
+              <a:t>vegan::adonis: p-value:0.007. Groups are different.</a:t>
+            </a:r>
+          </a:p>
+          <a:p>
+            <a:endParaRPr lang="en-US" sz="1600">
+              <a:solidFill>
+                <a:schemeClr val="tx1">
+                  <a:lumMod val="85000"/>
+                  <a:lumOff val="15000"/>
+                </a:schemeClr>
+              </a:solidFill>
+              <a:latin typeface="Arial" panose="020B0604020202020204" pitchFamily="34" charset="0"/>
+              <a:cs typeface="Arial" panose="020B0604020202020204" pitchFamily="34" charset="0"/>
+            </a:endParaRPr>
+          </a:p>
+          <a:p>
+            <a:r>
+              <a:rPr lang="en-US" sz="1600">
+                <a:solidFill>
+                  <a:schemeClr val="tx1">
+                    <a:lumMod val="85000"/>
+                    <a:lumOff val="15000"/>
+                  </a:schemeClr>
+                </a:solidFill>
+                <a:latin typeface="Arial" panose="020B0604020202020204" pitchFamily="34" charset="0"/>
+                <a:cs typeface="Arial" panose="020B0604020202020204" pitchFamily="34" charset="0"/>
+              </a:rPr>
+              <a:t>Run pairwise adonis </a:t>
+            </a:r>
+            <a:r>
+              <a:rPr lang="en-US" sz="1200">
+                <a:solidFill>
+                  <a:schemeClr val="tx1">
+                    <a:lumMod val="85000"/>
+                    <a:lumOff val="15000"/>
+                  </a:schemeClr>
+                </a:solidFill>
+                <a:latin typeface="Arial" panose="020B0604020202020204" pitchFamily="34" charset="0"/>
+                <a:cs typeface="Arial" panose="020B0604020202020204" pitchFamily="34" charset="0"/>
+              </a:rPr>
+              <a:t>(with correct the sample order!)</a:t>
+            </a:r>
+            <a:r>
+              <a:rPr lang="en-US" sz="1600">
+                <a:solidFill>
+                  <a:schemeClr val="tx1">
+                    <a:lumMod val="85000"/>
+                    <a:lumOff val="15000"/>
+                  </a:schemeClr>
+                </a:solidFill>
+                <a:latin typeface="Arial" panose="020B0604020202020204" pitchFamily="34" charset="0"/>
+                <a:cs typeface="Arial" panose="020B0604020202020204" pitchFamily="34" charset="0"/>
+              </a:rPr>
+              <a:t>. Prediabetic vs Normal are different (p=0.006) but other pairs are not.</a:t>
             </a:r>
             <a:endParaRPr lang="en-US" sz="1600" dirty="0">
               <a:solidFill>
@@ -6980,7 +7076,31 @@
           <a:p>
             <a:r>
               <a:rPr lang="en-AU" sz="2800"/>
-              <a:t>Male in 60plus PCA test separation using adonis by feeding Euclidean distance matrix to the model.</a:t>
+              <a:t>If you just subset </a:t>
+            </a:r>
+            <a:r>
+              <a:rPr lang="en-AU" sz="2800">
+                <a:solidFill>
+                  <a:srgbClr val="0070C0"/>
+                </a:solidFill>
+              </a:rPr>
+              <a:t>Normal</a:t>
+            </a:r>
+            <a:r>
+              <a:rPr lang="en-AU" sz="2800"/>
+              <a:t> and </a:t>
+            </a:r>
+            <a:r>
+              <a:rPr lang="en-AU" sz="2800" u="sng">
+                <a:solidFill>
+                  <a:srgbClr val="C71585"/>
+                </a:solidFill>
+              </a:rPr>
+              <a:t>Diabetic</a:t>
+            </a:r>
+            <a:r>
+              <a:rPr lang="en-AU" sz="2800"/>
+              <a:t>, is there a  difference between them? </a:t>
             </a:r>
             <a:endParaRPr lang="en-US" sz="2800" dirty="0"/>
           </a:p>
@@ -7000,8 +7120,8 @@
         </p:nvSpPr>
         <p:spPr>
           <a:xfrm>
-            <a:off x="80171" y="5521568"/>
-            <a:ext cx="4818185" cy="584775"/>
+            <a:off x="295700" y="4525576"/>
+            <a:ext cx="4818185" cy="2062103"/>
           </a:xfrm>
           <a:prstGeom prst="rect">
             <a:avLst/>
@@ -7025,7 +7145,7 @@
                 <a:latin typeface="Arial" panose="020B0604020202020204" pitchFamily="34" charset="0"/>
                 <a:cs typeface="Arial" panose="020B0604020202020204" pitchFamily="34" charset="0"/>
               </a:rPr>
-              <a:t>vegan::permutest: p-value ~. </a:t>
+              <a:t>WEIGHTED</a:t>
             </a:r>
           </a:p>
           <a:p>
@@ -7040,7 +7160,49 @@
                 <a:latin typeface="Arial" panose="020B0604020202020204" pitchFamily="34" charset="0"/>
                 <a:cs typeface="Arial" panose="020B0604020202020204" pitchFamily="34" charset="0"/>
               </a:rPr>
-              <a:t>vegan::adonis: p-value. Groups are.  </a:t>
+              <a:t>vegan::permutest: p-value ~0.15. Assumption OK.</a:t>
+            </a:r>
+          </a:p>
+          <a:p>
+            <a:r>
+              <a:rPr lang="en-US" sz="1600">
+                <a:solidFill>
+                  <a:schemeClr val="tx1">
+                    <a:lumMod val="85000"/>
+                    <a:lumOff val="15000"/>
+                  </a:schemeClr>
+                </a:solidFill>
+                <a:latin typeface="Arial" panose="020B0604020202020204" pitchFamily="34" charset="0"/>
+                <a:cs typeface="Arial" panose="020B0604020202020204" pitchFamily="34" charset="0"/>
+              </a:rPr>
+              <a:t>vegan::adonis: p-value: 0.06. Groups are still borderline.. </a:t>
+            </a:r>
+          </a:p>
+          <a:p>
+            <a:endParaRPr lang="en-US" sz="1600">
+              <a:solidFill>
+                <a:schemeClr val="tx1">
+                  <a:lumMod val="85000"/>
+                  <a:lumOff val="15000"/>
+                </a:schemeClr>
+              </a:solidFill>
+              <a:latin typeface="Arial" panose="020B0604020202020204" pitchFamily="34" charset="0"/>
+              <a:cs typeface="Arial" panose="020B0604020202020204" pitchFamily="34" charset="0"/>
+            </a:endParaRPr>
+          </a:p>
+          <a:p>
+            <a:r>
+              <a:rPr lang="en-US" sz="1600">
+                <a:solidFill>
+                  <a:schemeClr val="tx1">
+                    <a:lumMod val="85000"/>
+                    <a:lumOff val="15000"/>
+                  </a:schemeClr>
+                </a:solidFill>
+                <a:latin typeface="Arial" panose="020B0604020202020204" pitchFamily="34" charset="0"/>
+                <a:cs typeface="Arial" panose="020B0604020202020204" pitchFamily="34" charset="0"/>
+              </a:rPr>
+              <a:t>Pairwise adonis should return the same results as overall adonis because there are only two groups. And it did with a similar p-value.</a:t>
             </a:r>
             <a:endParaRPr lang="en-US" sz="1600" dirty="0">
               <a:solidFill>
@@ -7069,8 +7231,8 @@
         </p:nvSpPr>
         <p:spPr>
           <a:xfrm>
-            <a:off x="9253305" y="4393096"/>
-            <a:ext cx="2642995" cy="928761"/>
+            <a:off x="6781801" y="6334793"/>
+            <a:ext cx="5279600" cy="505771"/>
           </a:xfrm>
           <a:prstGeom prst="roundRect">
             <a:avLst/>
@@ -7110,7 +7272,7 @@
                 <a:latin typeface="Arial" panose="020B0604020202020204" pitchFamily="34" charset="0"/>
                 <a:cs typeface="Arial" panose="020B0604020202020204" pitchFamily="34" charset="0"/>
               </a:rPr>
-              <a:t>Axes 1&amp;2</a:t>
+              <a:t>Should look at Normal vs. Prediabetic.</a:t>
             </a:r>
             <a:endParaRPr lang="en-US" sz="1600" dirty="0">
               <a:latin typeface="Arial" panose="020B0604020202020204" pitchFamily="34" charset="0"/>
@@ -7119,10 +7281,193 @@
           </a:p>
         </p:txBody>
       </p:sp>
+      <p:sp>
+        <p:nvSpPr>
+          <p:cNvPr id="4" name="TextBox 3">
+            <a:extLst>
+              <a:ext uri="{FF2B5EF4-FFF2-40B4-BE49-F238E27FC236}">
+                <a16:creationId xmlns:a16="http://schemas.microsoft.com/office/drawing/2014/main" id="{49C1AF7E-A4FB-061F-FE98-3369DB4A2D2D}"/>
+              </a:ext>
+            </a:extLst>
+          </p:cNvPr>
+          <p:cNvSpPr txBox="1"/>
+          <p:nvPr/>
+        </p:nvSpPr>
+        <p:spPr>
+          <a:xfrm>
+            <a:off x="5769317" y="4525575"/>
+            <a:ext cx="4818185" cy="1815882"/>
+          </a:xfrm>
+          <a:prstGeom prst="rect">
+            <a:avLst/>
+          </a:prstGeom>
+          <a:noFill/>
+        </p:spPr>
+        <p:txBody>
+          <a:bodyPr wrap="square" rtlCol="0">
+            <a:spAutoFit/>
+          </a:bodyPr>
+          <a:lstStyle/>
+          <a:p>
+            <a:r>
+              <a:rPr lang="en-US" sz="1600">
+                <a:solidFill>
+                  <a:schemeClr val="tx1">
+                    <a:lumMod val="85000"/>
+                    <a:lumOff val="15000"/>
+                  </a:schemeClr>
+                </a:solidFill>
+                <a:latin typeface="Arial" panose="020B0604020202020204" pitchFamily="34" charset="0"/>
+                <a:cs typeface="Arial" panose="020B0604020202020204" pitchFamily="34" charset="0"/>
+              </a:rPr>
+              <a:t>UNweighted</a:t>
+            </a:r>
+          </a:p>
+          <a:p>
+            <a:r>
+              <a:rPr lang="en-US" sz="1600">
+                <a:solidFill>
+                  <a:schemeClr val="tx1">
+                    <a:lumMod val="85000"/>
+                    <a:lumOff val="15000"/>
+                  </a:schemeClr>
+                </a:solidFill>
+                <a:latin typeface="Arial" panose="020B0604020202020204" pitchFamily="34" charset="0"/>
+                <a:cs typeface="Arial" panose="020B0604020202020204" pitchFamily="34" charset="0"/>
+              </a:rPr>
+              <a:t>vegan::permutest: p-value ~0.6. Assumption OK.</a:t>
+            </a:r>
+          </a:p>
+          <a:p>
+            <a:r>
+              <a:rPr lang="en-US" sz="1600">
+                <a:solidFill>
+                  <a:schemeClr val="tx1">
+                    <a:lumMod val="85000"/>
+                    <a:lumOff val="15000"/>
+                  </a:schemeClr>
+                </a:solidFill>
+                <a:latin typeface="Arial" panose="020B0604020202020204" pitchFamily="34" charset="0"/>
+                <a:cs typeface="Arial" panose="020B0604020202020204" pitchFamily="34" charset="0"/>
+              </a:rPr>
+              <a:t>vegan::adonis: p-value:0.04. Groups are different.. </a:t>
+            </a:r>
+          </a:p>
+          <a:p>
+            <a:endParaRPr lang="en-US" sz="1600">
+              <a:solidFill>
+                <a:schemeClr val="tx1">
+                  <a:lumMod val="85000"/>
+                  <a:lumOff val="15000"/>
+                </a:schemeClr>
+              </a:solidFill>
+              <a:latin typeface="Arial" panose="020B0604020202020204" pitchFamily="34" charset="0"/>
+              <a:cs typeface="Arial" panose="020B0604020202020204" pitchFamily="34" charset="0"/>
+            </a:endParaRPr>
+          </a:p>
+          <a:p>
+            <a:r>
+              <a:rPr lang="en-US" sz="1600">
+                <a:solidFill>
+                  <a:schemeClr val="tx1">
+                    <a:lumMod val="85000"/>
+                    <a:lumOff val="15000"/>
+                  </a:schemeClr>
+                </a:solidFill>
+                <a:latin typeface="Arial" panose="020B0604020202020204" pitchFamily="34" charset="0"/>
+                <a:cs typeface="Arial" panose="020B0604020202020204" pitchFamily="34" charset="0"/>
+              </a:rPr>
+              <a:t>Pairwise adonis should return the same results as overall adonis because there are only two groups. And it did with a similar p-value.</a:t>
+            </a:r>
+            <a:endParaRPr lang="en-US" sz="1600" dirty="0">
+              <a:solidFill>
+                <a:schemeClr val="tx1">
+                  <a:lumMod val="85000"/>
+                  <a:lumOff val="15000"/>
+                </a:schemeClr>
+              </a:solidFill>
+              <a:latin typeface="Arial" panose="020B0604020202020204" pitchFamily="34" charset="0"/>
+              <a:cs typeface="Arial" panose="020B0604020202020204" pitchFamily="34" charset="0"/>
+            </a:endParaRPr>
+          </a:p>
+        </p:txBody>
+      </p:sp>
+      <p:pic>
+        <p:nvPicPr>
+          <p:cNvPr id="12" name="Picture 11" descr="Chart, radar chart&#10;&#10;Description automatically generated">
+            <a:extLst>
+              <a:ext uri="{FF2B5EF4-FFF2-40B4-BE49-F238E27FC236}">
+                <a16:creationId xmlns:a16="http://schemas.microsoft.com/office/drawing/2014/main" id="{C2C4D090-DFC8-46A7-6B47-E5801A40E6D6}"/>
+              </a:ext>
+            </a:extLst>
+          </p:cNvPr>
+          <p:cNvPicPr>
+            <a:picLocks noChangeAspect="1"/>
+          </p:cNvPicPr>
+          <p:nvPr/>
+        </p:nvPicPr>
+        <p:blipFill>
+          <a:blip r:embed="rId2">
+            <a:extLst>
+              <a:ext uri="{28A0092B-C50C-407E-A947-70E740481C1C}">
+                <a14:useLocalDpi xmlns:a14="http://schemas.microsoft.com/office/drawing/2010/main" val="0"/>
+              </a:ext>
+            </a:extLst>
+          </a:blip>
+          <a:stretch>
+            <a:fillRect/>
+          </a:stretch>
+        </p:blipFill>
+        <p:spPr>
+          <a:xfrm>
+            <a:off x="5811556" y="1170812"/>
+            <a:ext cx="4056497" cy="3187247"/>
+          </a:xfrm>
+          <a:prstGeom prst="rect">
+            <a:avLst/>
+          </a:prstGeom>
+        </p:spPr>
+      </p:pic>
+      <p:pic>
+        <p:nvPicPr>
+          <p:cNvPr id="14" name="Picture 13" descr="Chart, scatter chart&#10;&#10;Description automatically generated">
+            <a:extLst>
+              <a:ext uri="{FF2B5EF4-FFF2-40B4-BE49-F238E27FC236}">
+                <a16:creationId xmlns:a16="http://schemas.microsoft.com/office/drawing/2014/main" id="{34DE0820-8E42-4C32-076C-BEA601A6CB6F}"/>
+              </a:ext>
+            </a:extLst>
+          </p:cNvPr>
+          <p:cNvPicPr>
+            <a:picLocks noChangeAspect="1"/>
+          </p:cNvPicPr>
+          <p:nvPr/>
+        </p:nvPicPr>
+        <p:blipFill>
+          <a:blip r:embed="rId3">
+            <a:extLst>
+              <a:ext uri="{28A0092B-C50C-407E-A947-70E740481C1C}">
+                <a14:useLocalDpi xmlns:a14="http://schemas.microsoft.com/office/drawing/2010/main" val="0"/>
+              </a:ext>
+            </a:extLst>
+          </a:blip>
+          <a:stretch>
+            <a:fillRect/>
+          </a:stretch>
+        </p:blipFill>
+        <p:spPr>
+          <a:xfrm>
+            <a:off x="295698" y="1170812"/>
+            <a:ext cx="4056497" cy="3187248"/>
+          </a:xfrm>
+          <a:prstGeom prst="rect">
+            <a:avLst/>
+          </a:prstGeom>
+        </p:spPr>
+      </p:pic>
     </p:spTree>
     <p:extLst>
       <p:ext uri="{BB962C8B-B14F-4D97-AF65-F5344CB8AC3E}">
-        <p14:creationId xmlns:p14="http://schemas.microsoft.com/office/powerpoint/2010/main" val="701873102"/>
+        <p14:creationId xmlns:p14="http://schemas.microsoft.com/office/powerpoint/2010/main" val="642676529"/>
       </p:ext>
     </p:extLst>
   </p:cSld>
@@ -7179,7 +7524,33 @@
           <a:p>
             <a:r>
               <a:rPr lang="en-AU" sz="2800"/>
-              <a:t>.</a:t>
+              <a:t>If you just subset </a:t>
+            </a:r>
+            <a:r>
+              <a:rPr lang="en-AU" sz="2800">
+                <a:solidFill>
+                  <a:srgbClr val="0070C0"/>
+                </a:solidFill>
+              </a:rPr>
+              <a:t>Normal</a:t>
+            </a:r>
+            <a:r>
+              <a:rPr lang="en-AU" sz="2800"/>
+              <a:t> and </a:t>
+            </a:r>
+            <a:r>
+              <a:rPr lang="en-AU" sz="2800" u="sng">
+                <a:solidFill>
+                  <a:schemeClr val="accent4">
+                    <a:lumMod val="75000"/>
+                  </a:schemeClr>
+                </a:solidFill>
+              </a:rPr>
+              <a:t>Prediabetic</a:t>
+            </a:r>
+            <a:r>
+              <a:rPr lang="en-AU" sz="2800"/>
+              <a:t>, is there a  difference between them? </a:t>
             </a:r>
             <a:endParaRPr lang="en-US" sz="2800" dirty="0"/>
           </a:p>
@@ -7199,8 +7570,8 @@
         </p:nvSpPr>
         <p:spPr>
           <a:xfrm>
-            <a:off x="80171" y="5521568"/>
-            <a:ext cx="4818185" cy="584775"/>
+            <a:off x="295700" y="4525576"/>
+            <a:ext cx="4818185" cy="2062103"/>
           </a:xfrm>
           <a:prstGeom prst="rect">
             <a:avLst/>
@@ -7224,7 +7595,7 @@
                 <a:latin typeface="Arial" panose="020B0604020202020204" pitchFamily="34" charset="0"/>
                 <a:cs typeface="Arial" panose="020B0604020202020204" pitchFamily="34" charset="0"/>
               </a:rPr>
-              <a:t>vegan::permutest: p-value ~. Assumption OK.</a:t>
+              <a:t>WEIGHTED</a:t>
             </a:r>
           </a:p>
           <a:p>
@@ -7239,7 +7610,49 @@
                 <a:latin typeface="Arial" panose="020B0604020202020204" pitchFamily="34" charset="0"/>
                 <a:cs typeface="Arial" panose="020B0604020202020204" pitchFamily="34" charset="0"/>
               </a:rPr>
-              <a:t>vegan::adonis: p-value. Groups are.  </a:t>
+              <a:t>vegan::permutest: p-value ~0.5. Assumption OK.</a:t>
+            </a:r>
+          </a:p>
+          <a:p>
+            <a:r>
+              <a:rPr lang="en-US" sz="1600">
+                <a:solidFill>
+                  <a:schemeClr val="tx1">
+                    <a:lumMod val="85000"/>
+                    <a:lumOff val="15000"/>
+                  </a:schemeClr>
+                </a:solidFill>
+                <a:latin typeface="Arial" panose="020B0604020202020204" pitchFamily="34" charset="0"/>
+                <a:cs typeface="Arial" panose="020B0604020202020204" pitchFamily="34" charset="0"/>
+              </a:rPr>
+              <a:t>vegan::adonis: p-value: 0.02. Groups are different, as expected. </a:t>
+            </a:r>
+          </a:p>
+          <a:p>
+            <a:endParaRPr lang="en-US" sz="1600">
+              <a:solidFill>
+                <a:schemeClr val="tx1">
+                  <a:lumMod val="85000"/>
+                  <a:lumOff val="15000"/>
+                </a:schemeClr>
+              </a:solidFill>
+              <a:latin typeface="Arial" panose="020B0604020202020204" pitchFamily="34" charset="0"/>
+              <a:cs typeface="Arial" panose="020B0604020202020204" pitchFamily="34" charset="0"/>
+            </a:endParaRPr>
+          </a:p>
+          <a:p>
+            <a:r>
+              <a:rPr lang="en-US" sz="1600">
+                <a:solidFill>
+                  <a:schemeClr val="tx1">
+                    <a:lumMod val="85000"/>
+                    <a:lumOff val="15000"/>
+                  </a:schemeClr>
+                </a:solidFill>
+                <a:latin typeface="Arial" panose="020B0604020202020204" pitchFamily="34" charset="0"/>
+                <a:cs typeface="Arial" panose="020B0604020202020204" pitchFamily="34" charset="0"/>
+              </a:rPr>
+              <a:t>Pairwise adonis should return the same results as overall adonis because there are only two groups. And it did with a similar p-value.</a:t>
             </a:r>
             <a:endParaRPr lang="en-US" sz="1600" dirty="0">
               <a:solidFill>
@@ -7256,10 +7669,193 @@
       </p:sp>
       <p:sp>
         <p:nvSpPr>
-          <p:cNvPr id="20" name="Rectangle: Rounded Corners 19">
-            <a:extLst>
-              <a:ext uri="{FF2B5EF4-FFF2-40B4-BE49-F238E27FC236}">
-                <a16:creationId xmlns:a16="http://schemas.microsoft.com/office/drawing/2014/main" id="{7DD8CF00-AC29-B310-CDBF-074C3A73FCA4}"/>
+          <p:cNvPr id="4" name="TextBox 3">
+            <a:extLst>
+              <a:ext uri="{FF2B5EF4-FFF2-40B4-BE49-F238E27FC236}">
+                <a16:creationId xmlns:a16="http://schemas.microsoft.com/office/drawing/2014/main" id="{49C1AF7E-A4FB-061F-FE98-3369DB4A2D2D}"/>
+              </a:ext>
+            </a:extLst>
+          </p:cNvPr>
+          <p:cNvSpPr txBox="1"/>
+          <p:nvPr/>
+        </p:nvSpPr>
+        <p:spPr>
+          <a:xfrm>
+            <a:off x="5769317" y="4525575"/>
+            <a:ext cx="4993090" cy="1815882"/>
+          </a:xfrm>
+          <a:prstGeom prst="rect">
+            <a:avLst/>
+          </a:prstGeom>
+          <a:noFill/>
+        </p:spPr>
+        <p:txBody>
+          <a:bodyPr wrap="square" rtlCol="0">
+            <a:spAutoFit/>
+          </a:bodyPr>
+          <a:lstStyle/>
+          <a:p>
+            <a:r>
+              <a:rPr lang="en-US" sz="1600">
+                <a:solidFill>
+                  <a:schemeClr val="tx1">
+                    <a:lumMod val="85000"/>
+                    <a:lumOff val="15000"/>
+                  </a:schemeClr>
+                </a:solidFill>
+                <a:latin typeface="Arial" panose="020B0604020202020204" pitchFamily="34" charset="0"/>
+                <a:cs typeface="Arial" panose="020B0604020202020204" pitchFamily="34" charset="0"/>
+              </a:rPr>
+              <a:t>UNweighted</a:t>
+            </a:r>
+          </a:p>
+          <a:p>
+            <a:r>
+              <a:rPr lang="en-US" sz="1600">
+                <a:solidFill>
+                  <a:schemeClr val="tx1">
+                    <a:lumMod val="85000"/>
+                    <a:lumOff val="15000"/>
+                  </a:schemeClr>
+                </a:solidFill>
+                <a:latin typeface="Arial" panose="020B0604020202020204" pitchFamily="34" charset="0"/>
+                <a:cs typeface="Arial" panose="020B0604020202020204" pitchFamily="34" charset="0"/>
+              </a:rPr>
+              <a:t>vegan::permutest: p-value ~0.77. Assumption OK.</a:t>
+            </a:r>
+          </a:p>
+          <a:p>
+            <a:r>
+              <a:rPr lang="en-US" sz="1600">
+                <a:solidFill>
+                  <a:schemeClr val="tx1">
+                    <a:lumMod val="85000"/>
+                    <a:lumOff val="15000"/>
+                  </a:schemeClr>
+                </a:solidFill>
+                <a:latin typeface="Arial" panose="020B0604020202020204" pitchFamily="34" charset="0"/>
+                <a:cs typeface="Arial" panose="020B0604020202020204" pitchFamily="34" charset="0"/>
+              </a:rPr>
+              <a:t>vegan::adonis: p-value: ~0.01. Groups are different.</a:t>
+            </a:r>
+          </a:p>
+          <a:p>
+            <a:endParaRPr lang="en-US" sz="1600">
+              <a:solidFill>
+                <a:schemeClr val="tx1">
+                  <a:lumMod val="85000"/>
+                  <a:lumOff val="15000"/>
+                </a:schemeClr>
+              </a:solidFill>
+              <a:latin typeface="Arial" panose="020B0604020202020204" pitchFamily="34" charset="0"/>
+              <a:cs typeface="Arial" panose="020B0604020202020204" pitchFamily="34" charset="0"/>
+            </a:endParaRPr>
+          </a:p>
+          <a:p>
+            <a:r>
+              <a:rPr lang="en-US" sz="1600">
+                <a:solidFill>
+                  <a:schemeClr val="tx1">
+                    <a:lumMod val="85000"/>
+                    <a:lumOff val="15000"/>
+                  </a:schemeClr>
+                </a:solidFill>
+                <a:latin typeface="Arial" panose="020B0604020202020204" pitchFamily="34" charset="0"/>
+                <a:cs typeface="Arial" panose="020B0604020202020204" pitchFamily="34" charset="0"/>
+              </a:rPr>
+              <a:t>Pairwise adonis should return the same results as overall adonis because there are only two groups. And it did with a similar p-value. </a:t>
+            </a:r>
+            <a:endParaRPr lang="en-US" sz="1600" dirty="0">
+              <a:solidFill>
+                <a:schemeClr val="tx1">
+                  <a:lumMod val="85000"/>
+                  <a:lumOff val="15000"/>
+                </a:schemeClr>
+              </a:solidFill>
+              <a:latin typeface="Arial" panose="020B0604020202020204" pitchFamily="34" charset="0"/>
+              <a:cs typeface="Arial" panose="020B0604020202020204" pitchFamily="34" charset="0"/>
+            </a:endParaRPr>
+          </a:p>
+        </p:txBody>
+      </p:sp>
+      <p:pic>
+        <p:nvPicPr>
+          <p:cNvPr id="7" name="Picture 6" descr="Chart, scatter chart&#10;&#10;Description automatically generated">
+            <a:extLst>
+              <a:ext uri="{FF2B5EF4-FFF2-40B4-BE49-F238E27FC236}">
+                <a16:creationId xmlns:a16="http://schemas.microsoft.com/office/drawing/2014/main" id="{F44CDF42-A453-40C8-41F6-196EBE82BDD2}"/>
+              </a:ext>
+            </a:extLst>
+          </p:cNvPr>
+          <p:cNvPicPr>
+            <a:picLocks noChangeAspect="1"/>
+          </p:cNvPicPr>
+          <p:nvPr/>
+        </p:nvPicPr>
+        <p:blipFill>
+          <a:blip r:embed="rId2">
+            <a:extLst>
+              <a:ext uri="{28A0092B-C50C-407E-A947-70E740481C1C}">
+                <a14:useLocalDpi xmlns:a14="http://schemas.microsoft.com/office/drawing/2010/main" val="0"/>
+              </a:ext>
+            </a:extLst>
+          </a:blip>
+          <a:stretch>
+            <a:fillRect/>
+          </a:stretch>
+        </p:blipFill>
+        <p:spPr>
+          <a:xfrm>
+            <a:off x="5769317" y="1336431"/>
+            <a:ext cx="4038606" cy="3173190"/>
+          </a:xfrm>
+          <a:prstGeom prst="rect">
+            <a:avLst/>
+          </a:prstGeom>
+        </p:spPr>
+      </p:pic>
+      <p:pic>
+        <p:nvPicPr>
+          <p:cNvPr id="10" name="Picture 9" descr="Chart, diagram, scatter chart&#10;&#10;Description automatically generated">
+            <a:extLst>
+              <a:ext uri="{FF2B5EF4-FFF2-40B4-BE49-F238E27FC236}">
+                <a16:creationId xmlns:a16="http://schemas.microsoft.com/office/drawing/2014/main" id="{A84967DF-5707-EE9C-FCE4-A8C06BDC81C9}"/>
+              </a:ext>
+            </a:extLst>
+          </p:cNvPr>
+          <p:cNvPicPr>
+            <a:picLocks noChangeAspect="1"/>
+          </p:cNvPicPr>
+          <p:nvPr/>
+        </p:nvPicPr>
+        <p:blipFill>
+          <a:blip r:embed="rId3">
+            <a:extLst>
+              <a:ext uri="{28A0092B-C50C-407E-A947-70E740481C1C}">
+                <a14:useLocalDpi xmlns:a14="http://schemas.microsoft.com/office/drawing/2010/main" val="0"/>
+              </a:ext>
+            </a:extLst>
+          </a:blip>
+          <a:stretch>
+            <a:fillRect/>
+          </a:stretch>
+        </p:blipFill>
+        <p:spPr>
+          <a:xfrm>
+            <a:off x="375138" y="1336431"/>
+            <a:ext cx="4038606" cy="3173190"/>
+          </a:xfrm>
+          <a:prstGeom prst="rect">
+            <a:avLst/>
+          </a:prstGeom>
+        </p:spPr>
+      </p:pic>
+      <p:sp>
+        <p:nvSpPr>
+          <p:cNvPr id="11" name="Rectangle: Rounded Corners 10">
+            <a:extLst>
+              <a:ext uri="{FF2B5EF4-FFF2-40B4-BE49-F238E27FC236}">
+                <a16:creationId xmlns:a16="http://schemas.microsoft.com/office/drawing/2014/main" id="{2B2C268D-EB40-2B00-FEE6-3F0D37BB4ACD}"/>
               </a:ext>
             </a:extLst>
           </p:cNvPr>
@@ -7268,8 +7864,8 @@
         </p:nvSpPr>
         <p:spPr>
           <a:xfrm>
-            <a:off x="9253305" y="3729296"/>
-            <a:ext cx="2642995" cy="1592561"/>
+            <a:off x="6912400" y="6357411"/>
+            <a:ext cx="5279600" cy="505771"/>
           </a:xfrm>
           <a:prstGeom prst="roundRect">
             <a:avLst/>
@@ -7309,6 +7905,473 @@
                 <a:latin typeface="Arial" panose="020B0604020202020204" pitchFamily="34" charset="0"/>
                 <a:cs typeface="Arial" panose="020B0604020202020204" pitchFamily="34" charset="0"/>
               </a:rPr>
+              <a:t>Yes, they are different!</a:t>
+            </a:r>
+            <a:endParaRPr lang="en-US" sz="1600" dirty="0">
+              <a:latin typeface="Arial" panose="020B0604020202020204" pitchFamily="34" charset="0"/>
+              <a:cs typeface="Arial" panose="020B0604020202020204" pitchFamily="34" charset="0"/>
+            </a:endParaRPr>
+          </a:p>
+        </p:txBody>
+      </p:sp>
+    </p:spTree>
+    <p:extLst>
+      <p:ext uri="{BB962C8B-B14F-4D97-AF65-F5344CB8AC3E}">
+        <p14:creationId xmlns:p14="http://schemas.microsoft.com/office/powerpoint/2010/main" val="89932410"/>
+      </p:ext>
+    </p:extLst>
+  </p:cSld>
+  <p:clrMapOvr>
+    <a:masterClrMapping/>
+  </p:clrMapOvr>
+</p:sld>
+</file>
+
+<file path=ppt/slides/slide14.xml><?xml version="1.0" encoding="utf-8"?>
+<p:sld xmlns:a="http://schemas.openxmlformats.org/drawingml/2006/main" xmlns:r="http://schemas.openxmlformats.org/officeDocument/2006/relationships" xmlns:p="http://schemas.openxmlformats.org/presentationml/2006/main">
+  <p:cSld>
+    <p:spTree>
+      <p:nvGrpSpPr>
+        <p:cNvPr id="1" name=""/>
+        <p:cNvGrpSpPr/>
+        <p:nvPr/>
+      </p:nvGrpSpPr>
+      <p:grpSpPr>
+        <a:xfrm>
+          <a:off x="0" y="0"/>
+          <a:ext cx="0" cy="0"/>
+          <a:chOff x="0" y="0"/>
+          <a:chExt cx="0" cy="0"/>
+        </a:xfrm>
+      </p:grpSpPr>
+      <p:sp>
+        <p:nvSpPr>
+          <p:cNvPr id="2" name="Title 1">
+            <a:extLst>
+              <a:ext uri="{FF2B5EF4-FFF2-40B4-BE49-F238E27FC236}">
+                <a16:creationId xmlns:a16="http://schemas.microsoft.com/office/drawing/2014/main" id="{BC5DFE2C-EC3C-618F-59D2-D97D34FA651B}"/>
+              </a:ext>
+            </a:extLst>
+          </p:cNvPr>
+          <p:cNvSpPr>
+            <a:spLocks noGrp="1"/>
+          </p:cNvSpPr>
+          <p:nvPr>
+            <p:ph type="title"/>
+          </p:nvPr>
+        </p:nvSpPr>
+        <p:spPr>
+          <a:xfrm>
+            <a:off x="375138" y="262843"/>
+            <a:ext cx="8717347" cy="1073588"/>
+          </a:xfrm>
+        </p:spPr>
+        <p:txBody>
+          <a:bodyPr>
+            <a:noAutofit/>
+          </a:bodyPr>
+          <a:lstStyle/>
+          <a:p>
+            <a:r>
+              <a:rPr lang="en-AU" sz="2800"/>
+              <a:t>Male in 60plus PCA test separation using adonis by feeding Euclidean distance matrix to the model.</a:t>
+            </a:r>
+            <a:endParaRPr lang="en-US" sz="2800" dirty="0"/>
+          </a:p>
+        </p:txBody>
+      </p:sp>
+      <p:sp>
+        <p:nvSpPr>
+          <p:cNvPr id="3" name="TextBox 2">
+            <a:extLst>
+              <a:ext uri="{FF2B5EF4-FFF2-40B4-BE49-F238E27FC236}">
+                <a16:creationId xmlns:a16="http://schemas.microsoft.com/office/drawing/2014/main" id="{E29CD46D-6078-AC2F-CB5A-35C8DE794A2E}"/>
+              </a:ext>
+            </a:extLst>
+          </p:cNvPr>
+          <p:cNvSpPr txBox="1"/>
+          <p:nvPr/>
+        </p:nvSpPr>
+        <p:spPr>
+          <a:xfrm>
+            <a:off x="80171" y="5521568"/>
+            <a:ext cx="4818185" cy="584775"/>
+          </a:xfrm>
+          <a:prstGeom prst="rect">
+            <a:avLst/>
+          </a:prstGeom>
+          <a:noFill/>
+        </p:spPr>
+        <p:txBody>
+          <a:bodyPr wrap="square" rtlCol="0">
+            <a:spAutoFit/>
+          </a:bodyPr>
+          <a:lstStyle/>
+          <a:p>
+            <a:r>
+              <a:rPr lang="en-US" sz="1600">
+                <a:solidFill>
+                  <a:schemeClr val="tx1">
+                    <a:lumMod val="85000"/>
+                    <a:lumOff val="15000"/>
+                  </a:schemeClr>
+                </a:solidFill>
+                <a:latin typeface="Arial" panose="020B0604020202020204" pitchFamily="34" charset="0"/>
+                <a:cs typeface="Arial" panose="020B0604020202020204" pitchFamily="34" charset="0"/>
+              </a:rPr>
+              <a:t>vegan::permutest: p-value ~. </a:t>
+            </a:r>
+          </a:p>
+          <a:p>
+            <a:r>
+              <a:rPr lang="en-US" sz="1600">
+                <a:solidFill>
+                  <a:schemeClr val="tx1">
+                    <a:lumMod val="85000"/>
+                    <a:lumOff val="15000"/>
+                  </a:schemeClr>
+                </a:solidFill>
+                <a:latin typeface="Arial" panose="020B0604020202020204" pitchFamily="34" charset="0"/>
+                <a:cs typeface="Arial" panose="020B0604020202020204" pitchFamily="34" charset="0"/>
+              </a:rPr>
+              <a:t>vegan::adonis: p-value. Groups are.  </a:t>
+            </a:r>
+            <a:endParaRPr lang="en-US" sz="1600" dirty="0">
+              <a:solidFill>
+                <a:schemeClr val="tx1">
+                  <a:lumMod val="85000"/>
+                  <a:lumOff val="15000"/>
+                </a:schemeClr>
+              </a:solidFill>
+              <a:latin typeface="Arial" panose="020B0604020202020204" pitchFamily="34" charset="0"/>
+              <a:cs typeface="Arial" panose="020B0604020202020204" pitchFamily="34" charset="0"/>
+            </a:endParaRPr>
+          </a:p>
+        </p:txBody>
+      </p:sp>
+      <p:sp>
+        <p:nvSpPr>
+          <p:cNvPr id="20" name="Rectangle: Rounded Corners 19">
+            <a:extLst>
+              <a:ext uri="{FF2B5EF4-FFF2-40B4-BE49-F238E27FC236}">
+                <a16:creationId xmlns:a16="http://schemas.microsoft.com/office/drawing/2014/main" id="{7DD8CF00-AC29-B310-CDBF-074C3A73FCA4}"/>
+              </a:ext>
+            </a:extLst>
+          </p:cNvPr>
+          <p:cNvSpPr/>
+          <p:nvPr/>
+        </p:nvSpPr>
+        <p:spPr>
+          <a:xfrm>
+            <a:off x="9253305" y="4393096"/>
+            <a:ext cx="2642995" cy="928761"/>
+          </a:xfrm>
+          <a:prstGeom prst="roundRect">
+            <a:avLst/>
+          </a:prstGeom>
+          <a:solidFill>
+            <a:schemeClr val="bg1"/>
+          </a:solidFill>
+          <a:ln w="28575">
+            <a:solidFill>
+              <a:schemeClr val="bg1">
+                <a:lumMod val="65000"/>
+              </a:schemeClr>
+            </a:solidFill>
+          </a:ln>
+        </p:spPr>
+        <p:style>
+          <a:lnRef idx="2">
+            <a:schemeClr val="dk1"/>
+          </a:lnRef>
+          <a:fillRef idx="1">
+            <a:schemeClr val="lt1"/>
+          </a:fillRef>
+          <a:effectRef idx="0">
+            <a:schemeClr val="dk1"/>
+          </a:effectRef>
+          <a:fontRef idx="minor">
+            <a:schemeClr val="dk1"/>
+          </a:fontRef>
+        </p:style>
+        <p:txBody>
+          <a:bodyPr rtlCol="0" anchor="ctr"/>
+          <a:lstStyle/>
+          <a:p>
+            <a:pPr algn="ctr"/>
+            <a:r>
+              <a:rPr lang="en-US" sz="1600">
+                <a:latin typeface="Arial" panose="020B0604020202020204" pitchFamily="34" charset="0"/>
+                <a:cs typeface="Arial" panose="020B0604020202020204" pitchFamily="34" charset="0"/>
+              </a:rPr>
+              <a:t>Axes 1&amp;2</a:t>
+            </a:r>
+            <a:endParaRPr lang="en-US" sz="1600" dirty="0">
+              <a:latin typeface="Arial" panose="020B0604020202020204" pitchFamily="34" charset="0"/>
+              <a:cs typeface="Arial" panose="020B0604020202020204" pitchFamily="34" charset="0"/>
+            </a:endParaRPr>
+          </a:p>
+        </p:txBody>
+      </p:sp>
+      <p:sp>
+        <p:nvSpPr>
+          <p:cNvPr id="4" name="TextBox 3">
+            <a:extLst>
+              <a:ext uri="{FF2B5EF4-FFF2-40B4-BE49-F238E27FC236}">
+                <a16:creationId xmlns:a16="http://schemas.microsoft.com/office/drawing/2014/main" id="{2A61DB03-2482-69EC-C22D-C0ED3A1F2122}"/>
+              </a:ext>
+            </a:extLst>
+          </p:cNvPr>
+          <p:cNvSpPr txBox="1"/>
+          <p:nvPr/>
+        </p:nvSpPr>
+        <p:spPr>
+          <a:xfrm>
+            <a:off x="256847" y="1474201"/>
+            <a:ext cx="10149511" cy="584775"/>
+          </a:xfrm>
+          <a:prstGeom prst="rect">
+            <a:avLst/>
+          </a:prstGeom>
+          <a:noFill/>
+        </p:spPr>
+        <p:txBody>
+          <a:bodyPr wrap="square" rtlCol="0">
+            <a:spAutoFit/>
+          </a:bodyPr>
+          <a:lstStyle/>
+          <a:p>
+            <a:r>
+              <a:rPr lang="en-US" sz="1600">
+                <a:solidFill>
+                  <a:schemeClr val="tx1">
+                    <a:lumMod val="85000"/>
+                    <a:lumOff val="15000"/>
+                  </a:schemeClr>
+                </a:solidFill>
+                <a:latin typeface="Consolas" panose="020B0609020204030204" pitchFamily="49" charset="0"/>
+                <a:cs typeface="Arial" panose="020B0604020202020204" pitchFamily="34" charset="0"/>
+              </a:rPr>
+              <a:t>vegan::adonis(DISTANCE_MATRIX, FACTOR, perm=999)</a:t>
+            </a:r>
+          </a:p>
+          <a:p>
+            <a:r>
+              <a:rPr lang="en-US" sz="1600">
+                <a:solidFill>
+                  <a:schemeClr val="tx1">
+                    <a:lumMod val="85000"/>
+                    <a:lumOff val="15000"/>
+                  </a:schemeClr>
+                </a:solidFill>
+                <a:latin typeface="Arial" panose="020B0604020202020204" pitchFamily="34" charset="0"/>
+                <a:cs typeface="Arial" panose="020B0604020202020204" pitchFamily="34" charset="0"/>
+              </a:rPr>
+              <a:t>In theory, it can handle any distance matrix, even Euclidean.</a:t>
+            </a:r>
+            <a:endParaRPr lang="en-US" sz="1600" dirty="0">
+              <a:solidFill>
+                <a:schemeClr val="tx1">
+                  <a:lumMod val="85000"/>
+                  <a:lumOff val="15000"/>
+                </a:schemeClr>
+              </a:solidFill>
+              <a:latin typeface="Arial" panose="020B0604020202020204" pitchFamily="34" charset="0"/>
+              <a:cs typeface="Arial" panose="020B0604020202020204" pitchFamily="34" charset="0"/>
+            </a:endParaRPr>
+          </a:p>
+        </p:txBody>
+      </p:sp>
+    </p:spTree>
+    <p:extLst>
+      <p:ext uri="{BB962C8B-B14F-4D97-AF65-F5344CB8AC3E}">
+        <p14:creationId xmlns:p14="http://schemas.microsoft.com/office/powerpoint/2010/main" val="701873102"/>
+      </p:ext>
+    </p:extLst>
+  </p:cSld>
+  <p:clrMapOvr>
+    <a:masterClrMapping/>
+  </p:clrMapOvr>
+</p:sld>
+</file>
+
+<file path=ppt/slides/slide15.xml><?xml version="1.0" encoding="utf-8"?>
+<p:sld xmlns:a="http://schemas.openxmlformats.org/drawingml/2006/main" xmlns:r="http://schemas.openxmlformats.org/officeDocument/2006/relationships" xmlns:p="http://schemas.openxmlformats.org/presentationml/2006/main">
+  <p:cSld>
+    <p:spTree>
+      <p:nvGrpSpPr>
+        <p:cNvPr id="1" name=""/>
+        <p:cNvGrpSpPr/>
+        <p:nvPr/>
+      </p:nvGrpSpPr>
+      <p:grpSpPr>
+        <a:xfrm>
+          <a:off x="0" y="0"/>
+          <a:ext cx="0" cy="0"/>
+          <a:chOff x="0" y="0"/>
+          <a:chExt cx="0" cy="0"/>
+        </a:xfrm>
+      </p:grpSpPr>
+      <p:sp>
+        <p:nvSpPr>
+          <p:cNvPr id="2" name="Title 1">
+            <a:extLst>
+              <a:ext uri="{FF2B5EF4-FFF2-40B4-BE49-F238E27FC236}">
+                <a16:creationId xmlns:a16="http://schemas.microsoft.com/office/drawing/2014/main" id="{BC5DFE2C-EC3C-618F-59D2-D97D34FA651B}"/>
+              </a:ext>
+            </a:extLst>
+          </p:cNvPr>
+          <p:cNvSpPr>
+            <a:spLocks noGrp="1"/>
+          </p:cNvSpPr>
+          <p:nvPr>
+            <p:ph type="title"/>
+          </p:nvPr>
+        </p:nvSpPr>
+        <p:spPr>
+          <a:xfrm>
+            <a:off x="375138" y="262843"/>
+            <a:ext cx="8717347" cy="1073588"/>
+          </a:xfrm>
+        </p:spPr>
+        <p:txBody>
+          <a:bodyPr>
+            <a:noAutofit/>
+          </a:bodyPr>
+          <a:lstStyle/>
+          <a:p>
+            <a:r>
+              <a:rPr lang="en-AU" sz="2800"/>
+              <a:t>Corr between food groups and Axes. (heatmap) </a:t>
+            </a:r>
+            <a:endParaRPr lang="en-US" sz="2800" dirty="0"/>
+          </a:p>
+        </p:txBody>
+      </p:sp>
+      <p:sp>
+        <p:nvSpPr>
+          <p:cNvPr id="3" name="TextBox 2">
+            <a:extLst>
+              <a:ext uri="{FF2B5EF4-FFF2-40B4-BE49-F238E27FC236}">
+                <a16:creationId xmlns:a16="http://schemas.microsoft.com/office/drawing/2014/main" id="{E29CD46D-6078-AC2F-CB5A-35C8DE794A2E}"/>
+              </a:ext>
+            </a:extLst>
+          </p:cNvPr>
+          <p:cNvSpPr txBox="1"/>
+          <p:nvPr/>
+        </p:nvSpPr>
+        <p:spPr>
+          <a:xfrm>
+            <a:off x="80171" y="5521568"/>
+            <a:ext cx="4818185" cy="584775"/>
+          </a:xfrm>
+          <a:prstGeom prst="rect">
+            <a:avLst/>
+          </a:prstGeom>
+          <a:noFill/>
+        </p:spPr>
+        <p:txBody>
+          <a:bodyPr wrap="square" rtlCol="0">
+            <a:spAutoFit/>
+          </a:bodyPr>
+          <a:lstStyle/>
+          <a:p>
+            <a:r>
+              <a:rPr lang="en-US" sz="1600">
+                <a:solidFill>
+                  <a:schemeClr val="tx1">
+                    <a:lumMod val="85000"/>
+                    <a:lumOff val="15000"/>
+                  </a:schemeClr>
+                </a:solidFill>
+                <a:latin typeface="Arial" panose="020B0604020202020204" pitchFamily="34" charset="0"/>
+                <a:cs typeface="Arial" panose="020B0604020202020204" pitchFamily="34" charset="0"/>
+              </a:rPr>
+              <a:t>vegan::permutest: p-value ~. Assumption OK.</a:t>
+            </a:r>
+          </a:p>
+          <a:p>
+            <a:r>
+              <a:rPr lang="en-US" sz="1600">
+                <a:solidFill>
+                  <a:schemeClr val="tx1">
+                    <a:lumMod val="85000"/>
+                    <a:lumOff val="15000"/>
+                  </a:schemeClr>
+                </a:solidFill>
+                <a:latin typeface="Arial" panose="020B0604020202020204" pitchFamily="34" charset="0"/>
+                <a:cs typeface="Arial" panose="020B0604020202020204" pitchFamily="34" charset="0"/>
+              </a:rPr>
+              <a:t>vegan::adonis: p-value. Groups are.  </a:t>
+            </a:r>
+            <a:endParaRPr lang="en-US" sz="1600" dirty="0">
+              <a:solidFill>
+                <a:schemeClr val="tx1">
+                  <a:lumMod val="85000"/>
+                  <a:lumOff val="15000"/>
+                </a:schemeClr>
+              </a:solidFill>
+              <a:latin typeface="Arial" panose="020B0604020202020204" pitchFamily="34" charset="0"/>
+              <a:cs typeface="Arial" panose="020B0604020202020204" pitchFamily="34" charset="0"/>
+            </a:endParaRPr>
+          </a:p>
+        </p:txBody>
+      </p:sp>
+      <p:sp>
+        <p:nvSpPr>
+          <p:cNvPr id="20" name="Rectangle: Rounded Corners 19">
+            <a:extLst>
+              <a:ext uri="{FF2B5EF4-FFF2-40B4-BE49-F238E27FC236}">
+                <a16:creationId xmlns:a16="http://schemas.microsoft.com/office/drawing/2014/main" id="{7DD8CF00-AC29-B310-CDBF-074C3A73FCA4}"/>
+              </a:ext>
+            </a:extLst>
+          </p:cNvPr>
+          <p:cNvSpPr/>
+          <p:nvPr/>
+        </p:nvSpPr>
+        <p:spPr>
+          <a:xfrm>
+            <a:off x="9253305" y="3729296"/>
+            <a:ext cx="2642995" cy="1592561"/>
+          </a:xfrm>
+          <a:prstGeom prst="roundRect">
+            <a:avLst/>
+          </a:prstGeom>
+          <a:solidFill>
+            <a:schemeClr val="bg1"/>
+          </a:solidFill>
+          <a:ln w="28575">
+            <a:solidFill>
+              <a:schemeClr val="bg1">
+                <a:lumMod val="65000"/>
+              </a:schemeClr>
+            </a:solidFill>
+          </a:ln>
+        </p:spPr>
+        <p:style>
+          <a:lnRef idx="2">
+            <a:schemeClr val="dk1"/>
+          </a:lnRef>
+          <a:fillRef idx="1">
+            <a:schemeClr val="lt1"/>
+          </a:fillRef>
+          <a:effectRef idx="0">
+            <a:schemeClr val="dk1"/>
+          </a:effectRef>
+          <a:fontRef idx="minor">
+            <a:schemeClr val="dk1"/>
+          </a:fontRef>
+        </p:style>
+        <p:txBody>
+          <a:bodyPr rtlCol="0" anchor="ctr"/>
+          <a:lstStyle/>
+          <a:p>
+            <a:pPr algn="ctr"/>
+            <a:r>
+              <a:rPr lang="en-US" sz="1600">
+                <a:latin typeface="Arial" panose="020B0604020202020204" pitchFamily="34" charset="0"/>
+                <a:cs typeface="Arial" panose="020B0604020202020204" pitchFamily="34" charset="0"/>
+              </a:rPr>
               <a:t>Axes 1&amp;2</a:t>
             </a:r>
             <a:endParaRPr lang="en-US" sz="1600" dirty="0">
@@ -7331,7 +8394,7 @@
 </p:sld>
 </file>
 
-<file path=ppt/slides/slide14.xml><?xml version="1.0" encoding="utf-8"?>
+<file path=ppt/slides/slide16.xml><?xml version="1.0" encoding="utf-8"?>
 <p:sld xmlns:a="http://schemas.openxmlformats.org/drawingml/2006/main" xmlns:r="http://schemas.openxmlformats.org/officeDocument/2006/relationships" xmlns:p="http://schemas.openxmlformats.org/presentationml/2006/main">
   <p:cSld>
     <p:spTree>
@@ -7763,426 +8826,6 @@
 </p:sld>
 </file>
 
-<file path=ppt/slides/slide15.xml><?xml version="1.0" encoding="utf-8"?>
-<p:sld xmlns:a="http://schemas.openxmlformats.org/drawingml/2006/main" xmlns:r="http://schemas.openxmlformats.org/officeDocument/2006/relationships" xmlns:p="http://schemas.openxmlformats.org/presentationml/2006/main">
-  <p:cSld>
-    <p:spTree>
-      <p:nvGrpSpPr>
-        <p:cNvPr id="1" name=""/>
-        <p:cNvGrpSpPr/>
-        <p:nvPr/>
-      </p:nvGrpSpPr>
-      <p:grpSpPr>
-        <a:xfrm>
-          <a:off x="0" y="0"/>
-          <a:ext cx="0" cy="0"/>
-          <a:chOff x="0" y="0"/>
-          <a:chExt cx="0" cy="0"/>
-        </a:xfrm>
-      </p:grpSpPr>
-      <p:sp>
-        <p:nvSpPr>
-          <p:cNvPr id="2" name="Title 1">
-            <a:extLst>
-              <a:ext uri="{FF2B5EF4-FFF2-40B4-BE49-F238E27FC236}">
-                <a16:creationId xmlns:a16="http://schemas.microsoft.com/office/drawing/2014/main" id="{F3CE369B-91C8-BF84-3CDC-670D788BB74B}"/>
-              </a:ext>
-            </a:extLst>
-          </p:cNvPr>
-          <p:cNvSpPr>
-            <a:spLocks noGrp="1"/>
-          </p:cNvSpPr>
-          <p:nvPr>
-            <p:ph type="ctrTitle"/>
-          </p:nvPr>
-        </p:nvSpPr>
-        <p:spPr>
-          <a:xfrm>
-            <a:off x="3294566" y="1715584"/>
-            <a:ext cx="5089071" cy="2888711"/>
-          </a:xfrm>
-        </p:spPr>
-        <p:txBody>
-          <a:bodyPr>
-            <a:normAutofit/>
-          </a:bodyPr>
-          <a:lstStyle/>
-          <a:p>
-            <a:r>
-              <a:rPr lang="en-US" altLang="ja-JP" sz="4000"/>
-              <a:t>Title</a:t>
-            </a:r>
-            <a:endParaRPr lang="en-US" sz="4800" dirty="0"/>
-          </a:p>
-        </p:txBody>
-      </p:sp>
-      <p:sp>
-        <p:nvSpPr>
-          <p:cNvPr id="3" name="Subtitle 2">
-            <a:extLst>
-              <a:ext uri="{FF2B5EF4-FFF2-40B4-BE49-F238E27FC236}">
-                <a16:creationId xmlns:a16="http://schemas.microsoft.com/office/drawing/2014/main" id="{CA1CE0CA-BEC4-432E-F301-3C632AB0C1AA}"/>
-              </a:ext>
-            </a:extLst>
-          </p:cNvPr>
-          <p:cNvSpPr>
-            <a:spLocks noGrp="1"/>
-          </p:cNvSpPr>
-          <p:nvPr>
-            <p:ph type="subTitle" idx="1"/>
-          </p:nvPr>
-        </p:nvSpPr>
-        <p:spPr>
-          <a:xfrm>
-            <a:off x="3294566" y="4806741"/>
-            <a:ext cx="5089071" cy="663402"/>
-          </a:xfrm>
-        </p:spPr>
-        <p:txBody>
-          <a:bodyPr>
-            <a:normAutofit/>
-          </a:bodyPr>
-          <a:lstStyle/>
-          <a:p>
-            <a:r>
-              <a:rPr lang="en-US" sz="2000" dirty="0"/>
-              <a:t> </a:t>
-            </a:r>
-          </a:p>
-        </p:txBody>
-      </p:sp>
-      <p:sp>
-        <p:nvSpPr>
-          <p:cNvPr id="4" name="Rectangle 3">
-            <a:extLst>
-              <a:ext uri="{FF2B5EF4-FFF2-40B4-BE49-F238E27FC236}">
-                <a16:creationId xmlns:a16="http://schemas.microsoft.com/office/drawing/2014/main" id="{C53B4393-6FD8-F14F-3F03-5C2E22515D6F}"/>
-              </a:ext>
-            </a:extLst>
-          </p:cNvPr>
-          <p:cNvSpPr/>
-          <p:nvPr/>
-        </p:nvSpPr>
-        <p:spPr>
-          <a:xfrm>
-            <a:off x="283222" y="0"/>
-            <a:ext cx="2411427" cy="5138442"/>
-          </a:xfrm>
-          <a:prstGeom prst="rect">
-            <a:avLst/>
-          </a:prstGeom>
-          <a:solidFill>
-            <a:schemeClr val="bg2">
-              <a:lumMod val="60000"/>
-              <a:lumOff val="40000"/>
-            </a:schemeClr>
-          </a:solidFill>
-          <a:ln>
-            <a:noFill/>
-          </a:ln>
-        </p:spPr>
-        <p:style>
-          <a:lnRef idx="2">
-            <a:schemeClr val="accent1">
-              <a:shade val="50000"/>
-            </a:schemeClr>
-          </a:lnRef>
-          <a:fillRef idx="1">
-            <a:schemeClr val="accent1"/>
-          </a:fillRef>
-          <a:effectRef idx="0">
-            <a:schemeClr val="accent1"/>
-          </a:effectRef>
-          <a:fontRef idx="minor">
-            <a:schemeClr val="lt1"/>
-          </a:fontRef>
-        </p:style>
-        <p:txBody>
-          <a:bodyPr rtlCol="0" anchor="ctr"/>
-          <a:lstStyle/>
-          <a:p>
-            <a:pPr algn="ctr"/>
-            <a:endParaRPr lang="en-US" dirty="0"/>
-          </a:p>
-        </p:txBody>
-      </p:sp>
-      <p:sp>
-        <p:nvSpPr>
-          <p:cNvPr id="7" name="Rectangle 6">
-            <a:extLst>
-              <a:ext uri="{FF2B5EF4-FFF2-40B4-BE49-F238E27FC236}">
-                <a16:creationId xmlns:a16="http://schemas.microsoft.com/office/drawing/2014/main" id="{6B9AF850-49DC-22FE-E75A-9463091C4AEB}"/>
-              </a:ext>
-            </a:extLst>
-          </p:cNvPr>
-          <p:cNvSpPr/>
-          <p:nvPr/>
-        </p:nvSpPr>
-        <p:spPr>
-          <a:xfrm>
-            <a:off x="9176368" y="2031101"/>
-            <a:ext cx="2411427" cy="4826899"/>
-          </a:xfrm>
-          <a:prstGeom prst="rect">
-            <a:avLst/>
-          </a:prstGeom>
-          <a:solidFill>
-            <a:schemeClr val="bg2"/>
-          </a:solidFill>
-          <a:ln>
-            <a:noFill/>
-          </a:ln>
-        </p:spPr>
-        <p:style>
-          <a:lnRef idx="2">
-            <a:schemeClr val="accent1">
-              <a:shade val="50000"/>
-            </a:schemeClr>
-          </a:lnRef>
-          <a:fillRef idx="1">
-            <a:schemeClr val="accent1"/>
-          </a:fillRef>
-          <a:effectRef idx="0">
-            <a:schemeClr val="accent1"/>
-          </a:effectRef>
-          <a:fontRef idx="minor">
-            <a:schemeClr val="lt1"/>
-          </a:fontRef>
-        </p:style>
-        <p:txBody>
-          <a:bodyPr rtlCol="0" anchor="ctr"/>
-          <a:lstStyle/>
-          <a:p>
-            <a:pPr algn="ctr"/>
-            <a:endParaRPr lang="en-US" dirty="0"/>
-          </a:p>
-        </p:txBody>
-      </p:sp>
-    </p:spTree>
-    <p:extLst>
-      <p:ext uri="{BB962C8B-B14F-4D97-AF65-F5344CB8AC3E}">
-        <p14:creationId xmlns:p14="http://schemas.microsoft.com/office/powerpoint/2010/main" val="2291643355"/>
-      </p:ext>
-    </p:extLst>
-  </p:cSld>
-  <p:clrMapOvr>
-    <a:masterClrMapping/>
-  </p:clrMapOvr>
-</p:sld>
-</file>
-
-<file path=ppt/slides/slide16.xml><?xml version="1.0" encoding="utf-8"?>
-<p:sld xmlns:a="http://schemas.openxmlformats.org/drawingml/2006/main" xmlns:r="http://schemas.openxmlformats.org/officeDocument/2006/relationships" xmlns:p="http://schemas.openxmlformats.org/presentationml/2006/main">
-  <p:cSld>
-    <p:spTree>
-      <p:nvGrpSpPr>
-        <p:cNvPr id="1" name=""/>
-        <p:cNvGrpSpPr/>
-        <p:nvPr/>
-      </p:nvGrpSpPr>
-      <p:grpSpPr>
-        <a:xfrm>
-          <a:off x="0" y="0"/>
-          <a:ext cx="0" cy="0"/>
-          <a:chOff x="0" y="0"/>
-          <a:chExt cx="0" cy="0"/>
-        </a:xfrm>
-      </p:grpSpPr>
-      <p:sp>
-        <p:nvSpPr>
-          <p:cNvPr id="2" name="Title 1">
-            <a:extLst>
-              <a:ext uri="{FF2B5EF4-FFF2-40B4-BE49-F238E27FC236}">
-                <a16:creationId xmlns:a16="http://schemas.microsoft.com/office/drawing/2014/main" id="{F3CE369B-91C8-BF84-3CDC-670D788BB74B}"/>
-              </a:ext>
-            </a:extLst>
-          </p:cNvPr>
-          <p:cNvSpPr>
-            <a:spLocks noGrp="1"/>
-          </p:cNvSpPr>
-          <p:nvPr>
-            <p:ph type="ctrTitle"/>
-          </p:nvPr>
-        </p:nvSpPr>
-        <p:spPr>
-          <a:xfrm>
-            <a:off x="469338" y="1335149"/>
-            <a:ext cx="5907186" cy="2670299"/>
-          </a:xfrm>
-        </p:spPr>
-        <p:txBody>
-          <a:bodyPr>
-            <a:normAutofit/>
-          </a:bodyPr>
-          <a:lstStyle/>
-          <a:p>
-            <a:r>
-              <a:rPr lang="en-US" altLang="ja-JP" sz="3200"/>
-              <a:t>Title</a:t>
-            </a:r>
-            <a:endParaRPr lang="en-US" sz="4800" dirty="0"/>
-          </a:p>
-        </p:txBody>
-      </p:sp>
-      <p:sp>
-        <p:nvSpPr>
-          <p:cNvPr id="3" name="Subtitle 2">
-            <a:extLst>
-              <a:ext uri="{FF2B5EF4-FFF2-40B4-BE49-F238E27FC236}">
-                <a16:creationId xmlns:a16="http://schemas.microsoft.com/office/drawing/2014/main" id="{CA1CE0CA-BEC4-432E-F301-3C632AB0C1AA}"/>
-              </a:ext>
-            </a:extLst>
-          </p:cNvPr>
-          <p:cNvSpPr>
-            <a:spLocks noGrp="1"/>
-          </p:cNvSpPr>
-          <p:nvPr>
-            <p:ph type="subTitle" idx="1"/>
-          </p:nvPr>
-        </p:nvSpPr>
-        <p:spPr>
-          <a:xfrm>
-            <a:off x="878395" y="4240299"/>
-            <a:ext cx="5089071" cy="663402"/>
-          </a:xfrm>
-        </p:spPr>
-        <p:txBody>
-          <a:bodyPr>
-            <a:normAutofit/>
-          </a:bodyPr>
-          <a:lstStyle/>
-          <a:p>
-            <a:r>
-              <a:rPr lang="en-US" sz="2000"/>
-              <a:t>Subtitle </a:t>
-            </a:r>
-            <a:endParaRPr lang="en-US" sz="2000" dirty="0"/>
-          </a:p>
-          <a:p>
-            <a:endParaRPr lang="en-US" sz="2000" dirty="0"/>
-          </a:p>
-        </p:txBody>
-      </p:sp>
-      <p:sp>
-        <p:nvSpPr>
-          <p:cNvPr id="4" name="Rectangle 3">
-            <a:extLst>
-              <a:ext uri="{FF2B5EF4-FFF2-40B4-BE49-F238E27FC236}">
-                <a16:creationId xmlns:a16="http://schemas.microsoft.com/office/drawing/2014/main" id="{C53B4393-6FD8-F14F-3F03-5C2E22515D6F}"/>
-              </a:ext>
-            </a:extLst>
-          </p:cNvPr>
-          <p:cNvSpPr/>
-          <p:nvPr/>
-        </p:nvSpPr>
-        <p:spPr>
-          <a:xfrm>
-            <a:off x="7994931" y="0"/>
-            <a:ext cx="4197069" cy="2670299"/>
-          </a:xfrm>
-          <a:prstGeom prst="rect">
-            <a:avLst/>
-          </a:prstGeom>
-          <a:solidFill>
-            <a:schemeClr val="bg2">
-              <a:lumMod val="60000"/>
-              <a:lumOff val="40000"/>
-            </a:schemeClr>
-          </a:solidFill>
-          <a:ln>
-            <a:noFill/>
-          </a:ln>
-        </p:spPr>
-        <p:style>
-          <a:lnRef idx="2">
-            <a:schemeClr val="accent1">
-              <a:shade val="50000"/>
-            </a:schemeClr>
-          </a:lnRef>
-          <a:fillRef idx="1">
-            <a:schemeClr val="accent1"/>
-          </a:fillRef>
-          <a:effectRef idx="0">
-            <a:schemeClr val="accent1"/>
-          </a:effectRef>
-          <a:fontRef idx="minor">
-            <a:schemeClr val="lt1"/>
-          </a:fontRef>
-        </p:style>
-        <p:txBody>
-          <a:bodyPr rtlCol="0" anchor="ctr"/>
-          <a:lstStyle/>
-          <a:p>
-            <a:pPr algn="ctr"/>
-            <a:endParaRPr lang="en-US" dirty="0"/>
-          </a:p>
-        </p:txBody>
-      </p:sp>
-      <p:sp>
-        <p:nvSpPr>
-          <p:cNvPr id="7" name="Rectangle 6">
-            <a:extLst>
-              <a:ext uri="{FF2B5EF4-FFF2-40B4-BE49-F238E27FC236}">
-                <a16:creationId xmlns:a16="http://schemas.microsoft.com/office/drawing/2014/main" id="{6B9AF850-49DC-22FE-E75A-9463091C4AEB}"/>
-              </a:ext>
-            </a:extLst>
-          </p:cNvPr>
-          <p:cNvSpPr/>
-          <p:nvPr/>
-        </p:nvSpPr>
-        <p:spPr>
-          <a:xfrm>
-            <a:off x="6724481" y="2051259"/>
-            <a:ext cx="2411427" cy="4826899"/>
-          </a:xfrm>
-          <a:prstGeom prst="rect">
-            <a:avLst/>
-          </a:prstGeom>
-          <a:solidFill>
-            <a:schemeClr val="bg2"/>
-          </a:solidFill>
-          <a:ln>
-            <a:noFill/>
-          </a:ln>
-        </p:spPr>
-        <p:style>
-          <a:lnRef idx="2">
-            <a:schemeClr val="accent1">
-              <a:shade val="50000"/>
-            </a:schemeClr>
-          </a:lnRef>
-          <a:fillRef idx="1">
-            <a:schemeClr val="accent1"/>
-          </a:fillRef>
-          <a:effectRef idx="0">
-            <a:schemeClr val="accent1"/>
-          </a:effectRef>
-          <a:fontRef idx="minor">
-            <a:schemeClr val="lt1"/>
-          </a:fontRef>
-        </p:style>
-        <p:txBody>
-          <a:bodyPr rtlCol="0" anchor="ctr"/>
-          <a:lstStyle/>
-          <a:p>
-            <a:pPr algn="ctr"/>
-            <a:endParaRPr lang="en-US" dirty="0"/>
-          </a:p>
-        </p:txBody>
-      </p:sp>
-    </p:spTree>
-    <p:extLst>
-      <p:ext uri="{BB962C8B-B14F-4D97-AF65-F5344CB8AC3E}">
-        <p14:creationId xmlns:p14="http://schemas.microsoft.com/office/powerpoint/2010/main" val="317344317"/>
-      </p:ext>
-    </p:extLst>
-  </p:cSld>
-  <p:clrMapOvr>
-    <a:masterClrMapping/>
-  </p:clrMapOvr>
-</p:sld>
-</file>
-
 <file path=ppt/slides/slide17.xml><?xml version="1.0" encoding="utf-8"?>
 <p:sld xmlns:a="http://schemas.openxmlformats.org/drawingml/2006/main" xmlns:r="http://schemas.openxmlformats.org/officeDocument/2006/relationships" xmlns:p="http://schemas.openxmlformats.org/presentationml/2006/main">
   <p:cSld>
@@ -8205,7 +8848,7 @@
           <p:cNvPr id="2" name="Title 1">
             <a:extLst>
               <a:ext uri="{FF2B5EF4-FFF2-40B4-BE49-F238E27FC236}">
-                <a16:creationId xmlns:a16="http://schemas.microsoft.com/office/drawing/2014/main" id="{BC5DFE2C-EC3C-618F-59D2-D97D34FA651B}"/>
+                <a16:creationId xmlns:a16="http://schemas.microsoft.com/office/drawing/2014/main" id="{F3CE369B-91C8-BF84-3CDC-670D788BB74B}"/>
               </a:ext>
             </a:extLst>
           </p:cNvPr>
@@ -8213,35 +8856,70 @@
             <a:spLocks noGrp="1"/>
           </p:cNvSpPr>
           <p:nvPr>
-            <p:ph type="title"/>
+            <p:ph type="ctrTitle"/>
           </p:nvPr>
         </p:nvSpPr>
         <p:spPr>
           <a:xfrm>
-            <a:off x="375138" y="262843"/>
-            <a:ext cx="9184498" cy="1073588"/>
+            <a:off x="3294566" y="1715584"/>
+            <a:ext cx="5089071" cy="2888711"/>
           </a:xfrm>
         </p:spPr>
         <p:txBody>
           <a:bodyPr>
-            <a:noAutofit/>
+            <a:normAutofit/>
           </a:bodyPr>
           <a:lstStyle/>
           <a:p>
             <a:r>
-              <a:rPr lang="en-AU" sz="2800"/>
-              <a:t>Mistake in 40_ordination_NHANES_xxxx found!!</a:t>
-            </a:r>
-            <a:endParaRPr lang="en-US" sz="2800" dirty="0"/>
+              <a:rPr lang="en-US" altLang="ja-JP" sz="4000"/>
+              <a:t>Title</a:t>
+            </a:r>
+            <a:endParaRPr lang="en-US" sz="4800" dirty="0"/>
           </a:p>
         </p:txBody>
       </p:sp>
       <p:sp>
         <p:nvSpPr>
-          <p:cNvPr id="20" name="Rectangle: Rounded Corners 19">
-            <a:extLst>
-              <a:ext uri="{FF2B5EF4-FFF2-40B4-BE49-F238E27FC236}">
-                <a16:creationId xmlns:a16="http://schemas.microsoft.com/office/drawing/2014/main" id="{7DD8CF00-AC29-B310-CDBF-074C3A73FCA4}"/>
+          <p:cNvPr id="3" name="Subtitle 2">
+            <a:extLst>
+              <a:ext uri="{FF2B5EF4-FFF2-40B4-BE49-F238E27FC236}">
+                <a16:creationId xmlns:a16="http://schemas.microsoft.com/office/drawing/2014/main" id="{CA1CE0CA-BEC4-432E-F301-3C632AB0C1AA}"/>
+              </a:ext>
+            </a:extLst>
+          </p:cNvPr>
+          <p:cNvSpPr>
+            <a:spLocks noGrp="1"/>
+          </p:cNvSpPr>
+          <p:nvPr>
+            <p:ph type="subTitle" idx="1"/>
+          </p:nvPr>
+        </p:nvSpPr>
+        <p:spPr>
+          <a:xfrm>
+            <a:off x="3294566" y="4806741"/>
+            <a:ext cx="5089071" cy="663402"/>
+          </a:xfrm>
+        </p:spPr>
+        <p:txBody>
+          <a:bodyPr>
+            <a:normAutofit/>
+          </a:bodyPr>
+          <a:lstStyle/>
+          <a:p>
+            <a:r>
+              <a:rPr lang="en-US" sz="2000" dirty="0"/>
+              <a:t> </a:t>
+            </a:r>
+          </a:p>
+        </p:txBody>
+      </p:sp>
+      <p:sp>
+        <p:nvSpPr>
+          <p:cNvPr id="4" name="Rectangle 3">
+            <a:extLst>
+              <a:ext uri="{FF2B5EF4-FFF2-40B4-BE49-F238E27FC236}">
+                <a16:creationId xmlns:a16="http://schemas.microsoft.com/office/drawing/2014/main" id="{C53B4393-6FD8-F14F-3F03-5C2E22515D6F}"/>
               </a:ext>
             </a:extLst>
           </p:cNvPr>
@@ -8250,37 +8928,36 @@
         </p:nvSpPr>
         <p:spPr>
           <a:xfrm>
-            <a:off x="6641648" y="2278316"/>
-            <a:ext cx="2642995" cy="1150684"/>
-          </a:xfrm>
-          <a:prstGeom prst="roundRect">
-            <a:avLst>
-              <a:gd name="adj" fmla="val 13722"/>
-            </a:avLst>
+            <a:off x="283222" y="0"/>
+            <a:ext cx="2411427" cy="5138442"/>
+          </a:xfrm>
+          <a:prstGeom prst="rect">
+            <a:avLst/>
           </a:prstGeom>
           <a:solidFill>
-            <a:schemeClr val="bg1"/>
+            <a:schemeClr val="bg2">
+              <a:lumMod val="60000"/>
+              <a:lumOff val="40000"/>
+            </a:schemeClr>
           </a:solidFill>
-          <a:ln w="28575">
-            <a:solidFill>
-              <a:schemeClr val="bg1">
-                <a:lumMod val="65000"/>
-              </a:schemeClr>
-            </a:solidFill>
+          <a:ln>
+            <a:noFill/>
           </a:ln>
         </p:spPr>
         <p:style>
           <a:lnRef idx="2">
-            <a:schemeClr val="dk1"/>
+            <a:schemeClr val="accent1">
+              <a:shade val="50000"/>
+            </a:schemeClr>
           </a:lnRef>
           <a:fillRef idx="1">
-            <a:schemeClr val="lt1"/>
+            <a:schemeClr val="accent1"/>
           </a:fillRef>
           <a:effectRef idx="0">
-            <a:schemeClr val="dk1"/>
+            <a:schemeClr val="accent1"/>
           </a:effectRef>
           <a:fontRef idx="minor">
-            <a:schemeClr val="dk1"/>
+            <a:schemeClr val="lt1"/>
           </a:fontRef>
         </p:style>
         <p:txBody>
@@ -8288,163 +8965,66 @@
           <a:lstStyle/>
           <a:p>
             <a:pPr algn="ctr"/>
-            <a:r>
-              <a:rPr lang="en-US" sz="1600">
-                <a:latin typeface="Arial" panose="020B0604020202020204" pitchFamily="34" charset="0"/>
-                <a:cs typeface="Arial" panose="020B0604020202020204" pitchFamily="34" charset="0"/>
-              </a:rPr>
-              <a:t>This must be </a:t>
-            </a:r>
-            <a:r>
-              <a:rPr lang="en-US" sz="1600" b="1">
-                <a:solidFill>
-                  <a:srgbClr val="0070C0"/>
-                </a:solidFill>
-                <a:latin typeface="Arial" panose="020B0604020202020204" pitchFamily="34" charset="0"/>
-                <a:cs typeface="Arial" panose="020B0604020202020204" pitchFamily="34" charset="0"/>
-              </a:rPr>
-              <a:t>levels</a:t>
-            </a:r>
-            <a:r>
-              <a:rPr lang="en-US" sz="1600">
-                <a:latin typeface="Arial" panose="020B0604020202020204" pitchFamily="34" charset="0"/>
-                <a:cs typeface="Arial" panose="020B0604020202020204" pitchFamily="34" charset="0"/>
-              </a:rPr>
-              <a:t>, not </a:t>
-            </a:r>
-            <a:r>
-              <a:rPr lang="en-US" sz="1600" b="1">
-                <a:solidFill>
-                  <a:srgbClr val="FF0000"/>
-                </a:solidFill>
-                <a:latin typeface="Arial" panose="020B0604020202020204" pitchFamily="34" charset="0"/>
-                <a:cs typeface="Arial" panose="020B0604020202020204" pitchFamily="34" charset="0"/>
-              </a:rPr>
-              <a:t>labels</a:t>
-            </a:r>
-            <a:r>
-              <a:rPr lang="en-US" sz="1600">
-                <a:latin typeface="Arial" panose="020B0604020202020204" pitchFamily="34" charset="0"/>
-                <a:cs typeface="Arial" panose="020B0604020202020204" pitchFamily="34" charset="0"/>
-              </a:rPr>
-              <a:t>!!!!</a:t>
-            </a:r>
-            <a:endParaRPr lang="en-US" sz="1600" dirty="0">
-              <a:latin typeface="Arial" panose="020B0604020202020204" pitchFamily="34" charset="0"/>
-              <a:cs typeface="Arial" panose="020B0604020202020204" pitchFamily="34" charset="0"/>
-            </a:endParaRPr>
+            <a:endParaRPr lang="en-US" dirty="0"/>
           </a:p>
         </p:txBody>
       </p:sp>
       <p:sp>
         <p:nvSpPr>
-          <p:cNvPr id="5" name="TextBox 4">
-            <a:extLst>
-              <a:ext uri="{FF2B5EF4-FFF2-40B4-BE49-F238E27FC236}">
-                <a16:creationId xmlns:a16="http://schemas.microsoft.com/office/drawing/2014/main" id="{691DD2D1-AF85-2D9F-7941-D99DA8F027E7}"/>
-              </a:ext>
-            </a:extLst>
-          </p:cNvPr>
-          <p:cNvSpPr txBox="1"/>
+          <p:cNvPr id="7" name="Rectangle 6">
+            <a:extLst>
+              <a:ext uri="{FF2B5EF4-FFF2-40B4-BE49-F238E27FC236}">
+                <a16:creationId xmlns:a16="http://schemas.microsoft.com/office/drawing/2014/main" id="{6B9AF850-49DC-22FE-E75A-9463091C4AEB}"/>
+              </a:ext>
+            </a:extLst>
+          </p:cNvPr>
+          <p:cNvSpPr/>
           <p:nvPr/>
         </p:nvSpPr>
         <p:spPr>
           <a:xfrm>
-            <a:off x="694250" y="1564549"/>
-            <a:ext cx="10492154" cy="830997"/>
+            <a:off x="9176368" y="2031101"/>
+            <a:ext cx="2411427" cy="4826899"/>
           </a:xfrm>
           <a:prstGeom prst="rect">
             <a:avLst/>
           </a:prstGeom>
-          <a:noFill/>
-        </p:spPr>
+          <a:solidFill>
+            <a:schemeClr val="bg2"/>
+          </a:solidFill>
+          <a:ln>
+            <a:noFill/>
+          </a:ln>
+        </p:spPr>
+        <p:style>
+          <a:lnRef idx="2">
+            <a:schemeClr val="accent1">
+              <a:shade val="50000"/>
+            </a:schemeClr>
+          </a:lnRef>
+          <a:fillRef idx="1">
+            <a:schemeClr val="accent1"/>
+          </a:fillRef>
+          <a:effectRef idx="0">
+            <a:schemeClr val="accent1"/>
+          </a:effectRef>
+          <a:fontRef idx="minor">
+            <a:schemeClr val="lt1"/>
+          </a:fontRef>
+        </p:style>
         <p:txBody>
-          <a:bodyPr wrap="square">
-            <a:spAutoFit/>
-          </a:bodyPr>
+          <a:bodyPr rtlCol="0" anchor="ctr"/>
           <a:lstStyle/>
           <a:p>
-            <a:r>
-              <a:rPr lang="en-US" sz="1600">
-                <a:latin typeface="Consolas" panose="020B0609020204030204" pitchFamily="49" charset="0"/>
-              </a:rPr>
-              <a:t># Convert the GLU_index as a factor to plot it in order.</a:t>
-            </a:r>
-          </a:p>
-          <a:p>
-            <a:r>
-              <a:rPr lang="en-US" sz="1600">
-                <a:latin typeface="Consolas" panose="020B0609020204030204" pitchFamily="49" charset="0"/>
-              </a:rPr>
-              <a:t>  loaded_glu_u$GLU_index &lt;- factor(loaded_glu_u$GLU_index, </a:t>
-            </a:r>
-            <a:r>
-              <a:rPr lang="en-US" sz="1600" b="1" strike="sngStrike">
-                <a:solidFill>
-                  <a:srgbClr val="FF0000"/>
-                </a:solidFill>
-                <a:latin typeface="Consolas" panose="020B0609020204030204" pitchFamily="49" charset="0"/>
-              </a:rPr>
-              <a:t>labels</a:t>
-            </a:r>
-            <a:r>
-              <a:rPr lang="en-US" sz="1600">
-                <a:latin typeface="Consolas" panose="020B0609020204030204" pitchFamily="49" charset="0"/>
-              </a:rPr>
-              <a:t>= c("Normal", "Prediabetic", "Diabetic"))</a:t>
-            </a:r>
-          </a:p>
-        </p:txBody>
-      </p:sp>
-      <p:sp>
-        <p:nvSpPr>
-          <p:cNvPr id="6" name="TextBox 5">
-            <a:extLst>
-              <a:ext uri="{FF2B5EF4-FFF2-40B4-BE49-F238E27FC236}">
-                <a16:creationId xmlns:a16="http://schemas.microsoft.com/office/drawing/2014/main" id="{C356DC44-FABD-7449-4C65-3D68BBA30449}"/>
-              </a:ext>
-            </a:extLst>
-          </p:cNvPr>
-          <p:cNvSpPr txBox="1"/>
-          <p:nvPr/>
-        </p:nvSpPr>
-        <p:spPr>
-          <a:xfrm>
-            <a:off x="694250" y="4046956"/>
-            <a:ext cx="10492154" cy="1077218"/>
-          </a:xfrm>
-          <a:prstGeom prst="rect">
-            <a:avLst/>
-          </a:prstGeom>
-          <a:noFill/>
-        </p:spPr>
-        <p:txBody>
-          <a:bodyPr wrap="square">
-            <a:spAutoFit/>
-          </a:bodyPr>
-          <a:lstStyle/>
-          <a:p>
-            <a:r>
-              <a:rPr lang="en-US" sz="1600">
-                <a:latin typeface="Consolas" panose="020B0609020204030204" pitchFamily="49" charset="0"/>
-              </a:rPr>
-              <a:t># Change the plot colors so that new figures with correct levels can be distinguished from the incorrect ones…</a:t>
-            </a:r>
-          </a:p>
-          <a:p>
-            <a:r>
-              <a:rPr lang="en-US" sz="1600">
-                <a:latin typeface="Consolas" panose="020B0609020204030204" pitchFamily="49" charset="0"/>
-              </a:rPr>
-              <a:t>colors c("turquoise2", "goldenrod3", "mediumvioletred“) --&gt; replaced with c("steelblue3", "gold3", "hotpink“)</a:t>
-            </a:r>
+            <a:pPr algn="ctr"/>
+            <a:endParaRPr lang="en-US" dirty="0"/>
           </a:p>
         </p:txBody>
       </p:sp>
     </p:spTree>
     <p:extLst>
       <p:ext uri="{BB962C8B-B14F-4D97-AF65-F5344CB8AC3E}">
-        <p14:creationId xmlns:p14="http://schemas.microsoft.com/office/powerpoint/2010/main" val="676462966"/>
+        <p14:creationId xmlns:p14="http://schemas.microsoft.com/office/powerpoint/2010/main" val="2291643355"/>
       </p:ext>
     </p:extLst>
   </p:cSld>
@@ -8476,7 +9056,7 @@
           <p:cNvPr id="2" name="Title 1">
             <a:extLst>
               <a:ext uri="{FF2B5EF4-FFF2-40B4-BE49-F238E27FC236}">
-                <a16:creationId xmlns:a16="http://schemas.microsoft.com/office/drawing/2014/main" id="{BC5DFE2C-EC3C-618F-59D2-D97D34FA651B}"/>
+                <a16:creationId xmlns:a16="http://schemas.microsoft.com/office/drawing/2014/main" id="{F3CE369B-91C8-BF84-3CDC-670D788BB74B}"/>
               </a:ext>
             </a:extLst>
           </p:cNvPr>
@@ -8484,318 +9064,112 @@
             <a:spLocks noGrp="1"/>
           </p:cNvSpPr>
           <p:nvPr>
-            <p:ph type="title"/>
+            <p:ph type="ctrTitle"/>
           </p:nvPr>
         </p:nvSpPr>
         <p:spPr>
           <a:xfrm>
-            <a:off x="375138" y="262843"/>
-            <a:ext cx="4818185" cy="1073588"/>
+            <a:off x="469338" y="1335149"/>
+            <a:ext cx="5907186" cy="2670299"/>
           </a:xfrm>
         </p:spPr>
         <p:txBody>
           <a:bodyPr>
-            <a:noAutofit/>
+            <a:normAutofit/>
           </a:bodyPr>
           <a:lstStyle/>
           <a:p>
             <a:r>
-              <a:rPr lang="en-AU" sz="2800"/>
-              <a:t>Male in 60s Lv2 </a:t>
-            </a:r>
-            <a:r>
-              <a:rPr lang="en-AU" sz="2400"/>
-              <a:t>WEIGHTED</a:t>
-            </a:r>
-            <a:endParaRPr lang="en-US" sz="2800" dirty="0"/>
+              <a:rPr lang="en-US" altLang="ja-JP" sz="3200"/>
+              <a:t>Title</a:t>
+            </a:r>
+            <a:endParaRPr lang="en-US" sz="4800" dirty="0"/>
           </a:p>
         </p:txBody>
       </p:sp>
       <p:sp>
         <p:nvSpPr>
-          <p:cNvPr id="3" name="TextBox 2">
-            <a:extLst>
-              <a:ext uri="{FF2B5EF4-FFF2-40B4-BE49-F238E27FC236}">
-                <a16:creationId xmlns:a16="http://schemas.microsoft.com/office/drawing/2014/main" id="{E29CD46D-6078-AC2F-CB5A-35C8DE794A2E}"/>
-              </a:ext>
-            </a:extLst>
-          </p:cNvPr>
-          <p:cNvSpPr txBox="1"/>
+          <p:cNvPr id="3" name="Subtitle 2">
+            <a:extLst>
+              <a:ext uri="{FF2B5EF4-FFF2-40B4-BE49-F238E27FC236}">
+                <a16:creationId xmlns:a16="http://schemas.microsoft.com/office/drawing/2014/main" id="{CA1CE0CA-BEC4-432E-F301-3C632AB0C1AA}"/>
+              </a:ext>
+            </a:extLst>
+          </p:cNvPr>
+          <p:cNvSpPr>
+            <a:spLocks noGrp="1"/>
+          </p:cNvSpPr>
+          <p:nvPr>
+            <p:ph type="subTitle" idx="1"/>
+          </p:nvPr>
+        </p:nvSpPr>
+        <p:spPr>
+          <a:xfrm>
+            <a:off x="878395" y="4240299"/>
+            <a:ext cx="5089071" cy="663402"/>
+          </a:xfrm>
+        </p:spPr>
+        <p:txBody>
+          <a:bodyPr>
+            <a:normAutofit/>
+          </a:bodyPr>
+          <a:lstStyle/>
+          <a:p>
+            <a:r>
+              <a:rPr lang="en-US" sz="2000"/>
+              <a:t>Subtitle </a:t>
+            </a:r>
+            <a:endParaRPr lang="en-US" sz="2000" dirty="0"/>
+          </a:p>
+          <a:p>
+            <a:endParaRPr lang="en-US" sz="2000" dirty="0"/>
+          </a:p>
+        </p:txBody>
+      </p:sp>
+      <p:sp>
+        <p:nvSpPr>
+          <p:cNvPr id="4" name="Rectangle 3">
+            <a:extLst>
+              <a:ext uri="{FF2B5EF4-FFF2-40B4-BE49-F238E27FC236}">
+                <a16:creationId xmlns:a16="http://schemas.microsoft.com/office/drawing/2014/main" id="{C53B4393-6FD8-F14F-3F03-5C2E22515D6F}"/>
+              </a:ext>
+            </a:extLst>
+          </p:cNvPr>
+          <p:cNvSpPr/>
           <p:nvPr/>
         </p:nvSpPr>
         <p:spPr>
           <a:xfrm>
-            <a:off x="80171" y="5521568"/>
-            <a:ext cx="4818185" cy="584775"/>
+            <a:off x="7994931" y="0"/>
+            <a:ext cx="4197069" cy="2670299"/>
           </a:xfrm>
           <a:prstGeom prst="rect">
             <a:avLst/>
           </a:prstGeom>
-          <a:noFill/>
-        </p:spPr>
-        <p:txBody>
-          <a:bodyPr wrap="square" rtlCol="0">
-            <a:spAutoFit/>
-          </a:bodyPr>
-          <a:lstStyle/>
-          <a:p>
-            <a:r>
-              <a:rPr lang="en-US" sz="1600">
-                <a:solidFill>
-                  <a:schemeClr val="tx1">
-                    <a:lumMod val="85000"/>
-                    <a:lumOff val="15000"/>
-                  </a:schemeClr>
-                </a:solidFill>
-                <a:latin typeface="Arial" panose="020B0604020202020204" pitchFamily="34" charset="0"/>
-                <a:cs typeface="Arial" panose="020B0604020202020204" pitchFamily="34" charset="0"/>
-              </a:rPr>
-              <a:t>vegan::permutest: p-value ~0.3. Assumption OK.</a:t>
-            </a:r>
-          </a:p>
-          <a:p>
-            <a:r>
-              <a:rPr lang="en-US" sz="1600">
-                <a:solidFill>
-                  <a:schemeClr val="tx1">
-                    <a:lumMod val="85000"/>
-                    <a:lumOff val="15000"/>
-                  </a:schemeClr>
-                </a:solidFill>
-                <a:latin typeface="Arial" panose="020B0604020202020204" pitchFamily="34" charset="0"/>
-                <a:cs typeface="Arial" panose="020B0604020202020204" pitchFamily="34" charset="0"/>
-              </a:rPr>
-              <a:t>vegan::adonis: p-value </a:t>
-            </a:r>
-            <a:r>
-              <a:rPr lang="en-US" sz="1600">
-                <a:solidFill>
-                  <a:schemeClr val="tx1">
-                    <a:lumMod val="85000"/>
-                    <a:lumOff val="15000"/>
-                  </a:schemeClr>
-                </a:solidFill>
-                <a:highlight>
-                  <a:srgbClr val="FFFF00"/>
-                </a:highlight>
-                <a:latin typeface="Arial" panose="020B0604020202020204" pitchFamily="34" charset="0"/>
-                <a:cs typeface="Arial" panose="020B0604020202020204" pitchFamily="34" charset="0"/>
-              </a:rPr>
-              <a:t>0.02</a:t>
-            </a:r>
-            <a:r>
-              <a:rPr lang="en-US" sz="1600">
-                <a:solidFill>
-                  <a:schemeClr val="tx1">
-                    <a:lumMod val="85000"/>
-                    <a:lumOff val="15000"/>
-                  </a:schemeClr>
-                </a:solidFill>
-                <a:latin typeface="Arial" panose="020B0604020202020204" pitchFamily="34" charset="0"/>
-                <a:cs typeface="Arial" panose="020B0604020202020204" pitchFamily="34" charset="0"/>
-              </a:rPr>
-              <a:t>. Groups are different.  </a:t>
-            </a:r>
-            <a:endParaRPr lang="en-US" sz="1600" dirty="0">
-              <a:solidFill>
-                <a:schemeClr val="tx1">
-                  <a:lumMod val="85000"/>
-                  <a:lumOff val="15000"/>
-                </a:schemeClr>
-              </a:solidFill>
-              <a:latin typeface="Arial" panose="020B0604020202020204" pitchFamily="34" charset="0"/>
-              <a:cs typeface="Arial" panose="020B0604020202020204" pitchFamily="34" charset="0"/>
-            </a:endParaRPr>
-          </a:p>
-        </p:txBody>
-      </p:sp>
-      <p:pic>
-        <p:nvPicPr>
-          <p:cNvPr id="12" name="Picture 11" descr="Chart, scatter chart, bubble chart&#10;&#10;Description automatically generated">
-            <a:extLst>
-              <a:ext uri="{FF2B5EF4-FFF2-40B4-BE49-F238E27FC236}">
-                <a16:creationId xmlns:a16="http://schemas.microsoft.com/office/drawing/2014/main" id="{E739CC6E-EA40-E8AC-E26E-50155BB3C688}"/>
-              </a:ext>
-            </a:extLst>
-          </p:cNvPr>
-          <p:cNvPicPr>
-            <a:picLocks noChangeAspect="1"/>
-          </p:cNvPicPr>
-          <p:nvPr/>
-        </p:nvPicPr>
-        <p:blipFill>
-          <a:blip r:embed="rId2">
-            <a:extLst>
-              <a:ext uri="{28A0092B-C50C-407E-A947-70E740481C1C}">
-                <a14:useLocalDpi xmlns:a14="http://schemas.microsoft.com/office/drawing/2010/main" val="0"/>
-              </a:ext>
-            </a:extLst>
-          </a:blip>
-          <a:stretch>
-            <a:fillRect/>
-          </a:stretch>
-        </p:blipFill>
-        <p:spPr>
-          <a:xfrm>
-            <a:off x="80171" y="1536141"/>
-            <a:ext cx="4818185" cy="3785717"/>
-          </a:xfrm>
-          <a:prstGeom prst="rect">
-            <a:avLst/>
-          </a:prstGeom>
-        </p:spPr>
-      </p:pic>
-      <p:pic>
-        <p:nvPicPr>
-          <p:cNvPr id="14" name="Picture 13" descr="Chart, bubble chart&#10;&#10;Description automatically generated">
-            <a:extLst>
-              <a:ext uri="{FF2B5EF4-FFF2-40B4-BE49-F238E27FC236}">
-                <a16:creationId xmlns:a16="http://schemas.microsoft.com/office/drawing/2014/main" id="{DE395726-4225-40B1-D2D4-4BB78CA32AD0}"/>
-              </a:ext>
-            </a:extLst>
-          </p:cNvPr>
-          <p:cNvPicPr>
-            <a:picLocks noChangeAspect="1"/>
-          </p:cNvPicPr>
-          <p:nvPr/>
-        </p:nvPicPr>
-        <p:blipFill>
-          <a:blip r:embed="rId3">
-            <a:extLst>
-              <a:ext uri="{28A0092B-C50C-407E-A947-70E740481C1C}">
-                <a14:useLocalDpi xmlns:a14="http://schemas.microsoft.com/office/drawing/2010/main" val="0"/>
-              </a:ext>
-            </a:extLst>
-          </a:blip>
-          <a:stretch>
-            <a:fillRect/>
-          </a:stretch>
-        </p:blipFill>
-        <p:spPr>
-          <a:xfrm>
-            <a:off x="4889295" y="3560085"/>
-            <a:ext cx="4071752" cy="3199234"/>
-          </a:xfrm>
-          <a:prstGeom prst="rect">
-            <a:avLst/>
-          </a:prstGeom>
-        </p:spPr>
-      </p:pic>
-      <p:pic>
-        <p:nvPicPr>
-          <p:cNvPr id="19" name="Picture 18" descr="Chart, bubble chart&#10;&#10;Description automatically generated">
-            <a:extLst>
-              <a:ext uri="{FF2B5EF4-FFF2-40B4-BE49-F238E27FC236}">
-                <a16:creationId xmlns:a16="http://schemas.microsoft.com/office/drawing/2014/main" id="{6AF0A0F7-3444-78E3-4A85-5B78A579F7B4}"/>
-              </a:ext>
-            </a:extLst>
-          </p:cNvPr>
-          <p:cNvPicPr>
-            <a:picLocks noChangeAspect="1"/>
-          </p:cNvPicPr>
-          <p:nvPr/>
-        </p:nvPicPr>
-        <p:blipFill>
-          <a:blip r:embed="rId4">
-            <a:extLst>
-              <a:ext uri="{28A0092B-C50C-407E-A947-70E740481C1C}">
-                <a14:useLocalDpi xmlns:a14="http://schemas.microsoft.com/office/drawing/2010/main" val="0"/>
-              </a:ext>
-            </a:extLst>
-          </a:blip>
-          <a:stretch>
-            <a:fillRect/>
-          </a:stretch>
-        </p:blipFill>
-        <p:spPr>
-          <a:xfrm>
-            <a:off x="4889296" y="136394"/>
-            <a:ext cx="4071752" cy="3199234"/>
-          </a:xfrm>
-          <a:prstGeom prst="rect">
-            <a:avLst/>
-          </a:prstGeom>
-        </p:spPr>
-      </p:pic>
-      <p:pic>
-        <p:nvPicPr>
-          <p:cNvPr id="16" name="Picture 15" descr="Chart, bubble chart&#10;&#10;Description automatically generated">
-            <a:extLst>
-              <a:ext uri="{FF2B5EF4-FFF2-40B4-BE49-F238E27FC236}">
-                <a16:creationId xmlns:a16="http://schemas.microsoft.com/office/drawing/2014/main" id="{7F840C8B-4289-1D5D-CD50-863E3981A3D7}"/>
-              </a:ext>
-            </a:extLst>
-          </p:cNvPr>
-          <p:cNvPicPr>
-            <a:picLocks noChangeAspect="1"/>
-          </p:cNvPicPr>
-          <p:nvPr/>
-        </p:nvPicPr>
-        <p:blipFill>
-          <a:blip r:embed="rId5">
-            <a:extLst>
-              <a:ext uri="{28A0092B-C50C-407E-A947-70E740481C1C}">
-                <a14:useLocalDpi xmlns:a14="http://schemas.microsoft.com/office/drawing/2010/main" val="0"/>
-              </a:ext>
-            </a:extLst>
-          </a:blip>
-          <a:stretch>
-            <a:fillRect/>
-          </a:stretch>
-        </p:blipFill>
-        <p:spPr>
-          <a:xfrm>
-            <a:off x="8165471" y="136394"/>
-            <a:ext cx="4071752" cy="3199234"/>
-          </a:xfrm>
-          <a:prstGeom prst="rect">
-            <a:avLst/>
-          </a:prstGeom>
-        </p:spPr>
-      </p:pic>
-      <p:sp>
-        <p:nvSpPr>
-          <p:cNvPr id="20" name="Rectangle: Rounded Corners 19">
-            <a:extLst>
-              <a:ext uri="{FF2B5EF4-FFF2-40B4-BE49-F238E27FC236}">
-                <a16:creationId xmlns:a16="http://schemas.microsoft.com/office/drawing/2014/main" id="{7DD8CF00-AC29-B310-CDBF-074C3A73FCA4}"/>
-              </a:ext>
-            </a:extLst>
-          </p:cNvPr>
-          <p:cNvSpPr/>
-          <p:nvPr/>
-        </p:nvSpPr>
-        <p:spPr>
-          <a:xfrm>
-            <a:off x="9253305" y="3729296"/>
-            <a:ext cx="2642995" cy="1592561"/>
-          </a:xfrm>
-          <a:prstGeom prst="roundRect">
-            <a:avLst/>
-          </a:prstGeom>
           <a:solidFill>
-            <a:schemeClr val="bg1"/>
+            <a:schemeClr val="bg2">
+              <a:lumMod val="60000"/>
+              <a:lumOff val="40000"/>
+            </a:schemeClr>
           </a:solidFill>
-          <a:ln w="28575">
-            <a:solidFill>
-              <a:schemeClr val="bg1">
-                <a:lumMod val="65000"/>
-              </a:schemeClr>
-            </a:solidFill>
+          <a:ln>
+            <a:noFill/>
           </a:ln>
         </p:spPr>
         <p:style>
           <a:lnRef idx="2">
-            <a:schemeClr val="dk1"/>
+            <a:schemeClr val="accent1">
+              <a:shade val="50000"/>
+            </a:schemeClr>
           </a:lnRef>
           <a:fillRef idx="1">
-            <a:schemeClr val="lt1"/>
+            <a:schemeClr val="accent1"/>
           </a:fillRef>
           <a:effectRef idx="0">
-            <a:schemeClr val="dk1"/>
+            <a:schemeClr val="accent1"/>
           </a:effectRef>
           <a:fontRef idx="minor">
-            <a:schemeClr val="dk1"/>
+            <a:schemeClr val="lt1"/>
           </a:fontRef>
         </p:style>
         <p:txBody>
@@ -8803,79 +9177,16 @@
           <a:lstStyle/>
           <a:p>
             <a:pPr algn="ctr"/>
-            <a:r>
-              <a:rPr lang="en-US" sz="1600">
-                <a:latin typeface="Arial" panose="020B0604020202020204" pitchFamily="34" charset="0"/>
-                <a:cs typeface="Arial" panose="020B0604020202020204" pitchFamily="34" charset="0"/>
-              </a:rPr>
-              <a:t>Axes 1&amp;2 biplot separated </a:t>
-            </a:r>
-            <a:r>
-              <a:rPr lang="en-US" sz="1600">
-                <a:solidFill>
-                  <a:schemeClr val="accent5">
-                    <a:lumMod val="75000"/>
-                  </a:schemeClr>
-                </a:solidFill>
-                <a:latin typeface="Arial" panose="020B0604020202020204" pitchFamily="34" charset="0"/>
-                <a:cs typeface="Arial" panose="020B0604020202020204" pitchFamily="34" charset="0"/>
-              </a:rPr>
-              <a:t>Normal </a:t>
-            </a:r>
-            <a:r>
-              <a:rPr lang="en-US" sz="1600">
-                <a:latin typeface="Arial" panose="020B0604020202020204" pitchFamily="34" charset="0"/>
-                <a:cs typeface="Arial" panose="020B0604020202020204" pitchFamily="34" charset="0"/>
-              </a:rPr>
-              <a:t>group</a:t>
-            </a:r>
-          </a:p>
-          <a:p>
-            <a:pPr algn="ctr"/>
-            <a:endParaRPr lang="en-US" sz="1600">
-              <a:latin typeface="Arial" panose="020B0604020202020204" pitchFamily="34" charset="0"/>
-              <a:cs typeface="Arial" panose="020B0604020202020204" pitchFamily="34" charset="0"/>
-            </a:endParaRPr>
-          </a:p>
-          <a:p>
-            <a:pPr algn="ctr"/>
-            <a:r>
-              <a:rPr lang="en-US" sz="1600">
-                <a:latin typeface="Arial" panose="020B0604020202020204" pitchFamily="34" charset="0"/>
-                <a:cs typeface="Arial" panose="020B0604020202020204" pitchFamily="34" charset="0"/>
-              </a:rPr>
-              <a:t>Axes 2&amp;4 biplot separated </a:t>
-            </a:r>
-            <a:r>
-              <a:rPr lang="en-US" sz="1600">
-                <a:solidFill>
-                  <a:srgbClr val="C71585"/>
-                </a:solidFill>
-                <a:latin typeface="Arial" panose="020B0604020202020204" pitchFamily="34" charset="0"/>
-                <a:cs typeface="Arial" panose="020B0604020202020204" pitchFamily="34" charset="0"/>
-              </a:rPr>
-              <a:t>Diabetic</a:t>
-            </a:r>
-            <a:r>
-              <a:rPr lang="en-US" sz="1600">
-                <a:latin typeface="Arial" panose="020B0604020202020204" pitchFamily="34" charset="0"/>
-                <a:cs typeface="Arial" panose="020B0604020202020204" pitchFamily="34" charset="0"/>
-              </a:rPr>
-              <a:t> group</a:t>
-            </a:r>
-            <a:endParaRPr lang="en-US" sz="1600" dirty="0">
-              <a:latin typeface="Arial" panose="020B0604020202020204" pitchFamily="34" charset="0"/>
-              <a:cs typeface="Arial" panose="020B0604020202020204" pitchFamily="34" charset="0"/>
-            </a:endParaRPr>
+            <a:endParaRPr lang="en-US" dirty="0"/>
           </a:p>
         </p:txBody>
       </p:sp>
       <p:sp>
         <p:nvSpPr>
-          <p:cNvPr id="4" name="Multiplication Sign 3">
-            <a:extLst>
-              <a:ext uri="{FF2B5EF4-FFF2-40B4-BE49-F238E27FC236}">
-                <a16:creationId xmlns:a16="http://schemas.microsoft.com/office/drawing/2014/main" id="{1B0C0C93-410D-30D4-8787-AA0DBA4D37E9}"/>
+          <p:cNvPr id="7" name="Rectangle 6">
+            <a:extLst>
+              <a:ext uri="{FF2B5EF4-FFF2-40B4-BE49-F238E27FC236}">
+                <a16:creationId xmlns:a16="http://schemas.microsoft.com/office/drawing/2014/main" id="{6B9AF850-49DC-22FE-E75A-9463091C4AEB}"/>
               </a:ext>
             </a:extLst>
           </p:cNvPr>
@@ -8884,72 +9195,48 @@
         </p:nvSpPr>
         <p:spPr>
           <a:xfrm>
-            <a:off x="2907563" y="624756"/>
-            <a:ext cx="7339680" cy="5970401"/>
-          </a:xfrm>
-          <a:prstGeom prst="mathMultiply">
-            <a:avLst>
-              <a:gd name="adj1" fmla="val 16528"/>
-            </a:avLst>
+            <a:off x="6724481" y="2051259"/>
+            <a:ext cx="2411427" cy="4826899"/>
+          </a:xfrm>
+          <a:prstGeom prst="rect">
+            <a:avLst/>
           </a:prstGeom>
           <a:solidFill>
-            <a:schemeClr val="accent3">
-              <a:lumMod val="60000"/>
-              <a:lumOff val="40000"/>
-            </a:schemeClr>
+            <a:schemeClr val="bg2"/>
           </a:solidFill>
-          <a:ln w="28575">
-            <a:solidFill>
-              <a:schemeClr val="bg1">
-                <a:lumMod val="65000"/>
-              </a:schemeClr>
-            </a:solidFill>
+          <a:ln>
+            <a:noFill/>
           </a:ln>
         </p:spPr>
         <p:style>
           <a:lnRef idx="2">
-            <a:schemeClr val="dk1"/>
+            <a:schemeClr val="accent1">
+              <a:shade val="50000"/>
+            </a:schemeClr>
           </a:lnRef>
           <a:fillRef idx="1">
-            <a:schemeClr val="lt1"/>
+            <a:schemeClr val="accent1"/>
           </a:fillRef>
           <a:effectRef idx="0">
-            <a:schemeClr val="dk1"/>
+            <a:schemeClr val="accent1"/>
           </a:effectRef>
           <a:fontRef idx="minor">
-            <a:schemeClr val="dk1"/>
+            <a:schemeClr val="lt1"/>
           </a:fontRef>
         </p:style>
         <p:txBody>
           <a:bodyPr rtlCol="0" anchor="ctr"/>
           <a:lstStyle/>
           <a:p>
-            <a:pPr algn="l"/>
-            <a:r>
-              <a:rPr lang="en-US" sz="1600">
-                <a:solidFill>
-                  <a:srgbClr val="000000"/>
-                </a:solidFill>
-                <a:latin typeface="Arial" panose="020B0604020202020204" pitchFamily="34" charset="0"/>
-                <a:cs typeface="Arial" panose="020B0604020202020204" pitchFamily="34" charset="0"/>
-              </a:rPr>
-              <a:t>Order of levels of GLU_index is incorrect!!</a:t>
-            </a:r>
-            <a:endParaRPr lang="en-US" sz="1600" i="0" u="none" strike="noStrike">
-              <a:solidFill>
-                <a:srgbClr val="000000"/>
-              </a:solidFill>
-              <a:effectLst/>
-              <a:latin typeface="Arial" panose="020B0604020202020204" pitchFamily="34" charset="0"/>
-              <a:cs typeface="Arial" panose="020B0604020202020204" pitchFamily="34" charset="0"/>
-            </a:endParaRPr>
+            <a:pPr algn="ctr"/>
+            <a:endParaRPr lang="en-US" dirty="0"/>
           </a:p>
         </p:txBody>
       </p:sp>
     </p:spTree>
     <p:extLst>
       <p:ext uri="{BB962C8B-B14F-4D97-AF65-F5344CB8AC3E}">
-        <p14:creationId xmlns:p14="http://schemas.microsoft.com/office/powerpoint/2010/main" val="4212085469"/>
+        <p14:creationId xmlns:p14="http://schemas.microsoft.com/office/powerpoint/2010/main" val="317344317"/>
       </p:ext>
     </p:extLst>
   </p:cSld>
@@ -8995,7 +9282,7 @@
         <p:spPr>
           <a:xfrm>
             <a:off x="375138" y="262843"/>
-            <a:ext cx="4818185" cy="1073588"/>
+            <a:ext cx="9184498" cy="1073588"/>
           </a:xfrm>
         </p:spPr>
         <p:txBody>
@@ -9006,11 +9293,7 @@
           <a:p>
             <a:r>
               <a:rPr lang="en-AU" sz="2800"/>
-              <a:t>Male in 60s Lv2 </a:t>
-            </a:r>
-            <a:r>
-              <a:rPr lang="en-AU" sz="2400"/>
-              <a:t>UNweighted</a:t>
+              <a:t>Mistake in 40_ordination_NHANES_xxxx found!!</a:t>
             </a:r>
             <a:endParaRPr lang="en-US" sz="2800" dirty="0"/>
           </a:p>
@@ -9018,252 +9301,10 @@
       </p:sp>
       <p:sp>
         <p:nvSpPr>
-          <p:cNvPr id="10" name="TextBox 9">
-            <a:extLst>
-              <a:ext uri="{FF2B5EF4-FFF2-40B4-BE49-F238E27FC236}">
-                <a16:creationId xmlns:a16="http://schemas.microsoft.com/office/drawing/2014/main" id="{84A4DFD7-0F12-1F2C-D0DE-1BF066B8415D}"/>
-              </a:ext>
-            </a:extLst>
-          </p:cNvPr>
-          <p:cNvSpPr txBox="1"/>
-          <p:nvPr/>
-        </p:nvSpPr>
-        <p:spPr>
-          <a:xfrm>
-            <a:off x="334872" y="5317153"/>
-            <a:ext cx="4818185" cy="584775"/>
-          </a:xfrm>
-          <a:prstGeom prst="rect">
-            <a:avLst/>
-          </a:prstGeom>
-          <a:noFill/>
-        </p:spPr>
-        <p:txBody>
-          <a:bodyPr wrap="square" rtlCol="0">
-            <a:spAutoFit/>
-          </a:bodyPr>
-          <a:lstStyle/>
-          <a:p>
-            <a:r>
-              <a:rPr lang="en-US" sz="1600">
-                <a:solidFill>
-                  <a:schemeClr val="tx1">
-                    <a:lumMod val="85000"/>
-                    <a:lumOff val="15000"/>
-                  </a:schemeClr>
-                </a:solidFill>
-                <a:latin typeface="Arial" panose="020B0604020202020204" pitchFamily="34" charset="0"/>
-                <a:cs typeface="Arial" panose="020B0604020202020204" pitchFamily="34" charset="0"/>
-              </a:rPr>
-              <a:t>vegan::permutest: p-value ~0.7. Assumption OK.</a:t>
-            </a:r>
-          </a:p>
-          <a:p>
-            <a:r>
-              <a:rPr lang="en-US" sz="1600">
-                <a:solidFill>
-                  <a:schemeClr val="tx1">
-                    <a:lumMod val="85000"/>
-                    <a:lumOff val="15000"/>
-                  </a:schemeClr>
-                </a:solidFill>
-                <a:latin typeface="Arial" panose="020B0604020202020204" pitchFamily="34" charset="0"/>
-                <a:cs typeface="Arial" panose="020B0604020202020204" pitchFamily="34" charset="0"/>
-              </a:rPr>
-              <a:t>vegan::adonis: </a:t>
-            </a:r>
-            <a:r>
-              <a:rPr lang="en-US" sz="1600">
-                <a:solidFill>
-                  <a:schemeClr val="tx1">
-                    <a:lumMod val="85000"/>
-                    <a:lumOff val="15000"/>
-                  </a:schemeClr>
-                </a:solidFill>
-                <a:highlight>
-                  <a:srgbClr val="FFFF00"/>
-                </a:highlight>
-                <a:latin typeface="Arial" panose="020B0604020202020204" pitchFamily="34" charset="0"/>
-                <a:cs typeface="Arial" panose="020B0604020202020204" pitchFamily="34" charset="0"/>
-              </a:rPr>
-              <a:t>p-value 0.02</a:t>
-            </a:r>
-            <a:r>
-              <a:rPr lang="en-US" sz="1600">
-                <a:solidFill>
-                  <a:schemeClr val="tx1">
-                    <a:lumMod val="85000"/>
-                    <a:lumOff val="15000"/>
-                  </a:schemeClr>
-                </a:solidFill>
-                <a:latin typeface="Arial" panose="020B0604020202020204" pitchFamily="34" charset="0"/>
-                <a:cs typeface="Arial" panose="020B0604020202020204" pitchFamily="34" charset="0"/>
-              </a:rPr>
-              <a:t>. Groups are different!  </a:t>
-            </a:r>
-            <a:endParaRPr lang="en-US" sz="1600" dirty="0">
-              <a:solidFill>
-                <a:schemeClr val="tx1">
-                  <a:lumMod val="85000"/>
-                  <a:lumOff val="15000"/>
-                </a:schemeClr>
-              </a:solidFill>
-              <a:latin typeface="Arial" panose="020B0604020202020204" pitchFamily="34" charset="0"/>
-              <a:cs typeface="Arial" panose="020B0604020202020204" pitchFamily="34" charset="0"/>
-            </a:endParaRPr>
-          </a:p>
-        </p:txBody>
-      </p:sp>
-      <p:pic>
-        <p:nvPicPr>
-          <p:cNvPr id="9" name="Picture 8" descr="Diagram, schematic&#10;&#10;Description automatically generated">
-            <a:extLst>
-              <a:ext uri="{FF2B5EF4-FFF2-40B4-BE49-F238E27FC236}">
-                <a16:creationId xmlns:a16="http://schemas.microsoft.com/office/drawing/2014/main" id="{F7DD2D13-6048-098B-E1DA-60395BA2D5D2}"/>
-              </a:ext>
-            </a:extLst>
-          </p:cNvPr>
-          <p:cNvPicPr>
-            <a:picLocks noChangeAspect="1"/>
-          </p:cNvPicPr>
-          <p:nvPr/>
-        </p:nvPicPr>
-        <p:blipFill>
-          <a:blip r:embed="rId2">
-            <a:extLst>
-              <a:ext uri="{28A0092B-C50C-407E-A947-70E740481C1C}">
-                <a14:useLocalDpi xmlns:a14="http://schemas.microsoft.com/office/drawing/2010/main" val="0"/>
-              </a:ext>
-            </a:extLst>
-          </a:blip>
-          <a:stretch>
-            <a:fillRect/>
-          </a:stretch>
-        </p:blipFill>
-        <p:spPr>
-          <a:xfrm>
-            <a:off x="142320" y="1486340"/>
-            <a:ext cx="4635070" cy="3641841"/>
-          </a:xfrm>
-          <a:prstGeom prst="rect">
-            <a:avLst/>
-          </a:prstGeom>
-        </p:spPr>
-      </p:pic>
-      <p:pic>
-        <p:nvPicPr>
-          <p:cNvPr id="11" name="Picture 10" descr="Diagram&#10;&#10;Description automatically generated with medium confidence">
-            <a:extLst>
-              <a:ext uri="{FF2B5EF4-FFF2-40B4-BE49-F238E27FC236}">
-                <a16:creationId xmlns:a16="http://schemas.microsoft.com/office/drawing/2014/main" id="{112E1B11-5608-0736-CE2E-BBE31F902323}"/>
-              </a:ext>
-            </a:extLst>
-          </p:cNvPr>
-          <p:cNvPicPr>
-            <a:picLocks noChangeAspect="1"/>
-          </p:cNvPicPr>
-          <p:nvPr/>
-        </p:nvPicPr>
-        <p:blipFill>
-          <a:blip r:embed="rId3">
-            <a:extLst>
-              <a:ext uri="{28A0092B-C50C-407E-A947-70E740481C1C}">
-                <a14:useLocalDpi xmlns:a14="http://schemas.microsoft.com/office/drawing/2010/main" val="0"/>
-              </a:ext>
-            </a:extLst>
-          </a:blip>
-          <a:stretch>
-            <a:fillRect/>
-          </a:stretch>
-        </p:blipFill>
-        <p:spPr>
-          <a:xfrm>
-            <a:off x="4777390" y="323962"/>
-            <a:ext cx="4103085" cy="3223852"/>
-          </a:xfrm>
-          <a:prstGeom prst="rect">
-            <a:avLst/>
-          </a:prstGeom>
-        </p:spPr>
-      </p:pic>
-      <p:pic>
-        <p:nvPicPr>
-          <p:cNvPr id="14" name="Picture 13" descr="Chart&#10;&#10;Description automatically generated">
-            <a:extLst>
-              <a:ext uri="{FF2B5EF4-FFF2-40B4-BE49-F238E27FC236}">
-                <a16:creationId xmlns:a16="http://schemas.microsoft.com/office/drawing/2014/main" id="{2EE5997B-C03F-72B2-79F8-1B61BB099FE0}"/>
-              </a:ext>
-            </a:extLst>
-          </p:cNvPr>
-          <p:cNvPicPr>
-            <a:picLocks noChangeAspect="1"/>
-          </p:cNvPicPr>
-          <p:nvPr/>
-        </p:nvPicPr>
-        <p:blipFill>
-          <a:blip r:embed="rId4">
-            <a:extLst>
-              <a:ext uri="{28A0092B-C50C-407E-A947-70E740481C1C}">
-                <a14:useLocalDpi xmlns:a14="http://schemas.microsoft.com/office/drawing/2010/main" val="0"/>
-              </a:ext>
-            </a:extLst>
-          </a:blip>
-          <a:stretch>
-            <a:fillRect/>
-          </a:stretch>
-        </p:blipFill>
-        <p:spPr>
-          <a:xfrm>
-            <a:off x="5193323" y="3608933"/>
-            <a:ext cx="4103083" cy="3223851"/>
-          </a:xfrm>
-          <a:prstGeom prst="rect">
-            <a:avLst/>
-          </a:prstGeom>
-        </p:spPr>
-      </p:pic>
-      <p:pic>
-        <p:nvPicPr>
-          <p:cNvPr id="6" name="Picture 5" descr="Chart&#10;&#10;Description automatically generated">
-            <a:extLst>
-              <a:ext uri="{FF2B5EF4-FFF2-40B4-BE49-F238E27FC236}">
-                <a16:creationId xmlns:a16="http://schemas.microsoft.com/office/drawing/2014/main" id="{1C1AE09D-0FEF-C9D1-77BE-FA55090DB9DD}"/>
-              </a:ext>
-            </a:extLst>
-          </p:cNvPr>
-          <p:cNvPicPr>
-            <a:picLocks noChangeAspect="1"/>
-          </p:cNvPicPr>
-          <p:nvPr/>
-        </p:nvPicPr>
-        <p:blipFill>
-          <a:blip r:embed="rId5">
-            <a:extLst>
-              <a:ext uri="{28A0092B-C50C-407E-A947-70E740481C1C}">
-                <a14:useLocalDpi xmlns:a14="http://schemas.microsoft.com/office/drawing/2010/main" val="0"/>
-              </a:ext>
-            </a:extLst>
-          </a:blip>
-          <a:stretch>
-            <a:fillRect/>
-          </a:stretch>
-        </p:blipFill>
-        <p:spPr>
-          <a:xfrm>
-            <a:off x="8062023" y="323962"/>
-            <a:ext cx="4103085" cy="3223852"/>
-          </a:xfrm>
-          <a:prstGeom prst="rect">
-            <a:avLst/>
-          </a:prstGeom>
-        </p:spPr>
-      </p:pic>
-      <p:sp>
-        <p:nvSpPr>
-          <p:cNvPr id="3" name="Multiplication Sign 2">
-            <a:extLst>
-              <a:ext uri="{FF2B5EF4-FFF2-40B4-BE49-F238E27FC236}">
-                <a16:creationId xmlns:a16="http://schemas.microsoft.com/office/drawing/2014/main" id="{54004E50-C47A-5218-A889-6C92CA2C860D}"/>
+          <p:cNvPr id="20" name="Rectangle: Rounded Corners 19">
+            <a:extLst>
+              <a:ext uri="{FF2B5EF4-FFF2-40B4-BE49-F238E27FC236}">
+                <a16:creationId xmlns:a16="http://schemas.microsoft.com/office/drawing/2014/main" id="{7DD8CF00-AC29-B310-CDBF-074C3A73FCA4}"/>
               </a:ext>
             </a:extLst>
           </p:cNvPr>
@@ -9272,19 +9313,16 @@
         </p:nvSpPr>
         <p:spPr>
           <a:xfrm>
-            <a:off x="2907563" y="624756"/>
-            <a:ext cx="7339680" cy="5970401"/>
-          </a:xfrm>
-          <a:prstGeom prst="mathMultiply">
+            <a:off x="6641648" y="2278316"/>
+            <a:ext cx="2642995" cy="1150684"/>
+          </a:xfrm>
+          <a:prstGeom prst="roundRect">
             <a:avLst>
-              <a:gd name="adj1" fmla="val 16528"/>
+              <a:gd name="adj" fmla="val 13722"/>
             </a:avLst>
           </a:prstGeom>
           <a:solidFill>
-            <a:schemeClr val="accent3">
-              <a:lumMod val="60000"/>
-              <a:lumOff val="40000"/>
-            </a:schemeClr>
+            <a:schemeClr val="bg1"/>
           </a:solidFill>
           <a:ln w="28575">
             <a:solidFill>
@@ -9312,32 +9350,164 @@
           <a:bodyPr rtlCol="0" anchor="ctr"/>
           <a:lstStyle/>
           <a:p>
-            <a:pPr algn="l"/>
+            <a:pPr algn="ctr"/>
             <a:r>
               <a:rPr lang="en-US" sz="1600">
+                <a:latin typeface="Arial" panose="020B0604020202020204" pitchFamily="34" charset="0"/>
+                <a:cs typeface="Arial" panose="020B0604020202020204" pitchFamily="34" charset="0"/>
+              </a:rPr>
+              <a:t>This must be </a:t>
+            </a:r>
+            <a:r>
+              <a:rPr lang="en-US" sz="1600" b="1">
                 <a:solidFill>
-                  <a:srgbClr val="000000"/>
+                  <a:srgbClr val="0070C0"/>
                 </a:solidFill>
                 <a:latin typeface="Arial" panose="020B0604020202020204" pitchFamily="34" charset="0"/>
                 <a:cs typeface="Arial" panose="020B0604020202020204" pitchFamily="34" charset="0"/>
               </a:rPr>
-              <a:t>Order of levels of GLU_index is incorrect!!</a:t>
-            </a:r>
-            <a:endParaRPr lang="en-US" sz="1600" i="0" u="none" strike="noStrike">
-              <a:solidFill>
-                <a:srgbClr val="000000"/>
-              </a:solidFill>
-              <a:effectLst/>
+              <a:t>levels</a:t>
+            </a:r>
+            <a:r>
+              <a:rPr lang="en-US" sz="1600">
+                <a:latin typeface="Arial" panose="020B0604020202020204" pitchFamily="34" charset="0"/>
+                <a:cs typeface="Arial" panose="020B0604020202020204" pitchFamily="34" charset="0"/>
+              </a:rPr>
+              <a:t>, not </a:t>
+            </a:r>
+            <a:r>
+              <a:rPr lang="en-US" sz="1600" b="1">
+                <a:solidFill>
+                  <a:srgbClr val="FF0000"/>
+                </a:solidFill>
+                <a:latin typeface="Arial" panose="020B0604020202020204" pitchFamily="34" charset="0"/>
+                <a:cs typeface="Arial" panose="020B0604020202020204" pitchFamily="34" charset="0"/>
+              </a:rPr>
+              <a:t>labels</a:t>
+            </a:r>
+            <a:r>
+              <a:rPr lang="en-US" sz="1600">
+                <a:latin typeface="Arial" panose="020B0604020202020204" pitchFamily="34" charset="0"/>
+                <a:cs typeface="Arial" panose="020B0604020202020204" pitchFamily="34" charset="0"/>
+              </a:rPr>
+              <a:t>!!!!</a:t>
+            </a:r>
+            <a:endParaRPr lang="en-US" sz="1600" dirty="0">
               <a:latin typeface="Arial" panose="020B0604020202020204" pitchFamily="34" charset="0"/>
               <a:cs typeface="Arial" panose="020B0604020202020204" pitchFamily="34" charset="0"/>
             </a:endParaRPr>
+          </a:p>
+        </p:txBody>
+      </p:sp>
+      <p:sp>
+        <p:nvSpPr>
+          <p:cNvPr id="5" name="TextBox 4">
+            <a:extLst>
+              <a:ext uri="{FF2B5EF4-FFF2-40B4-BE49-F238E27FC236}">
+                <a16:creationId xmlns:a16="http://schemas.microsoft.com/office/drawing/2014/main" id="{691DD2D1-AF85-2D9F-7941-D99DA8F027E7}"/>
+              </a:ext>
+            </a:extLst>
+          </p:cNvPr>
+          <p:cNvSpPr txBox="1"/>
+          <p:nvPr/>
+        </p:nvSpPr>
+        <p:spPr>
+          <a:xfrm>
+            <a:off x="694250" y="1564549"/>
+            <a:ext cx="10492154" cy="830997"/>
+          </a:xfrm>
+          <a:prstGeom prst="rect">
+            <a:avLst/>
+          </a:prstGeom>
+          <a:noFill/>
+        </p:spPr>
+        <p:txBody>
+          <a:bodyPr wrap="square">
+            <a:spAutoFit/>
+          </a:bodyPr>
+          <a:lstStyle/>
+          <a:p>
+            <a:r>
+              <a:rPr lang="en-US" sz="1600">
+                <a:latin typeface="Consolas" panose="020B0609020204030204" pitchFamily="49" charset="0"/>
+              </a:rPr>
+              <a:t># Convert the GLU_index as a factor to plot it in order.</a:t>
+            </a:r>
+          </a:p>
+          <a:p>
+            <a:r>
+              <a:rPr lang="en-US" sz="1600">
+                <a:latin typeface="Consolas" panose="020B0609020204030204" pitchFamily="49" charset="0"/>
+              </a:rPr>
+              <a:t>  loaded_glu_u$GLU_index &lt;- factor(loaded_glu_u$GLU_index, </a:t>
+            </a:r>
+            <a:r>
+              <a:rPr lang="en-US" sz="1600" b="1" strike="sngStrike">
+                <a:solidFill>
+                  <a:srgbClr val="FF0000"/>
+                </a:solidFill>
+                <a:latin typeface="Consolas" panose="020B0609020204030204" pitchFamily="49" charset="0"/>
+              </a:rPr>
+              <a:t>labels</a:t>
+            </a:r>
+            <a:r>
+              <a:rPr lang="en-US" sz="1600">
+                <a:latin typeface="Consolas" panose="020B0609020204030204" pitchFamily="49" charset="0"/>
+              </a:rPr>
+              <a:t>= c("Normal", "Prediabetic", "Diabetic"))</a:t>
+            </a:r>
+          </a:p>
+        </p:txBody>
+      </p:sp>
+      <p:sp>
+        <p:nvSpPr>
+          <p:cNvPr id="6" name="TextBox 5">
+            <a:extLst>
+              <a:ext uri="{FF2B5EF4-FFF2-40B4-BE49-F238E27FC236}">
+                <a16:creationId xmlns:a16="http://schemas.microsoft.com/office/drawing/2014/main" id="{C356DC44-FABD-7449-4C65-3D68BBA30449}"/>
+              </a:ext>
+            </a:extLst>
+          </p:cNvPr>
+          <p:cNvSpPr txBox="1"/>
+          <p:nvPr/>
+        </p:nvSpPr>
+        <p:spPr>
+          <a:xfrm>
+            <a:off x="694250" y="4046956"/>
+            <a:ext cx="10492154" cy="1077218"/>
+          </a:xfrm>
+          <a:prstGeom prst="rect">
+            <a:avLst/>
+          </a:prstGeom>
+          <a:noFill/>
+        </p:spPr>
+        <p:txBody>
+          <a:bodyPr wrap="square">
+            <a:spAutoFit/>
+          </a:bodyPr>
+          <a:lstStyle/>
+          <a:p>
+            <a:r>
+              <a:rPr lang="en-US" sz="1600">
+                <a:latin typeface="Consolas" panose="020B0609020204030204" pitchFamily="49" charset="0"/>
+              </a:rPr>
+              <a:t># Change the plot colors so that new figures with correct levels can be distinguished from the incorrect ones…</a:t>
+            </a:r>
+          </a:p>
+          <a:p>
+            <a:r>
+              <a:rPr lang="en-US" sz="1600">
+                <a:latin typeface="Consolas" panose="020B0609020204030204" pitchFamily="49" charset="0"/>
+              </a:rPr>
+              <a:t>colors c("turquoise2", "goldenrod3", "mediumvioletred“) --&gt; replaced with c("steelblue3", "gold3", "hotpink“)</a:t>
+            </a:r>
           </a:p>
         </p:txBody>
       </p:sp>
     </p:spTree>
     <p:extLst>
       <p:ext uri="{BB962C8B-B14F-4D97-AF65-F5344CB8AC3E}">
-        <p14:creationId xmlns:p14="http://schemas.microsoft.com/office/powerpoint/2010/main" val="167997341"/>
+        <p14:creationId xmlns:p14="http://schemas.microsoft.com/office/powerpoint/2010/main" val="676462966"/>
       </p:ext>
     </p:extLst>
   </p:cSld>
@@ -9655,7 +9825,7 @@
           <a:p>
             <a:r>
               <a:rPr lang="en-AU" sz="2800"/>
-              <a:t>Male in 60s Lv3 </a:t>
+              <a:t>Male in 60s Lv2 </a:t>
             </a:r>
             <a:r>
               <a:rPr lang="en-AU" sz="2400"/>
@@ -9667,10 +9837,10 @@
       </p:sp>
       <p:sp>
         <p:nvSpPr>
-          <p:cNvPr id="4" name="TextBox 3">
-            <a:extLst>
-              <a:ext uri="{FF2B5EF4-FFF2-40B4-BE49-F238E27FC236}">
-                <a16:creationId xmlns:a16="http://schemas.microsoft.com/office/drawing/2014/main" id="{7833150D-7B7E-C35B-620F-5EC67B643F26}"/>
+          <p:cNvPr id="3" name="TextBox 2">
+            <a:extLst>
+              <a:ext uri="{FF2B5EF4-FFF2-40B4-BE49-F238E27FC236}">
+                <a16:creationId xmlns:a16="http://schemas.microsoft.com/office/drawing/2014/main" id="{E29CD46D-6078-AC2F-CB5A-35C8DE794A2E}"/>
               </a:ext>
             </a:extLst>
           </p:cNvPr>
@@ -9679,8 +9849,8 @@
         </p:nvSpPr>
         <p:spPr>
           <a:xfrm>
-            <a:off x="181955" y="5537233"/>
-            <a:ext cx="4818185" cy="830997"/>
+            <a:off x="80171" y="5521568"/>
+            <a:ext cx="4818185" cy="584775"/>
           </a:xfrm>
           <a:prstGeom prst="rect">
             <a:avLst/>
@@ -9704,7 +9874,7 @@
                 <a:latin typeface="Arial" panose="020B0604020202020204" pitchFamily="34" charset="0"/>
                 <a:cs typeface="Arial" panose="020B0604020202020204" pitchFamily="34" charset="0"/>
               </a:rPr>
-              <a:t>vegan::permutest: p-value ~0.49. Assumption OK.</a:t>
+              <a:t>vegan::permutest: p-value ~0.3. Assumption OK.</a:t>
             </a:r>
           </a:p>
           <a:p>
@@ -9735,7 +9905,7 @@
                 <a:latin typeface="Arial" panose="020B0604020202020204" pitchFamily="34" charset="0"/>
                 <a:cs typeface="Arial" panose="020B0604020202020204" pitchFamily="34" charset="0"/>
               </a:rPr>
-              <a:t>0.054</a:t>
+              <a:t>0.02</a:t>
             </a:r>
             <a:r>
               <a:rPr lang="en-US" sz="1600">
@@ -9748,7 +9918,7 @@
                 <a:latin typeface="Arial" panose="020B0604020202020204" pitchFamily="34" charset="0"/>
                 <a:cs typeface="Arial" panose="020B0604020202020204" pitchFamily="34" charset="0"/>
               </a:rPr>
-              <a:t>. Groups are borderline different.  </a:t>
+              <a:t>. Groups are different.  </a:t>
             </a:r>
             <a:endParaRPr lang="en-US" sz="1600" dirty="0">
               <a:solidFill>
@@ -9765,10 +9935,10 @@
       </p:sp>
       <p:pic>
         <p:nvPicPr>
-          <p:cNvPr id="5" name="Picture 4" descr="Chart&#10;&#10;Description automatically generated">
-            <a:extLst>
-              <a:ext uri="{FF2B5EF4-FFF2-40B4-BE49-F238E27FC236}">
-                <a16:creationId xmlns:a16="http://schemas.microsoft.com/office/drawing/2014/main" id="{33A87B11-353A-9EC5-2C03-C12665DEB4CD}"/>
+          <p:cNvPr id="12" name="Picture 11" descr="Chart, scatter chart, bubble chart&#10;&#10;Description automatically generated">
+            <a:extLst>
+              <a:ext uri="{FF2B5EF4-FFF2-40B4-BE49-F238E27FC236}">
+                <a16:creationId xmlns:a16="http://schemas.microsoft.com/office/drawing/2014/main" id="{E739CC6E-EA40-E8AC-E26E-50155BB3C688}"/>
               </a:ext>
             </a:extLst>
           </p:cNvPr>
@@ -9791,20 +9961,128 @@
         </p:blipFill>
         <p:spPr>
           <a:xfrm>
-            <a:off x="181955" y="1715382"/>
-            <a:ext cx="4686305" cy="3682097"/>
+            <a:off x="80171" y="1536141"/>
+            <a:ext cx="4818185" cy="3785717"/>
           </a:xfrm>
           <a:prstGeom prst="rect">
             <a:avLst/>
           </a:prstGeom>
         </p:spPr>
       </p:pic>
+      <p:pic>
+        <p:nvPicPr>
+          <p:cNvPr id="14" name="Picture 13" descr="Chart, bubble chart&#10;&#10;Description automatically generated">
+            <a:extLst>
+              <a:ext uri="{FF2B5EF4-FFF2-40B4-BE49-F238E27FC236}">
+                <a16:creationId xmlns:a16="http://schemas.microsoft.com/office/drawing/2014/main" id="{DE395726-4225-40B1-D2D4-4BB78CA32AD0}"/>
+              </a:ext>
+            </a:extLst>
+          </p:cNvPr>
+          <p:cNvPicPr>
+            <a:picLocks noChangeAspect="1"/>
+          </p:cNvPicPr>
+          <p:nvPr/>
+        </p:nvPicPr>
+        <p:blipFill>
+          <a:blip r:embed="rId3">
+            <a:extLst>
+              <a:ext uri="{28A0092B-C50C-407E-A947-70E740481C1C}">
+                <a14:useLocalDpi xmlns:a14="http://schemas.microsoft.com/office/drawing/2010/main" val="0"/>
+              </a:ext>
+            </a:extLst>
+          </a:blip>
+          <a:stretch>
+            <a:fillRect/>
+          </a:stretch>
+        </p:blipFill>
+        <p:spPr>
+          <a:xfrm>
+            <a:off x="4889295" y="3560085"/>
+            <a:ext cx="4071752" cy="3199234"/>
+          </a:xfrm>
+          <a:prstGeom prst="rect">
+            <a:avLst/>
+          </a:prstGeom>
+        </p:spPr>
+      </p:pic>
+      <p:pic>
+        <p:nvPicPr>
+          <p:cNvPr id="19" name="Picture 18" descr="Chart, bubble chart&#10;&#10;Description automatically generated">
+            <a:extLst>
+              <a:ext uri="{FF2B5EF4-FFF2-40B4-BE49-F238E27FC236}">
+                <a16:creationId xmlns:a16="http://schemas.microsoft.com/office/drawing/2014/main" id="{6AF0A0F7-3444-78E3-4A85-5B78A579F7B4}"/>
+              </a:ext>
+            </a:extLst>
+          </p:cNvPr>
+          <p:cNvPicPr>
+            <a:picLocks noChangeAspect="1"/>
+          </p:cNvPicPr>
+          <p:nvPr/>
+        </p:nvPicPr>
+        <p:blipFill>
+          <a:blip r:embed="rId4">
+            <a:extLst>
+              <a:ext uri="{28A0092B-C50C-407E-A947-70E740481C1C}">
+                <a14:useLocalDpi xmlns:a14="http://schemas.microsoft.com/office/drawing/2010/main" val="0"/>
+              </a:ext>
+            </a:extLst>
+          </a:blip>
+          <a:stretch>
+            <a:fillRect/>
+          </a:stretch>
+        </p:blipFill>
+        <p:spPr>
+          <a:xfrm>
+            <a:off x="4889296" y="136394"/>
+            <a:ext cx="4071752" cy="3199234"/>
+          </a:xfrm>
+          <a:prstGeom prst="rect">
+            <a:avLst/>
+          </a:prstGeom>
+        </p:spPr>
+      </p:pic>
+      <p:pic>
+        <p:nvPicPr>
+          <p:cNvPr id="16" name="Picture 15" descr="Chart, bubble chart&#10;&#10;Description automatically generated">
+            <a:extLst>
+              <a:ext uri="{FF2B5EF4-FFF2-40B4-BE49-F238E27FC236}">
+                <a16:creationId xmlns:a16="http://schemas.microsoft.com/office/drawing/2014/main" id="{7F840C8B-4289-1D5D-CD50-863E3981A3D7}"/>
+              </a:ext>
+            </a:extLst>
+          </p:cNvPr>
+          <p:cNvPicPr>
+            <a:picLocks noChangeAspect="1"/>
+          </p:cNvPicPr>
+          <p:nvPr/>
+        </p:nvPicPr>
+        <p:blipFill>
+          <a:blip r:embed="rId5">
+            <a:extLst>
+              <a:ext uri="{28A0092B-C50C-407E-A947-70E740481C1C}">
+                <a14:useLocalDpi xmlns:a14="http://schemas.microsoft.com/office/drawing/2010/main" val="0"/>
+              </a:ext>
+            </a:extLst>
+          </a:blip>
+          <a:stretch>
+            <a:fillRect/>
+          </a:stretch>
+        </p:blipFill>
+        <p:spPr>
+          <a:xfrm>
+            <a:off x="8165471" y="136394"/>
+            <a:ext cx="4071752" cy="3199234"/>
+          </a:xfrm>
+          <a:prstGeom prst="rect">
+            <a:avLst/>
+          </a:prstGeom>
+        </p:spPr>
+      </p:pic>
       <p:sp>
         <p:nvSpPr>
-          <p:cNvPr id="6" name="Rectangle: Rounded Corners 5">
-            <a:extLst>
-              <a:ext uri="{FF2B5EF4-FFF2-40B4-BE49-F238E27FC236}">
-                <a16:creationId xmlns:a16="http://schemas.microsoft.com/office/drawing/2014/main" id="{72A44319-E563-A92F-3142-ED1E99BD0BB4}"/>
+          <p:cNvPr id="20" name="Rectangle: Rounded Corners 19">
+            <a:extLst>
+              <a:ext uri="{FF2B5EF4-FFF2-40B4-BE49-F238E27FC236}">
+                <a16:creationId xmlns:a16="http://schemas.microsoft.com/office/drawing/2014/main" id="{7DD8CF00-AC29-B310-CDBF-074C3A73FCA4}"/>
               </a:ext>
             </a:extLst>
           </p:cNvPr>
@@ -9813,17 +10091,19 @@
         </p:nvSpPr>
         <p:spPr>
           <a:xfrm>
-            <a:off x="1622917" y="5104506"/>
-            <a:ext cx="1422444" cy="292973"/>
+            <a:off x="9253305" y="3729296"/>
+            <a:ext cx="2642995" cy="1592561"/>
           </a:xfrm>
           <a:prstGeom prst="roundRect">
             <a:avLst/>
           </a:prstGeom>
-          <a:noFill/>
+          <a:solidFill>
+            <a:schemeClr val="bg1"/>
+          </a:solidFill>
           <a:ln w="28575">
             <a:solidFill>
-              <a:schemeClr val="accent3">
-                <a:lumMod val="75000"/>
+              <a:schemeClr val="bg1">
+                <a:lumMod val="65000"/>
               </a:schemeClr>
             </a:solidFill>
           </a:ln>
@@ -9847,6 +10127,66 @@
           <a:lstStyle/>
           <a:p>
             <a:pPr algn="ctr"/>
+            <a:r>
+              <a:rPr lang="en-US" sz="1600">
+                <a:latin typeface="Arial" panose="020B0604020202020204" pitchFamily="34" charset="0"/>
+                <a:cs typeface="Arial" panose="020B0604020202020204" pitchFamily="34" charset="0"/>
+              </a:rPr>
+              <a:t>Axes 1&amp;2 biplot separated </a:t>
+            </a:r>
+            <a:r>
+              <a:rPr lang="en-US" sz="1600">
+                <a:solidFill>
+                  <a:schemeClr val="accent5">
+                    <a:lumMod val="75000"/>
+                  </a:schemeClr>
+                </a:solidFill>
+                <a:latin typeface="Arial" panose="020B0604020202020204" pitchFamily="34" charset="0"/>
+                <a:cs typeface="Arial" panose="020B0604020202020204" pitchFamily="34" charset="0"/>
+              </a:rPr>
+              <a:t>Normal </a:t>
+            </a:r>
+            <a:r>
+              <a:rPr lang="en-US" sz="1600">
+                <a:latin typeface="Arial" panose="020B0604020202020204" pitchFamily="34" charset="0"/>
+                <a:cs typeface="Arial" panose="020B0604020202020204" pitchFamily="34" charset="0"/>
+              </a:rPr>
+              <a:t>group</a:t>
+            </a:r>
+          </a:p>
+          <a:p>
+            <a:pPr algn="ctr"/>
+            <a:endParaRPr lang="en-US" sz="1600">
+              <a:latin typeface="Arial" panose="020B0604020202020204" pitchFamily="34" charset="0"/>
+              <a:cs typeface="Arial" panose="020B0604020202020204" pitchFamily="34" charset="0"/>
+            </a:endParaRPr>
+          </a:p>
+          <a:p>
+            <a:pPr algn="ctr"/>
+            <a:r>
+              <a:rPr lang="en-US" sz="1600">
+                <a:latin typeface="Arial" panose="020B0604020202020204" pitchFamily="34" charset="0"/>
+                <a:cs typeface="Arial" panose="020B0604020202020204" pitchFamily="34" charset="0"/>
+              </a:rPr>
+              <a:t>Axes 2&amp;4 biplot separated </a:t>
+            </a:r>
+            <a:r>
+              <a:rPr lang="en-US" sz="1600">
+                <a:solidFill>
+                  <a:srgbClr val="C71585"/>
+                </a:solidFill>
+                <a:latin typeface="Arial" panose="020B0604020202020204" pitchFamily="34" charset="0"/>
+                <a:cs typeface="Arial" panose="020B0604020202020204" pitchFamily="34" charset="0"/>
+              </a:rPr>
+              <a:t>Diabetic</a:t>
+            </a:r>
+            <a:r>
+              <a:rPr lang="en-US" sz="1600">
+                <a:latin typeface="Arial" panose="020B0604020202020204" pitchFamily="34" charset="0"/>
+                <a:cs typeface="Arial" panose="020B0604020202020204" pitchFamily="34" charset="0"/>
+              </a:rPr>
+              <a:t> group</a:t>
+            </a:r>
             <a:endParaRPr lang="en-US" sz="1600" dirty="0">
               <a:latin typeface="Arial" panose="020B0604020202020204" pitchFamily="34" charset="0"/>
               <a:cs typeface="Arial" panose="020B0604020202020204" pitchFamily="34" charset="0"/>
@@ -9854,120 +10194,12 @@
           </a:p>
         </p:txBody>
       </p:sp>
-      <p:pic>
-        <p:nvPicPr>
-          <p:cNvPr id="10" name="Picture 9" descr="Chart, bubble chart&#10;&#10;Description automatically generated">
-            <a:extLst>
-              <a:ext uri="{FF2B5EF4-FFF2-40B4-BE49-F238E27FC236}">
-                <a16:creationId xmlns:a16="http://schemas.microsoft.com/office/drawing/2014/main" id="{A5913475-BBCA-7546-9DA8-B5D4D8461F99}"/>
-              </a:ext>
-            </a:extLst>
-          </p:cNvPr>
-          <p:cNvPicPr>
-            <a:picLocks noChangeAspect="1"/>
-          </p:cNvPicPr>
-          <p:nvPr/>
-        </p:nvPicPr>
-        <p:blipFill>
-          <a:blip r:embed="rId3">
-            <a:extLst>
-              <a:ext uri="{28A0092B-C50C-407E-A947-70E740481C1C}">
-                <a14:useLocalDpi xmlns:a14="http://schemas.microsoft.com/office/drawing/2010/main" val="0"/>
-              </a:ext>
-            </a:extLst>
-          </a:blip>
-          <a:stretch>
-            <a:fillRect/>
-          </a:stretch>
-        </p:blipFill>
-        <p:spPr>
-          <a:xfrm>
-            <a:off x="4889546" y="217292"/>
-            <a:ext cx="4057776" cy="3188252"/>
-          </a:xfrm>
-          <a:prstGeom prst="rect">
-            <a:avLst/>
-          </a:prstGeom>
-        </p:spPr>
-      </p:pic>
-      <p:pic>
-        <p:nvPicPr>
-          <p:cNvPr id="8" name="Picture 7" descr="Chart, diagram&#10;&#10;Description automatically generated with medium confidence">
-            <a:extLst>
-              <a:ext uri="{FF2B5EF4-FFF2-40B4-BE49-F238E27FC236}">
-                <a16:creationId xmlns:a16="http://schemas.microsoft.com/office/drawing/2014/main" id="{4F905B3E-D548-E213-4568-097B36592D2D}"/>
-              </a:ext>
-            </a:extLst>
-          </p:cNvPr>
-          <p:cNvPicPr>
-            <a:picLocks noChangeAspect="1"/>
-          </p:cNvPicPr>
-          <p:nvPr/>
-        </p:nvPicPr>
-        <p:blipFill>
-          <a:blip r:embed="rId4">
-            <a:extLst>
-              <a:ext uri="{28A0092B-C50C-407E-A947-70E740481C1C}">
-                <a14:useLocalDpi xmlns:a14="http://schemas.microsoft.com/office/drawing/2010/main" val="0"/>
-              </a:ext>
-            </a:extLst>
-          </a:blip>
-          <a:stretch>
-            <a:fillRect/>
-          </a:stretch>
-        </p:blipFill>
-        <p:spPr>
-          <a:xfrm>
-            <a:off x="8072117" y="217292"/>
-            <a:ext cx="4057776" cy="3188252"/>
-          </a:xfrm>
-          <a:prstGeom prst="rect">
-            <a:avLst/>
-          </a:prstGeom>
-        </p:spPr>
-      </p:pic>
-      <p:pic>
-        <p:nvPicPr>
-          <p:cNvPr id="17" name="Picture 16" descr="Chart, bubble chart&#10;&#10;Description automatically generated">
-            <a:extLst>
-              <a:ext uri="{FF2B5EF4-FFF2-40B4-BE49-F238E27FC236}">
-                <a16:creationId xmlns:a16="http://schemas.microsoft.com/office/drawing/2014/main" id="{20A60C9E-0CF8-9C64-994A-EB403971B4D5}"/>
-              </a:ext>
-            </a:extLst>
-          </p:cNvPr>
-          <p:cNvPicPr>
-            <a:picLocks noChangeAspect="1"/>
-          </p:cNvPicPr>
-          <p:nvPr/>
-        </p:nvPicPr>
-        <p:blipFill>
-          <a:blip r:embed="rId5">
-            <a:extLst>
-              <a:ext uri="{28A0092B-C50C-407E-A947-70E740481C1C}">
-                <a14:useLocalDpi xmlns:a14="http://schemas.microsoft.com/office/drawing/2010/main" val="0"/>
-              </a:ext>
-            </a:extLst>
-          </a:blip>
-          <a:stretch>
-            <a:fillRect/>
-          </a:stretch>
-        </p:blipFill>
-        <p:spPr>
-          <a:xfrm>
-            <a:off x="4889546" y="3510379"/>
-            <a:ext cx="4057777" cy="3188253"/>
-          </a:xfrm>
-          <a:prstGeom prst="rect">
-            <a:avLst/>
-          </a:prstGeom>
-        </p:spPr>
-      </p:pic>
       <p:sp>
         <p:nvSpPr>
-          <p:cNvPr id="3" name="Multiplication Sign 2">
-            <a:extLst>
-              <a:ext uri="{FF2B5EF4-FFF2-40B4-BE49-F238E27FC236}">
-                <a16:creationId xmlns:a16="http://schemas.microsoft.com/office/drawing/2014/main" id="{AD46F965-6884-C2D2-B78A-1AEAF34D1BCA}"/>
+          <p:cNvPr id="4" name="Multiplication Sign 3">
+            <a:extLst>
+              <a:ext uri="{FF2B5EF4-FFF2-40B4-BE49-F238E27FC236}">
+                <a16:creationId xmlns:a16="http://schemas.microsoft.com/office/drawing/2014/main" id="{1B0C0C93-410D-30D4-8787-AA0DBA4D37E9}"/>
               </a:ext>
             </a:extLst>
           </p:cNvPr>
@@ -10041,7 +10273,7 @@
     </p:spTree>
     <p:extLst>
       <p:ext uri="{BB962C8B-B14F-4D97-AF65-F5344CB8AC3E}">
-        <p14:creationId xmlns:p14="http://schemas.microsoft.com/office/powerpoint/2010/main" val="657745549"/>
+        <p14:creationId xmlns:p14="http://schemas.microsoft.com/office/powerpoint/2010/main" val="4212085469"/>
       </p:ext>
     </p:extLst>
   </p:cSld>
@@ -10068,42 +10300,6 @@
           <a:chExt cx="0" cy="0"/>
         </a:xfrm>
       </p:grpSpPr>
-      <p:pic>
-        <p:nvPicPr>
-          <p:cNvPr id="13" name="Picture 12" descr="Chart&#10;&#10;Description automatically generated">
-            <a:extLst>
-              <a:ext uri="{FF2B5EF4-FFF2-40B4-BE49-F238E27FC236}">
-                <a16:creationId xmlns:a16="http://schemas.microsoft.com/office/drawing/2014/main" id="{DCD3BF14-1C02-3711-D283-2FBBD7CFDBDE}"/>
-              </a:ext>
-            </a:extLst>
-          </p:cNvPr>
-          <p:cNvPicPr>
-            <a:picLocks noChangeAspect="1"/>
-          </p:cNvPicPr>
-          <p:nvPr/>
-        </p:nvPicPr>
-        <p:blipFill>
-          <a:blip r:embed="rId2">
-            <a:extLst>
-              <a:ext uri="{28A0092B-C50C-407E-A947-70E740481C1C}">
-                <a14:useLocalDpi xmlns:a14="http://schemas.microsoft.com/office/drawing/2010/main" val="0"/>
-              </a:ext>
-            </a:extLst>
-          </a:blip>
-          <a:stretch>
-            <a:fillRect/>
-          </a:stretch>
-        </p:blipFill>
-        <p:spPr>
-          <a:xfrm>
-            <a:off x="4805118" y="129336"/>
-            <a:ext cx="4162835" cy="3270799"/>
-          </a:xfrm>
-          <a:prstGeom prst="rect">
-            <a:avLst/>
-          </a:prstGeom>
-        </p:spPr>
-      </p:pic>
       <p:sp>
         <p:nvSpPr>
           <p:cNvPr id="2" name="Title 1">
@@ -10134,7 +10330,7 @@
           <a:p>
             <a:r>
               <a:rPr lang="en-AU" sz="2800"/>
-              <a:t>Male in 60s Lv3 </a:t>
+              <a:t>Male in 60s Lv2 </a:t>
             </a:r>
             <a:r>
               <a:rPr lang="en-AU" sz="2400"/>
@@ -10146,10 +10342,10 @@
       </p:sp>
       <p:sp>
         <p:nvSpPr>
-          <p:cNvPr id="4" name="TextBox 3">
-            <a:extLst>
-              <a:ext uri="{FF2B5EF4-FFF2-40B4-BE49-F238E27FC236}">
-                <a16:creationId xmlns:a16="http://schemas.microsoft.com/office/drawing/2014/main" id="{18E9A566-9B0C-BCE9-40B9-3320313AE6F0}"/>
+          <p:cNvPr id="10" name="TextBox 9">
+            <a:extLst>
+              <a:ext uri="{FF2B5EF4-FFF2-40B4-BE49-F238E27FC236}">
+                <a16:creationId xmlns:a16="http://schemas.microsoft.com/office/drawing/2014/main" id="{84A4DFD7-0F12-1F2C-D0DE-1BF066B8415D}"/>
               </a:ext>
             </a:extLst>
           </p:cNvPr>
@@ -10158,7 +10354,7 @@
         </p:nvSpPr>
         <p:spPr>
           <a:xfrm>
-            <a:off x="152861" y="5636589"/>
+            <a:off x="334872" y="5317153"/>
             <a:ext cx="4818185" cy="584775"/>
           </a:xfrm>
           <a:prstGeom prst="rect">
@@ -10183,7 +10379,7 @@
                 <a:latin typeface="Arial" panose="020B0604020202020204" pitchFamily="34" charset="0"/>
                 <a:cs typeface="Arial" panose="020B0604020202020204" pitchFamily="34" charset="0"/>
               </a:rPr>
-              <a:t>vegan::permutest: p-value ~0.57. Assumption OK.</a:t>
+              <a:t>vegan::permutest: p-value ~0.7. Assumption OK.</a:t>
             </a:r>
           </a:p>
           <a:p>
@@ -10214,7 +10410,7 @@
                 <a:latin typeface="Arial" panose="020B0604020202020204" pitchFamily="34" charset="0"/>
                 <a:cs typeface="Arial" panose="020B0604020202020204" pitchFamily="34" charset="0"/>
               </a:rPr>
-              <a:t>p-value 0.03</a:t>
+              <a:t>p-value 0.02</a:t>
             </a:r>
             <a:r>
               <a:rPr lang="en-US" sz="1600">
@@ -10244,10 +10440,46 @@
       </p:sp>
       <p:pic>
         <p:nvPicPr>
-          <p:cNvPr id="5" name="Picture 4" descr="Chart, diagram&#10;&#10;Description automatically generated">
-            <a:extLst>
-              <a:ext uri="{FF2B5EF4-FFF2-40B4-BE49-F238E27FC236}">
-                <a16:creationId xmlns:a16="http://schemas.microsoft.com/office/drawing/2014/main" id="{3B3066F6-16B6-0417-319F-39B983860955}"/>
+          <p:cNvPr id="9" name="Picture 8" descr="Diagram, schematic&#10;&#10;Description automatically generated">
+            <a:extLst>
+              <a:ext uri="{FF2B5EF4-FFF2-40B4-BE49-F238E27FC236}">
+                <a16:creationId xmlns:a16="http://schemas.microsoft.com/office/drawing/2014/main" id="{F7DD2D13-6048-098B-E1DA-60395BA2D5D2}"/>
+              </a:ext>
+            </a:extLst>
+          </p:cNvPr>
+          <p:cNvPicPr>
+            <a:picLocks noChangeAspect="1"/>
+          </p:cNvPicPr>
+          <p:nvPr/>
+        </p:nvPicPr>
+        <p:blipFill>
+          <a:blip r:embed="rId2">
+            <a:extLst>
+              <a:ext uri="{28A0092B-C50C-407E-A947-70E740481C1C}">
+                <a14:useLocalDpi xmlns:a14="http://schemas.microsoft.com/office/drawing/2010/main" val="0"/>
+              </a:ext>
+            </a:extLst>
+          </a:blip>
+          <a:stretch>
+            <a:fillRect/>
+          </a:stretch>
+        </p:blipFill>
+        <p:spPr>
+          <a:xfrm>
+            <a:off x="142320" y="1486340"/>
+            <a:ext cx="4635070" cy="3641841"/>
+          </a:xfrm>
+          <a:prstGeom prst="rect">
+            <a:avLst/>
+          </a:prstGeom>
+        </p:spPr>
+      </p:pic>
+      <p:pic>
+        <p:nvPicPr>
+          <p:cNvPr id="11" name="Picture 10" descr="Diagram&#10;&#10;Description automatically generated with medium confidence">
+            <a:extLst>
+              <a:ext uri="{FF2B5EF4-FFF2-40B4-BE49-F238E27FC236}">
+                <a16:creationId xmlns:a16="http://schemas.microsoft.com/office/drawing/2014/main" id="{112E1B11-5608-0736-CE2E-BBE31F902323}"/>
               </a:ext>
             </a:extLst>
           </p:cNvPr>
@@ -10270,8 +10502,8 @@
         </p:blipFill>
         <p:spPr>
           <a:xfrm>
-            <a:off x="0" y="1814738"/>
-            <a:ext cx="4686306" cy="3682097"/>
+            <a:off x="4777390" y="323962"/>
+            <a:ext cx="4103085" cy="3223852"/>
           </a:xfrm>
           <a:prstGeom prst="rect">
             <a:avLst/>
@@ -10280,10 +10512,10 @@
       </p:pic>
       <p:pic>
         <p:nvPicPr>
-          <p:cNvPr id="8" name="Picture 7" descr="Chart&#10;&#10;Description automatically generated">
-            <a:extLst>
-              <a:ext uri="{FF2B5EF4-FFF2-40B4-BE49-F238E27FC236}">
-                <a16:creationId xmlns:a16="http://schemas.microsoft.com/office/drawing/2014/main" id="{1573439A-CFED-05AC-936E-120D0E890EE1}"/>
+          <p:cNvPr id="14" name="Picture 13" descr="Chart&#10;&#10;Description automatically generated">
+            <a:extLst>
+              <a:ext uri="{FF2B5EF4-FFF2-40B4-BE49-F238E27FC236}">
+                <a16:creationId xmlns:a16="http://schemas.microsoft.com/office/drawing/2014/main" id="{2EE5997B-C03F-72B2-79F8-1B61BB099FE0}"/>
               </a:ext>
             </a:extLst>
           </p:cNvPr>
@@ -10306,8 +10538,8 @@
         </p:blipFill>
         <p:spPr>
           <a:xfrm>
-            <a:off x="8157954" y="124793"/>
-            <a:ext cx="4162835" cy="3270799"/>
+            <a:off x="5193323" y="3608933"/>
+            <a:ext cx="4103083" cy="3223851"/>
           </a:xfrm>
           <a:prstGeom prst="rect">
             <a:avLst/>
@@ -10316,10 +10548,10 @@
       </p:pic>
       <p:pic>
         <p:nvPicPr>
-          <p:cNvPr id="16" name="Picture 15" descr="Chart&#10;&#10;Description automatically generated">
-            <a:extLst>
-              <a:ext uri="{FF2B5EF4-FFF2-40B4-BE49-F238E27FC236}">
-                <a16:creationId xmlns:a16="http://schemas.microsoft.com/office/drawing/2014/main" id="{0B2699D5-0B54-649A-9123-67355D1ECD41}"/>
+          <p:cNvPr id="6" name="Picture 5" descr="Chart&#10;&#10;Description automatically generated">
+            <a:extLst>
+              <a:ext uri="{FF2B5EF4-FFF2-40B4-BE49-F238E27FC236}">
+                <a16:creationId xmlns:a16="http://schemas.microsoft.com/office/drawing/2014/main" id="{1C1AE09D-0FEF-C9D1-77BE-FA55090DB9DD}"/>
               </a:ext>
             </a:extLst>
           </p:cNvPr>
@@ -10342,8 +10574,8 @@
         </p:blipFill>
         <p:spPr>
           <a:xfrm>
-            <a:off x="4805118" y="3462408"/>
-            <a:ext cx="4162835" cy="3270799"/>
+            <a:off x="8062023" y="323962"/>
+            <a:ext cx="4103085" cy="3223852"/>
           </a:xfrm>
           <a:prstGeom prst="rect">
             <a:avLst/>
@@ -10355,7 +10587,7 @@
           <p:cNvPr id="3" name="Multiplication Sign 2">
             <a:extLst>
               <a:ext uri="{FF2B5EF4-FFF2-40B4-BE49-F238E27FC236}">
-                <a16:creationId xmlns:a16="http://schemas.microsoft.com/office/drawing/2014/main" id="{6E0FDDD7-0740-2F5B-136B-5507594997C7}"/>
+                <a16:creationId xmlns:a16="http://schemas.microsoft.com/office/drawing/2014/main" id="{54004E50-C47A-5218-A889-6C92CA2C860D}"/>
               </a:ext>
             </a:extLst>
           </p:cNvPr>
@@ -10429,7 +10661,7 @@
     </p:spTree>
     <p:extLst>
       <p:ext uri="{BB962C8B-B14F-4D97-AF65-F5344CB8AC3E}">
-        <p14:creationId xmlns:p14="http://schemas.microsoft.com/office/powerpoint/2010/main" val="2907674882"/>
+        <p14:creationId xmlns:p14="http://schemas.microsoft.com/office/powerpoint/2010/main" val="167997341"/>
       </p:ext>
     </p:extLst>
   </p:cSld>
@@ -10486,7 +10718,11 @@
           <a:p>
             <a:r>
               <a:rPr lang="en-AU" sz="2800"/>
-              <a:t>Male in 60s Lv4 WEIGHTED</a:t>
+              <a:t>Male in 60s Lv3 </a:t>
+            </a:r>
+            <a:r>
+              <a:rPr lang="en-AU" sz="2400"/>
+              <a:t>WEIGHTED</a:t>
             </a:r>
             <a:endParaRPr lang="en-US" sz="2800" dirty="0"/>
           </a:p>
@@ -10494,10 +10730,10 @@
       </p:sp>
       <p:sp>
         <p:nvSpPr>
-          <p:cNvPr id="8" name="TextBox 7">
-            <a:extLst>
-              <a:ext uri="{FF2B5EF4-FFF2-40B4-BE49-F238E27FC236}">
-                <a16:creationId xmlns:a16="http://schemas.microsoft.com/office/drawing/2014/main" id="{3C099445-B8A0-C64E-9D78-D34A43FB110A}"/>
+          <p:cNvPr id="4" name="TextBox 3">
+            <a:extLst>
+              <a:ext uri="{FF2B5EF4-FFF2-40B4-BE49-F238E27FC236}">
+                <a16:creationId xmlns:a16="http://schemas.microsoft.com/office/drawing/2014/main" id="{7833150D-7B7E-C35B-620F-5EC67B643F26}"/>
               </a:ext>
             </a:extLst>
           </p:cNvPr>
@@ -10506,7 +10742,7 @@
         </p:nvSpPr>
         <p:spPr>
           <a:xfrm>
-            <a:off x="152714" y="5511194"/>
+            <a:off x="181955" y="5537233"/>
             <a:ext cx="4818185" cy="830997"/>
           </a:xfrm>
           <a:prstGeom prst="rect">
@@ -10531,7 +10767,7 @@
                 <a:latin typeface="Arial" panose="020B0604020202020204" pitchFamily="34" charset="0"/>
                 <a:cs typeface="Arial" panose="020B0604020202020204" pitchFamily="34" charset="0"/>
               </a:rPr>
-              <a:t>vegan::permutest: p-value ~0.18. Assumption OK.</a:t>
+              <a:t>vegan::permutest: p-value ~0.49. Assumption OK.</a:t>
             </a:r>
           </a:p>
           <a:p>
@@ -10562,7 +10798,7 @@
                 <a:latin typeface="Arial" panose="020B0604020202020204" pitchFamily="34" charset="0"/>
                 <a:cs typeface="Arial" panose="020B0604020202020204" pitchFamily="34" charset="0"/>
               </a:rPr>
-              <a:t>0.05</a:t>
+              <a:t>0.054</a:t>
             </a:r>
             <a:r>
               <a:rPr lang="en-US" sz="1600">
@@ -10592,39 +10828,10 @@
       </p:sp>
       <p:pic>
         <p:nvPicPr>
-          <p:cNvPr id="6" name="Picture 5">
-            <a:extLst>
-              <a:ext uri="{FF2B5EF4-FFF2-40B4-BE49-F238E27FC236}">
-                <a16:creationId xmlns:a16="http://schemas.microsoft.com/office/drawing/2014/main" id="{68F8A1EF-662B-9D5F-8625-FCAEACE9974D}"/>
-              </a:ext>
-            </a:extLst>
-          </p:cNvPr>
-          <p:cNvPicPr>
-            <a:picLocks noChangeAspect="1"/>
-          </p:cNvPicPr>
-          <p:nvPr/>
-        </p:nvPicPr>
-        <p:blipFill rotWithShape="1">
-          <a:blip r:embed="rId2"/>
-          <a:srcRect t="2521"/>
-          <a:stretch/>
-        </p:blipFill>
-        <p:spPr>
-          <a:xfrm>
-            <a:off x="152714" y="1739899"/>
-            <a:ext cx="4557773" cy="3499366"/>
-          </a:xfrm>
-          <a:prstGeom prst="rect">
-            <a:avLst/>
-          </a:prstGeom>
-        </p:spPr>
-      </p:pic>
-      <p:pic>
-        <p:nvPicPr>
-          <p:cNvPr id="3" name="Picture 2">
-            <a:extLst>
-              <a:ext uri="{FF2B5EF4-FFF2-40B4-BE49-F238E27FC236}">
-                <a16:creationId xmlns:a16="http://schemas.microsoft.com/office/drawing/2014/main" id="{A5E5800D-02C6-AE93-4DCF-DC20B04D72EB}"/>
+          <p:cNvPr id="5" name="Picture 4" descr="Chart&#10;&#10;Description automatically generated">
+            <a:extLst>
+              <a:ext uri="{FF2B5EF4-FFF2-40B4-BE49-F238E27FC236}">
+                <a16:creationId xmlns:a16="http://schemas.microsoft.com/office/drawing/2014/main" id="{33A87B11-353A-9EC5-2C03-C12665DEB4CD}"/>
               </a:ext>
             </a:extLst>
           </p:cNvPr>
@@ -10634,87 +10841,33 @@
           <p:nvPr/>
         </p:nvPicPr>
         <p:blipFill>
-          <a:blip r:embed="rId3"/>
+          <a:blip r:embed="rId2">
+            <a:extLst>
+              <a:ext uri="{28A0092B-C50C-407E-A947-70E740481C1C}">
+                <a14:useLocalDpi xmlns:a14="http://schemas.microsoft.com/office/drawing/2010/main" val="0"/>
+              </a:ext>
+            </a:extLst>
+          </a:blip>
           <a:stretch>
             <a:fillRect/>
           </a:stretch>
         </p:blipFill>
         <p:spPr>
           <a:xfrm>
-            <a:off x="4968206" y="107276"/>
-            <a:ext cx="4112988" cy="3211065"/>
+            <a:off x="181955" y="1715382"/>
+            <a:ext cx="4686305" cy="3682097"/>
           </a:xfrm>
           <a:prstGeom prst="rect">
             <a:avLst/>
           </a:prstGeom>
         </p:spPr>
       </p:pic>
-      <p:pic>
-        <p:nvPicPr>
-          <p:cNvPr id="4" name="Picture 3">
-            <a:extLst>
-              <a:ext uri="{FF2B5EF4-FFF2-40B4-BE49-F238E27FC236}">
-                <a16:creationId xmlns:a16="http://schemas.microsoft.com/office/drawing/2014/main" id="{9E011A30-4451-C51C-B7B8-8B9BD9D49B8C}"/>
-              </a:ext>
-            </a:extLst>
-          </p:cNvPr>
-          <p:cNvPicPr>
-            <a:picLocks noChangeAspect="1"/>
-          </p:cNvPicPr>
-          <p:nvPr/>
-        </p:nvPicPr>
-        <p:blipFill>
-          <a:blip r:embed="rId4"/>
-          <a:stretch>
-            <a:fillRect/>
-          </a:stretch>
-        </p:blipFill>
-        <p:spPr>
-          <a:xfrm>
-            <a:off x="8266976" y="150842"/>
-            <a:ext cx="4134795" cy="3211065"/>
-          </a:xfrm>
-          <a:prstGeom prst="rect">
-            <a:avLst/>
-          </a:prstGeom>
-        </p:spPr>
-      </p:pic>
-      <p:pic>
-        <p:nvPicPr>
-          <p:cNvPr id="7" name="Picture 6">
-            <a:extLst>
-              <a:ext uri="{FF2B5EF4-FFF2-40B4-BE49-F238E27FC236}">
-                <a16:creationId xmlns:a16="http://schemas.microsoft.com/office/drawing/2014/main" id="{23E4F5DD-CD2F-77A7-0F90-29EC943E7516}"/>
-              </a:ext>
-            </a:extLst>
-          </p:cNvPr>
-          <p:cNvPicPr>
-            <a:picLocks noChangeAspect="1"/>
-          </p:cNvPicPr>
-          <p:nvPr/>
-        </p:nvPicPr>
-        <p:blipFill>
-          <a:blip r:embed="rId5"/>
-          <a:stretch>
-            <a:fillRect/>
-          </a:stretch>
-        </p:blipFill>
-        <p:spPr>
-          <a:xfrm>
-            <a:off x="5026109" y="3565742"/>
-            <a:ext cx="4142604" cy="3211066"/>
-          </a:xfrm>
-          <a:prstGeom prst="rect">
-            <a:avLst/>
-          </a:prstGeom>
-        </p:spPr>
-      </p:pic>
       <p:sp>
         <p:nvSpPr>
-          <p:cNvPr id="9" name="Rectangle: Rounded Corners 8">
-            <a:extLst>
-              <a:ext uri="{FF2B5EF4-FFF2-40B4-BE49-F238E27FC236}">
-                <a16:creationId xmlns:a16="http://schemas.microsoft.com/office/drawing/2014/main" id="{BEFE743E-F4FA-717E-C87F-425D9D048111}"/>
+          <p:cNvPr id="6" name="Rectangle: Rounded Corners 5">
+            <a:extLst>
+              <a:ext uri="{FF2B5EF4-FFF2-40B4-BE49-F238E27FC236}">
+                <a16:creationId xmlns:a16="http://schemas.microsoft.com/office/drawing/2014/main" id="{72A44319-E563-A92F-3142-ED1E99BD0BB4}"/>
               </a:ext>
             </a:extLst>
           </p:cNvPr>
@@ -10723,19 +10876,17 @@
         </p:nvSpPr>
         <p:spPr>
           <a:xfrm>
-            <a:off x="9291942" y="3883843"/>
-            <a:ext cx="2642995" cy="905838"/>
+            <a:off x="1622917" y="5104506"/>
+            <a:ext cx="1422444" cy="292973"/>
           </a:xfrm>
           <a:prstGeom prst="roundRect">
             <a:avLst/>
           </a:prstGeom>
-          <a:solidFill>
-            <a:schemeClr val="bg1"/>
-          </a:solidFill>
+          <a:noFill/>
           <a:ln w="28575">
             <a:solidFill>
-              <a:schemeClr val="bg1">
-                <a:lumMod val="65000"/>
+              <a:schemeClr val="accent3">
+                <a:lumMod val="75000"/>
               </a:schemeClr>
             </a:solidFill>
           </a:ln>
@@ -10759,30 +10910,6 @@
           <a:lstStyle/>
           <a:p>
             <a:pPr algn="ctr"/>
-            <a:r>
-              <a:rPr lang="en-US" sz="1600">
-                <a:latin typeface="Arial" panose="020B0604020202020204" pitchFamily="34" charset="0"/>
-                <a:cs typeface="Arial" panose="020B0604020202020204" pitchFamily="34" charset="0"/>
-              </a:rPr>
-              <a:t>Axes 3&amp;4 biplot and Axes 2&amp;4 biplot separated </a:t>
-            </a:r>
-            <a:r>
-              <a:rPr lang="en-US" sz="1600">
-                <a:solidFill>
-                  <a:srgbClr val="C71585"/>
-                </a:solidFill>
-                <a:latin typeface="Arial" panose="020B0604020202020204" pitchFamily="34" charset="0"/>
-                <a:cs typeface="Arial" panose="020B0604020202020204" pitchFamily="34" charset="0"/>
-              </a:rPr>
-              <a:t>Diabetic</a:t>
-            </a:r>
-            <a:r>
-              <a:rPr lang="en-US" sz="1600">
-                <a:latin typeface="Arial" panose="020B0604020202020204" pitchFamily="34" charset="0"/>
-                <a:cs typeface="Arial" panose="020B0604020202020204" pitchFamily="34" charset="0"/>
-              </a:rPr>
-              <a:t> group</a:t>
-            </a:r>
             <a:endParaRPr lang="en-US" sz="1600" dirty="0">
               <a:latin typeface="Arial" panose="020B0604020202020204" pitchFamily="34" charset="0"/>
               <a:cs typeface="Arial" panose="020B0604020202020204" pitchFamily="34" charset="0"/>
@@ -10790,76 +10917,120 @@
           </a:p>
         </p:txBody>
       </p:sp>
+      <p:pic>
+        <p:nvPicPr>
+          <p:cNvPr id="10" name="Picture 9" descr="Chart, bubble chart&#10;&#10;Description automatically generated">
+            <a:extLst>
+              <a:ext uri="{FF2B5EF4-FFF2-40B4-BE49-F238E27FC236}">
+                <a16:creationId xmlns:a16="http://schemas.microsoft.com/office/drawing/2014/main" id="{A5913475-BBCA-7546-9DA8-B5D4D8461F99}"/>
+              </a:ext>
+            </a:extLst>
+          </p:cNvPr>
+          <p:cNvPicPr>
+            <a:picLocks noChangeAspect="1"/>
+          </p:cNvPicPr>
+          <p:nvPr/>
+        </p:nvPicPr>
+        <p:blipFill>
+          <a:blip r:embed="rId3">
+            <a:extLst>
+              <a:ext uri="{28A0092B-C50C-407E-A947-70E740481C1C}">
+                <a14:useLocalDpi xmlns:a14="http://schemas.microsoft.com/office/drawing/2010/main" val="0"/>
+              </a:ext>
+            </a:extLst>
+          </a:blip>
+          <a:stretch>
+            <a:fillRect/>
+          </a:stretch>
+        </p:blipFill>
+        <p:spPr>
+          <a:xfrm>
+            <a:off x="4889546" y="217292"/>
+            <a:ext cx="4057776" cy="3188252"/>
+          </a:xfrm>
+          <a:prstGeom prst="rect">
+            <a:avLst/>
+          </a:prstGeom>
+        </p:spPr>
+      </p:pic>
+      <p:pic>
+        <p:nvPicPr>
+          <p:cNvPr id="8" name="Picture 7" descr="Chart, diagram&#10;&#10;Description automatically generated with medium confidence">
+            <a:extLst>
+              <a:ext uri="{FF2B5EF4-FFF2-40B4-BE49-F238E27FC236}">
+                <a16:creationId xmlns:a16="http://schemas.microsoft.com/office/drawing/2014/main" id="{4F905B3E-D548-E213-4568-097B36592D2D}"/>
+              </a:ext>
+            </a:extLst>
+          </p:cNvPr>
+          <p:cNvPicPr>
+            <a:picLocks noChangeAspect="1"/>
+          </p:cNvPicPr>
+          <p:nvPr/>
+        </p:nvPicPr>
+        <p:blipFill>
+          <a:blip r:embed="rId4">
+            <a:extLst>
+              <a:ext uri="{28A0092B-C50C-407E-A947-70E740481C1C}">
+                <a14:useLocalDpi xmlns:a14="http://schemas.microsoft.com/office/drawing/2010/main" val="0"/>
+              </a:ext>
+            </a:extLst>
+          </a:blip>
+          <a:stretch>
+            <a:fillRect/>
+          </a:stretch>
+        </p:blipFill>
+        <p:spPr>
+          <a:xfrm>
+            <a:off x="8072117" y="217292"/>
+            <a:ext cx="4057776" cy="3188252"/>
+          </a:xfrm>
+          <a:prstGeom prst="rect">
+            <a:avLst/>
+          </a:prstGeom>
+        </p:spPr>
+      </p:pic>
+      <p:pic>
+        <p:nvPicPr>
+          <p:cNvPr id="17" name="Picture 16" descr="Chart, bubble chart&#10;&#10;Description automatically generated">
+            <a:extLst>
+              <a:ext uri="{FF2B5EF4-FFF2-40B4-BE49-F238E27FC236}">
+                <a16:creationId xmlns:a16="http://schemas.microsoft.com/office/drawing/2014/main" id="{20A60C9E-0CF8-9C64-994A-EB403971B4D5}"/>
+              </a:ext>
+            </a:extLst>
+          </p:cNvPr>
+          <p:cNvPicPr>
+            <a:picLocks noChangeAspect="1"/>
+          </p:cNvPicPr>
+          <p:nvPr/>
+        </p:nvPicPr>
+        <p:blipFill>
+          <a:blip r:embed="rId5">
+            <a:extLst>
+              <a:ext uri="{28A0092B-C50C-407E-A947-70E740481C1C}">
+                <a14:useLocalDpi xmlns:a14="http://schemas.microsoft.com/office/drawing/2010/main" val="0"/>
+              </a:ext>
+            </a:extLst>
+          </a:blip>
+          <a:stretch>
+            <a:fillRect/>
+          </a:stretch>
+        </p:blipFill>
+        <p:spPr>
+          <a:xfrm>
+            <a:off x="4889546" y="3510379"/>
+            <a:ext cx="4057777" cy="3188253"/>
+          </a:xfrm>
+          <a:prstGeom prst="rect">
+            <a:avLst/>
+          </a:prstGeom>
+        </p:spPr>
+      </p:pic>
       <p:sp>
         <p:nvSpPr>
-          <p:cNvPr id="14" name="Rectangle: Rounded Corners 13">
-            <a:extLst>
-              <a:ext uri="{FF2B5EF4-FFF2-40B4-BE49-F238E27FC236}">
-                <a16:creationId xmlns:a16="http://schemas.microsoft.com/office/drawing/2014/main" id="{20538D4B-EFBE-25E9-6391-15C12EE8F1FC}"/>
-              </a:ext>
-            </a:extLst>
-          </p:cNvPr>
-          <p:cNvSpPr/>
-          <p:nvPr/>
-        </p:nvSpPr>
-        <p:spPr>
-          <a:xfrm>
-            <a:off x="9291942" y="5593389"/>
-            <a:ext cx="2642995" cy="592175"/>
-          </a:xfrm>
-          <a:prstGeom prst="roundRect">
-            <a:avLst/>
-          </a:prstGeom>
-          <a:solidFill>
-            <a:schemeClr val="bg1"/>
-          </a:solidFill>
-          <a:ln w="28575">
-            <a:solidFill>
-              <a:schemeClr val="bg1">
-                <a:lumMod val="65000"/>
-              </a:schemeClr>
-            </a:solidFill>
-          </a:ln>
-        </p:spPr>
-        <p:style>
-          <a:lnRef idx="2">
-            <a:schemeClr val="dk1"/>
-          </a:lnRef>
-          <a:fillRef idx="1">
-            <a:schemeClr val="lt1"/>
-          </a:fillRef>
-          <a:effectRef idx="0">
-            <a:schemeClr val="dk1"/>
-          </a:effectRef>
-          <a:fontRef idx="minor">
-            <a:schemeClr val="dk1"/>
-          </a:fontRef>
-        </p:style>
-        <p:txBody>
-          <a:bodyPr rtlCol="0" anchor="ctr"/>
-          <a:lstStyle/>
-          <a:p>
-            <a:pPr algn="ctr"/>
-            <a:r>
-              <a:rPr lang="en-US" sz="1600">
-                <a:latin typeface="Arial" panose="020B0604020202020204" pitchFamily="34" charset="0"/>
-                <a:cs typeface="Arial" panose="020B0604020202020204" pitchFamily="34" charset="0"/>
-              </a:rPr>
-              <a:t>Maybe 3D will work…?</a:t>
-            </a:r>
-            <a:endParaRPr lang="en-US" sz="1600" dirty="0">
-              <a:latin typeface="Arial" panose="020B0604020202020204" pitchFamily="34" charset="0"/>
-              <a:cs typeface="Arial" panose="020B0604020202020204" pitchFamily="34" charset="0"/>
-            </a:endParaRPr>
-          </a:p>
-        </p:txBody>
-      </p:sp>
-      <p:sp>
-        <p:nvSpPr>
-          <p:cNvPr id="5" name="Multiplication Sign 4">
-            <a:extLst>
-              <a:ext uri="{FF2B5EF4-FFF2-40B4-BE49-F238E27FC236}">
-                <a16:creationId xmlns:a16="http://schemas.microsoft.com/office/drawing/2014/main" id="{D80DBE2A-D4B4-76B2-A5AE-231A5D4470AD}"/>
+          <p:cNvPr id="3" name="Multiplication Sign 2">
+            <a:extLst>
+              <a:ext uri="{FF2B5EF4-FFF2-40B4-BE49-F238E27FC236}">
+                <a16:creationId xmlns:a16="http://schemas.microsoft.com/office/drawing/2014/main" id="{AD46F965-6884-C2D2-B78A-1AEAF34D1BCA}"/>
               </a:ext>
             </a:extLst>
           </p:cNvPr>
@@ -10933,7 +11104,7 @@
     </p:spTree>
     <p:extLst>
       <p:ext uri="{BB962C8B-B14F-4D97-AF65-F5344CB8AC3E}">
-        <p14:creationId xmlns:p14="http://schemas.microsoft.com/office/powerpoint/2010/main" val="131091140"/>
+        <p14:creationId xmlns:p14="http://schemas.microsoft.com/office/powerpoint/2010/main" val="657745549"/>
       </p:ext>
     </p:extLst>
   </p:cSld>
@@ -10960,6 +11131,42 @@
           <a:chExt cx="0" cy="0"/>
         </a:xfrm>
       </p:grpSpPr>
+      <p:pic>
+        <p:nvPicPr>
+          <p:cNvPr id="13" name="Picture 12" descr="Chart&#10;&#10;Description automatically generated">
+            <a:extLst>
+              <a:ext uri="{FF2B5EF4-FFF2-40B4-BE49-F238E27FC236}">
+                <a16:creationId xmlns:a16="http://schemas.microsoft.com/office/drawing/2014/main" id="{DCD3BF14-1C02-3711-D283-2FBBD7CFDBDE}"/>
+              </a:ext>
+            </a:extLst>
+          </p:cNvPr>
+          <p:cNvPicPr>
+            <a:picLocks noChangeAspect="1"/>
+          </p:cNvPicPr>
+          <p:nvPr/>
+        </p:nvPicPr>
+        <p:blipFill>
+          <a:blip r:embed="rId2">
+            <a:extLst>
+              <a:ext uri="{28A0092B-C50C-407E-A947-70E740481C1C}">
+                <a14:useLocalDpi xmlns:a14="http://schemas.microsoft.com/office/drawing/2010/main" val="0"/>
+              </a:ext>
+            </a:extLst>
+          </a:blip>
+          <a:stretch>
+            <a:fillRect/>
+          </a:stretch>
+        </p:blipFill>
+        <p:spPr>
+          <a:xfrm>
+            <a:off x="4805118" y="129336"/>
+            <a:ext cx="4162835" cy="3270799"/>
+          </a:xfrm>
+          <a:prstGeom prst="rect">
+            <a:avLst/>
+          </a:prstGeom>
+        </p:spPr>
+      </p:pic>
       <p:sp>
         <p:nvSpPr>
           <p:cNvPr id="2" name="Title 1">
@@ -10990,7 +11197,7 @@
           <a:p>
             <a:r>
               <a:rPr lang="en-AU" sz="2800"/>
-              <a:t>Male in 60s Lv4 </a:t>
+              <a:t>Male in 60s Lv3 </a:t>
             </a:r>
             <a:r>
               <a:rPr lang="en-AU" sz="2400"/>
@@ -11002,281 +11209,10 @@
       </p:sp>
       <p:sp>
         <p:nvSpPr>
-          <p:cNvPr id="17" name="Rectangle: Rounded Corners 16">
-            <a:extLst>
-              <a:ext uri="{FF2B5EF4-FFF2-40B4-BE49-F238E27FC236}">
-                <a16:creationId xmlns:a16="http://schemas.microsoft.com/office/drawing/2014/main" id="{43ED01E2-C407-8A50-83DB-7D6E7C1717BF}"/>
-              </a:ext>
-            </a:extLst>
-          </p:cNvPr>
-          <p:cNvSpPr/>
-          <p:nvPr/>
-        </p:nvSpPr>
-        <p:spPr>
-          <a:xfrm>
-            <a:off x="8963880" y="3581365"/>
-            <a:ext cx="2642995" cy="905838"/>
-          </a:xfrm>
-          <a:prstGeom prst="roundRect">
-            <a:avLst/>
-          </a:prstGeom>
-          <a:solidFill>
-            <a:schemeClr val="bg1"/>
-          </a:solidFill>
-          <a:ln w="28575">
-            <a:solidFill>
-              <a:schemeClr val="bg1">
-                <a:lumMod val="65000"/>
-              </a:schemeClr>
-            </a:solidFill>
-          </a:ln>
-        </p:spPr>
-        <p:style>
-          <a:lnRef idx="2">
-            <a:schemeClr val="dk1"/>
-          </a:lnRef>
-          <a:fillRef idx="1">
-            <a:schemeClr val="lt1"/>
-          </a:fillRef>
-          <a:effectRef idx="0">
-            <a:schemeClr val="dk1"/>
-          </a:effectRef>
-          <a:fontRef idx="minor">
-            <a:schemeClr val="dk1"/>
-          </a:fontRef>
-        </p:style>
-        <p:txBody>
-          <a:bodyPr rtlCol="0" anchor="ctr"/>
-          <a:lstStyle/>
-          <a:p>
-            <a:pPr algn="ctr"/>
-            <a:r>
-              <a:rPr lang="en-US" sz="1600">
-                <a:latin typeface="Arial" panose="020B0604020202020204" pitchFamily="34" charset="0"/>
-                <a:cs typeface="Arial" panose="020B0604020202020204" pitchFamily="34" charset="0"/>
-              </a:rPr>
-              <a:t>Axes 2&amp;4 biplot separated </a:t>
-            </a:r>
-            <a:r>
-              <a:rPr lang="en-US" sz="1600">
-                <a:solidFill>
-                  <a:schemeClr val="accent5">
-                    <a:lumMod val="75000"/>
-                  </a:schemeClr>
-                </a:solidFill>
-                <a:latin typeface="Arial" panose="020B0604020202020204" pitchFamily="34" charset="0"/>
-                <a:cs typeface="Arial" panose="020B0604020202020204" pitchFamily="34" charset="0"/>
-              </a:rPr>
-              <a:t>Normal </a:t>
-            </a:r>
-            <a:r>
-              <a:rPr lang="en-US" sz="1600">
-                <a:latin typeface="Arial" panose="020B0604020202020204" pitchFamily="34" charset="0"/>
-                <a:cs typeface="Arial" panose="020B0604020202020204" pitchFamily="34" charset="0"/>
-              </a:rPr>
-              <a:t>group</a:t>
-            </a:r>
-            <a:endParaRPr lang="en-US" sz="1600" dirty="0">
-              <a:latin typeface="Arial" panose="020B0604020202020204" pitchFamily="34" charset="0"/>
-              <a:cs typeface="Arial" panose="020B0604020202020204" pitchFamily="34" charset="0"/>
-            </a:endParaRPr>
-          </a:p>
-        </p:txBody>
-      </p:sp>
-      <p:sp>
-        <p:nvSpPr>
-          <p:cNvPr id="19" name="Rectangle: Rounded Corners 18">
-            <a:extLst>
-              <a:ext uri="{FF2B5EF4-FFF2-40B4-BE49-F238E27FC236}">
-                <a16:creationId xmlns:a16="http://schemas.microsoft.com/office/drawing/2014/main" id="{7E92DB2C-B1FE-77A3-5B6A-C9F0331AAE2F}"/>
-              </a:ext>
-            </a:extLst>
-          </p:cNvPr>
-          <p:cNvSpPr/>
-          <p:nvPr/>
-        </p:nvSpPr>
-        <p:spPr>
-          <a:xfrm>
-            <a:off x="375138" y="5774649"/>
-            <a:ext cx="2642995" cy="683071"/>
-          </a:xfrm>
-          <a:prstGeom prst="roundRect">
-            <a:avLst/>
-          </a:prstGeom>
-          <a:solidFill>
-            <a:schemeClr val="bg1"/>
-          </a:solidFill>
-          <a:ln w="28575">
-            <a:solidFill>
-              <a:schemeClr val="bg1">
-                <a:lumMod val="65000"/>
-              </a:schemeClr>
-            </a:solidFill>
-          </a:ln>
-        </p:spPr>
-        <p:style>
-          <a:lnRef idx="2">
-            <a:schemeClr val="dk1"/>
-          </a:lnRef>
-          <a:fillRef idx="1">
-            <a:schemeClr val="lt1"/>
-          </a:fillRef>
-          <a:effectRef idx="0">
-            <a:schemeClr val="dk1"/>
-          </a:effectRef>
-          <a:fontRef idx="minor">
-            <a:schemeClr val="dk1"/>
-          </a:fontRef>
-        </p:style>
-        <p:txBody>
-          <a:bodyPr rtlCol="0" anchor="ctr"/>
-          <a:lstStyle/>
-          <a:p>
-            <a:pPr algn="ctr"/>
-            <a:r>
-              <a:rPr lang="en-US" sz="1600">
-                <a:latin typeface="Arial" panose="020B0604020202020204" pitchFamily="34" charset="0"/>
-                <a:cs typeface="Arial" panose="020B0604020202020204" pitchFamily="34" charset="0"/>
-              </a:rPr>
-              <a:t>Unweighted is presence or absence.</a:t>
-            </a:r>
-            <a:endParaRPr lang="en-US" sz="1600" dirty="0">
-              <a:latin typeface="Arial" panose="020B0604020202020204" pitchFamily="34" charset="0"/>
-              <a:cs typeface="Arial" panose="020B0604020202020204" pitchFamily="34" charset="0"/>
-            </a:endParaRPr>
-          </a:p>
-        </p:txBody>
-      </p:sp>
-      <p:pic>
-        <p:nvPicPr>
-          <p:cNvPr id="10" name="Picture 9">
-            <a:extLst>
-              <a:ext uri="{FF2B5EF4-FFF2-40B4-BE49-F238E27FC236}">
-                <a16:creationId xmlns:a16="http://schemas.microsoft.com/office/drawing/2014/main" id="{E21BA5EA-6CE9-9A58-8D93-C0CE7AD45493}"/>
-              </a:ext>
-            </a:extLst>
-          </p:cNvPr>
-          <p:cNvPicPr>
-            <a:picLocks noChangeAspect="1"/>
-          </p:cNvPicPr>
-          <p:nvPr/>
-        </p:nvPicPr>
-        <p:blipFill>
-          <a:blip r:embed="rId2"/>
-          <a:stretch>
-            <a:fillRect/>
-          </a:stretch>
-        </p:blipFill>
-        <p:spPr>
-          <a:xfrm>
-            <a:off x="5003753" y="3461475"/>
-            <a:ext cx="3960127" cy="3073059"/>
-          </a:xfrm>
-          <a:prstGeom prst="rect">
-            <a:avLst/>
-          </a:prstGeom>
-        </p:spPr>
-      </p:pic>
-      <p:sp>
-        <p:nvSpPr>
-          <p:cNvPr id="11" name="Rectangle: Rounded Corners 10">
-            <a:extLst>
-              <a:ext uri="{FF2B5EF4-FFF2-40B4-BE49-F238E27FC236}">
-                <a16:creationId xmlns:a16="http://schemas.microsoft.com/office/drawing/2014/main" id="{21075C0E-E59B-F810-95C5-5AC6B1A45AB1}"/>
-              </a:ext>
-            </a:extLst>
-          </p:cNvPr>
-          <p:cNvSpPr/>
-          <p:nvPr/>
-        </p:nvSpPr>
-        <p:spPr>
-          <a:xfrm>
-            <a:off x="8860791" y="5440030"/>
-            <a:ext cx="2642995" cy="1017690"/>
-          </a:xfrm>
-          <a:prstGeom prst="roundRect">
-            <a:avLst/>
-          </a:prstGeom>
-          <a:solidFill>
-            <a:schemeClr val="bg1"/>
-          </a:solidFill>
-          <a:ln w="28575">
-            <a:solidFill>
-              <a:schemeClr val="bg1">
-                <a:lumMod val="65000"/>
-              </a:schemeClr>
-            </a:solidFill>
-          </a:ln>
-        </p:spPr>
-        <p:style>
-          <a:lnRef idx="2">
-            <a:schemeClr val="dk1"/>
-          </a:lnRef>
-          <a:fillRef idx="1">
-            <a:schemeClr val="lt1"/>
-          </a:fillRef>
-          <a:effectRef idx="0">
-            <a:schemeClr val="dk1"/>
-          </a:effectRef>
-          <a:fontRef idx="minor">
-            <a:schemeClr val="dk1"/>
-          </a:fontRef>
-        </p:style>
-        <p:txBody>
-          <a:bodyPr rtlCol="0" anchor="ctr"/>
-          <a:lstStyle/>
-          <a:p>
-            <a:pPr algn="ctr"/>
-            <a:r>
-              <a:rPr lang="en-US" sz="1600">
-                <a:latin typeface="Arial" panose="020B0604020202020204" pitchFamily="34" charset="0"/>
-                <a:cs typeface="Arial" panose="020B0604020202020204" pitchFamily="34" charset="0"/>
-              </a:rPr>
-              <a:t>For both weighted and unweighted, Axes 2&amp;4 separated groups.</a:t>
-            </a:r>
-            <a:endParaRPr lang="en-US" sz="1600" dirty="0">
-              <a:latin typeface="Arial" panose="020B0604020202020204" pitchFamily="34" charset="0"/>
-              <a:cs typeface="Arial" panose="020B0604020202020204" pitchFamily="34" charset="0"/>
-            </a:endParaRPr>
-          </a:p>
-        </p:txBody>
-      </p:sp>
-      <p:pic>
-        <p:nvPicPr>
-          <p:cNvPr id="14" name="Picture 13">
-            <a:extLst>
-              <a:ext uri="{FF2B5EF4-FFF2-40B4-BE49-F238E27FC236}">
-                <a16:creationId xmlns:a16="http://schemas.microsoft.com/office/drawing/2014/main" id="{96D6D7D1-4924-419A-CD2A-5C5F0B57F0B4}"/>
-              </a:ext>
-            </a:extLst>
-          </p:cNvPr>
-          <p:cNvPicPr>
-            <a:picLocks noChangeAspect="1"/>
-          </p:cNvPicPr>
-          <p:nvPr/>
-        </p:nvPicPr>
-        <p:blipFill>
-          <a:blip r:embed="rId3"/>
-          <a:stretch>
-            <a:fillRect/>
-          </a:stretch>
-        </p:blipFill>
-        <p:spPr>
-          <a:xfrm>
-            <a:off x="190076" y="1863356"/>
-            <a:ext cx="4489015" cy="3503839"/>
-          </a:xfrm>
-          <a:prstGeom prst="rect">
-            <a:avLst/>
-          </a:prstGeom>
-        </p:spPr>
-      </p:pic>
-      <p:sp>
-        <p:nvSpPr>
-          <p:cNvPr id="16" name="TextBox 15">
-            <a:extLst>
-              <a:ext uri="{FF2B5EF4-FFF2-40B4-BE49-F238E27FC236}">
-                <a16:creationId xmlns:a16="http://schemas.microsoft.com/office/drawing/2014/main" id="{964CFF72-2CF5-5B0C-C585-EA160FFF88C8}"/>
+          <p:cNvPr id="4" name="TextBox 3">
+            <a:extLst>
+              <a:ext uri="{FF2B5EF4-FFF2-40B4-BE49-F238E27FC236}">
+                <a16:creationId xmlns:a16="http://schemas.microsoft.com/office/drawing/2014/main" id="{18E9A566-9B0C-BCE9-40B9-3320313AE6F0}"/>
               </a:ext>
             </a:extLst>
           </p:cNvPr>
@@ -11285,8 +11221,8 @@
         </p:nvSpPr>
         <p:spPr>
           <a:xfrm>
-            <a:off x="1305628" y="7076935"/>
-            <a:ext cx="4818185" cy="1077218"/>
+            <a:off x="152861" y="5636589"/>
+            <a:ext cx="4818185" cy="584775"/>
           </a:xfrm>
           <a:prstGeom prst="rect">
             <a:avLst/>
@@ -11310,7 +11246,7 @@
                 <a:latin typeface="Arial" panose="020B0604020202020204" pitchFamily="34" charset="0"/>
                 <a:cs typeface="Arial" panose="020B0604020202020204" pitchFamily="34" charset="0"/>
               </a:rPr>
-              <a:t>vegan::permutest: p-value ~0.27. Assumption OK.</a:t>
+              <a:t>vegan::permutest: p-value ~0.57. Assumption OK.</a:t>
             </a:r>
           </a:p>
           <a:p>
@@ -11325,19 +11261,23 @@
                 <a:latin typeface="Arial" panose="020B0604020202020204" pitchFamily="34" charset="0"/>
                 <a:cs typeface="Arial" panose="020B0604020202020204" pitchFamily="34" charset="0"/>
               </a:rPr>
-              <a:t>vegan::adonis: p-value 0.05. Groups are borderline different.  But in this, </a:t>
+              <a:t>vegan::adonis: </a:t>
             </a:r>
             <a:r>
               <a:rPr lang="en-US" sz="1600">
                 <a:solidFill>
-                  <a:schemeClr val="accent4">
-                    <a:lumMod val="75000"/>
+                  <a:schemeClr val="tx1">
+                    <a:lumMod val="85000"/>
+                    <a:lumOff val="15000"/>
                   </a:schemeClr>
                 </a:solidFill>
+                <a:highlight>
+                  <a:srgbClr val="FFFF00"/>
+                </a:highlight>
                 <a:latin typeface="Arial" panose="020B0604020202020204" pitchFamily="34" charset="0"/>
                 <a:cs typeface="Arial" panose="020B0604020202020204" pitchFamily="34" charset="0"/>
               </a:rPr>
-              <a:t>Prediabetic</a:t>
+              <a:t>p-value 0.03</a:t>
             </a:r>
             <a:r>
               <a:rPr lang="en-US" sz="1600">
@@ -11350,7 +11290,7 @@
                 <a:latin typeface="Arial" panose="020B0604020202020204" pitchFamily="34" charset="0"/>
                 <a:cs typeface="Arial" panose="020B0604020202020204" pitchFamily="34" charset="0"/>
               </a:rPr>
-              <a:t> looks different from the others. </a:t>
+              <a:t>. Groups are different!  </a:t>
             </a:r>
             <a:endParaRPr lang="en-US" sz="1600" dirty="0">
               <a:solidFill>
@@ -11367,10 +11307,10 @@
       </p:sp>
       <p:pic>
         <p:nvPicPr>
-          <p:cNvPr id="5" name="Picture 4">
-            <a:extLst>
-              <a:ext uri="{FF2B5EF4-FFF2-40B4-BE49-F238E27FC236}">
-                <a16:creationId xmlns:a16="http://schemas.microsoft.com/office/drawing/2014/main" id="{6CF6F53F-A5DC-3ADB-6849-2D2BF83E58EE}"/>
+          <p:cNvPr id="5" name="Picture 4" descr="Chart, diagram&#10;&#10;Description automatically generated">
+            <a:extLst>
+              <a:ext uri="{FF2B5EF4-FFF2-40B4-BE49-F238E27FC236}">
+                <a16:creationId xmlns:a16="http://schemas.microsoft.com/office/drawing/2014/main" id="{3B3066F6-16B6-0417-319F-39B983860955}"/>
               </a:ext>
             </a:extLst>
           </p:cNvPr>
@@ -11380,15 +11320,21 @@
           <p:nvPr/>
         </p:nvPicPr>
         <p:blipFill>
-          <a:blip r:embed="rId4"/>
+          <a:blip r:embed="rId3">
+            <a:extLst>
+              <a:ext uri="{28A0092B-C50C-407E-A947-70E740481C1C}">
+                <a14:useLocalDpi xmlns:a14="http://schemas.microsoft.com/office/drawing/2010/main" val="0"/>
+              </a:ext>
+            </a:extLst>
+          </a:blip>
           <a:stretch>
             <a:fillRect/>
           </a:stretch>
         </p:blipFill>
         <p:spPr>
           <a:xfrm>
-            <a:off x="5017301" y="163685"/>
-            <a:ext cx="3933030" cy="3075295"/>
+            <a:off x="0" y="1814738"/>
+            <a:ext cx="4686306" cy="3682097"/>
           </a:xfrm>
           <a:prstGeom prst="rect">
             <a:avLst/>
@@ -11397,10 +11343,10 @@
       </p:pic>
       <p:pic>
         <p:nvPicPr>
-          <p:cNvPr id="7" name="Picture 6">
-            <a:extLst>
-              <a:ext uri="{FF2B5EF4-FFF2-40B4-BE49-F238E27FC236}">
-                <a16:creationId xmlns:a16="http://schemas.microsoft.com/office/drawing/2014/main" id="{EC3E5D20-70A1-3228-8D69-CADB0A4704BD}"/>
+          <p:cNvPr id="8" name="Picture 7" descr="Chart&#10;&#10;Description automatically generated">
+            <a:extLst>
+              <a:ext uri="{FF2B5EF4-FFF2-40B4-BE49-F238E27FC236}">
+                <a16:creationId xmlns:a16="http://schemas.microsoft.com/office/drawing/2014/main" id="{1573439A-CFED-05AC-936E-120D0E890EE1}"/>
               </a:ext>
             </a:extLst>
           </p:cNvPr>
@@ -11410,15 +11356,57 @@
           <p:nvPr/>
         </p:nvPicPr>
         <p:blipFill>
-          <a:blip r:embed="rId5"/>
+          <a:blip r:embed="rId4">
+            <a:extLst>
+              <a:ext uri="{28A0092B-C50C-407E-A947-70E740481C1C}">
+                <a14:useLocalDpi xmlns:a14="http://schemas.microsoft.com/office/drawing/2010/main" val="0"/>
+              </a:ext>
+            </a:extLst>
+          </a:blip>
           <a:stretch>
             <a:fillRect/>
           </a:stretch>
         </p:blipFill>
         <p:spPr>
           <a:xfrm>
-            <a:off x="8193527" y="163685"/>
-            <a:ext cx="3977522" cy="3073059"/>
+            <a:off x="8157954" y="124793"/>
+            <a:ext cx="4162835" cy="3270799"/>
+          </a:xfrm>
+          <a:prstGeom prst="rect">
+            <a:avLst/>
+          </a:prstGeom>
+        </p:spPr>
+      </p:pic>
+      <p:pic>
+        <p:nvPicPr>
+          <p:cNvPr id="16" name="Picture 15" descr="Chart&#10;&#10;Description automatically generated">
+            <a:extLst>
+              <a:ext uri="{FF2B5EF4-FFF2-40B4-BE49-F238E27FC236}">
+                <a16:creationId xmlns:a16="http://schemas.microsoft.com/office/drawing/2014/main" id="{0B2699D5-0B54-649A-9123-67355D1ECD41}"/>
+              </a:ext>
+            </a:extLst>
+          </p:cNvPr>
+          <p:cNvPicPr>
+            <a:picLocks noChangeAspect="1"/>
+          </p:cNvPicPr>
+          <p:nvPr/>
+        </p:nvPicPr>
+        <p:blipFill>
+          <a:blip r:embed="rId5">
+            <a:extLst>
+              <a:ext uri="{28A0092B-C50C-407E-A947-70E740481C1C}">
+                <a14:useLocalDpi xmlns:a14="http://schemas.microsoft.com/office/drawing/2010/main" val="0"/>
+              </a:ext>
+            </a:extLst>
+          </a:blip>
+          <a:stretch>
+            <a:fillRect/>
+          </a:stretch>
+        </p:blipFill>
+        <p:spPr>
+          <a:xfrm>
+            <a:off x="4805118" y="3462408"/>
+            <a:ext cx="4162835" cy="3270799"/>
           </a:xfrm>
           <a:prstGeom prst="rect">
             <a:avLst/>
@@ -11430,7 +11418,7 @@
           <p:cNvPr id="3" name="Multiplication Sign 2">
             <a:extLst>
               <a:ext uri="{FF2B5EF4-FFF2-40B4-BE49-F238E27FC236}">
-                <a16:creationId xmlns:a16="http://schemas.microsoft.com/office/drawing/2014/main" id="{AEFC09B9-E52F-7F3C-3AC7-5D86C6561136}"/>
+                <a16:creationId xmlns:a16="http://schemas.microsoft.com/office/drawing/2014/main" id="{6E0FDDD7-0740-2F5B-136B-5507594997C7}"/>
               </a:ext>
             </a:extLst>
           </p:cNvPr>
@@ -11504,6 +11492,1081 @@
     </p:spTree>
     <p:extLst>
       <p:ext uri="{BB962C8B-B14F-4D97-AF65-F5344CB8AC3E}">
+        <p14:creationId xmlns:p14="http://schemas.microsoft.com/office/powerpoint/2010/main" val="2907674882"/>
+      </p:ext>
+    </p:extLst>
+  </p:cSld>
+  <p:clrMapOvr>
+    <a:masterClrMapping/>
+  </p:clrMapOvr>
+</p:sld>
+</file>
+
+<file path=ppt/slides/slide24.xml><?xml version="1.0" encoding="utf-8"?>
+<p:sld xmlns:a="http://schemas.openxmlformats.org/drawingml/2006/main" xmlns:r="http://schemas.openxmlformats.org/officeDocument/2006/relationships" xmlns:p="http://schemas.openxmlformats.org/presentationml/2006/main">
+  <p:cSld>
+    <p:spTree>
+      <p:nvGrpSpPr>
+        <p:cNvPr id="1" name=""/>
+        <p:cNvGrpSpPr/>
+        <p:nvPr/>
+      </p:nvGrpSpPr>
+      <p:grpSpPr>
+        <a:xfrm>
+          <a:off x="0" y="0"/>
+          <a:ext cx="0" cy="0"/>
+          <a:chOff x="0" y="0"/>
+          <a:chExt cx="0" cy="0"/>
+        </a:xfrm>
+      </p:grpSpPr>
+      <p:sp>
+        <p:nvSpPr>
+          <p:cNvPr id="2" name="Title 1">
+            <a:extLst>
+              <a:ext uri="{FF2B5EF4-FFF2-40B4-BE49-F238E27FC236}">
+                <a16:creationId xmlns:a16="http://schemas.microsoft.com/office/drawing/2014/main" id="{BC5DFE2C-EC3C-618F-59D2-D97D34FA651B}"/>
+              </a:ext>
+            </a:extLst>
+          </p:cNvPr>
+          <p:cNvSpPr>
+            <a:spLocks noGrp="1"/>
+          </p:cNvSpPr>
+          <p:nvPr>
+            <p:ph type="title"/>
+          </p:nvPr>
+        </p:nvSpPr>
+        <p:spPr>
+          <a:xfrm>
+            <a:off x="375138" y="262843"/>
+            <a:ext cx="4818185" cy="1073588"/>
+          </a:xfrm>
+        </p:spPr>
+        <p:txBody>
+          <a:bodyPr>
+            <a:noAutofit/>
+          </a:bodyPr>
+          <a:lstStyle/>
+          <a:p>
+            <a:r>
+              <a:rPr lang="en-AU" sz="2800"/>
+              <a:t>Male in 60s Lv4 WEIGHTED</a:t>
+            </a:r>
+            <a:endParaRPr lang="en-US" sz="2800" dirty="0"/>
+          </a:p>
+        </p:txBody>
+      </p:sp>
+      <p:sp>
+        <p:nvSpPr>
+          <p:cNvPr id="8" name="TextBox 7">
+            <a:extLst>
+              <a:ext uri="{FF2B5EF4-FFF2-40B4-BE49-F238E27FC236}">
+                <a16:creationId xmlns:a16="http://schemas.microsoft.com/office/drawing/2014/main" id="{3C099445-B8A0-C64E-9D78-D34A43FB110A}"/>
+              </a:ext>
+            </a:extLst>
+          </p:cNvPr>
+          <p:cNvSpPr txBox="1"/>
+          <p:nvPr/>
+        </p:nvSpPr>
+        <p:spPr>
+          <a:xfrm>
+            <a:off x="152714" y="5511194"/>
+            <a:ext cx="4818185" cy="830997"/>
+          </a:xfrm>
+          <a:prstGeom prst="rect">
+            <a:avLst/>
+          </a:prstGeom>
+          <a:noFill/>
+        </p:spPr>
+        <p:txBody>
+          <a:bodyPr wrap="square" rtlCol="0">
+            <a:spAutoFit/>
+          </a:bodyPr>
+          <a:lstStyle/>
+          <a:p>
+            <a:r>
+              <a:rPr lang="en-US" sz="1600">
+                <a:solidFill>
+                  <a:schemeClr val="tx1">
+                    <a:lumMod val="85000"/>
+                    <a:lumOff val="15000"/>
+                  </a:schemeClr>
+                </a:solidFill>
+                <a:latin typeface="Arial" panose="020B0604020202020204" pitchFamily="34" charset="0"/>
+                <a:cs typeface="Arial" panose="020B0604020202020204" pitchFamily="34" charset="0"/>
+              </a:rPr>
+              <a:t>vegan::permutest: p-value ~0.18. Assumption OK.</a:t>
+            </a:r>
+          </a:p>
+          <a:p>
+            <a:r>
+              <a:rPr lang="en-US" sz="1600">
+                <a:solidFill>
+                  <a:schemeClr val="tx1">
+                    <a:lumMod val="85000"/>
+                    <a:lumOff val="15000"/>
+                  </a:schemeClr>
+                </a:solidFill>
+                <a:latin typeface="Arial" panose="020B0604020202020204" pitchFamily="34" charset="0"/>
+                <a:cs typeface="Arial" panose="020B0604020202020204" pitchFamily="34" charset="0"/>
+              </a:rPr>
+              <a:t>vegan::adonis: p-value </a:t>
+            </a:r>
+            <a:r>
+              <a:rPr lang="en-US" sz="1600">
+                <a:solidFill>
+                  <a:schemeClr val="tx1">
+                    <a:lumMod val="85000"/>
+                    <a:lumOff val="15000"/>
+                  </a:schemeClr>
+                </a:solidFill>
+                <a:highlight>
+                  <a:srgbClr val="FFFF00"/>
+                </a:highlight>
+                <a:latin typeface="Arial" panose="020B0604020202020204" pitchFamily="34" charset="0"/>
+                <a:cs typeface="Arial" panose="020B0604020202020204" pitchFamily="34" charset="0"/>
+              </a:rPr>
+              <a:t>0.05</a:t>
+            </a:r>
+            <a:r>
+              <a:rPr lang="en-US" sz="1600">
+                <a:solidFill>
+                  <a:schemeClr val="tx1">
+                    <a:lumMod val="85000"/>
+                    <a:lumOff val="15000"/>
+                  </a:schemeClr>
+                </a:solidFill>
+                <a:latin typeface="Arial" panose="020B0604020202020204" pitchFamily="34" charset="0"/>
+                <a:cs typeface="Arial" panose="020B0604020202020204" pitchFamily="34" charset="0"/>
+              </a:rPr>
+              <a:t>. Groups are borderline different.  </a:t>
+            </a:r>
+            <a:endParaRPr lang="en-US" sz="1600" dirty="0">
+              <a:solidFill>
+                <a:schemeClr val="tx1">
+                  <a:lumMod val="85000"/>
+                  <a:lumOff val="15000"/>
+                </a:schemeClr>
+              </a:solidFill>
+              <a:latin typeface="Arial" panose="020B0604020202020204" pitchFamily="34" charset="0"/>
+              <a:cs typeface="Arial" panose="020B0604020202020204" pitchFamily="34" charset="0"/>
+            </a:endParaRPr>
+          </a:p>
+        </p:txBody>
+      </p:sp>
+      <p:pic>
+        <p:nvPicPr>
+          <p:cNvPr id="6" name="Picture 5">
+            <a:extLst>
+              <a:ext uri="{FF2B5EF4-FFF2-40B4-BE49-F238E27FC236}">
+                <a16:creationId xmlns:a16="http://schemas.microsoft.com/office/drawing/2014/main" id="{68F8A1EF-662B-9D5F-8625-FCAEACE9974D}"/>
+              </a:ext>
+            </a:extLst>
+          </p:cNvPr>
+          <p:cNvPicPr>
+            <a:picLocks noChangeAspect="1"/>
+          </p:cNvPicPr>
+          <p:nvPr/>
+        </p:nvPicPr>
+        <p:blipFill rotWithShape="1">
+          <a:blip r:embed="rId2"/>
+          <a:srcRect t="2521"/>
+          <a:stretch/>
+        </p:blipFill>
+        <p:spPr>
+          <a:xfrm>
+            <a:off x="152714" y="1739899"/>
+            <a:ext cx="4557773" cy="3499366"/>
+          </a:xfrm>
+          <a:prstGeom prst="rect">
+            <a:avLst/>
+          </a:prstGeom>
+        </p:spPr>
+      </p:pic>
+      <p:pic>
+        <p:nvPicPr>
+          <p:cNvPr id="3" name="Picture 2">
+            <a:extLst>
+              <a:ext uri="{FF2B5EF4-FFF2-40B4-BE49-F238E27FC236}">
+                <a16:creationId xmlns:a16="http://schemas.microsoft.com/office/drawing/2014/main" id="{A5E5800D-02C6-AE93-4DCF-DC20B04D72EB}"/>
+              </a:ext>
+            </a:extLst>
+          </p:cNvPr>
+          <p:cNvPicPr>
+            <a:picLocks noChangeAspect="1"/>
+          </p:cNvPicPr>
+          <p:nvPr/>
+        </p:nvPicPr>
+        <p:blipFill>
+          <a:blip r:embed="rId3"/>
+          <a:stretch>
+            <a:fillRect/>
+          </a:stretch>
+        </p:blipFill>
+        <p:spPr>
+          <a:xfrm>
+            <a:off x="4968206" y="107276"/>
+            <a:ext cx="4112988" cy="3211065"/>
+          </a:xfrm>
+          <a:prstGeom prst="rect">
+            <a:avLst/>
+          </a:prstGeom>
+        </p:spPr>
+      </p:pic>
+      <p:pic>
+        <p:nvPicPr>
+          <p:cNvPr id="4" name="Picture 3">
+            <a:extLst>
+              <a:ext uri="{FF2B5EF4-FFF2-40B4-BE49-F238E27FC236}">
+                <a16:creationId xmlns:a16="http://schemas.microsoft.com/office/drawing/2014/main" id="{9E011A30-4451-C51C-B7B8-8B9BD9D49B8C}"/>
+              </a:ext>
+            </a:extLst>
+          </p:cNvPr>
+          <p:cNvPicPr>
+            <a:picLocks noChangeAspect="1"/>
+          </p:cNvPicPr>
+          <p:nvPr/>
+        </p:nvPicPr>
+        <p:blipFill>
+          <a:blip r:embed="rId4"/>
+          <a:stretch>
+            <a:fillRect/>
+          </a:stretch>
+        </p:blipFill>
+        <p:spPr>
+          <a:xfrm>
+            <a:off x="8266976" y="150842"/>
+            <a:ext cx="4134795" cy="3211065"/>
+          </a:xfrm>
+          <a:prstGeom prst="rect">
+            <a:avLst/>
+          </a:prstGeom>
+        </p:spPr>
+      </p:pic>
+      <p:pic>
+        <p:nvPicPr>
+          <p:cNvPr id="7" name="Picture 6">
+            <a:extLst>
+              <a:ext uri="{FF2B5EF4-FFF2-40B4-BE49-F238E27FC236}">
+                <a16:creationId xmlns:a16="http://schemas.microsoft.com/office/drawing/2014/main" id="{23E4F5DD-CD2F-77A7-0F90-29EC943E7516}"/>
+              </a:ext>
+            </a:extLst>
+          </p:cNvPr>
+          <p:cNvPicPr>
+            <a:picLocks noChangeAspect="1"/>
+          </p:cNvPicPr>
+          <p:nvPr/>
+        </p:nvPicPr>
+        <p:blipFill>
+          <a:blip r:embed="rId5"/>
+          <a:stretch>
+            <a:fillRect/>
+          </a:stretch>
+        </p:blipFill>
+        <p:spPr>
+          <a:xfrm>
+            <a:off x="5026109" y="3565742"/>
+            <a:ext cx="4142604" cy="3211066"/>
+          </a:xfrm>
+          <a:prstGeom prst="rect">
+            <a:avLst/>
+          </a:prstGeom>
+        </p:spPr>
+      </p:pic>
+      <p:sp>
+        <p:nvSpPr>
+          <p:cNvPr id="9" name="Rectangle: Rounded Corners 8">
+            <a:extLst>
+              <a:ext uri="{FF2B5EF4-FFF2-40B4-BE49-F238E27FC236}">
+                <a16:creationId xmlns:a16="http://schemas.microsoft.com/office/drawing/2014/main" id="{BEFE743E-F4FA-717E-C87F-425D9D048111}"/>
+              </a:ext>
+            </a:extLst>
+          </p:cNvPr>
+          <p:cNvSpPr/>
+          <p:nvPr/>
+        </p:nvSpPr>
+        <p:spPr>
+          <a:xfrm>
+            <a:off x="9291942" y="3883843"/>
+            <a:ext cx="2642995" cy="905838"/>
+          </a:xfrm>
+          <a:prstGeom prst="roundRect">
+            <a:avLst/>
+          </a:prstGeom>
+          <a:solidFill>
+            <a:schemeClr val="bg1"/>
+          </a:solidFill>
+          <a:ln w="28575">
+            <a:solidFill>
+              <a:schemeClr val="bg1">
+                <a:lumMod val="65000"/>
+              </a:schemeClr>
+            </a:solidFill>
+          </a:ln>
+        </p:spPr>
+        <p:style>
+          <a:lnRef idx="2">
+            <a:schemeClr val="dk1"/>
+          </a:lnRef>
+          <a:fillRef idx="1">
+            <a:schemeClr val="lt1"/>
+          </a:fillRef>
+          <a:effectRef idx="0">
+            <a:schemeClr val="dk1"/>
+          </a:effectRef>
+          <a:fontRef idx="minor">
+            <a:schemeClr val="dk1"/>
+          </a:fontRef>
+        </p:style>
+        <p:txBody>
+          <a:bodyPr rtlCol="0" anchor="ctr"/>
+          <a:lstStyle/>
+          <a:p>
+            <a:pPr algn="ctr"/>
+            <a:r>
+              <a:rPr lang="en-US" sz="1600">
+                <a:latin typeface="Arial" panose="020B0604020202020204" pitchFamily="34" charset="0"/>
+                <a:cs typeface="Arial" panose="020B0604020202020204" pitchFamily="34" charset="0"/>
+              </a:rPr>
+              <a:t>Axes 3&amp;4 biplot and Axes 2&amp;4 biplot separated </a:t>
+            </a:r>
+            <a:r>
+              <a:rPr lang="en-US" sz="1600">
+                <a:solidFill>
+                  <a:srgbClr val="C71585"/>
+                </a:solidFill>
+                <a:latin typeface="Arial" panose="020B0604020202020204" pitchFamily="34" charset="0"/>
+                <a:cs typeface="Arial" panose="020B0604020202020204" pitchFamily="34" charset="0"/>
+              </a:rPr>
+              <a:t>Diabetic</a:t>
+            </a:r>
+            <a:r>
+              <a:rPr lang="en-US" sz="1600">
+                <a:latin typeface="Arial" panose="020B0604020202020204" pitchFamily="34" charset="0"/>
+                <a:cs typeface="Arial" panose="020B0604020202020204" pitchFamily="34" charset="0"/>
+              </a:rPr>
+              <a:t> group</a:t>
+            </a:r>
+            <a:endParaRPr lang="en-US" sz="1600" dirty="0">
+              <a:latin typeface="Arial" panose="020B0604020202020204" pitchFamily="34" charset="0"/>
+              <a:cs typeface="Arial" panose="020B0604020202020204" pitchFamily="34" charset="0"/>
+            </a:endParaRPr>
+          </a:p>
+        </p:txBody>
+      </p:sp>
+      <p:sp>
+        <p:nvSpPr>
+          <p:cNvPr id="14" name="Rectangle: Rounded Corners 13">
+            <a:extLst>
+              <a:ext uri="{FF2B5EF4-FFF2-40B4-BE49-F238E27FC236}">
+                <a16:creationId xmlns:a16="http://schemas.microsoft.com/office/drawing/2014/main" id="{20538D4B-EFBE-25E9-6391-15C12EE8F1FC}"/>
+              </a:ext>
+            </a:extLst>
+          </p:cNvPr>
+          <p:cNvSpPr/>
+          <p:nvPr/>
+        </p:nvSpPr>
+        <p:spPr>
+          <a:xfrm>
+            <a:off x="9291942" y="5593389"/>
+            <a:ext cx="2642995" cy="592175"/>
+          </a:xfrm>
+          <a:prstGeom prst="roundRect">
+            <a:avLst/>
+          </a:prstGeom>
+          <a:solidFill>
+            <a:schemeClr val="bg1"/>
+          </a:solidFill>
+          <a:ln w="28575">
+            <a:solidFill>
+              <a:schemeClr val="bg1">
+                <a:lumMod val="65000"/>
+              </a:schemeClr>
+            </a:solidFill>
+          </a:ln>
+        </p:spPr>
+        <p:style>
+          <a:lnRef idx="2">
+            <a:schemeClr val="dk1"/>
+          </a:lnRef>
+          <a:fillRef idx="1">
+            <a:schemeClr val="lt1"/>
+          </a:fillRef>
+          <a:effectRef idx="0">
+            <a:schemeClr val="dk1"/>
+          </a:effectRef>
+          <a:fontRef idx="minor">
+            <a:schemeClr val="dk1"/>
+          </a:fontRef>
+        </p:style>
+        <p:txBody>
+          <a:bodyPr rtlCol="0" anchor="ctr"/>
+          <a:lstStyle/>
+          <a:p>
+            <a:pPr algn="ctr"/>
+            <a:r>
+              <a:rPr lang="en-US" sz="1600">
+                <a:latin typeface="Arial" panose="020B0604020202020204" pitchFamily="34" charset="0"/>
+                <a:cs typeface="Arial" panose="020B0604020202020204" pitchFamily="34" charset="0"/>
+              </a:rPr>
+              <a:t>Maybe 3D will work…?</a:t>
+            </a:r>
+            <a:endParaRPr lang="en-US" sz="1600" dirty="0">
+              <a:latin typeface="Arial" panose="020B0604020202020204" pitchFamily="34" charset="0"/>
+              <a:cs typeface="Arial" panose="020B0604020202020204" pitchFamily="34" charset="0"/>
+            </a:endParaRPr>
+          </a:p>
+        </p:txBody>
+      </p:sp>
+      <p:sp>
+        <p:nvSpPr>
+          <p:cNvPr id="5" name="Multiplication Sign 4">
+            <a:extLst>
+              <a:ext uri="{FF2B5EF4-FFF2-40B4-BE49-F238E27FC236}">
+                <a16:creationId xmlns:a16="http://schemas.microsoft.com/office/drawing/2014/main" id="{D80DBE2A-D4B4-76B2-A5AE-231A5D4470AD}"/>
+              </a:ext>
+            </a:extLst>
+          </p:cNvPr>
+          <p:cNvSpPr/>
+          <p:nvPr/>
+        </p:nvSpPr>
+        <p:spPr>
+          <a:xfrm>
+            <a:off x="2907563" y="624756"/>
+            <a:ext cx="7339680" cy="5970401"/>
+          </a:xfrm>
+          <a:prstGeom prst="mathMultiply">
+            <a:avLst>
+              <a:gd name="adj1" fmla="val 16528"/>
+            </a:avLst>
+          </a:prstGeom>
+          <a:solidFill>
+            <a:schemeClr val="accent3">
+              <a:lumMod val="60000"/>
+              <a:lumOff val="40000"/>
+            </a:schemeClr>
+          </a:solidFill>
+          <a:ln w="28575">
+            <a:solidFill>
+              <a:schemeClr val="bg1">
+                <a:lumMod val="65000"/>
+              </a:schemeClr>
+            </a:solidFill>
+          </a:ln>
+        </p:spPr>
+        <p:style>
+          <a:lnRef idx="2">
+            <a:schemeClr val="dk1"/>
+          </a:lnRef>
+          <a:fillRef idx="1">
+            <a:schemeClr val="lt1"/>
+          </a:fillRef>
+          <a:effectRef idx="0">
+            <a:schemeClr val="dk1"/>
+          </a:effectRef>
+          <a:fontRef idx="minor">
+            <a:schemeClr val="dk1"/>
+          </a:fontRef>
+        </p:style>
+        <p:txBody>
+          <a:bodyPr rtlCol="0" anchor="ctr"/>
+          <a:lstStyle/>
+          <a:p>
+            <a:pPr algn="l"/>
+            <a:r>
+              <a:rPr lang="en-US" sz="1600">
+                <a:solidFill>
+                  <a:srgbClr val="000000"/>
+                </a:solidFill>
+                <a:latin typeface="Arial" panose="020B0604020202020204" pitchFamily="34" charset="0"/>
+                <a:cs typeface="Arial" panose="020B0604020202020204" pitchFamily="34" charset="0"/>
+              </a:rPr>
+              <a:t>Order of levels of GLU_index is incorrect!!</a:t>
+            </a:r>
+            <a:endParaRPr lang="en-US" sz="1600" i="0" u="none" strike="noStrike">
+              <a:solidFill>
+                <a:srgbClr val="000000"/>
+              </a:solidFill>
+              <a:effectLst/>
+              <a:latin typeface="Arial" panose="020B0604020202020204" pitchFamily="34" charset="0"/>
+              <a:cs typeface="Arial" panose="020B0604020202020204" pitchFamily="34" charset="0"/>
+            </a:endParaRPr>
+          </a:p>
+        </p:txBody>
+      </p:sp>
+    </p:spTree>
+    <p:extLst>
+      <p:ext uri="{BB962C8B-B14F-4D97-AF65-F5344CB8AC3E}">
+        <p14:creationId xmlns:p14="http://schemas.microsoft.com/office/powerpoint/2010/main" val="131091140"/>
+      </p:ext>
+    </p:extLst>
+  </p:cSld>
+  <p:clrMapOvr>
+    <a:masterClrMapping/>
+  </p:clrMapOvr>
+</p:sld>
+</file>
+
+<file path=ppt/slides/slide25.xml><?xml version="1.0" encoding="utf-8"?>
+<p:sld xmlns:a="http://schemas.openxmlformats.org/drawingml/2006/main" xmlns:r="http://schemas.openxmlformats.org/officeDocument/2006/relationships" xmlns:p="http://schemas.openxmlformats.org/presentationml/2006/main">
+  <p:cSld>
+    <p:spTree>
+      <p:nvGrpSpPr>
+        <p:cNvPr id="1" name=""/>
+        <p:cNvGrpSpPr/>
+        <p:nvPr/>
+      </p:nvGrpSpPr>
+      <p:grpSpPr>
+        <a:xfrm>
+          <a:off x="0" y="0"/>
+          <a:ext cx="0" cy="0"/>
+          <a:chOff x="0" y="0"/>
+          <a:chExt cx="0" cy="0"/>
+        </a:xfrm>
+      </p:grpSpPr>
+      <p:sp>
+        <p:nvSpPr>
+          <p:cNvPr id="2" name="Title 1">
+            <a:extLst>
+              <a:ext uri="{FF2B5EF4-FFF2-40B4-BE49-F238E27FC236}">
+                <a16:creationId xmlns:a16="http://schemas.microsoft.com/office/drawing/2014/main" id="{BC5DFE2C-EC3C-618F-59D2-D97D34FA651B}"/>
+              </a:ext>
+            </a:extLst>
+          </p:cNvPr>
+          <p:cNvSpPr>
+            <a:spLocks noGrp="1"/>
+          </p:cNvSpPr>
+          <p:nvPr>
+            <p:ph type="title"/>
+          </p:nvPr>
+        </p:nvSpPr>
+        <p:spPr>
+          <a:xfrm>
+            <a:off x="375138" y="262843"/>
+            <a:ext cx="4818185" cy="1073588"/>
+          </a:xfrm>
+        </p:spPr>
+        <p:txBody>
+          <a:bodyPr>
+            <a:noAutofit/>
+          </a:bodyPr>
+          <a:lstStyle/>
+          <a:p>
+            <a:r>
+              <a:rPr lang="en-AU" sz="2800"/>
+              <a:t>Male in 60s Lv4 </a:t>
+            </a:r>
+            <a:r>
+              <a:rPr lang="en-AU" sz="2400"/>
+              <a:t>UNweighted</a:t>
+            </a:r>
+            <a:endParaRPr lang="en-US" sz="2800" dirty="0"/>
+          </a:p>
+        </p:txBody>
+      </p:sp>
+      <p:sp>
+        <p:nvSpPr>
+          <p:cNvPr id="17" name="Rectangle: Rounded Corners 16">
+            <a:extLst>
+              <a:ext uri="{FF2B5EF4-FFF2-40B4-BE49-F238E27FC236}">
+                <a16:creationId xmlns:a16="http://schemas.microsoft.com/office/drawing/2014/main" id="{43ED01E2-C407-8A50-83DB-7D6E7C1717BF}"/>
+              </a:ext>
+            </a:extLst>
+          </p:cNvPr>
+          <p:cNvSpPr/>
+          <p:nvPr/>
+        </p:nvSpPr>
+        <p:spPr>
+          <a:xfrm>
+            <a:off x="8963880" y="3581365"/>
+            <a:ext cx="2642995" cy="905838"/>
+          </a:xfrm>
+          <a:prstGeom prst="roundRect">
+            <a:avLst/>
+          </a:prstGeom>
+          <a:solidFill>
+            <a:schemeClr val="bg1"/>
+          </a:solidFill>
+          <a:ln w="28575">
+            <a:solidFill>
+              <a:schemeClr val="bg1">
+                <a:lumMod val="65000"/>
+              </a:schemeClr>
+            </a:solidFill>
+          </a:ln>
+        </p:spPr>
+        <p:style>
+          <a:lnRef idx="2">
+            <a:schemeClr val="dk1"/>
+          </a:lnRef>
+          <a:fillRef idx="1">
+            <a:schemeClr val="lt1"/>
+          </a:fillRef>
+          <a:effectRef idx="0">
+            <a:schemeClr val="dk1"/>
+          </a:effectRef>
+          <a:fontRef idx="minor">
+            <a:schemeClr val="dk1"/>
+          </a:fontRef>
+        </p:style>
+        <p:txBody>
+          <a:bodyPr rtlCol="0" anchor="ctr"/>
+          <a:lstStyle/>
+          <a:p>
+            <a:pPr algn="ctr"/>
+            <a:r>
+              <a:rPr lang="en-US" sz="1600">
+                <a:latin typeface="Arial" panose="020B0604020202020204" pitchFamily="34" charset="0"/>
+                <a:cs typeface="Arial" panose="020B0604020202020204" pitchFamily="34" charset="0"/>
+              </a:rPr>
+              <a:t>Axes 2&amp;4 biplot separated </a:t>
+            </a:r>
+            <a:r>
+              <a:rPr lang="en-US" sz="1600">
+                <a:solidFill>
+                  <a:schemeClr val="accent5">
+                    <a:lumMod val="75000"/>
+                  </a:schemeClr>
+                </a:solidFill>
+                <a:latin typeface="Arial" panose="020B0604020202020204" pitchFamily="34" charset="0"/>
+                <a:cs typeface="Arial" panose="020B0604020202020204" pitchFamily="34" charset="0"/>
+              </a:rPr>
+              <a:t>Normal </a:t>
+            </a:r>
+            <a:r>
+              <a:rPr lang="en-US" sz="1600">
+                <a:latin typeface="Arial" panose="020B0604020202020204" pitchFamily="34" charset="0"/>
+                <a:cs typeface="Arial" panose="020B0604020202020204" pitchFamily="34" charset="0"/>
+              </a:rPr>
+              <a:t>group</a:t>
+            </a:r>
+            <a:endParaRPr lang="en-US" sz="1600" dirty="0">
+              <a:latin typeface="Arial" panose="020B0604020202020204" pitchFamily="34" charset="0"/>
+              <a:cs typeface="Arial" panose="020B0604020202020204" pitchFamily="34" charset="0"/>
+            </a:endParaRPr>
+          </a:p>
+        </p:txBody>
+      </p:sp>
+      <p:sp>
+        <p:nvSpPr>
+          <p:cNvPr id="19" name="Rectangle: Rounded Corners 18">
+            <a:extLst>
+              <a:ext uri="{FF2B5EF4-FFF2-40B4-BE49-F238E27FC236}">
+                <a16:creationId xmlns:a16="http://schemas.microsoft.com/office/drawing/2014/main" id="{7E92DB2C-B1FE-77A3-5B6A-C9F0331AAE2F}"/>
+              </a:ext>
+            </a:extLst>
+          </p:cNvPr>
+          <p:cNvSpPr/>
+          <p:nvPr/>
+        </p:nvSpPr>
+        <p:spPr>
+          <a:xfrm>
+            <a:off x="375138" y="5774649"/>
+            <a:ext cx="2642995" cy="683071"/>
+          </a:xfrm>
+          <a:prstGeom prst="roundRect">
+            <a:avLst/>
+          </a:prstGeom>
+          <a:solidFill>
+            <a:schemeClr val="bg1"/>
+          </a:solidFill>
+          <a:ln w="28575">
+            <a:solidFill>
+              <a:schemeClr val="bg1">
+                <a:lumMod val="65000"/>
+              </a:schemeClr>
+            </a:solidFill>
+          </a:ln>
+        </p:spPr>
+        <p:style>
+          <a:lnRef idx="2">
+            <a:schemeClr val="dk1"/>
+          </a:lnRef>
+          <a:fillRef idx="1">
+            <a:schemeClr val="lt1"/>
+          </a:fillRef>
+          <a:effectRef idx="0">
+            <a:schemeClr val="dk1"/>
+          </a:effectRef>
+          <a:fontRef idx="minor">
+            <a:schemeClr val="dk1"/>
+          </a:fontRef>
+        </p:style>
+        <p:txBody>
+          <a:bodyPr rtlCol="0" anchor="ctr"/>
+          <a:lstStyle/>
+          <a:p>
+            <a:pPr algn="ctr"/>
+            <a:r>
+              <a:rPr lang="en-US" sz="1600">
+                <a:latin typeface="Arial" panose="020B0604020202020204" pitchFamily="34" charset="0"/>
+                <a:cs typeface="Arial" panose="020B0604020202020204" pitchFamily="34" charset="0"/>
+              </a:rPr>
+              <a:t>Unweighted is presence or absence.</a:t>
+            </a:r>
+            <a:endParaRPr lang="en-US" sz="1600" dirty="0">
+              <a:latin typeface="Arial" panose="020B0604020202020204" pitchFamily="34" charset="0"/>
+              <a:cs typeface="Arial" panose="020B0604020202020204" pitchFamily="34" charset="0"/>
+            </a:endParaRPr>
+          </a:p>
+        </p:txBody>
+      </p:sp>
+      <p:pic>
+        <p:nvPicPr>
+          <p:cNvPr id="10" name="Picture 9">
+            <a:extLst>
+              <a:ext uri="{FF2B5EF4-FFF2-40B4-BE49-F238E27FC236}">
+                <a16:creationId xmlns:a16="http://schemas.microsoft.com/office/drawing/2014/main" id="{E21BA5EA-6CE9-9A58-8D93-C0CE7AD45493}"/>
+              </a:ext>
+            </a:extLst>
+          </p:cNvPr>
+          <p:cNvPicPr>
+            <a:picLocks noChangeAspect="1"/>
+          </p:cNvPicPr>
+          <p:nvPr/>
+        </p:nvPicPr>
+        <p:blipFill>
+          <a:blip r:embed="rId2"/>
+          <a:stretch>
+            <a:fillRect/>
+          </a:stretch>
+        </p:blipFill>
+        <p:spPr>
+          <a:xfrm>
+            <a:off x="5003753" y="3461475"/>
+            <a:ext cx="3960127" cy="3073059"/>
+          </a:xfrm>
+          <a:prstGeom prst="rect">
+            <a:avLst/>
+          </a:prstGeom>
+        </p:spPr>
+      </p:pic>
+      <p:sp>
+        <p:nvSpPr>
+          <p:cNvPr id="11" name="Rectangle: Rounded Corners 10">
+            <a:extLst>
+              <a:ext uri="{FF2B5EF4-FFF2-40B4-BE49-F238E27FC236}">
+                <a16:creationId xmlns:a16="http://schemas.microsoft.com/office/drawing/2014/main" id="{21075C0E-E59B-F810-95C5-5AC6B1A45AB1}"/>
+              </a:ext>
+            </a:extLst>
+          </p:cNvPr>
+          <p:cNvSpPr/>
+          <p:nvPr/>
+        </p:nvSpPr>
+        <p:spPr>
+          <a:xfrm>
+            <a:off x="8860791" y="5440030"/>
+            <a:ext cx="2642995" cy="1017690"/>
+          </a:xfrm>
+          <a:prstGeom prst="roundRect">
+            <a:avLst/>
+          </a:prstGeom>
+          <a:solidFill>
+            <a:schemeClr val="bg1"/>
+          </a:solidFill>
+          <a:ln w="28575">
+            <a:solidFill>
+              <a:schemeClr val="bg1">
+                <a:lumMod val="65000"/>
+              </a:schemeClr>
+            </a:solidFill>
+          </a:ln>
+        </p:spPr>
+        <p:style>
+          <a:lnRef idx="2">
+            <a:schemeClr val="dk1"/>
+          </a:lnRef>
+          <a:fillRef idx="1">
+            <a:schemeClr val="lt1"/>
+          </a:fillRef>
+          <a:effectRef idx="0">
+            <a:schemeClr val="dk1"/>
+          </a:effectRef>
+          <a:fontRef idx="minor">
+            <a:schemeClr val="dk1"/>
+          </a:fontRef>
+        </p:style>
+        <p:txBody>
+          <a:bodyPr rtlCol="0" anchor="ctr"/>
+          <a:lstStyle/>
+          <a:p>
+            <a:pPr algn="ctr"/>
+            <a:r>
+              <a:rPr lang="en-US" sz="1600">
+                <a:latin typeface="Arial" panose="020B0604020202020204" pitchFamily="34" charset="0"/>
+                <a:cs typeface="Arial" panose="020B0604020202020204" pitchFamily="34" charset="0"/>
+              </a:rPr>
+              <a:t>For both weighted and unweighted, Axes 2&amp;4 separated groups.</a:t>
+            </a:r>
+            <a:endParaRPr lang="en-US" sz="1600" dirty="0">
+              <a:latin typeface="Arial" panose="020B0604020202020204" pitchFamily="34" charset="0"/>
+              <a:cs typeface="Arial" panose="020B0604020202020204" pitchFamily="34" charset="0"/>
+            </a:endParaRPr>
+          </a:p>
+        </p:txBody>
+      </p:sp>
+      <p:pic>
+        <p:nvPicPr>
+          <p:cNvPr id="14" name="Picture 13">
+            <a:extLst>
+              <a:ext uri="{FF2B5EF4-FFF2-40B4-BE49-F238E27FC236}">
+                <a16:creationId xmlns:a16="http://schemas.microsoft.com/office/drawing/2014/main" id="{96D6D7D1-4924-419A-CD2A-5C5F0B57F0B4}"/>
+              </a:ext>
+            </a:extLst>
+          </p:cNvPr>
+          <p:cNvPicPr>
+            <a:picLocks noChangeAspect="1"/>
+          </p:cNvPicPr>
+          <p:nvPr/>
+        </p:nvPicPr>
+        <p:blipFill>
+          <a:blip r:embed="rId3"/>
+          <a:stretch>
+            <a:fillRect/>
+          </a:stretch>
+        </p:blipFill>
+        <p:spPr>
+          <a:xfrm>
+            <a:off x="190076" y="1863356"/>
+            <a:ext cx="4489015" cy="3503839"/>
+          </a:xfrm>
+          <a:prstGeom prst="rect">
+            <a:avLst/>
+          </a:prstGeom>
+        </p:spPr>
+      </p:pic>
+      <p:sp>
+        <p:nvSpPr>
+          <p:cNvPr id="16" name="TextBox 15">
+            <a:extLst>
+              <a:ext uri="{FF2B5EF4-FFF2-40B4-BE49-F238E27FC236}">
+                <a16:creationId xmlns:a16="http://schemas.microsoft.com/office/drawing/2014/main" id="{964CFF72-2CF5-5B0C-C585-EA160FFF88C8}"/>
+              </a:ext>
+            </a:extLst>
+          </p:cNvPr>
+          <p:cNvSpPr txBox="1"/>
+          <p:nvPr/>
+        </p:nvSpPr>
+        <p:spPr>
+          <a:xfrm>
+            <a:off x="1305628" y="7076935"/>
+            <a:ext cx="4818185" cy="1077218"/>
+          </a:xfrm>
+          <a:prstGeom prst="rect">
+            <a:avLst/>
+          </a:prstGeom>
+          <a:noFill/>
+        </p:spPr>
+        <p:txBody>
+          <a:bodyPr wrap="square" rtlCol="0">
+            <a:spAutoFit/>
+          </a:bodyPr>
+          <a:lstStyle/>
+          <a:p>
+            <a:r>
+              <a:rPr lang="en-US" sz="1600">
+                <a:solidFill>
+                  <a:schemeClr val="tx1">
+                    <a:lumMod val="85000"/>
+                    <a:lumOff val="15000"/>
+                  </a:schemeClr>
+                </a:solidFill>
+                <a:latin typeface="Arial" panose="020B0604020202020204" pitchFamily="34" charset="0"/>
+                <a:cs typeface="Arial" panose="020B0604020202020204" pitchFamily="34" charset="0"/>
+              </a:rPr>
+              <a:t>vegan::permutest: p-value ~0.27. Assumption OK.</a:t>
+            </a:r>
+          </a:p>
+          <a:p>
+            <a:r>
+              <a:rPr lang="en-US" sz="1600">
+                <a:solidFill>
+                  <a:schemeClr val="tx1">
+                    <a:lumMod val="85000"/>
+                    <a:lumOff val="15000"/>
+                  </a:schemeClr>
+                </a:solidFill>
+                <a:latin typeface="Arial" panose="020B0604020202020204" pitchFamily="34" charset="0"/>
+                <a:cs typeface="Arial" panose="020B0604020202020204" pitchFamily="34" charset="0"/>
+              </a:rPr>
+              <a:t>vegan::adonis: p-value 0.05. Groups are borderline different.  But in this, </a:t>
+            </a:r>
+            <a:r>
+              <a:rPr lang="en-US" sz="1600">
+                <a:solidFill>
+                  <a:schemeClr val="accent4">
+                    <a:lumMod val="75000"/>
+                  </a:schemeClr>
+                </a:solidFill>
+                <a:latin typeface="Arial" panose="020B0604020202020204" pitchFamily="34" charset="0"/>
+                <a:cs typeface="Arial" panose="020B0604020202020204" pitchFamily="34" charset="0"/>
+              </a:rPr>
+              <a:t>Prediabetic</a:t>
+            </a:r>
+            <a:r>
+              <a:rPr lang="en-US" sz="1600">
+                <a:solidFill>
+                  <a:schemeClr val="tx1">
+                    <a:lumMod val="85000"/>
+                    <a:lumOff val="15000"/>
+                  </a:schemeClr>
+                </a:solidFill>
+                <a:latin typeface="Arial" panose="020B0604020202020204" pitchFamily="34" charset="0"/>
+                <a:cs typeface="Arial" panose="020B0604020202020204" pitchFamily="34" charset="0"/>
+              </a:rPr>
+              <a:t> looks different from the others. </a:t>
+            </a:r>
+            <a:endParaRPr lang="en-US" sz="1600" dirty="0">
+              <a:solidFill>
+                <a:schemeClr val="tx1">
+                  <a:lumMod val="85000"/>
+                  <a:lumOff val="15000"/>
+                </a:schemeClr>
+              </a:solidFill>
+              <a:latin typeface="Arial" panose="020B0604020202020204" pitchFamily="34" charset="0"/>
+              <a:cs typeface="Arial" panose="020B0604020202020204" pitchFamily="34" charset="0"/>
+            </a:endParaRPr>
+          </a:p>
+        </p:txBody>
+      </p:sp>
+      <p:pic>
+        <p:nvPicPr>
+          <p:cNvPr id="5" name="Picture 4">
+            <a:extLst>
+              <a:ext uri="{FF2B5EF4-FFF2-40B4-BE49-F238E27FC236}">
+                <a16:creationId xmlns:a16="http://schemas.microsoft.com/office/drawing/2014/main" id="{6CF6F53F-A5DC-3ADB-6849-2D2BF83E58EE}"/>
+              </a:ext>
+            </a:extLst>
+          </p:cNvPr>
+          <p:cNvPicPr>
+            <a:picLocks noChangeAspect="1"/>
+          </p:cNvPicPr>
+          <p:nvPr/>
+        </p:nvPicPr>
+        <p:blipFill>
+          <a:blip r:embed="rId4"/>
+          <a:stretch>
+            <a:fillRect/>
+          </a:stretch>
+        </p:blipFill>
+        <p:spPr>
+          <a:xfrm>
+            <a:off x="5017301" y="163685"/>
+            <a:ext cx="3933030" cy="3075295"/>
+          </a:xfrm>
+          <a:prstGeom prst="rect">
+            <a:avLst/>
+          </a:prstGeom>
+        </p:spPr>
+      </p:pic>
+      <p:pic>
+        <p:nvPicPr>
+          <p:cNvPr id="7" name="Picture 6">
+            <a:extLst>
+              <a:ext uri="{FF2B5EF4-FFF2-40B4-BE49-F238E27FC236}">
+                <a16:creationId xmlns:a16="http://schemas.microsoft.com/office/drawing/2014/main" id="{EC3E5D20-70A1-3228-8D69-CADB0A4704BD}"/>
+              </a:ext>
+            </a:extLst>
+          </p:cNvPr>
+          <p:cNvPicPr>
+            <a:picLocks noChangeAspect="1"/>
+          </p:cNvPicPr>
+          <p:nvPr/>
+        </p:nvPicPr>
+        <p:blipFill>
+          <a:blip r:embed="rId5"/>
+          <a:stretch>
+            <a:fillRect/>
+          </a:stretch>
+        </p:blipFill>
+        <p:spPr>
+          <a:xfrm>
+            <a:off x="8193527" y="163685"/>
+            <a:ext cx="3977522" cy="3073059"/>
+          </a:xfrm>
+          <a:prstGeom prst="rect">
+            <a:avLst/>
+          </a:prstGeom>
+        </p:spPr>
+      </p:pic>
+      <p:sp>
+        <p:nvSpPr>
+          <p:cNvPr id="3" name="Multiplication Sign 2">
+            <a:extLst>
+              <a:ext uri="{FF2B5EF4-FFF2-40B4-BE49-F238E27FC236}">
+                <a16:creationId xmlns:a16="http://schemas.microsoft.com/office/drawing/2014/main" id="{AEFC09B9-E52F-7F3C-3AC7-5D86C6561136}"/>
+              </a:ext>
+            </a:extLst>
+          </p:cNvPr>
+          <p:cNvSpPr/>
+          <p:nvPr/>
+        </p:nvSpPr>
+        <p:spPr>
+          <a:xfrm>
+            <a:off x="2907563" y="624756"/>
+            <a:ext cx="7339680" cy="5970401"/>
+          </a:xfrm>
+          <a:prstGeom prst="mathMultiply">
+            <a:avLst>
+              <a:gd name="adj1" fmla="val 16528"/>
+            </a:avLst>
+          </a:prstGeom>
+          <a:solidFill>
+            <a:schemeClr val="accent3">
+              <a:lumMod val="60000"/>
+              <a:lumOff val="40000"/>
+            </a:schemeClr>
+          </a:solidFill>
+          <a:ln w="28575">
+            <a:solidFill>
+              <a:schemeClr val="bg1">
+                <a:lumMod val="65000"/>
+              </a:schemeClr>
+            </a:solidFill>
+          </a:ln>
+        </p:spPr>
+        <p:style>
+          <a:lnRef idx="2">
+            <a:schemeClr val="dk1"/>
+          </a:lnRef>
+          <a:fillRef idx="1">
+            <a:schemeClr val="lt1"/>
+          </a:fillRef>
+          <a:effectRef idx="0">
+            <a:schemeClr val="dk1"/>
+          </a:effectRef>
+          <a:fontRef idx="minor">
+            <a:schemeClr val="dk1"/>
+          </a:fontRef>
+        </p:style>
+        <p:txBody>
+          <a:bodyPr rtlCol="0" anchor="ctr"/>
+          <a:lstStyle/>
+          <a:p>
+            <a:pPr algn="l"/>
+            <a:r>
+              <a:rPr lang="en-US" sz="1600">
+                <a:solidFill>
+                  <a:srgbClr val="000000"/>
+                </a:solidFill>
+                <a:latin typeface="Arial" panose="020B0604020202020204" pitchFamily="34" charset="0"/>
+                <a:cs typeface="Arial" panose="020B0604020202020204" pitchFamily="34" charset="0"/>
+              </a:rPr>
+              <a:t>Order of levels of GLU_index is incorrect!!</a:t>
+            </a:r>
+            <a:endParaRPr lang="en-US" sz="1600" i="0" u="none" strike="noStrike">
+              <a:solidFill>
+                <a:srgbClr val="000000"/>
+              </a:solidFill>
+              <a:effectLst/>
+              <a:latin typeface="Arial" panose="020B0604020202020204" pitchFamily="34" charset="0"/>
+              <a:cs typeface="Arial" panose="020B0604020202020204" pitchFamily="34" charset="0"/>
+            </a:endParaRPr>
+          </a:p>
+        </p:txBody>
+      </p:sp>
+    </p:spTree>
+    <p:extLst>
+      <p:ext uri="{BB962C8B-B14F-4D97-AF65-F5344CB8AC3E}">
         <p14:creationId xmlns:p14="http://schemas.microsoft.com/office/powerpoint/2010/main" val="3780648138"/>
       </p:ext>
     </p:extLst>
@@ -11514,7 +12577,7 @@
 </p:sld>
 </file>
 
-<file path=ppt/slides/slide24.xml><?xml version="1.0" encoding="utf-8"?>
+<file path=ppt/slides/slide26.xml><?xml version="1.0" encoding="utf-8"?>
 <p:sld xmlns:a="http://schemas.openxmlformats.org/drawingml/2006/main" xmlns:r="http://schemas.openxmlformats.org/officeDocument/2006/relationships" xmlns:p="http://schemas.openxmlformats.org/presentationml/2006/main">
   <p:cSld>
     <p:spTree>
@@ -12004,443 +13067,6 @@
 </p:sld>
 </file>
 
-<file path=ppt/slides/slide25.xml><?xml version="1.0" encoding="utf-8"?>
-<p:sld xmlns:a="http://schemas.openxmlformats.org/drawingml/2006/main" xmlns:r="http://schemas.openxmlformats.org/officeDocument/2006/relationships" xmlns:p="http://schemas.openxmlformats.org/presentationml/2006/main">
-  <p:cSld>
-    <p:spTree>
-      <p:nvGrpSpPr>
-        <p:cNvPr id="1" name=""/>
-        <p:cNvGrpSpPr/>
-        <p:nvPr/>
-      </p:nvGrpSpPr>
-      <p:grpSpPr>
-        <a:xfrm>
-          <a:off x="0" y="0"/>
-          <a:ext cx="0" cy="0"/>
-          <a:chOff x="0" y="0"/>
-          <a:chExt cx="0" cy="0"/>
-        </a:xfrm>
-      </p:grpSpPr>
-      <p:sp>
-        <p:nvSpPr>
-          <p:cNvPr id="2" name="Title 1">
-            <a:extLst>
-              <a:ext uri="{FF2B5EF4-FFF2-40B4-BE49-F238E27FC236}">
-                <a16:creationId xmlns:a16="http://schemas.microsoft.com/office/drawing/2014/main" id="{BC5DFE2C-EC3C-618F-59D2-D97D34FA651B}"/>
-              </a:ext>
-            </a:extLst>
-          </p:cNvPr>
-          <p:cNvSpPr>
-            <a:spLocks noGrp="1"/>
-          </p:cNvSpPr>
-          <p:nvPr>
-            <p:ph type="title"/>
-          </p:nvPr>
-        </p:nvSpPr>
-        <p:spPr>
-          <a:xfrm>
-            <a:off x="375138" y="262843"/>
-            <a:ext cx="4818185" cy="1073588"/>
-          </a:xfrm>
-        </p:spPr>
-        <p:txBody>
-          <a:bodyPr>
-            <a:noAutofit/>
-          </a:bodyPr>
-          <a:lstStyle/>
-          <a:p>
-            <a:r>
-              <a:rPr lang="en-AU" sz="2800"/>
-              <a:t>Males in 60s Lv4 and Lv5</a:t>
-            </a:r>
-            <a:endParaRPr lang="en-US" sz="2800" dirty="0"/>
-          </a:p>
-        </p:txBody>
-      </p:sp>
-      <p:sp>
-        <p:nvSpPr>
-          <p:cNvPr id="3" name="TextBox 2">
-            <a:extLst>
-              <a:ext uri="{FF2B5EF4-FFF2-40B4-BE49-F238E27FC236}">
-                <a16:creationId xmlns:a16="http://schemas.microsoft.com/office/drawing/2014/main" id="{377B8C57-DF27-E4A7-7428-2CEA5F73D54C}"/>
-              </a:ext>
-            </a:extLst>
-          </p:cNvPr>
-          <p:cNvSpPr txBox="1"/>
-          <p:nvPr/>
-        </p:nvSpPr>
-        <p:spPr>
-          <a:xfrm>
-            <a:off x="2540000" y="2151727"/>
-            <a:ext cx="6819899" cy="2554545"/>
-          </a:xfrm>
-          <a:prstGeom prst="rect">
-            <a:avLst/>
-          </a:prstGeom>
-          <a:solidFill>
-            <a:schemeClr val="bg2">
-              <a:lumMod val="40000"/>
-              <a:lumOff val="60000"/>
-            </a:schemeClr>
-          </a:solidFill>
-        </p:spPr>
-        <p:txBody>
-          <a:bodyPr wrap="square" rtlCol="0">
-            <a:spAutoFit/>
-          </a:bodyPr>
-          <a:lstStyle/>
-          <a:p>
-            <a:r>
-              <a:rPr lang="en-US" sz="2000">
-                <a:solidFill>
-                  <a:schemeClr val="tx1">
-                    <a:lumMod val="85000"/>
-                    <a:lumOff val="15000"/>
-                  </a:schemeClr>
-                </a:solidFill>
-                <a:latin typeface="Arial" panose="020B0604020202020204" pitchFamily="34" charset="0"/>
-                <a:cs typeface="Arial" panose="020B0604020202020204" pitchFamily="34" charset="0"/>
-              </a:rPr>
-              <a:t>Ordination results are influenced by </a:t>
-            </a:r>
-          </a:p>
-          <a:p>
-            <a:r>
-              <a:rPr lang="en-US" sz="2000">
-                <a:solidFill>
-                  <a:schemeClr val="tx1">
-                    <a:lumMod val="85000"/>
-                    <a:lumOff val="15000"/>
-                  </a:schemeClr>
-                </a:solidFill>
-                <a:latin typeface="Arial" panose="020B0604020202020204" pitchFamily="34" charset="0"/>
-                <a:cs typeface="Arial" panose="020B0604020202020204" pitchFamily="34" charset="0"/>
-              </a:rPr>
-              <a:t>- food tree level and </a:t>
-            </a:r>
-          </a:p>
-          <a:p>
-            <a:r>
-              <a:rPr lang="en-US" sz="2000">
-                <a:solidFill>
-                  <a:schemeClr val="tx1">
-                    <a:lumMod val="85000"/>
-                    <a:lumOff val="15000"/>
-                  </a:schemeClr>
-                </a:solidFill>
-                <a:latin typeface="Arial" panose="020B0604020202020204" pitchFamily="34" charset="0"/>
-                <a:cs typeface="Arial" panose="020B0604020202020204" pitchFamily="34" charset="0"/>
-              </a:rPr>
-              <a:t>- whether weighted or unweighted unifrac distance</a:t>
-            </a:r>
-          </a:p>
-          <a:p>
-            <a:r>
-              <a:rPr lang="en-US" sz="2000">
-                <a:solidFill>
-                  <a:schemeClr val="tx1">
-                    <a:lumMod val="85000"/>
-                    <a:lumOff val="15000"/>
-                  </a:schemeClr>
-                </a:solidFill>
-                <a:latin typeface="Arial" panose="020B0604020202020204" pitchFamily="34" charset="0"/>
-                <a:cs typeface="Arial" panose="020B0604020202020204" pitchFamily="34" charset="0"/>
-              </a:rPr>
-              <a:t>is used.</a:t>
-            </a:r>
-          </a:p>
-          <a:p>
-            <a:endParaRPr lang="en-US" sz="2000">
-              <a:solidFill>
-                <a:schemeClr val="tx1">
-                  <a:lumMod val="85000"/>
-                  <a:lumOff val="15000"/>
-                </a:schemeClr>
-              </a:solidFill>
-              <a:latin typeface="Arial" panose="020B0604020202020204" pitchFamily="34" charset="0"/>
-              <a:cs typeface="Arial" panose="020B0604020202020204" pitchFamily="34" charset="0"/>
-            </a:endParaRPr>
-          </a:p>
-          <a:p>
-            <a:r>
-              <a:rPr lang="en-US" sz="2000">
-                <a:solidFill>
-                  <a:schemeClr val="tx1">
-                    <a:lumMod val="85000"/>
-                    <a:lumOff val="15000"/>
-                  </a:schemeClr>
-                </a:solidFill>
-                <a:latin typeface="Arial" panose="020B0604020202020204" pitchFamily="34" charset="0"/>
-                <a:cs typeface="Arial" panose="020B0604020202020204" pitchFamily="34" charset="0"/>
-              </a:rPr>
-              <a:t>But at level 4 and level 5, the three GLU index groups are almost different, while their dispersions are not different. </a:t>
-            </a:r>
-          </a:p>
-          <a:p>
-            <a:endParaRPr lang="en-US" sz="2000" dirty="0">
-              <a:solidFill>
-                <a:schemeClr val="tx1">
-                  <a:lumMod val="85000"/>
-                  <a:lumOff val="15000"/>
-                </a:schemeClr>
-              </a:solidFill>
-              <a:latin typeface="Arial" panose="020B0604020202020204" pitchFamily="34" charset="0"/>
-              <a:cs typeface="Arial" panose="020B0604020202020204" pitchFamily="34" charset="0"/>
-            </a:endParaRPr>
-          </a:p>
-        </p:txBody>
-      </p:sp>
-    </p:spTree>
-    <p:extLst>
-      <p:ext uri="{BB962C8B-B14F-4D97-AF65-F5344CB8AC3E}">
-        <p14:creationId xmlns:p14="http://schemas.microsoft.com/office/powerpoint/2010/main" val="4075591777"/>
-      </p:ext>
-    </p:extLst>
-  </p:cSld>
-  <p:clrMapOvr>
-    <a:masterClrMapping/>
-  </p:clrMapOvr>
-</p:sld>
-</file>
-
-<file path=ppt/slides/slide26.xml><?xml version="1.0" encoding="utf-8"?>
-<p:sld xmlns:a="http://schemas.openxmlformats.org/drawingml/2006/main" xmlns:r="http://schemas.openxmlformats.org/officeDocument/2006/relationships" xmlns:p="http://schemas.openxmlformats.org/presentationml/2006/main">
-  <p:cSld>
-    <p:spTree>
-      <p:nvGrpSpPr>
-        <p:cNvPr id="1" name=""/>
-        <p:cNvGrpSpPr/>
-        <p:nvPr/>
-      </p:nvGrpSpPr>
-      <p:grpSpPr>
-        <a:xfrm>
-          <a:off x="0" y="0"/>
-          <a:ext cx="0" cy="0"/>
-          <a:chOff x="0" y="0"/>
-          <a:chExt cx="0" cy="0"/>
-        </a:xfrm>
-      </p:grpSpPr>
-      <p:sp>
-        <p:nvSpPr>
-          <p:cNvPr id="2" name="Title 1">
-            <a:extLst>
-              <a:ext uri="{FF2B5EF4-FFF2-40B4-BE49-F238E27FC236}">
-                <a16:creationId xmlns:a16="http://schemas.microsoft.com/office/drawing/2014/main" id="{BC5DFE2C-EC3C-618F-59D2-D97D34FA651B}"/>
-              </a:ext>
-            </a:extLst>
-          </p:cNvPr>
-          <p:cNvSpPr>
-            <a:spLocks noGrp="1"/>
-          </p:cNvSpPr>
-          <p:nvPr>
-            <p:ph type="title"/>
-          </p:nvPr>
-        </p:nvSpPr>
-        <p:spPr>
-          <a:xfrm>
-            <a:off x="375138" y="262843"/>
-            <a:ext cx="4818185" cy="1073588"/>
-          </a:xfrm>
-        </p:spPr>
-        <p:txBody>
-          <a:bodyPr>
-            <a:noAutofit/>
-          </a:bodyPr>
-          <a:lstStyle/>
-          <a:p>
-            <a:r>
-              <a:rPr lang="en-AU" sz="2800"/>
-              <a:t>Males in 60s Lv6</a:t>
-            </a:r>
-            <a:endParaRPr lang="en-US" sz="2800" dirty="0"/>
-          </a:p>
-        </p:txBody>
-      </p:sp>
-      <p:sp>
-        <p:nvSpPr>
-          <p:cNvPr id="20" name="TextBox 19">
-            <a:extLst>
-              <a:ext uri="{FF2B5EF4-FFF2-40B4-BE49-F238E27FC236}">
-                <a16:creationId xmlns:a16="http://schemas.microsoft.com/office/drawing/2014/main" id="{15F8D50E-2657-9163-D347-4C4A1137F739}"/>
-              </a:ext>
-            </a:extLst>
-          </p:cNvPr>
-          <p:cNvSpPr txBox="1"/>
-          <p:nvPr/>
-        </p:nvSpPr>
-        <p:spPr>
-          <a:xfrm>
-            <a:off x="375138" y="1573013"/>
-            <a:ext cx="11441724" cy="1569660"/>
-          </a:xfrm>
-          <a:prstGeom prst="rect">
-            <a:avLst/>
-          </a:prstGeom>
-          <a:noFill/>
-        </p:spPr>
-        <p:txBody>
-          <a:bodyPr wrap="square" rtlCol="0">
-            <a:spAutoFit/>
-          </a:bodyPr>
-          <a:lstStyle/>
-          <a:p>
-            <a:r>
-              <a:rPr lang="en-US" sz="1600">
-                <a:solidFill>
-                  <a:schemeClr val="tx1">
-                    <a:lumMod val="85000"/>
-                    <a:lumOff val="15000"/>
-                  </a:schemeClr>
-                </a:solidFill>
-                <a:latin typeface="Consolas" panose="020B0609020204030204" pitchFamily="49" charset="0"/>
-                <a:cs typeface="Arial" panose="020B0604020202020204" pitchFamily="34" charset="0"/>
-              </a:rPr>
-              <a:t>ordinated_w &lt;- phyloseq::ordinate(phyfoods, method="PCoA", distance="unifrac", weighted=TRUE) </a:t>
-            </a:r>
-          </a:p>
-          <a:p>
-            <a:r>
-              <a:rPr lang="en-US" sz="1600">
-                <a:solidFill>
-                  <a:schemeClr val="tx1">
-                    <a:lumMod val="85000"/>
-                    <a:lumOff val="15000"/>
-                  </a:schemeClr>
-                </a:solidFill>
-                <a:latin typeface="Consolas" panose="020B0609020204030204" pitchFamily="49" charset="0"/>
-                <a:cs typeface="Arial" panose="020B0604020202020204" pitchFamily="34" charset="0"/>
-              </a:rPr>
-              <a:t># GIVES ERROR...</a:t>
-            </a:r>
-          </a:p>
-          <a:p>
-            <a:endParaRPr lang="en-US" sz="1600">
-              <a:solidFill>
-                <a:schemeClr val="tx1">
-                  <a:lumMod val="85000"/>
-                  <a:lumOff val="15000"/>
-                </a:schemeClr>
-              </a:solidFill>
-              <a:latin typeface="Consolas" panose="020B0609020204030204" pitchFamily="49" charset="0"/>
-              <a:cs typeface="Arial" panose="020B0604020202020204" pitchFamily="34" charset="0"/>
-            </a:endParaRPr>
-          </a:p>
-          <a:p>
-            <a:r>
-              <a:rPr lang="en-US" sz="1600">
-                <a:solidFill>
-                  <a:schemeClr val="tx1">
-                    <a:lumMod val="85000"/>
-                    <a:lumOff val="15000"/>
-                  </a:schemeClr>
-                </a:solidFill>
-                <a:latin typeface="Consolas" panose="020B0609020204030204" pitchFamily="49" charset="0"/>
-                <a:cs typeface="Arial" panose="020B0604020202020204" pitchFamily="34" charset="0"/>
-              </a:rPr>
-              <a:t>Error in h(simpleError(msg, call)) : </a:t>
-            </a:r>
-          </a:p>
-          <a:p>
-            <a:r>
-              <a:rPr lang="en-US" sz="1600">
-                <a:solidFill>
-                  <a:schemeClr val="tx1">
-                    <a:lumMod val="85000"/>
-                    <a:lumOff val="15000"/>
-                  </a:schemeClr>
-                </a:solidFill>
-                <a:latin typeface="Consolas" panose="020B0609020204030204" pitchFamily="49" charset="0"/>
-                <a:cs typeface="Arial" panose="020B0604020202020204" pitchFamily="34" charset="0"/>
-              </a:rPr>
-              <a:t>  error in evaluating the argument 'x' in selecting a method for function 'colSums': subscript out of bounds</a:t>
-            </a:r>
-            <a:endParaRPr lang="en-US" sz="1600" dirty="0">
-              <a:solidFill>
-                <a:schemeClr val="tx1">
-                  <a:lumMod val="85000"/>
-                  <a:lumOff val="15000"/>
-                </a:schemeClr>
-              </a:solidFill>
-              <a:latin typeface="Consolas" panose="020B0609020204030204" pitchFamily="49" charset="0"/>
-              <a:cs typeface="Arial" panose="020B0604020202020204" pitchFamily="34" charset="0"/>
-            </a:endParaRPr>
-          </a:p>
-        </p:txBody>
-      </p:sp>
-      <p:sp>
-        <p:nvSpPr>
-          <p:cNvPr id="3" name="TextBox 2">
-            <a:extLst>
-              <a:ext uri="{FF2B5EF4-FFF2-40B4-BE49-F238E27FC236}">
-                <a16:creationId xmlns:a16="http://schemas.microsoft.com/office/drawing/2014/main" id="{34043152-2F5F-7D8F-8AA5-DDE5D2954915}"/>
-              </a:ext>
-            </a:extLst>
-          </p:cNvPr>
-          <p:cNvSpPr txBox="1"/>
-          <p:nvPr/>
-        </p:nvSpPr>
-        <p:spPr>
-          <a:xfrm>
-            <a:off x="375138" y="3715328"/>
-            <a:ext cx="6626303" cy="830997"/>
-          </a:xfrm>
-          <a:prstGeom prst="rect">
-            <a:avLst/>
-          </a:prstGeom>
-          <a:solidFill>
-            <a:schemeClr val="bg2">
-              <a:lumMod val="40000"/>
-              <a:lumOff val="60000"/>
-            </a:schemeClr>
-          </a:solidFill>
-        </p:spPr>
-        <p:txBody>
-          <a:bodyPr wrap="square" rtlCol="0">
-            <a:spAutoFit/>
-          </a:bodyPr>
-          <a:lstStyle/>
-          <a:p>
-            <a:r>
-              <a:rPr lang="en-US" sz="1600">
-                <a:solidFill>
-                  <a:schemeClr val="tx1">
-                    <a:lumMod val="85000"/>
-                    <a:lumOff val="15000"/>
-                  </a:schemeClr>
-                </a:solidFill>
-                <a:latin typeface="Arial" panose="020B0604020202020204" pitchFamily="34" charset="0"/>
-                <a:cs typeface="Arial" panose="020B0604020202020204" pitchFamily="34" charset="0"/>
-              </a:rPr>
-              <a:t>Lv6 food tree can be visualized with no problem, but ordination cannot be done…</a:t>
-            </a:r>
-          </a:p>
-          <a:p>
-            <a:endParaRPr lang="en-US" sz="1600" dirty="0">
-              <a:solidFill>
-                <a:schemeClr val="tx1">
-                  <a:lumMod val="85000"/>
-                  <a:lumOff val="15000"/>
-                </a:schemeClr>
-              </a:solidFill>
-              <a:latin typeface="Arial" panose="020B0604020202020204" pitchFamily="34" charset="0"/>
-              <a:cs typeface="Arial" panose="020B0604020202020204" pitchFamily="34" charset="0"/>
-            </a:endParaRPr>
-          </a:p>
-        </p:txBody>
-      </p:sp>
-    </p:spTree>
-    <p:extLst>
-      <p:ext uri="{BB962C8B-B14F-4D97-AF65-F5344CB8AC3E}">
-        <p14:creationId xmlns:p14="http://schemas.microsoft.com/office/powerpoint/2010/main" val="3230998963"/>
-      </p:ext>
-    </p:extLst>
-  </p:cSld>
-  <p:clrMapOvr>
-    <a:masterClrMapping/>
-  </p:clrMapOvr>
-</p:sld>
-</file>
-
 <file path=ppt/slides/slide27.xml><?xml version="1.0" encoding="utf-8"?>
 <p:sld xmlns:a="http://schemas.openxmlformats.org/drawingml/2006/main" xmlns:r="http://schemas.openxmlformats.org/officeDocument/2006/relationships" xmlns:p="http://schemas.openxmlformats.org/presentationml/2006/main">
   <p:cSld>
@@ -12488,128 +13114,139 @@
           <a:p>
             <a:r>
               <a:rPr lang="en-AU" sz="2800"/>
-              <a:t>Males in 60s PCA Nutrients</a:t>
+              <a:t>Males in 60s Lv4 and Lv5</a:t>
             </a:r>
             <a:endParaRPr lang="en-US" sz="2800" dirty="0"/>
           </a:p>
         </p:txBody>
       </p:sp>
-      <p:pic>
-        <p:nvPicPr>
-          <p:cNvPr id="4" name="Picture 3">
-            <a:extLst>
-              <a:ext uri="{FF2B5EF4-FFF2-40B4-BE49-F238E27FC236}">
-                <a16:creationId xmlns:a16="http://schemas.microsoft.com/office/drawing/2014/main" id="{633C83B8-A440-6A90-E2C7-E9329C7249B4}"/>
-              </a:ext>
-            </a:extLst>
-          </p:cNvPr>
-          <p:cNvPicPr>
-            <a:picLocks noChangeAspect="1"/>
-          </p:cNvPicPr>
+      <p:sp>
+        <p:nvSpPr>
+          <p:cNvPr id="3" name="TextBox 2">
+            <a:extLst>
+              <a:ext uri="{FF2B5EF4-FFF2-40B4-BE49-F238E27FC236}">
+                <a16:creationId xmlns:a16="http://schemas.microsoft.com/office/drawing/2014/main" id="{377B8C57-DF27-E4A7-7428-2CEA5F73D54C}"/>
+              </a:ext>
+            </a:extLst>
+          </p:cNvPr>
+          <p:cNvSpPr txBox="1"/>
           <p:nvPr/>
-        </p:nvPicPr>
-        <p:blipFill rotWithShape="1">
-          <a:blip r:embed="rId2"/>
-          <a:srcRect t="6973"/>
-          <a:stretch/>
-        </p:blipFill>
-        <p:spPr>
-          <a:xfrm>
-            <a:off x="457317" y="1767944"/>
-            <a:ext cx="5588774" cy="4442355"/>
+        </p:nvSpPr>
+        <p:spPr>
+          <a:xfrm>
+            <a:off x="2540000" y="2151727"/>
+            <a:ext cx="6819899" cy="2554545"/>
           </a:xfrm>
           <a:prstGeom prst="rect">
             <a:avLst/>
           </a:prstGeom>
-        </p:spPr>
-      </p:pic>
-      <p:pic>
-        <p:nvPicPr>
-          <p:cNvPr id="9" name="Picture 8">
-            <a:extLst>
-              <a:ext uri="{FF2B5EF4-FFF2-40B4-BE49-F238E27FC236}">
-                <a16:creationId xmlns:a16="http://schemas.microsoft.com/office/drawing/2014/main" id="{DB012E95-4EFE-6D6F-2772-7995FE4A5669}"/>
-              </a:ext>
-            </a:extLst>
-          </p:cNvPr>
-          <p:cNvPicPr>
-            <a:picLocks noChangeAspect="1"/>
-          </p:cNvPicPr>
-          <p:nvPr/>
-        </p:nvPicPr>
-        <p:blipFill rotWithShape="1">
-          <a:blip r:embed="rId3"/>
-          <a:srcRect t="6669"/>
-          <a:stretch/>
-        </p:blipFill>
-        <p:spPr>
-          <a:xfrm>
-            <a:off x="6096000" y="1767944"/>
-            <a:ext cx="5553132" cy="4442355"/>
-          </a:xfrm>
-          <a:prstGeom prst="rect">
-            <a:avLst/>
-          </a:prstGeom>
-        </p:spPr>
-      </p:pic>
-      <p:sp>
-        <p:nvSpPr>
-          <p:cNvPr id="3" name="Rectangle: Rounded Corners 2">
-            <a:extLst>
-              <a:ext uri="{FF2B5EF4-FFF2-40B4-BE49-F238E27FC236}">
-                <a16:creationId xmlns:a16="http://schemas.microsoft.com/office/drawing/2014/main" id="{AC06A750-1DE1-9D6F-AC50-071DB64A2317}"/>
-              </a:ext>
-            </a:extLst>
-          </p:cNvPr>
-          <p:cNvSpPr/>
-          <p:nvPr/>
-        </p:nvSpPr>
-        <p:spPr>
-          <a:xfrm>
-            <a:off x="5441262" y="572474"/>
-            <a:ext cx="6207870" cy="763957"/>
-          </a:xfrm>
-          <a:prstGeom prst="roundRect">
-            <a:avLst/>
-          </a:prstGeom>
           <a:solidFill>
-            <a:schemeClr val="bg1"/>
+            <a:schemeClr val="bg2">
+              <a:lumMod val="40000"/>
+              <a:lumOff val="60000"/>
+            </a:schemeClr>
           </a:solidFill>
-          <a:ln w="28575">
-            <a:solidFill>
-              <a:schemeClr val="bg1">
-                <a:lumMod val="65000"/>
-              </a:schemeClr>
-            </a:solidFill>
-          </a:ln>
-        </p:spPr>
-        <p:style>
-          <a:lnRef idx="2">
-            <a:schemeClr val="dk1"/>
-          </a:lnRef>
-          <a:fillRef idx="1">
-            <a:schemeClr val="lt1"/>
-          </a:fillRef>
-          <a:effectRef idx="0">
-            <a:schemeClr val="dk1"/>
-          </a:effectRef>
-          <a:fontRef idx="minor">
-            <a:schemeClr val="dk1"/>
-          </a:fontRef>
-        </p:style>
+        </p:spPr>
         <p:txBody>
-          <a:bodyPr rtlCol="0" anchor="ctr"/>
+          <a:bodyPr wrap="square" rtlCol="0">
+            <a:spAutoFit/>
+          </a:bodyPr>
           <a:lstStyle/>
           <a:p>
-            <a:pPr algn="ctr"/>
-            <a:r>
-              <a:rPr lang="en-US" sz="1600">
+            <a:r>
+              <a:rPr lang="en-US" sz="2000">
+                <a:solidFill>
+                  <a:schemeClr val="tx1">
+                    <a:lumMod val="85000"/>
+                    <a:lumOff val="15000"/>
+                  </a:schemeClr>
+                </a:solidFill>
                 <a:latin typeface="Arial" panose="020B0604020202020204" pitchFamily="34" charset="0"/>
                 <a:cs typeface="Arial" panose="020B0604020202020204" pitchFamily="34" charset="0"/>
               </a:rPr>
-              <a:t>Prediabetic and Diabetic has points in the top right direction. That is associated with higher general food intake..? TFAT, SODI, etc.</a:t>
-            </a:r>
-            <a:endParaRPr lang="en-US" sz="1600" dirty="0">
+              <a:t>Ordination results are influenced by </a:t>
+            </a:r>
+          </a:p>
+          <a:p>
+            <a:r>
+              <a:rPr lang="en-US" sz="2000">
+                <a:solidFill>
+                  <a:schemeClr val="tx1">
+                    <a:lumMod val="85000"/>
+                    <a:lumOff val="15000"/>
+                  </a:schemeClr>
+                </a:solidFill>
+                <a:latin typeface="Arial" panose="020B0604020202020204" pitchFamily="34" charset="0"/>
+                <a:cs typeface="Arial" panose="020B0604020202020204" pitchFamily="34" charset="0"/>
+              </a:rPr>
+              <a:t>- food tree level and </a:t>
+            </a:r>
+          </a:p>
+          <a:p>
+            <a:r>
+              <a:rPr lang="en-US" sz="2000">
+                <a:solidFill>
+                  <a:schemeClr val="tx1">
+                    <a:lumMod val="85000"/>
+                    <a:lumOff val="15000"/>
+                  </a:schemeClr>
+                </a:solidFill>
+                <a:latin typeface="Arial" panose="020B0604020202020204" pitchFamily="34" charset="0"/>
+                <a:cs typeface="Arial" panose="020B0604020202020204" pitchFamily="34" charset="0"/>
+              </a:rPr>
+              <a:t>- whether weighted or unweighted unifrac distance</a:t>
+            </a:r>
+          </a:p>
+          <a:p>
+            <a:r>
+              <a:rPr lang="en-US" sz="2000">
+                <a:solidFill>
+                  <a:schemeClr val="tx1">
+                    <a:lumMod val="85000"/>
+                    <a:lumOff val="15000"/>
+                  </a:schemeClr>
+                </a:solidFill>
+                <a:latin typeface="Arial" panose="020B0604020202020204" pitchFamily="34" charset="0"/>
+                <a:cs typeface="Arial" panose="020B0604020202020204" pitchFamily="34" charset="0"/>
+              </a:rPr>
+              <a:t>is used.</a:t>
+            </a:r>
+          </a:p>
+          <a:p>
+            <a:endParaRPr lang="en-US" sz="2000">
+              <a:solidFill>
+                <a:schemeClr val="tx1">
+                  <a:lumMod val="85000"/>
+                  <a:lumOff val="15000"/>
+                </a:schemeClr>
+              </a:solidFill>
+              <a:latin typeface="Arial" panose="020B0604020202020204" pitchFamily="34" charset="0"/>
+              <a:cs typeface="Arial" panose="020B0604020202020204" pitchFamily="34" charset="0"/>
+            </a:endParaRPr>
+          </a:p>
+          <a:p>
+            <a:r>
+              <a:rPr lang="en-US" sz="2000">
+                <a:solidFill>
+                  <a:schemeClr val="tx1">
+                    <a:lumMod val="85000"/>
+                    <a:lumOff val="15000"/>
+                  </a:schemeClr>
+                </a:solidFill>
+                <a:latin typeface="Arial" panose="020B0604020202020204" pitchFamily="34" charset="0"/>
+                <a:cs typeface="Arial" panose="020B0604020202020204" pitchFamily="34" charset="0"/>
+              </a:rPr>
+              <a:t>But at level 4 and level 5, the three GLU index groups are almost different, while their dispersions are not different. </a:t>
+            </a:r>
+          </a:p>
+          <a:p>
+            <a:endParaRPr lang="en-US" sz="2000" dirty="0">
+              <a:solidFill>
+                <a:schemeClr val="tx1">
+                  <a:lumMod val="85000"/>
+                  <a:lumOff val="15000"/>
+                </a:schemeClr>
+              </a:solidFill>
               <a:latin typeface="Arial" panose="020B0604020202020204" pitchFamily="34" charset="0"/>
               <a:cs typeface="Arial" panose="020B0604020202020204" pitchFamily="34" charset="0"/>
             </a:endParaRPr>
@@ -12619,7 +13256,7 @@
     </p:spTree>
     <p:extLst>
       <p:ext uri="{BB962C8B-B14F-4D97-AF65-F5344CB8AC3E}">
-        <p14:creationId xmlns:p14="http://schemas.microsoft.com/office/powerpoint/2010/main" val="167021928"/>
+        <p14:creationId xmlns:p14="http://schemas.microsoft.com/office/powerpoint/2010/main" val="4075591777"/>
       </p:ext>
     </p:extLst>
   </p:cSld>
@@ -12676,7 +13313,7 @@
           <a:p>
             <a:r>
               <a:rPr lang="en-AU" sz="2800"/>
-              <a:t>Males in 60s BMI</a:t>
+              <a:t>Males in 60s Lv6</a:t>
             </a:r>
             <a:endParaRPr lang="en-US" sz="2800" dirty="0"/>
           </a:p>
@@ -12684,104 +13321,10 @@
       </p:sp>
       <p:sp>
         <p:nvSpPr>
-          <p:cNvPr id="3" name="Rectangle: Rounded Corners 2">
-            <a:extLst>
-              <a:ext uri="{FF2B5EF4-FFF2-40B4-BE49-F238E27FC236}">
-                <a16:creationId xmlns:a16="http://schemas.microsoft.com/office/drawing/2014/main" id="{AC06A750-1DE1-9D6F-AC50-071DB64A2317}"/>
-              </a:ext>
-            </a:extLst>
-          </p:cNvPr>
-          <p:cNvSpPr/>
-          <p:nvPr/>
-        </p:nvSpPr>
-        <p:spPr>
-          <a:xfrm>
-            <a:off x="6715103" y="5074276"/>
-            <a:ext cx="4504691" cy="1307044"/>
-          </a:xfrm>
-          <a:prstGeom prst="roundRect">
-            <a:avLst/>
-          </a:prstGeom>
-          <a:solidFill>
-            <a:schemeClr val="bg1"/>
-          </a:solidFill>
-          <a:ln w="28575">
-            <a:solidFill>
-              <a:schemeClr val="bg1">
-                <a:lumMod val="65000"/>
-              </a:schemeClr>
-            </a:solidFill>
-          </a:ln>
-        </p:spPr>
-        <p:style>
-          <a:lnRef idx="2">
-            <a:schemeClr val="dk1"/>
-          </a:lnRef>
-          <a:fillRef idx="1">
-            <a:schemeClr val="lt1"/>
-          </a:fillRef>
-          <a:effectRef idx="0">
-            <a:schemeClr val="dk1"/>
-          </a:effectRef>
-          <a:fontRef idx="minor">
-            <a:schemeClr val="dk1"/>
-          </a:fontRef>
-        </p:style>
-        <p:txBody>
-          <a:bodyPr rtlCol="0" anchor="ctr"/>
-          <a:lstStyle/>
-          <a:p>
-            <a:pPr algn="ctr"/>
-            <a:r>
-              <a:rPr lang="en-US" sz="1600">
-                <a:latin typeface="Arial" panose="020B0604020202020204" pitchFamily="34" charset="0"/>
-                <a:cs typeface="Arial" panose="020B0604020202020204" pitchFamily="34" charset="0"/>
-              </a:rPr>
-              <a:t>Diabetic group has a higher mean BMI than Prediabetic and Normal group.</a:t>
-            </a:r>
-            <a:endParaRPr lang="en-US" sz="1600" dirty="0">
-              <a:latin typeface="Arial" panose="020B0604020202020204" pitchFamily="34" charset="0"/>
-              <a:cs typeface="Arial" panose="020B0604020202020204" pitchFamily="34" charset="0"/>
-            </a:endParaRPr>
-          </a:p>
-        </p:txBody>
-      </p:sp>
-      <p:pic>
-        <p:nvPicPr>
-          <p:cNvPr id="6" name="Picture 5">
-            <a:extLst>
-              <a:ext uri="{FF2B5EF4-FFF2-40B4-BE49-F238E27FC236}">
-                <a16:creationId xmlns:a16="http://schemas.microsoft.com/office/drawing/2014/main" id="{495894FF-A850-AE28-9EFD-0E805198F189}"/>
-              </a:ext>
-            </a:extLst>
-          </p:cNvPr>
-          <p:cNvPicPr>
-            <a:picLocks noChangeAspect="1"/>
-          </p:cNvPicPr>
-          <p:nvPr/>
-        </p:nvPicPr>
-        <p:blipFill>
-          <a:blip r:embed="rId2"/>
-          <a:stretch>
-            <a:fillRect/>
-          </a:stretch>
-        </p:blipFill>
-        <p:spPr>
-          <a:xfrm>
-            <a:off x="790807" y="1721912"/>
-            <a:ext cx="5419725" cy="4619625"/>
-          </a:xfrm>
-          <a:prstGeom prst="rect">
-            <a:avLst/>
-          </a:prstGeom>
-        </p:spPr>
-      </p:pic>
-      <p:sp>
-        <p:nvSpPr>
-          <p:cNvPr id="7" name="TextBox 6">
-            <a:extLst>
-              <a:ext uri="{FF2B5EF4-FFF2-40B4-BE49-F238E27FC236}">
-                <a16:creationId xmlns:a16="http://schemas.microsoft.com/office/drawing/2014/main" id="{ABF11CED-A835-F499-C11A-281B7FC123DD}"/>
+          <p:cNvPr id="20" name="TextBox 19">
+            <a:extLst>
+              <a:ext uri="{FF2B5EF4-FFF2-40B4-BE49-F238E27FC236}">
+                <a16:creationId xmlns:a16="http://schemas.microsoft.com/office/drawing/2014/main" id="{15F8D50E-2657-9163-D347-4C4A1137F739}"/>
               </a:ext>
             </a:extLst>
           </p:cNvPr>
@@ -12790,8 +13333,8 @@
         </p:nvSpPr>
         <p:spPr>
           <a:xfrm>
-            <a:off x="6564018" y="1336431"/>
-            <a:ext cx="4655776" cy="1200329"/>
+            <a:off x="375138" y="1573013"/>
+            <a:ext cx="11441724" cy="1569660"/>
           </a:xfrm>
           <a:prstGeom prst="rect">
             <a:avLst/>
@@ -12799,38 +13342,89 @@
           <a:noFill/>
         </p:spPr>
         <p:txBody>
-          <a:bodyPr wrap="square">
+          <a:bodyPr wrap="square" rtlCol="0">
             <a:spAutoFit/>
           </a:bodyPr>
           <a:lstStyle/>
           <a:p>
             <a:r>
-              <a:rPr lang="en-US" sz="1800">
-                <a:latin typeface="Arial" panose="020B0604020202020204" pitchFamily="34" charset="0"/>
+              <a:rPr lang="en-US" sz="1600">
+                <a:solidFill>
+                  <a:schemeClr val="tx1">
+                    <a:lumMod val="85000"/>
+                    <a:lumOff val="15000"/>
+                  </a:schemeClr>
+                </a:solidFill>
+                <a:latin typeface="Consolas" panose="020B0609020204030204" pitchFamily="49" charset="0"/>
                 <a:cs typeface="Arial" panose="020B0604020202020204" pitchFamily="34" charset="0"/>
               </a:rPr>
-              <a:t>ANOVA – significant (p-value=0.0026).</a:t>
-            </a:r>
-          </a:p>
-          <a:p>
-            <a:r>
-              <a:rPr lang="en-US" sz="1800">
-                <a:latin typeface="Arial" panose="020B0604020202020204" pitchFamily="34" charset="0"/>
+              <a:t>ordinated_w &lt;- phyloseq::ordinate(phyfoods, method="PCoA", distance="unifrac", weighted=TRUE) </a:t>
+            </a:r>
+          </a:p>
+          <a:p>
+            <a:r>
+              <a:rPr lang="en-US" sz="1600">
+                <a:solidFill>
+                  <a:schemeClr val="tx1">
+                    <a:lumMod val="85000"/>
+                    <a:lumOff val="15000"/>
+                  </a:schemeClr>
+                </a:solidFill>
+                <a:latin typeface="Consolas" panose="020B0609020204030204" pitchFamily="49" charset="0"/>
                 <a:cs typeface="Arial" panose="020B0604020202020204" pitchFamily="34" charset="0"/>
               </a:rPr>
-              <a:t>Diabetic is different from Normal and Prediabetic, but</a:t>
-            </a:r>
-          </a:p>
-          <a:p>
-            <a:r>
-              <a:rPr lang="en-US" sz="1800">
-                <a:latin typeface="Arial" panose="020B0604020202020204" pitchFamily="34" charset="0"/>
+              <a:t># GIVES ERROR...</a:t>
+            </a:r>
+          </a:p>
+          <a:p>
+            <a:endParaRPr lang="en-US" sz="1600">
+              <a:solidFill>
+                <a:schemeClr val="tx1">
+                  <a:lumMod val="85000"/>
+                  <a:lumOff val="15000"/>
+                </a:schemeClr>
+              </a:solidFill>
+              <a:latin typeface="Consolas" panose="020B0609020204030204" pitchFamily="49" charset="0"/>
+              <a:cs typeface="Arial" panose="020B0604020202020204" pitchFamily="34" charset="0"/>
+            </a:endParaRPr>
+          </a:p>
+          <a:p>
+            <a:r>
+              <a:rPr lang="en-US" sz="1600">
+                <a:solidFill>
+                  <a:schemeClr val="tx1">
+                    <a:lumMod val="85000"/>
+                    <a:lumOff val="15000"/>
+                  </a:schemeClr>
+                </a:solidFill>
+                <a:latin typeface="Consolas" panose="020B0609020204030204" pitchFamily="49" charset="0"/>
                 <a:cs typeface="Arial" panose="020B0604020202020204" pitchFamily="34" charset="0"/>
               </a:rPr>
-              <a:t>Normal and Prediabetic are not different.</a:t>
-            </a:r>
-            <a:endParaRPr lang="en-US" sz="1800" dirty="0">
-              <a:latin typeface="Arial" panose="020B0604020202020204" pitchFamily="34" charset="0"/>
+              <a:t>Error in h(simpleError(msg, call)) : </a:t>
+            </a:r>
+          </a:p>
+          <a:p>
+            <a:r>
+              <a:rPr lang="en-US" sz="1600">
+                <a:solidFill>
+                  <a:schemeClr val="tx1">
+                    <a:lumMod val="85000"/>
+                    <a:lumOff val="15000"/>
+                  </a:schemeClr>
+                </a:solidFill>
+                <a:latin typeface="Consolas" panose="020B0609020204030204" pitchFamily="49" charset="0"/>
+                <a:cs typeface="Arial" panose="020B0604020202020204" pitchFamily="34" charset="0"/>
+              </a:rPr>
+              <a:t>  error in evaluating the argument 'x' in selecting a method for function 'colSums': subscript out of bounds</a:t>
+            </a:r>
+            <a:endParaRPr lang="en-US" sz="1600" dirty="0">
+              <a:solidFill>
+                <a:schemeClr val="tx1">
+                  <a:lumMod val="85000"/>
+                  <a:lumOff val="15000"/>
+                </a:schemeClr>
+              </a:solidFill>
+              <a:latin typeface="Consolas" panose="020B0609020204030204" pitchFamily="49" charset="0"/>
               <a:cs typeface="Arial" panose="020B0604020202020204" pitchFamily="34" charset="0"/>
             </a:endParaRPr>
           </a:p>
@@ -12838,10 +13432,10 @@
       </p:sp>
       <p:sp>
         <p:nvSpPr>
-          <p:cNvPr id="10" name="TextBox 9">
-            <a:extLst>
-              <a:ext uri="{FF2B5EF4-FFF2-40B4-BE49-F238E27FC236}">
-                <a16:creationId xmlns:a16="http://schemas.microsoft.com/office/drawing/2014/main" id="{861FF022-95CE-4B42-662C-19BCA0A7441A}"/>
+          <p:cNvPr id="3" name="TextBox 2">
+            <a:extLst>
+              <a:ext uri="{FF2B5EF4-FFF2-40B4-BE49-F238E27FC236}">
+                <a16:creationId xmlns:a16="http://schemas.microsoft.com/office/drawing/2014/main" id="{34043152-2F5F-7D8F-8AA5-DDE5D2954915}"/>
               </a:ext>
             </a:extLst>
           </p:cNvPr>
@@ -12850,62 +13444,57 @@
         </p:nvSpPr>
         <p:spPr>
           <a:xfrm>
-            <a:off x="6715103" y="2997802"/>
-            <a:ext cx="5172097" cy="1169551"/>
+            <a:off x="375138" y="3715328"/>
+            <a:ext cx="6626303" cy="830997"/>
           </a:xfrm>
           <a:prstGeom prst="rect">
             <a:avLst/>
           </a:prstGeom>
-          <a:noFill/>
+          <a:solidFill>
+            <a:schemeClr val="bg2">
+              <a:lumMod val="40000"/>
+              <a:lumOff val="60000"/>
+            </a:schemeClr>
+          </a:solidFill>
         </p:spPr>
         <p:txBody>
-          <a:bodyPr wrap="square">
+          <a:bodyPr wrap="square" rtlCol="0">
             <a:spAutoFit/>
           </a:bodyPr>
           <a:lstStyle/>
           <a:p>
             <a:r>
-              <a:rPr lang="en-US" sz="1400">
-                <a:latin typeface="Consolas" panose="020B0609020204030204" pitchFamily="49" charset="0"/>
+              <a:rPr lang="en-US" sz="1600">
+                <a:solidFill>
+                  <a:schemeClr val="tx1">
+                    <a:lumMod val="85000"/>
+                    <a:lumOff val="15000"/>
+                  </a:schemeClr>
+                </a:solidFill>
+                <a:latin typeface="Arial" panose="020B0604020202020204" pitchFamily="34" charset="0"/>
+                <a:cs typeface="Arial" panose="020B0604020202020204" pitchFamily="34" charset="0"/>
               </a:rPr>
-              <a:t>data:  df$BMXBMI and df$GLU_index </a:t>
-            </a:r>
-          </a:p>
-          <a:p>
-            <a:endParaRPr lang="en-US" sz="1400">
-              <a:latin typeface="Consolas" panose="020B0609020204030204" pitchFamily="49" charset="0"/>
+              <a:t>Lv6 food tree can be visualized with no problem, but ordination cannot be done…</a:t>
+            </a:r>
+          </a:p>
+          <a:p>
+            <a:endParaRPr lang="en-US" sz="1600" dirty="0">
+              <a:solidFill>
+                <a:schemeClr val="tx1">
+                  <a:lumMod val="85000"/>
+                  <a:lumOff val="15000"/>
+                </a:schemeClr>
+              </a:solidFill>
+              <a:latin typeface="Arial" panose="020B0604020202020204" pitchFamily="34" charset="0"/>
+              <a:cs typeface="Arial" panose="020B0604020202020204" pitchFamily="34" charset="0"/>
             </a:endParaRPr>
-          </a:p>
-          <a:p>
-            <a:r>
-              <a:rPr lang="en-US" sz="1400">
-                <a:latin typeface="Consolas" panose="020B0609020204030204" pitchFamily="49" charset="0"/>
-              </a:rPr>
-              <a:t>            Normal Prediabetic</a:t>
-            </a:r>
-          </a:p>
-          <a:p>
-            <a:r>
-              <a:rPr lang="en-US" sz="1400">
-                <a:latin typeface="Consolas" panose="020B0609020204030204" pitchFamily="49" charset="0"/>
-              </a:rPr>
-              <a:t>Prediabetic 0.2471 -          </a:t>
-            </a:r>
-          </a:p>
-          <a:p>
-            <a:r>
-              <a:rPr lang="en-US" sz="1400">
-                <a:latin typeface="Consolas" panose="020B0609020204030204" pitchFamily="49" charset="0"/>
-              </a:rPr>
-              <a:t>Diabetic    0.0036 0.0115 </a:t>
-            </a:r>
           </a:p>
         </p:txBody>
       </p:sp>
     </p:spTree>
     <p:extLst>
       <p:ext uri="{BB962C8B-B14F-4D97-AF65-F5344CB8AC3E}">
-        <p14:creationId xmlns:p14="http://schemas.microsoft.com/office/powerpoint/2010/main" val="2020548661"/>
+        <p14:creationId xmlns:p14="http://schemas.microsoft.com/office/powerpoint/2010/main" val="3230998963"/>
       </p:ext>
     </p:extLst>
   </p:cSld>
@@ -12962,12 +13551,70 @@
           <a:p>
             <a:r>
               <a:rPr lang="en-AU" sz="2800"/>
-              <a:t>Males in 60s KCAL</a:t>
+              <a:t>Males in 60s PCA Nutrients</a:t>
             </a:r>
             <a:endParaRPr lang="en-US" sz="2800" dirty="0"/>
           </a:p>
         </p:txBody>
       </p:sp>
+      <p:pic>
+        <p:nvPicPr>
+          <p:cNvPr id="4" name="Picture 3">
+            <a:extLst>
+              <a:ext uri="{FF2B5EF4-FFF2-40B4-BE49-F238E27FC236}">
+                <a16:creationId xmlns:a16="http://schemas.microsoft.com/office/drawing/2014/main" id="{633C83B8-A440-6A90-E2C7-E9329C7249B4}"/>
+              </a:ext>
+            </a:extLst>
+          </p:cNvPr>
+          <p:cNvPicPr>
+            <a:picLocks noChangeAspect="1"/>
+          </p:cNvPicPr>
+          <p:nvPr/>
+        </p:nvPicPr>
+        <p:blipFill rotWithShape="1">
+          <a:blip r:embed="rId2"/>
+          <a:srcRect t="6973"/>
+          <a:stretch/>
+        </p:blipFill>
+        <p:spPr>
+          <a:xfrm>
+            <a:off x="457317" y="1767944"/>
+            <a:ext cx="5588774" cy="4442355"/>
+          </a:xfrm>
+          <a:prstGeom prst="rect">
+            <a:avLst/>
+          </a:prstGeom>
+        </p:spPr>
+      </p:pic>
+      <p:pic>
+        <p:nvPicPr>
+          <p:cNvPr id="9" name="Picture 8">
+            <a:extLst>
+              <a:ext uri="{FF2B5EF4-FFF2-40B4-BE49-F238E27FC236}">
+                <a16:creationId xmlns:a16="http://schemas.microsoft.com/office/drawing/2014/main" id="{DB012E95-4EFE-6D6F-2772-7995FE4A5669}"/>
+              </a:ext>
+            </a:extLst>
+          </p:cNvPr>
+          <p:cNvPicPr>
+            <a:picLocks noChangeAspect="1"/>
+          </p:cNvPicPr>
+          <p:nvPr/>
+        </p:nvPicPr>
+        <p:blipFill rotWithShape="1">
+          <a:blip r:embed="rId3"/>
+          <a:srcRect t="6669"/>
+          <a:stretch/>
+        </p:blipFill>
+        <p:spPr>
+          <a:xfrm>
+            <a:off x="6096000" y="1767944"/>
+            <a:ext cx="5553132" cy="4442355"/>
+          </a:xfrm>
+          <a:prstGeom prst="rect">
+            <a:avLst/>
+          </a:prstGeom>
+        </p:spPr>
+      </p:pic>
       <p:sp>
         <p:nvSpPr>
           <p:cNvPr id="3" name="Rectangle: Rounded Corners 2">
@@ -12982,8 +13629,8 @@
         </p:nvSpPr>
         <p:spPr>
           <a:xfrm>
-            <a:off x="586299" y="4753138"/>
-            <a:ext cx="4504691" cy="1798386"/>
+            <a:off x="5441262" y="572474"/>
+            <a:ext cx="6207870" cy="763957"/>
           </a:xfrm>
           <a:prstGeom prst="roundRect">
             <a:avLst/>
@@ -13023,7 +13670,7 @@
                 <a:latin typeface="Arial" panose="020B0604020202020204" pitchFamily="34" charset="0"/>
                 <a:cs typeface="Arial" panose="020B0604020202020204" pitchFamily="34" charset="0"/>
               </a:rPr>
-              <a:t>Calorie intake of Normal, Prediabetic, and Diabetic groups are not different... </a:t>
+              <a:t>Prediabetic and Diabetic has points in the top right direction. That is associated with higher general food intake..? TFAT, SODI, etc.</a:t>
             </a:r>
             <a:endParaRPr lang="en-US" sz="1600" dirty="0">
               <a:latin typeface="Arial" panose="020B0604020202020204" pitchFamily="34" charset="0"/>
@@ -13032,108 +13679,10 @@
           </a:p>
         </p:txBody>
       </p:sp>
-      <p:sp>
-        <p:nvSpPr>
-          <p:cNvPr id="7" name="TextBox 6">
-            <a:extLst>
-              <a:ext uri="{FF2B5EF4-FFF2-40B4-BE49-F238E27FC236}">
-                <a16:creationId xmlns:a16="http://schemas.microsoft.com/office/drawing/2014/main" id="{ABF11CED-A835-F499-C11A-281B7FC123DD}"/>
-              </a:ext>
-            </a:extLst>
-          </p:cNvPr>
-          <p:cNvSpPr txBox="1"/>
-          <p:nvPr/>
-        </p:nvSpPr>
-        <p:spPr>
-          <a:xfrm>
-            <a:off x="435214" y="1506635"/>
-            <a:ext cx="4655776" cy="369332"/>
-          </a:xfrm>
-          <a:prstGeom prst="rect">
-            <a:avLst/>
-          </a:prstGeom>
-          <a:noFill/>
-        </p:spPr>
-        <p:txBody>
-          <a:bodyPr wrap="square">
-            <a:spAutoFit/>
-          </a:bodyPr>
-          <a:lstStyle/>
-          <a:p>
-            <a:r>
-              <a:rPr lang="en-US" sz="1800">
-                <a:latin typeface="Arial" panose="020B0604020202020204" pitchFamily="34" charset="0"/>
-                <a:cs typeface="Arial" panose="020B0604020202020204" pitchFamily="34" charset="0"/>
-              </a:rPr>
-              <a:t>ANOVA – not significant (p-value=0.109).</a:t>
-            </a:r>
-          </a:p>
-        </p:txBody>
-      </p:sp>
-      <p:pic>
-        <p:nvPicPr>
-          <p:cNvPr id="8" name="Picture 7">
-            <a:extLst>
-              <a:ext uri="{FF2B5EF4-FFF2-40B4-BE49-F238E27FC236}">
-                <a16:creationId xmlns:a16="http://schemas.microsoft.com/office/drawing/2014/main" id="{4A090C9F-3529-99D0-488E-178EB4E6075E}"/>
-              </a:ext>
-            </a:extLst>
-          </p:cNvPr>
-          <p:cNvPicPr>
-            <a:picLocks noChangeAspect="1"/>
-          </p:cNvPicPr>
-          <p:nvPr/>
-        </p:nvPicPr>
-        <p:blipFill>
-          <a:blip r:embed="rId2"/>
-          <a:stretch>
-            <a:fillRect/>
-          </a:stretch>
-        </p:blipFill>
-        <p:spPr>
-          <a:xfrm>
-            <a:off x="6095999" y="167627"/>
-            <a:ext cx="4217229" cy="3644519"/>
-          </a:xfrm>
-          <a:prstGeom prst="rect">
-            <a:avLst/>
-          </a:prstGeom>
-        </p:spPr>
-      </p:pic>
-      <p:pic>
-        <p:nvPicPr>
-          <p:cNvPr id="10" name="Picture 9">
-            <a:extLst>
-              <a:ext uri="{FF2B5EF4-FFF2-40B4-BE49-F238E27FC236}">
-                <a16:creationId xmlns:a16="http://schemas.microsoft.com/office/drawing/2014/main" id="{35C6B6DA-553F-9241-38E1-155BA37FD52D}"/>
-              </a:ext>
-            </a:extLst>
-          </p:cNvPr>
-          <p:cNvPicPr>
-            <a:picLocks noChangeAspect="1"/>
-          </p:cNvPicPr>
-          <p:nvPr/>
-        </p:nvPicPr>
-        <p:blipFill>
-          <a:blip r:embed="rId3"/>
-          <a:stretch>
-            <a:fillRect/>
-          </a:stretch>
-        </p:blipFill>
-        <p:spPr>
-          <a:xfrm>
-            <a:off x="6433605" y="3944600"/>
-            <a:ext cx="3457369" cy="2958241"/>
-          </a:xfrm>
-          <a:prstGeom prst="rect">
-            <a:avLst/>
-          </a:prstGeom>
-        </p:spPr>
-      </p:pic>
     </p:spTree>
     <p:extLst>
       <p:ext uri="{BB962C8B-B14F-4D97-AF65-F5344CB8AC3E}">
-        <p14:creationId xmlns:p14="http://schemas.microsoft.com/office/powerpoint/2010/main" val="1843588517"/>
+        <p14:creationId xmlns:p14="http://schemas.microsoft.com/office/powerpoint/2010/main" val="167021928"/>
       </p:ext>
     </p:extLst>
   </p:cSld>
@@ -13460,6 +14009,520 @@
           <a:p>
             <a:r>
               <a:rPr lang="en-AU" sz="2800"/>
+              <a:t>Males in 60s BMI</a:t>
+            </a:r>
+            <a:endParaRPr lang="en-US" sz="2800" dirty="0"/>
+          </a:p>
+        </p:txBody>
+      </p:sp>
+      <p:sp>
+        <p:nvSpPr>
+          <p:cNvPr id="3" name="Rectangle: Rounded Corners 2">
+            <a:extLst>
+              <a:ext uri="{FF2B5EF4-FFF2-40B4-BE49-F238E27FC236}">
+                <a16:creationId xmlns:a16="http://schemas.microsoft.com/office/drawing/2014/main" id="{AC06A750-1DE1-9D6F-AC50-071DB64A2317}"/>
+              </a:ext>
+            </a:extLst>
+          </p:cNvPr>
+          <p:cNvSpPr/>
+          <p:nvPr/>
+        </p:nvSpPr>
+        <p:spPr>
+          <a:xfrm>
+            <a:off x="6715103" y="5074276"/>
+            <a:ext cx="4504691" cy="1307044"/>
+          </a:xfrm>
+          <a:prstGeom prst="roundRect">
+            <a:avLst/>
+          </a:prstGeom>
+          <a:solidFill>
+            <a:schemeClr val="bg1"/>
+          </a:solidFill>
+          <a:ln w="28575">
+            <a:solidFill>
+              <a:schemeClr val="bg1">
+                <a:lumMod val="65000"/>
+              </a:schemeClr>
+            </a:solidFill>
+          </a:ln>
+        </p:spPr>
+        <p:style>
+          <a:lnRef idx="2">
+            <a:schemeClr val="dk1"/>
+          </a:lnRef>
+          <a:fillRef idx="1">
+            <a:schemeClr val="lt1"/>
+          </a:fillRef>
+          <a:effectRef idx="0">
+            <a:schemeClr val="dk1"/>
+          </a:effectRef>
+          <a:fontRef idx="minor">
+            <a:schemeClr val="dk1"/>
+          </a:fontRef>
+        </p:style>
+        <p:txBody>
+          <a:bodyPr rtlCol="0" anchor="ctr"/>
+          <a:lstStyle/>
+          <a:p>
+            <a:pPr algn="ctr"/>
+            <a:r>
+              <a:rPr lang="en-US" sz="1600">
+                <a:latin typeface="Arial" panose="020B0604020202020204" pitchFamily="34" charset="0"/>
+                <a:cs typeface="Arial" panose="020B0604020202020204" pitchFamily="34" charset="0"/>
+              </a:rPr>
+              <a:t>Diabetic group has a higher mean BMI than Prediabetic and Normal group.</a:t>
+            </a:r>
+            <a:endParaRPr lang="en-US" sz="1600" dirty="0">
+              <a:latin typeface="Arial" panose="020B0604020202020204" pitchFamily="34" charset="0"/>
+              <a:cs typeface="Arial" panose="020B0604020202020204" pitchFamily="34" charset="0"/>
+            </a:endParaRPr>
+          </a:p>
+        </p:txBody>
+      </p:sp>
+      <p:pic>
+        <p:nvPicPr>
+          <p:cNvPr id="6" name="Picture 5">
+            <a:extLst>
+              <a:ext uri="{FF2B5EF4-FFF2-40B4-BE49-F238E27FC236}">
+                <a16:creationId xmlns:a16="http://schemas.microsoft.com/office/drawing/2014/main" id="{495894FF-A850-AE28-9EFD-0E805198F189}"/>
+              </a:ext>
+            </a:extLst>
+          </p:cNvPr>
+          <p:cNvPicPr>
+            <a:picLocks noChangeAspect="1"/>
+          </p:cNvPicPr>
+          <p:nvPr/>
+        </p:nvPicPr>
+        <p:blipFill>
+          <a:blip r:embed="rId2"/>
+          <a:stretch>
+            <a:fillRect/>
+          </a:stretch>
+        </p:blipFill>
+        <p:spPr>
+          <a:xfrm>
+            <a:off x="790807" y="1721912"/>
+            <a:ext cx="5419725" cy="4619625"/>
+          </a:xfrm>
+          <a:prstGeom prst="rect">
+            <a:avLst/>
+          </a:prstGeom>
+        </p:spPr>
+      </p:pic>
+      <p:sp>
+        <p:nvSpPr>
+          <p:cNvPr id="7" name="TextBox 6">
+            <a:extLst>
+              <a:ext uri="{FF2B5EF4-FFF2-40B4-BE49-F238E27FC236}">
+                <a16:creationId xmlns:a16="http://schemas.microsoft.com/office/drawing/2014/main" id="{ABF11CED-A835-F499-C11A-281B7FC123DD}"/>
+              </a:ext>
+            </a:extLst>
+          </p:cNvPr>
+          <p:cNvSpPr txBox="1"/>
+          <p:nvPr/>
+        </p:nvSpPr>
+        <p:spPr>
+          <a:xfrm>
+            <a:off x="6564018" y="1336431"/>
+            <a:ext cx="4655776" cy="1200329"/>
+          </a:xfrm>
+          <a:prstGeom prst="rect">
+            <a:avLst/>
+          </a:prstGeom>
+          <a:noFill/>
+        </p:spPr>
+        <p:txBody>
+          <a:bodyPr wrap="square">
+            <a:spAutoFit/>
+          </a:bodyPr>
+          <a:lstStyle/>
+          <a:p>
+            <a:r>
+              <a:rPr lang="en-US" sz="1800">
+                <a:latin typeface="Arial" panose="020B0604020202020204" pitchFamily="34" charset="0"/>
+                <a:cs typeface="Arial" panose="020B0604020202020204" pitchFamily="34" charset="0"/>
+              </a:rPr>
+              <a:t>ANOVA – significant (p-value=0.0026).</a:t>
+            </a:r>
+          </a:p>
+          <a:p>
+            <a:r>
+              <a:rPr lang="en-US" sz="1800">
+                <a:latin typeface="Arial" panose="020B0604020202020204" pitchFamily="34" charset="0"/>
+                <a:cs typeface="Arial" panose="020B0604020202020204" pitchFamily="34" charset="0"/>
+              </a:rPr>
+              <a:t>Diabetic is different from Normal and Prediabetic, but</a:t>
+            </a:r>
+          </a:p>
+          <a:p>
+            <a:r>
+              <a:rPr lang="en-US" sz="1800">
+                <a:latin typeface="Arial" panose="020B0604020202020204" pitchFamily="34" charset="0"/>
+                <a:cs typeface="Arial" panose="020B0604020202020204" pitchFamily="34" charset="0"/>
+              </a:rPr>
+              <a:t>Normal and Prediabetic are not different.</a:t>
+            </a:r>
+            <a:endParaRPr lang="en-US" sz="1800" dirty="0">
+              <a:latin typeface="Arial" panose="020B0604020202020204" pitchFamily="34" charset="0"/>
+              <a:cs typeface="Arial" panose="020B0604020202020204" pitchFamily="34" charset="0"/>
+            </a:endParaRPr>
+          </a:p>
+        </p:txBody>
+      </p:sp>
+      <p:sp>
+        <p:nvSpPr>
+          <p:cNvPr id="10" name="TextBox 9">
+            <a:extLst>
+              <a:ext uri="{FF2B5EF4-FFF2-40B4-BE49-F238E27FC236}">
+                <a16:creationId xmlns:a16="http://schemas.microsoft.com/office/drawing/2014/main" id="{861FF022-95CE-4B42-662C-19BCA0A7441A}"/>
+              </a:ext>
+            </a:extLst>
+          </p:cNvPr>
+          <p:cNvSpPr txBox="1"/>
+          <p:nvPr/>
+        </p:nvSpPr>
+        <p:spPr>
+          <a:xfrm>
+            <a:off x="6715103" y="2997802"/>
+            <a:ext cx="5172097" cy="1169551"/>
+          </a:xfrm>
+          <a:prstGeom prst="rect">
+            <a:avLst/>
+          </a:prstGeom>
+          <a:noFill/>
+        </p:spPr>
+        <p:txBody>
+          <a:bodyPr wrap="square">
+            <a:spAutoFit/>
+          </a:bodyPr>
+          <a:lstStyle/>
+          <a:p>
+            <a:r>
+              <a:rPr lang="en-US" sz="1400">
+                <a:latin typeface="Consolas" panose="020B0609020204030204" pitchFamily="49" charset="0"/>
+              </a:rPr>
+              <a:t>data:  df$BMXBMI and df$GLU_index </a:t>
+            </a:r>
+          </a:p>
+          <a:p>
+            <a:endParaRPr lang="en-US" sz="1400">
+              <a:latin typeface="Consolas" panose="020B0609020204030204" pitchFamily="49" charset="0"/>
+            </a:endParaRPr>
+          </a:p>
+          <a:p>
+            <a:r>
+              <a:rPr lang="en-US" sz="1400">
+                <a:latin typeface="Consolas" panose="020B0609020204030204" pitchFamily="49" charset="0"/>
+              </a:rPr>
+              <a:t>            Normal Prediabetic</a:t>
+            </a:r>
+          </a:p>
+          <a:p>
+            <a:r>
+              <a:rPr lang="en-US" sz="1400">
+                <a:latin typeface="Consolas" panose="020B0609020204030204" pitchFamily="49" charset="0"/>
+              </a:rPr>
+              <a:t>Prediabetic 0.2471 -          </a:t>
+            </a:r>
+          </a:p>
+          <a:p>
+            <a:r>
+              <a:rPr lang="en-US" sz="1400">
+                <a:latin typeface="Consolas" panose="020B0609020204030204" pitchFamily="49" charset="0"/>
+              </a:rPr>
+              <a:t>Diabetic    0.0036 0.0115 </a:t>
+            </a:r>
+          </a:p>
+        </p:txBody>
+      </p:sp>
+    </p:spTree>
+    <p:extLst>
+      <p:ext uri="{BB962C8B-B14F-4D97-AF65-F5344CB8AC3E}">
+        <p14:creationId xmlns:p14="http://schemas.microsoft.com/office/powerpoint/2010/main" val="2020548661"/>
+      </p:ext>
+    </p:extLst>
+  </p:cSld>
+  <p:clrMapOvr>
+    <a:masterClrMapping/>
+  </p:clrMapOvr>
+</p:sld>
+</file>
+
+<file path=ppt/slides/slide31.xml><?xml version="1.0" encoding="utf-8"?>
+<p:sld xmlns:a="http://schemas.openxmlformats.org/drawingml/2006/main" xmlns:r="http://schemas.openxmlformats.org/officeDocument/2006/relationships" xmlns:p="http://schemas.openxmlformats.org/presentationml/2006/main">
+  <p:cSld>
+    <p:spTree>
+      <p:nvGrpSpPr>
+        <p:cNvPr id="1" name=""/>
+        <p:cNvGrpSpPr/>
+        <p:nvPr/>
+      </p:nvGrpSpPr>
+      <p:grpSpPr>
+        <a:xfrm>
+          <a:off x="0" y="0"/>
+          <a:ext cx="0" cy="0"/>
+          <a:chOff x="0" y="0"/>
+          <a:chExt cx="0" cy="0"/>
+        </a:xfrm>
+      </p:grpSpPr>
+      <p:sp>
+        <p:nvSpPr>
+          <p:cNvPr id="2" name="Title 1">
+            <a:extLst>
+              <a:ext uri="{FF2B5EF4-FFF2-40B4-BE49-F238E27FC236}">
+                <a16:creationId xmlns:a16="http://schemas.microsoft.com/office/drawing/2014/main" id="{BC5DFE2C-EC3C-618F-59D2-D97D34FA651B}"/>
+              </a:ext>
+            </a:extLst>
+          </p:cNvPr>
+          <p:cNvSpPr>
+            <a:spLocks noGrp="1"/>
+          </p:cNvSpPr>
+          <p:nvPr>
+            <p:ph type="title"/>
+          </p:nvPr>
+        </p:nvSpPr>
+        <p:spPr>
+          <a:xfrm>
+            <a:off x="375138" y="262843"/>
+            <a:ext cx="4818185" cy="1073588"/>
+          </a:xfrm>
+        </p:spPr>
+        <p:txBody>
+          <a:bodyPr>
+            <a:noAutofit/>
+          </a:bodyPr>
+          <a:lstStyle/>
+          <a:p>
+            <a:r>
+              <a:rPr lang="en-AU" sz="2800"/>
+              <a:t>Males in 60s KCAL</a:t>
+            </a:r>
+            <a:endParaRPr lang="en-US" sz="2800" dirty="0"/>
+          </a:p>
+        </p:txBody>
+      </p:sp>
+      <p:sp>
+        <p:nvSpPr>
+          <p:cNvPr id="3" name="Rectangle: Rounded Corners 2">
+            <a:extLst>
+              <a:ext uri="{FF2B5EF4-FFF2-40B4-BE49-F238E27FC236}">
+                <a16:creationId xmlns:a16="http://schemas.microsoft.com/office/drawing/2014/main" id="{AC06A750-1DE1-9D6F-AC50-071DB64A2317}"/>
+              </a:ext>
+            </a:extLst>
+          </p:cNvPr>
+          <p:cNvSpPr/>
+          <p:nvPr/>
+        </p:nvSpPr>
+        <p:spPr>
+          <a:xfrm>
+            <a:off x="586299" y="4753138"/>
+            <a:ext cx="4504691" cy="1798386"/>
+          </a:xfrm>
+          <a:prstGeom prst="roundRect">
+            <a:avLst/>
+          </a:prstGeom>
+          <a:solidFill>
+            <a:schemeClr val="bg1"/>
+          </a:solidFill>
+          <a:ln w="28575">
+            <a:solidFill>
+              <a:schemeClr val="bg1">
+                <a:lumMod val="65000"/>
+              </a:schemeClr>
+            </a:solidFill>
+          </a:ln>
+        </p:spPr>
+        <p:style>
+          <a:lnRef idx="2">
+            <a:schemeClr val="dk1"/>
+          </a:lnRef>
+          <a:fillRef idx="1">
+            <a:schemeClr val="lt1"/>
+          </a:fillRef>
+          <a:effectRef idx="0">
+            <a:schemeClr val="dk1"/>
+          </a:effectRef>
+          <a:fontRef idx="minor">
+            <a:schemeClr val="dk1"/>
+          </a:fontRef>
+        </p:style>
+        <p:txBody>
+          <a:bodyPr rtlCol="0" anchor="ctr"/>
+          <a:lstStyle/>
+          <a:p>
+            <a:pPr algn="ctr"/>
+            <a:r>
+              <a:rPr lang="en-US" sz="1600">
+                <a:latin typeface="Arial" panose="020B0604020202020204" pitchFamily="34" charset="0"/>
+                <a:cs typeface="Arial" panose="020B0604020202020204" pitchFamily="34" charset="0"/>
+              </a:rPr>
+              <a:t>Calorie intake of Normal, Prediabetic, and Diabetic groups are not different... </a:t>
+            </a:r>
+            <a:endParaRPr lang="en-US" sz="1600" dirty="0">
+              <a:latin typeface="Arial" panose="020B0604020202020204" pitchFamily="34" charset="0"/>
+              <a:cs typeface="Arial" panose="020B0604020202020204" pitchFamily="34" charset="0"/>
+            </a:endParaRPr>
+          </a:p>
+        </p:txBody>
+      </p:sp>
+      <p:sp>
+        <p:nvSpPr>
+          <p:cNvPr id="7" name="TextBox 6">
+            <a:extLst>
+              <a:ext uri="{FF2B5EF4-FFF2-40B4-BE49-F238E27FC236}">
+                <a16:creationId xmlns:a16="http://schemas.microsoft.com/office/drawing/2014/main" id="{ABF11CED-A835-F499-C11A-281B7FC123DD}"/>
+              </a:ext>
+            </a:extLst>
+          </p:cNvPr>
+          <p:cNvSpPr txBox="1"/>
+          <p:nvPr/>
+        </p:nvSpPr>
+        <p:spPr>
+          <a:xfrm>
+            <a:off x="435214" y="1506635"/>
+            <a:ext cx="4655776" cy="369332"/>
+          </a:xfrm>
+          <a:prstGeom prst="rect">
+            <a:avLst/>
+          </a:prstGeom>
+          <a:noFill/>
+        </p:spPr>
+        <p:txBody>
+          <a:bodyPr wrap="square">
+            <a:spAutoFit/>
+          </a:bodyPr>
+          <a:lstStyle/>
+          <a:p>
+            <a:r>
+              <a:rPr lang="en-US" sz="1800">
+                <a:latin typeface="Arial" panose="020B0604020202020204" pitchFamily="34" charset="0"/>
+                <a:cs typeface="Arial" panose="020B0604020202020204" pitchFamily="34" charset="0"/>
+              </a:rPr>
+              <a:t>ANOVA – not significant (p-value=0.109).</a:t>
+            </a:r>
+          </a:p>
+        </p:txBody>
+      </p:sp>
+      <p:pic>
+        <p:nvPicPr>
+          <p:cNvPr id="8" name="Picture 7">
+            <a:extLst>
+              <a:ext uri="{FF2B5EF4-FFF2-40B4-BE49-F238E27FC236}">
+                <a16:creationId xmlns:a16="http://schemas.microsoft.com/office/drawing/2014/main" id="{4A090C9F-3529-99D0-488E-178EB4E6075E}"/>
+              </a:ext>
+            </a:extLst>
+          </p:cNvPr>
+          <p:cNvPicPr>
+            <a:picLocks noChangeAspect="1"/>
+          </p:cNvPicPr>
+          <p:nvPr/>
+        </p:nvPicPr>
+        <p:blipFill>
+          <a:blip r:embed="rId2"/>
+          <a:stretch>
+            <a:fillRect/>
+          </a:stretch>
+        </p:blipFill>
+        <p:spPr>
+          <a:xfrm>
+            <a:off x="6095999" y="167627"/>
+            <a:ext cx="4217229" cy="3644519"/>
+          </a:xfrm>
+          <a:prstGeom prst="rect">
+            <a:avLst/>
+          </a:prstGeom>
+        </p:spPr>
+      </p:pic>
+      <p:pic>
+        <p:nvPicPr>
+          <p:cNvPr id="10" name="Picture 9">
+            <a:extLst>
+              <a:ext uri="{FF2B5EF4-FFF2-40B4-BE49-F238E27FC236}">
+                <a16:creationId xmlns:a16="http://schemas.microsoft.com/office/drawing/2014/main" id="{35C6B6DA-553F-9241-38E1-155BA37FD52D}"/>
+              </a:ext>
+            </a:extLst>
+          </p:cNvPr>
+          <p:cNvPicPr>
+            <a:picLocks noChangeAspect="1"/>
+          </p:cNvPicPr>
+          <p:nvPr/>
+        </p:nvPicPr>
+        <p:blipFill>
+          <a:blip r:embed="rId3"/>
+          <a:stretch>
+            <a:fillRect/>
+          </a:stretch>
+        </p:blipFill>
+        <p:spPr>
+          <a:xfrm>
+            <a:off x="6433605" y="3944600"/>
+            <a:ext cx="3457369" cy="2958241"/>
+          </a:xfrm>
+          <a:prstGeom prst="rect">
+            <a:avLst/>
+          </a:prstGeom>
+        </p:spPr>
+      </p:pic>
+    </p:spTree>
+    <p:extLst>
+      <p:ext uri="{BB962C8B-B14F-4D97-AF65-F5344CB8AC3E}">
+        <p14:creationId xmlns:p14="http://schemas.microsoft.com/office/powerpoint/2010/main" val="1843588517"/>
+      </p:ext>
+    </p:extLst>
+  </p:cSld>
+  <p:clrMapOvr>
+    <a:masterClrMapping/>
+  </p:clrMapOvr>
+</p:sld>
+</file>
+
+<file path=ppt/slides/slide32.xml><?xml version="1.0" encoding="utf-8"?>
+<p:sld xmlns:a="http://schemas.openxmlformats.org/drawingml/2006/main" xmlns:r="http://schemas.openxmlformats.org/officeDocument/2006/relationships" xmlns:p="http://schemas.openxmlformats.org/presentationml/2006/main">
+  <p:cSld>
+    <p:spTree>
+      <p:nvGrpSpPr>
+        <p:cNvPr id="1" name=""/>
+        <p:cNvGrpSpPr/>
+        <p:nvPr/>
+      </p:nvGrpSpPr>
+      <p:grpSpPr>
+        <a:xfrm>
+          <a:off x="0" y="0"/>
+          <a:ext cx="0" cy="0"/>
+          <a:chOff x="0" y="0"/>
+          <a:chExt cx="0" cy="0"/>
+        </a:xfrm>
+      </p:grpSpPr>
+      <p:sp>
+        <p:nvSpPr>
+          <p:cNvPr id="2" name="Title 1">
+            <a:extLst>
+              <a:ext uri="{FF2B5EF4-FFF2-40B4-BE49-F238E27FC236}">
+                <a16:creationId xmlns:a16="http://schemas.microsoft.com/office/drawing/2014/main" id="{BC5DFE2C-EC3C-618F-59D2-D97D34FA651B}"/>
+              </a:ext>
+            </a:extLst>
+          </p:cNvPr>
+          <p:cNvSpPr>
+            <a:spLocks noGrp="1"/>
+          </p:cNvSpPr>
+          <p:nvPr>
+            <p:ph type="title"/>
+          </p:nvPr>
+        </p:nvSpPr>
+        <p:spPr>
+          <a:xfrm>
+            <a:off x="375138" y="262843"/>
+            <a:ext cx="4818185" cy="1073588"/>
+          </a:xfrm>
+        </p:spPr>
+        <p:txBody>
+          <a:bodyPr>
+            <a:noAutofit/>
+          </a:bodyPr>
+          <a:lstStyle/>
+          <a:p>
+            <a:r>
+              <a:rPr lang="en-AU" sz="2800"/>
               <a:t>Male in 60s PCA Nutrients</a:t>
             </a:r>
             <a:endParaRPr lang="en-US" sz="2800" dirty="0"/>
@@ -13606,10 +14669,10 @@
         </p:nvGrpSpPr>
         <p:grpSpPr>
           <a:xfrm>
-            <a:off x="8918620" y="2583009"/>
-            <a:ext cx="2743199" cy="1512474"/>
-            <a:chOff x="946597" y="3657793"/>
-            <a:chExt cx="2743199" cy="1512474"/>
+            <a:off x="9169473" y="837032"/>
+            <a:ext cx="2743199" cy="1377458"/>
+            <a:chOff x="946597" y="4167711"/>
+            <a:chExt cx="2743199" cy="1377458"/>
           </a:xfrm>
         </p:grpSpPr>
         <p:sp>
@@ -13687,14 +14750,14 @@
             </p:cNvPr>
             <p:cNvCxnSpPr>
               <a:cxnSpLocks/>
-              <a:stCxn id="12" idx="0"/>
+              <a:stCxn id="12" idx="2"/>
             </p:cNvCxnSpPr>
             <p:nvPr/>
           </p:nvCxnSpPr>
           <p:spPr>
-            <a:xfrm flipH="1" flipV="1">
-              <a:off x="1461752" y="3657793"/>
-              <a:ext cx="856445" cy="509918"/>
+            <a:xfrm flipH="1">
+              <a:off x="1561848" y="5170267"/>
+              <a:ext cx="756349" cy="374902"/>
             </a:xfrm>
             <a:prstGeom prst="straightConnector1">
               <a:avLst/>
@@ -13931,6 +14994,70 @@
           </p:style>
         </p:cxnSp>
       </p:grpSp>
+      <p:sp>
+        <p:nvSpPr>
+          <p:cNvPr id="4" name="Rectangle: Rounded Corners 3">
+            <a:extLst>
+              <a:ext uri="{FF2B5EF4-FFF2-40B4-BE49-F238E27FC236}">
+                <a16:creationId xmlns:a16="http://schemas.microsoft.com/office/drawing/2014/main" id="{91C593E6-D984-7E76-50E8-8660EAC2FA9F}"/>
+              </a:ext>
+            </a:extLst>
+          </p:cNvPr>
+          <p:cNvSpPr/>
+          <p:nvPr/>
+        </p:nvSpPr>
+        <p:spPr>
+          <a:xfrm>
+            <a:off x="8841347" y="2637652"/>
+            <a:ext cx="3071325" cy="1002556"/>
+          </a:xfrm>
+          <a:prstGeom prst="roundRect">
+            <a:avLst/>
+          </a:prstGeom>
+          <a:solidFill>
+            <a:schemeClr val="bg1"/>
+          </a:solidFill>
+          <a:ln w="28575">
+            <a:solidFill>
+              <a:schemeClr val="bg1">
+                <a:lumMod val="65000"/>
+              </a:schemeClr>
+            </a:solidFill>
+          </a:ln>
+        </p:spPr>
+        <p:style>
+          <a:lnRef idx="2">
+            <a:schemeClr val="dk1"/>
+          </a:lnRef>
+          <a:fillRef idx="1">
+            <a:schemeClr val="lt1"/>
+          </a:fillRef>
+          <a:effectRef idx="0">
+            <a:schemeClr val="dk1"/>
+          </a:effectRef>
+          <a:fontRef idx="minor">
+            <a:schemeClr val="dk1"/>
+          </a:fontRef>
+        </p:style>
+        <p:txBody>
+          <a:bodyPr rtlCol="0" anchor="ctr"/>
+          <a:lstStyle/>
+          <a:p>
+            <a:pPr algn="ctr"/>
+            <a:r>
+              <a:rPr lang="en-US" sz="1600">
+                <a:latin typeface="Arial" panose="020B0604020202020204" pitchFamily="34" charset="0"/>
+                <a:cs typeface="Arial" panose="020B0604020202020204" pitchFamily="34" charset="0"/>
+              </a:rPr>
+              <a:t>80+ may not be eating as freely as others due to nursing homes or meal assistance.</a:t>
+            </a:r>
+            <a:endParaRPr lang="en-US" sz="1600" dirty="0">
+              <a:latin typeface="Arial" panose="020B0604020202020204" pitchFamily="34" charset="0"/>
+              <a:cs typeface="Arial" panose="020B0604020202020204" pitchFamily="34" charset="0"/>
+            </a:endParaRPr>
+          </a:p>
+        </p:txBody>
+      </p:sp>
     </p:spTree>
     <p:extLst>
       <p:ext uri="{BB962C8B-B14F-4D97-AF65-F5344CB8AC3E}">
@@ -14206,7 +15333,7 @@
           <a:p>
             <a:r>
               <a:rPr lang="en-AU" sz="2800"/>
-              <a:t>Males in 60 plus, BMI</a:t>
+              <a:t>Male in 60 plus, BMI</a:t>
             </a:r>
             <a:endParaRPr lang="en-US" sz="2800" dirty="0"/>
           </a:p>
@@ -14495,7 +15622,7 @@
           <a:p>
             <a:r>
               <a:rPr lang="en-AU" sz="2800"/>
-              <a:t>Males in 60 plus, KCAL</a:t>
+              <a:t>Male in 60 plus, KCAL</a:t>
             </a:r>
             <a:endParaRPr lang="en-US" sz="2800" dirty="0"/>
           </a:p>
